--- a/Presentazione.pptx
+++ b/Presentazione.pptx
@@ -5,14 +5,15 @@
     <p:sldMasterId id="2147483714" r:id="rId1"/>
   </p:sldMasterIdLst>
   <p:notesMasterIdLst>
-    <p:notesMasterId r:id="rId7"/>
+    <p:notesMasterId r:id="rId8"/>
   </p:notesMasterIdLst>
   <p:sldIdLst>
     <p:sldId id="256" r:id="rId2"/>
     <p:sldId id="264" r:id="rId3"/>
-    <p:sldId id="265" r:id="rId4"/>
-    <p:sldId id="267" r:id="rId5"/>
-    <p:sldId id="266" r:id="rId6"/>
+    <p:sldId id="267" r:id="rId4"/>
+    <p:sldId id="268" r:id="rId5"/>
+    <p:sldId id="269" r:id="rId6"/>
+    <p:sldId id="266" r:id="rId7"/>
   </p:sldIdLst>
   <p:sldSz cx="12192000" cy="6858000"/>
   <p:notesSz cx="6858000" cy="9144000"/>
@@ -141,7 +142,7 @@
 <file path=ppt/revisionInfo.xml><?xml version="1.0" encoding="utf-8"?>
 <p1510:revInfo xmlns:a="http://schemas.openxmlformats.org/drawingml/2006/main" xmlns:r="http://schemas.openxmlformats.org/officeDocument/2006/relationships" xmlns:p1510="http://schemas.microsoft.com/office/powerpoint/2015/10/main">
   <p1510:revLst>
-    <p1510:client id="{E7E3BD26-E077-4F28-8E45-8A90CB9BF807}" v="4" dt="2019-11-19T13:10:06.353"/>
+    <p1510:client id="{E7E3BD26-E077-4F28-8E45-8A90CB9BF807}" v="30" dt="2019-11-20T22:29:47.511"/>
   </p1510:revLst>
 </p1510:revInfo>
 </file>
@@ -678,8 +679,8 @@
   </pc:docChgLst>
   <pc:docChgLst>
     <pc:chgData name="Andrei Daniel Ivan" userId="d3c4cde5a19fb9a3" providerId="LiveId" clId="{E7E3BD26-E077-4F28-8E45-8A90CB9BF807}"/>
-    <pc:docChg chg="undo custSel addSld delSld modSld sldOrd">
-      <pc:chgData name="Andrei Daniel Ivan" userId="d3c4cde5a19fb9a3" providerId="LiveId" clId="{E7E3BD26-E077-4F28-8E45-8A90CB9BF807}" dt="2019-11-19T13:10:13.802" v="92" actId="20577"/>
+    <pc:docChg chg="undo redo custSel addSld delSld modSld sldOrd">
+      <pc:chgData name="Andrei Daniel Ivan" userId="d3c4cde5a19fb9a3" providerId="LiveId" clId="{E7E3BD26-E077-4F28-8E45-8A90CB9BF807}" dt="2019-11-20T22:30:48.275" v="3138" actId="14100"/>
       <pc:docMkLst>
         <pc:docMk/>
       </pc:docMkLst>
@@ -706,23 +707,31 @@
           </ac:picMkLst>
         </pc:picChg>
       </pc:sldChg>
-      <pc:sldChg chg="modSp">
-        <pc:chgData name="Andrei Daniel Ivan" userId="d3c4cde5a19fb9a3" providerId="LiveId" clId="{E7E3BD26-E077-4F28-8E45-8A90CB9BF807}" dt="2019-11-19T13:07:32.440" v="32" actId="207"/>
+      <pc:sldChg chg="addSp delSp modSp">
+        <pc:chgData name="Andrei Daniel Ivan" userId="d3c4cde5a19fb9a3" providerId="LiveId" clId="{E7E3BD26-E077-4F28-8E45-8A90CB9BF807}" dt="2019-11-20T22:13:58.100" v="1966" actId="207"/>
         <pc:sldMkLst>
           <pc:docMk/>
           <pc:sldMk cId="148092493" sldId="264"/>
         </pc:sldMkLst>
-        <pc:spChg chg="mod">
-          <ac:chgData name="Andrei Daniel Ivan" userId="d3c4cde5a19fb9a3" providerId="LiveId" clId="{E7E3BD26-E077-4F28-8E45-8A90CB9BF807}" dt="2019-11-19T13:07:32.440" v="32" actId="207"/>
+        <pc:spChg chg="del mod">
+          <ac:chgData name="Andrei Daniel Ivan" userId="d3c4cde5a19fb9a3" providerId="LiveId" clId="{E7E3BD26-E077-4F28-8E45-8A90CB9BF807}" dt="2019-11-20T21:24:53.231" v="1161" actId="478"/>
           <ac:spMkLst>
             <pc:docMk/>
             <pc:sldMk cId="148092493" sldId="264"/>
             <ac:spMk id="4" creationId="{53201F81-8510-4C74-BAB4-1DBFEB2D3B79}"/>
           </ac:spMkLst>
         </pc:spChg>
+        <pc:spChg chg="add mod">
+          <ac:chgData name="Andrei Daniel Ivan" userId="d3c4cde5a19fb9a3" providerId="LiveId" clId="{E7E3BD26-E077-4F28-8E45-8A90CB9BF807}" dt="2019-11-20T22:13:58.100" v="1966" actId="207"/>
+          <ac:spMkLst>
+            <pc:docMk/>
+            <pc:sldMk cId="148092493" sldId="264"/>
+            <ac:spMk id="5" creationId="{575E9FB5-702A-42D6-A2EB-DC69E86329E8}"/>
+          </ac:spMkLst>
+        </pc:spChg>
       </pc:sldChg>
-      <pc:sldChg chg="delSp modSp">
-        <pc:chgData name="Andrei Daniel Ivan" userId="d3c4cde5a19fb9a3" providerId="LiveId" clId="{E7E3BD26-E077-4F28-8E45-8A90CB9BF807}" dt="2019-11-19T13:07:57.179" v="61" actId="20577"/>
+      <pc:sldChg chg="delSp modSp del">
+        <pc:chgData name="Andrei Daniel Ivan" userId="d3c4cde5a19fb9a3" providerId="LiveId" clId="{E7E3BD26-E077-4F28-8E45-8A90CB9BF807}" dt="2019-11-20T18:56:25.654" v="93" actId="2696"/>
         <pc:sldMkLst>
           <pc:docMk/>
           <pc:sldMk cId="1263132891" sldId="265"/>
@@ -785,7 +794,7 @@
         </pc:picChg>
       </pc:sldChg>
       <pc:sldChg chg="modSp add ord">
-        <pc:chgData name="Andrei Daniel Ivan" userId="d3c4cde5a19fb9a3" providerId="LiveId" clId="{E7E3BD26-E077-4F28-8E45-8A90CB9BF807}" dt="2019-11-19T13:08:21.450" v="78" actId="20577"/>
+        <pc:chgData name="Andrei Daniel Ivan" userId="d3c4cde5a19fb9a3" providerId="LiveId" clId="{E7E3BD26-E077-4F28-8E45-8A90CB9BF807}" dt="2019-11-20T22:22:47.365" v="2823" actId="207"/>
         <pc:sldMkLst>
           <pc:docMk/>
           <pc:sldMk cId="575524611" sldId="266"/>
@@ -798,6 +807,14 @@
             <ac:spMk id="2" creationId="{F1DDE7A4-1A5F-4F0D-B842-7798EDC6EDA8}"/>
           </ac:spMkLst>
         </pc:spChg>
+        <pc:spChg chg="mod">
+          <ac:chgData name="Andrei Daniel Ivan" userId="d3c4cde5a19fb9a3" providerId="LiveId" clId="{E7E3BD26-E077-4F28-8E45-8A90CB9BF807}" dt="2019-11-20T22:22:47.365" v="2823" actId="207"/>
+          <ac:spMkLst>
+            <pc:docMk/>
+            <pc:sldMk cId="575524611" sldId="266"/>
+            <ac:spMk id="4" creationId="{53201F81-8510-4C74-BAB4-1DBFEB2D3B79}"/>
+          </ac:spMkLst>
+        </pc:spChg>
       </pc:sldChg>
       <pc:sldChg chg="del">
         <pc:chgData name="Andrei Daniel Ivan" userId="d3c4cde5a19fb9a3" providerId="LiveId" clId="{E7E3BD26-E077-4F28-8E45-8A90CB9BF807}" dt="2019-11-19T13:08:08.635" v="62" actId="2696"/>
@@ -806,18 +823,65 @@
           <pc:sldMk cId="3577249319" sldId="266"/>
         </pc:sldMkLst>
       </pc:sldChg>
-      <pc:sldChg chg="modSp add">
-        <pc:chgData name="Andrei Daniel Ivan" userId="d3c4cde5a19fb9a3" providerId="LiveId" clId="{E7E3BD26-E077-4F28-8E45-8A90CB9BF807}" dt="2019-11-19T13:10:13.802" v="92" actId="20577"/>
+      <pc:sldChg chg="addSp modSp add">
+        <pc:chgData name="Andrei Daniel Ivan" userId="d3c4cde5a19fb9a3" providerId="LiveId" clId="{E7E3BD26-E077-4F28-8E45-8A90CB9BF807}" dt="2019-11-20T22:28:45.745" v="2994" actId="208"/>
         <pc:sldMkLst>
           <pc:docMk/>
           <pc:sldMk cId="4136629331" sldId="267"/>
         </pc:sldMkLst>
         <pc:spChg chg="mod">
-          <ac:chgData name="Andrei Daniel Ivan" userId="d3c4cde5a19fb9a3" providerId="LiveId" clId="{E7E3BD26-E077-4F28-8E45-8A90CB9BF807}" dt="2019-11-19T13:10:13.802" v="92" actId="20577"/>
+          <ac:chgData name="Andrei Daniel Ivan" userId="d3c4cde5a19fb9a3" providerId="LiveId" clId="{E7E3BD26-E077-4F28-8E45-8A90CB9BF807}" dt="2019-11-20T22:15:51.011" v="1972" actId="20577"/>
           <ac:spMkLst>
             <pc:docMk/>
             <pc:sldMk cId="4136629331" sldId="267"/>
             <ac:spMk id="2" creationId="{F1DDE7A4-1A5F-4F0D-B842-7798EDC6EDA8}"/>
+          </ac:spMkLst>
+        </pc:spChg>
+        <pc:spChg chg="add mod">
+          <ac:chgData name="Andrei Daniel Ivan" userId="d3c4cde5a19fb9a3" providerId="LiveId" clId="{E7E3BD26-E077-4F28-8E45-8A90CB9BF807}" dt="2019-11-20T19:27:42.777" v="451" actId="20577"/>
+          <ac:spMkLst>
+            <pc:docMk/>
+            <pc:sldMk cId="4136629331" sldId="267"/>
+            <ac:spMk id="4" creationId="{C73AC493-CFBD-4478-98D3-FEB9CC45910D}"/>
+          </ac:spMkLst>
+        </pc:spChg>
+        <pc:spChg chg="add mod">
+          <ac:chgData name="Andrei Daniel Ivan" userId="d3c4cde5a19fb9a3" providerId="LiveId" clId="{E7E3BD26-E077-4F28-8E45-8A90CB9BF807}" dt="2019-11-20T22:28:45.745" v="2994" actId="208"/>
+          <ac:spMkLst>
+            <pc:docMk/>
+            <pc:sldMk cId="4136629331" sldId="267"/>
+            <ac:spMk id="5" creationId="{302F8BAF-836E-4668-8646-5D3B6261A1AD}"/>
+          </ac:spMkLst>
+        </pc:spChg>
+      </pc:sldChg>
+      <pc:sldChg chg="addSp delSp modSp add">
+        <pc:chgData name="Andrei Daniel Ivan" userId="d3c4cde5a19fb9a3" providerId="LiveId" clId="{E7E3BD26-E077-4F28-8E45-8A90CB9BF807}" dt="2019-11-20T22:15:54.906" v="1978" actId="20577"/>
+        <pc:sldMkLst>
+          <pc:docMk/>
+          <pc:sldMk cId="305074411" sldId="268"/>
+        </pc:sldMkLst>
+        <pc:spChg chg="mod">
+          <ac:chgData name="Andrei Daniel Ivan" userId="d3c4cde5a19fb9a3" providerId="LiveId" clId="{E7E3BD26-E077-4F28-8E45-8A90CB9BF807}" dt="2019-11-20T22:15:54.906" v="1978" actId="20577"/>
+          <ac:spMkLst>
+            <pc:docMk/>
+            <pc:sldMk cId="305074411" sldId="268"/>
+            <ac:spMk id="2" creationId="{F1DDE7A4-1A5F-4F0D-B842-7798EDC6EDA8}"/>
+          </ac:spMkLst>
+        </pc:spChg>
+        <pc:spChg chg="del">
+          <ac:chgData name="Andrei Daniel Ivan" userId="d3c4cde5a19fb9a3" providerId="LiveId" clId="{E7E3BD26-E077-4F28-8E45-8A90CB9BF807}" dt="2019-11-20T19:09:47.698" v="114" actId="478"/>
+          <ac:spMkLst>
+            <pc:docMk/>
+            <pc:sldMk cId="305074411" sldId="268"/>
+            <ac:spMk id="4" creationId="{C73AC493-CFBD-4478-98D3-FEB9CC45910D}"/>
+          </ac:spMkLst>
+        </pc:spChg>
+        <pc:spChg chg="add mod">
+          <ac:chgData name="Andrei Daniel Ivan" userId="d3c4cde5a19fb9a3" providerId="LiveId" clId="{E7E3BD26-E077-4F28-8E45-8A90CB9BF807}" dt="2019-11-20T19:29:46.544" v="509" actId="1076"/>
+          <ac:spMkLst>
+            <pc:docMk/>
+            <pc:sldMk cId="305074411" sldId="268"/>
+            <ac:spMk id="5" creationId="{1C50962C-2CB0-4056-9B72-BEF1359FC840}"/>
           </ac:spMkLst>
         </pc:spChg>
       </pc:sldChg>
@@ -828,11 +892,56 @@
           <pc:sldMk cId="561529895" sldId="268"/>
         </pc:sldMkLst>
       </pc:sldChg>
+      <pc:sldChg chg="addSp modSp add">
+        <pc:chgData name="Andrei Daniel Ivan" userId="d3c4cde5a19fb9a3" providerId="LiveId" clId="{E7E3BD26-E077-4F28-8E45-8A90CB9BF807}" dt="2019-11-20T22:30:48.275" v="3138" actId="14100"/>
+        <pc:sldMkLst>
+          <pc:docMk/>
+          <pc:sldMk cId="459325634" sldId="269"/>
+        </pc:sldMkLst>
+        <pc:spChg chg="mod">
+          <ac:chgData name="Andrei Daniel Ivan" userId="d3c4cde5a19fb9a3" providerId="LiveId" clId="{E7E3BD26-E077-4F28-8E45-8A90CB9BF807}" dt="2019-11-20T21:15:33.670" v="1160" actId="20577"/>
+          <ac:spMkLst>
+            <pc:docMk/>
+            <pc:sldMk cId="459325634" sldId="269"/>
+            <ac:spMk id="2" creationId="{F1DDE7A4-1A5F-4F0D-B842-7798EDC6EDA8}"/>
+          </ac:spMkLst>
+        </pc:spChg>
+        <pc:spChg chg="mod">
+          <ac:chgData name="Andrei Daniel Ivan" userId="d3c4cde5a19fb9a3" providerId="LiveId" clId="{E7E3BD26-E077-4F28-8E45-8A90CB9BF807}" dt="2019-11-20T22:03:07.713" v="1587" actId="1076"/>
+          <ac:spMkLst>
+            <pc:docMk/>
+            <pc:sldMk cId="459325634" sldId="269"/>
+            <ac:spMk id="5" creationId="{1C50962C-2CB0-4056-9B72-BEF1359FC840}"/>
+          </ac:spMkLst>
+        </pc:spChg>
+        <pc:spChg chg="add mod">
+          <ac:chgData name="Andrei Daniel Ivan" userId="d3c4cde5a19fb9a3" providerId="LiveId" clId="{E7E3BD26-E077-4F28-8E45-8A90CB9BF807}" dt="2019-11-20T22:30:48.275" v="3138" actId="14100"/>
+          <ac:spMkLst>
+            <pc:docMk/>
+            <pc:sldMk cId="459325634" sldId="269"/>
+            <ac:spMk id="6" creationId="{1B59D54F-EAF7-42A3-BF96-2E1D05049F23}"/>
+          </ac:spMkLst>
+        </pc:spChg>
+      </pc:sldChg>
+      <pc:sldChg chg="add del">
+        <pc:chgData name="Andrei Daniel Ivan" userId="d3c4cde5a19fb9a3" providerId="LiveId" clId="{E7E3BD26-E077-4F28-8E45-8A90CB9BF807}" dt="2019-11-20T21:15:15.426" v="1127" actId="2696"/>
+        <pc:sldMkLst>
+          <pc:docMk/>
+          <pc:sldMk cId="1114143210" sldId="269"/>
+        </pc:sldMkLst>
+      </pc:sldChg>
       <pc:sldChg chg="del">
         <pc:chgData name="Andrei Daniel Ivan" userId="d3c4cde5a19fb9a3" providerId="LiveId" clId="{E7E3BD26-E077-4F28-8E45-8A90CB9BF807}" dt="2019-11-19T13:08:09.624" v="63" actId="2696"/>
         <pc:sldMkLst>
           <pc:docMk/>
           <pc:sldMk cId="1292305111" sldId="269"/>
+        </pc:sldMkLst>
+      </pc:sldChg>
+      <pc:sldChg chg="add del">
+        <pc:chgData name="Andrei Daniel Ivan" userId="d3c4cde5a19fb9a3" providerId="LiveId" clId="{E7E3BD26-E077-4F28-8E45-8A90CB9BF807}" dt="2019-11-20T21:15:19.433" v="1129" actId="2696"/>
+        <pc:sldMkLst>
+          <pc:docMk/>
+          <pc:sldMk cId="2435698778" sldId="269"/>
         </pc:sldMkLst>
       </pc:sldChg>
       <pc:sldChg chg="del">
@@ -1090,7 +1199,7 @@
           <a:p>
             <a:fld id="{227EB8F9-9849-4F1B-8247-B2B87148EF6E}" type="datetimeFigureOut">
               <a:rPr lang="it-IT" smtClean="0"/>
-              <a:t>19/11/2019</a:t>
+              <a:t>20/11/2019</a:t>
             </a:fld>
             <a:endParaRPr lang="it-IT"/>
           </a:p>
@@ -1488,7 +1597,7 @@
           <a:p>
             <a:fld id="{519C5307-3A56-4F91-8FB2-60E4C7C3FF23}" type="datetime1">
               <a:rPr lang="it-IT" smtClean="0"/>
-              <a:t>19/11/2019</a:t>
+              <a:t>20/11/2019</a:t>
             </a:fld>
             <a:endParaRPr lang="it-IT"/>
           </a:p>
@@ -1659,7 +1768,7 @@
           <a:p>
             <a:fld id="{519C5307-3A56-4F91-8FB2-60E4C7C3FF23}" type="datetime1">
               <a:rPr lang="it-IT" smtClean="0"/>
-              <a:t>19/11/2019</a:t>
+              <a:t>20/11/2019</a:t>
             </a:fld>
             <a:endParaRPr lang="it-IT"/>
           </a:p>
@@ -1840,7 +1949,7 @@
           <a:p>
             <a:fld id="{519C5307-3A56-4F91-8FB2-60E4C7C3FF23}" type="datetime1">
               <a:rPr lang="it-IT" smtClean="0"/>
-              <a:t>19/11/2019</a:t>
+              <a:t>20/11/2019</a:t>
             </a:fld>
             <a:endParaRPr lang="it-IT"/>
           </a:p>
@@ -2011,7 +2120,7 @@
           <a:p>
             <a:fld id="{519C5307-3A56-4F91-8FB2-60E4C7C3FF23}" type="datetime1">
               <a:rPr lang="it-IT" smtClean="0"/>
-              <a:t>19/11/2019</a:t>
+              <a:t>20/11/2019</a:t>
             </a:fld>
             <a:endParaRPr lang="it-IT"/>
           </a:p>
@@ -2258,7 +2367,7 @@
           <a:p>
             <a:fld id="{519C5307-3A56-4F91-8FB2-60E4C7C3FF23}" type="datetime1">
               <a:rPr lang="it-IT" smtClean="0"/>
-              <a:t>19/11/2019</a:t>
+              <a:t>20/11/2019</a:t>
             </a:fld>
             <a:endParaRPr lang="it-IT"/>
           </a:p>
@@ -2491,7 +2600,7 @@
           <a:p>
             <a:fld id="{519C5307-3A56-4F91-8FB2-60E4C7C3FF23}" type="datetime1">
               <a:rPr lang="it-IT" smtClean="0"/>
-              <a:t>19/11/2019</a:t>
+              <a:t>20/11/2019</a:t>
             </a:fld>
             <a:endParaRPr lang="it-IT"/>
           </a:p>
@@ -2859,7 +2968,7 @@
           <a:p>
             <a:fld id="{519C5307-3A56-4F91-8FB2-60E4C7C3FF23}" type="datetime1">
               <a:rPr lang="it-IT" smtClean="0"/>
-              <a:t>19/11/2019</a:t>
+              <a:t>20/11/2019</a:t>
             </a:fld>
             <a:endParaRPr lang="it-IT"/>
           </a:p>
@@ -2978,7 +3087,7 @@
           <a:p>
             <a:fld id="{519C5307-3A56-4F91-8FB2-60E4C7C3FF23}" type="datetime1">
               <a:rPr lang="it-IT" smtClean="0"/>
-              <a:t>19/11/2019</a:t>
+              <a:t>20/11/2019</a:t>
             </a:fld>
             <a:endParaRPr lang="it-IT"/>
           </a:p>
@@ -3074,7 +3183,7 @@
           <a:p>
             <a:fld id="{519C5307-3A56-4F91-8FB2-60E4C7C3FF23}" type="datetime1">
               <a:rPr lang="it-IT" smtClean="0"/>
-              <a:t>19/11/2019</a:t>
+              <a:t>20/11/2019</a:t>
             </a:fld>
             <a:endParaRPr lang="it-IT"/>
           </a:p>
@@ -3352,7 +3461,7 @@
           <a:p>
             <a:fld id="{519C5307-3A56-4F91-8FB2-60E4C7C3FF23}" type="datetime1">
               <a:rPr lang="it-IT" smtClean="0"/>
-              <a:t>19/11/2019</a:t>
+              <a:t>20/11/2019</a:t>
             </a:fld>
             <a:endParaRPr lang="it-IT"/>
           </a:p>
@@ -3610,7 +3719,7 @@
           <a:p>
             <a:fld id="{519C5307-3A56-4F91-8FB2-60E4C7C3FF23}" type="datetime1">
               <a:rPr lang="it-IT" smtClean="0"/>
-              <a:t>19/11/2019</a:t>
+              <a:t>20/11/2019</a:t>
             </a:fld>
             <a:endParaRPr lang="it-IT"/>
           </a:p>
@@ -3824,7 +3933,7 @@
           <a:p>
             <a:fld id="{519C5307-3A56-4F91-8FB2-60E4C7C3FF23}" type="datetime1">
               <a:rPr lang="it-IT" smtClean="0"/>
-              <a:t>19/11/2019</a:t>
+              <a:t>20/11/2019</a:t>
             </a:fld>
             <a:endParaRPr lang="it-IT"/>
           </a:p>
@@ -4711,10 +4820,10 @@
       </p:sp>
       <p:sp>
         <p:nvSpPr>
-          <p:cNvPr id="4" name="CasellaDiTesto 3">
+          <p:cNvPr id="5" name="CasellaDiTesto 4">
             <a:extLst>
               <a:ext uri="{FF2B5EF4-FFF2-40B4-BE49-F238E27FC236}">
-                <a16:creationId xmlns:a16="http://schemas.microsoft.com/office/drawing/2014/main" id="{53201F81-8510-4C74-BAB4-1DBFEB2D3B79}"/>
+                <a16:creationId xmlns:a16="http://schemas.microsoft.com/office/drawing/2014/main" id="{575E9FB5-702A-42D6-A2EB-DC69E86329E8}"/>
               </a:ext>
             </a:extLst>
           </p:cNvPr>
@@ -4724,7 +4833,7 @@
         <p:spPr>
           <a:xfrm>
             <a:off x="882212" y="1003301"/>
-            <a:ext cx="10427575" cy="461088"/>
+            <a:ext cx="10427575" cy="2954078"/>
           </a:xfrm>
           <a:prstGeom prst="rect">
             <a:avLst/>
@@ -4754,7 +4863,7 @@
                 <a:ea typeface="Calibri" panose="020F0502020204030204" pitchFamily="34" charset="0"/>
                 <a:cs typeface="Times New Roman" panose="02020603050405020304" pitchFamily="18" charset="0"/>
               </a:rPr>
-              <a:t>To </a:t>
+              <a:t>Si è deciso, per quanto riguarda il servizio di </a:t>
             </a:r>
             <a:r>
               <a:rPr lang="it-IT" dirty="0">
@@ -4765,7 +4874,7 @@
                 <a:ea typeface="Calibri" panose="020F0502020204030204" pitchFamily="34" charset="0"/>
                 <a:cs typeface="Times New Roman" panose="02020603050405020304" pitchFamily="18" charset="0"/>
               </a:rPr>
-              <a:t>be</a:t>
+              <a:t>conteggio delle righe</a:t>
             </a:r>
             <a:r>
               <a:rPr lang="it-IT" dirty="0">
@@ -4776,10 +4885,38 @@
                 <a:ea typeface="Calibri" panose="020F0502020204030204" pitchFamily="34" charset="0"/>
                 <a:cs typeface="Times New Roman" panose="02020603050405020304" pitchFamily="18" charset="0"/>
               </a:rPr>
-              <a:t> </a:t>
-            </a:r>
-            <a:r>
-              <a:rPr lang="it-IT" dirty="0" err="1">
+              <a:t> con più parole di una certa soglia inserita dall’utente, di chiedere sempre all’utente quali delimitatori usare per le parole e questi vengono passati come argomento in una stringa.</a:t>
+            </a:r>
+          </a:p>
+          <a:p>
+            <a:pPr algn="just">
+              <a:lnSpc>
+                <a:spcPct val="150000"/>
+              </a:lnSpc>
+              <a:spcAft>
+                <a:spcPts val="0"/>
+              </a:spcAft>
+            </a:pPr>
+            <a:endParaRPr lang="it-IT" dirty="0">
+              <a:solidFill>
+                <a:schemeClr val="bg1"/>
+              </a:solidFill>
+              <a:latin typeface="Avenir Next LT Pro Light" panose="020B0304020202020204" pitchFamily="34" charset="0"/>
+              <a:ea typeface="Calibri" panose="020F0502020204030204" pitchFamily="34" charset="0"/>
+              <a:cs typeface="Times New Roman" panose="02020603050405020304" pitchFamily="18" charset="0"/>
+            </a:endParaRPr>
+          </a:p>
+          <a:p>
+            <a:pPr algn="just">
+              <a:lnSpc>
+                <a:spcPct val="150000"/>
+              </a:lnSpc>
+              <a:spcAft>
+                <a:spcPts val="0"/>
+              </a:spcAft>
+            </a:pPr>
+            <a:r>
+              <a:rPr lang="it-IT" dirty="0">
                 <a:solidFill>
                   <a:schemeClr val="bg1"/>
                 </a:solidFill>
@@ -4787,18 +4924,29 @@
                 <a:ea typeface="Calibri" panose="020F0502020204030204" pitchFamily="34" charset="0"/>
                 <a:cs typeface="Times New Roman" panose="02020603050405020304" pitchFamily="18" charset="0"/>
               </a:rPr>
-              <a:t>defined</a:t>
+              <a:t>Per quanto riguarda il secondo servizio offerto dal Server, di </a:t>
             </a:r>
             <a:r>
               <a:rPr lang="it-IT" dirty="0">
                 <a:solidFill>
-                  <a:schemeClr val="bg1"/>
+                  <a:srgbClr val="00B0F0"/>
                 </a:solidFill>
                 <a:latin typeface="Avenir Next LT Pro Light" panose="020B0304020202020204" pitchFamily="34" charset="0"/>
                 <a:ea typeface="Calibri" panose="020F0502020204030204" pitchFamily="34" charset="0"/>
                 <a:cs typeface="Times New Roman" panose="02020603050405020304" pitchFamily="18" charset="0"/>
               </a:rPr>
-              <a:t>.</a:t>
+              <a:t>eliminazione di una riga</a:t>
+            </a:r>
+            <a:r>
+              <a:rPr lang="it-IT" dirty="0">
+                <a:solidFill>
+                  <a:schemeClr val="bg1"/>
+                </a:solidFill>
+                <a:latin typeface="Avenir Next LT Pro Light" panose="020B0304020202020204" pitchFamily="34" charset="0"/>
+                <a:ea typeface="Calibri" panose="020F0502020204030204" pitchFamily="34" charset="0"/>
+                <a:cs typeface="Times New Roman" panose="02020603050405020304" pitchFamily="18" charset="0"/>
+              </a:rPr>
+              <a:t> da un file di testo, si crea una copia del file e, se la riga esiste, la si elimina. Infine si elimina il file originale e si rinomina la copia con il nome originale del file.</a:t>
             </a:r>
           </a:p>
         </p:txBody>
@@ -4906,7 +5054,2070 @@
                 </a:solidFill>
                 <a:latin typeface="Avenir Next LT Pro Light" panose="020B0304020202020204" pitchFamily="34" charset="0"/>
               </a:rPr>
-              <a:t>Schema C/S (se ho voglia di farlo)</a:t>
+              <a:t>Codice Client (conteggio righe)</a:t>
+            </a:r>
+          </a:p>
+        </p:txBody>
+      </p:sp>
+      <p:sp>
+        <p:nvSpPr>
+          <p:cNvPr id="4" name="CasellaDiTesto 3">
+            <a:extLst>
+              <a:ext uri="{FF2B5EF4-FFF2-40B4-BE49-F238E27FC236}">
+                <a16:creationId xmlns:a16="http://schemas.microsoft.com/office/drawing/2014/main" id="{C73AC493-CFBD-4478-98D3-FEB9CC45910D}"/>
+              </a:ext>
+            </a:extLst>
+          </p:cNvPr>
+          <p:cNvSpPr txBox="1"/>
+          <p:nvPr/>
+        </p:nvSpPr>
+        <p:spPr>
+          <a:xfrm>
+            <a:off x="590730" y="1083808"/>
+            <a:ext cx="10660291" cy="4951677"/>
+          </a:xfrm>
+          <a:prstGeom prst="rect">
+            <a:avLst/>
+          </a:prstGeom>
+          <a:noFill/>
+        </p:spPr>
+        <p:txBody>
+          <a:bodyPr wrap="none" rtlCol="0">
+            <a:spAutoFit/>
+          </a:bodyPr>
+          <a:lstStyle/>
+          <a:p>
+            <a:pPr>
+              <a:lnSpc>
+                <a:spcPct val="120000"/>
+              </a:lnSpc>
+              <a:spcAft>
+                <a:spcPts val="0"/>
+              </a:spcAft>
+            </a:pPr>
+            <a:r>
+              <a:rPr lang="it-IT" sz="1200" dirty="0" err="1">
+                <a:solidFill>
+                  <a:srgbClr val="C586C0"/>
+                </a:solidFill>
+                <a:latin typeface="Consolas" panose="020B0609020204030204" pitchFamily="49" charset="0"/>
+                <a:ea typeface="Times New Roman" panose="02020603050405020304" pitchFamily="18" charset="0"/>
+                <a:cs typeface="Times New Roman" panose="02020603050405020304" pitchFamily="18" charset="0"/>
+              </a:rPr>
+              <a:t>while</a:t>
+            </a:r>
+            <a:r>
+              <a:rPr lang="it-IT" sz="1200" dirty="0">
+                <a:solidFill>
+                  <a:srgbClr val="D4D4D4"/>
+                </a:solidFill>
+                <a:latin typeface="Consolas" panose="020B0609020204030204" pitchFamily="49" charset="0"/>
+                <a:ea typeface="Times New Roman" panose="02020603050405020304" pitchFamily="18" charset="0"/>
+                <a:cs typeface="Times New Roman" panose="02020603050405020304" pitchFamily="18" charset="0"/>
+              </a:rPr>
+              <a:t> ((service = </a:t>
+            </a:r>
+            <a:r>
+              <a:rPr lang="it-IT" sz="1200" dirty="0" err="1">
+                <a:solidFill>
+                  <a:srgbClr val="9CDCFE"/>
+                </a:solidFill>
+                <a:latin typeface="Consolas" panose="020B0609020204030204" pitchFamily="49" charset="0"/>
+                <a:ea typeface="Times New Roman" panose="02020603050405020304" pitchFamily="18" charset="0"/>
+                <a:cs typeface="Times New Roman" panose="02020603050405020304" pitchFamily="18" charset="0"/>
+              </a:rPr>
+              <a:t>stdIn</a:t>
+            </a:r>
+            <a:r>
+              <a:rPr lang="it-IT" sz="1200" dirty="0" err="1">
+                <a:solidFill>
+                  <a:srgbClr val="D4D4D4"/>
+                </a:solidFill>
+                <a:latin typeface="Consolas" panose="020B0609020204030204" pitchFamily="49" charset="0"/>
+                <a:ea typeface="Times New Roman" panose="02020603050405020304" pitchFamily="18" charset="0"/>
+                <a:cs typeface="Times New Roman" panose="02020603050405020304" pitchFamily="18" charset="0"/>
+              </a:rPr>
+              <a:t>.</a:t>
+            </a:r>
+            <a:r>
+              <a:rPr lang="it-IT" sz="1200" dirty="0" err="1">
+                <a:solidFill>
+                  <a:srgbClr val="DCDCAA"/>
+                </a:solidFill>
+                <a:latin typeface="Consolas" panose="020B0609020204030204" pitchFamily="49" charset="0"/>
+                <a:ea typeface="Times New Roman" panose="02020603050405020304" pitchFamily="18" charset="0"/>
+                <a:cs typeface="Times New Roman" panose="02020603050405020304" pitchFamily="18" charset="0"/>
+              </a:rPr>
+              <a:t>readLine</a:t>
+            </a:r>
+            <a:r>
+              <a:rPr lang="it-IT" sz="1200" dirty="0">
+                <a:solidFill>
+                  <a:srgbClr val="D4D4D4"/>
+                </a:solidFill>
+                <a:latin typeface="Consolas" panose="020B0609020204030204" pitchFamily="49" charset="0"/>
+                <a:ea typeface="Times New Roman" panose="02020603050405020304" pitchFamily="18" charset="0"/>
+                <a:cs typeface="Times New Roman" panose="02020603050405020304" pitchFamily="18" charset="0"/>
+              </a:rPr>
+              <a:t>()) != </a:t>
+            </a:r>
+            <a:r>
+              <a:rPr lang="it-IT" sz="1200" dirty="0" err="1">
+                <a:solidFill>
+                  <a:srgbClr val="569CD6"/>
+                </a:solidFill>
+                <a:latin typeface="Consolas" panose="020B0609020204030204" pitchFamily="49" charset="0"/>
+                <a:ea typeface="Times New Roman" panose="02020603050405020304" pitchFamily="18" charset="0"/>
+                <a:cs typeface="Times New Roman" panose="02020603050405020304" pitchFamily="18" charset="0"/>
+              </a:rPr>
+              <a:t>null</a:t>
+            </a:r>
+            <a:r>
+              <a:rPr lang="it-IT" sz="1200" dirty="0">
+                <a:solidFill>
+                  <a:srgbClr val="D4D4D4"/>
+                </a:solidFill>
+                <a:latin typeface="Consolas" panose="020B0609020204030204" pitchFamily="49" charset="0"/>
+                <a:ea typeface="Times New Roman" panose="02020603050405020304" pitchFamily="18" charset="0"/>
+                <a:cs typeface="Times New Roman" panose="02020603050405020304" pitchFamily="18" charset="0"/>
+              </a:rPr>
+              <a:t>) {</a:t>
+            </a:r>
+            <a:endParaRPr lang="it-IT" sz="1200" dirty="0">
+              <a:latin typeface="Consolas" panose="020B0609020204030204" pitchFamily="49" charset="0"/>
+              <a:ea typeface="Calibri" panose="020F0502020204030204" pitchFamily="34" charset="0"/>
+              <a:cs typeface="Times New Roman" panose="02020603050405020304" pitchFamily="18" charset="0"/>
+            </a:endParaRPr>
+          </a:p>
+          <a:p>
+            <a:pPr>
+              <a:lnSpc>
+                <a:spcPct val="120000"/>
+              </a:lnSpc>
+              <a:spcAft>
+                <a:spcPts val="0"/>
+              </a:spcAft>
+            </a:pPr>
+            <a:r>
+              <a:rPr lang="it-IT" sz="1200" dirty="0">
+                <a:solidFill>
+                  <a:srgbClr val="C586C0"/>
+                </a:solidFill>
+                <a:latin typeface="Consolas" panose="020B0609020204030204" pitchFamily="49" charset="0"/>
+                <a:ea typeface="Times New Roman" panose="02020603050405020304" pitchFamily="18" charset="0"/>
+                <a:cs typeface="Times New Roman" panose="02020603050405020304" pitchFamily="18" charset="0"/>
+              </a:rPr>
+              <a:t>	</a:t>
+            </a:r>
+            <a:r>
+              <a:rPr lang="it-IT" sz="1200" dirty="0" err="1">
+                <a:solidFill>
+                  <a:srgbClr val="C586C0"/>
+                </a:solidFill>
+                <a:latin typeface="Consolas" panose="020B0609020204030204" pitchFamily="49" charset="0"/>
+                <a:ea typeface="Times New Roman" panose="02020603050405020304" pitchFamily="18" charset="0"/>
+                <a:cs typeface="Times New Roman" panose="02020603050405020304" pitchFamily="18" charset="0"/>
+              </a:rPr>
+              <a:t>if</a:t>
+            </a:r>
+            <a:r>
+              <a:rPr lang="it-IT" sz="1200" dirty="0">
+                <a:solidFill>
+                  <a:srgbClr val="D4D4D4"/>
+                </a:solidFill>
+                <a:latin typeface="Consolas" panose="020B0609020204030204" pitchFamily="49" charset="0"/>
+                <a:ea typeface="Times New Roman" panose="02020603050405020304" pitchFamily="18" charset="0"/>
+                <a:cs typeface="Times New Roman" panose="02020603050405020304" pitchFamily="18" charset="0"/>
+              </a:rPr>
+              <a:t> (</a:t>
+            </a:r>
+            <a:r>
+              <a:rPr lang="it-IT" sz="1200" dirty="0" err="1">
+                <a:solidFill>
+                  <a:srgbClr val="9CDCFE"/>
+                </a:solidFill>
+                <a:latin typeface="Consolas" panose="020B0609020204030204" pitchFamily="49" charset="0"/>
+                <a:ea typeface="Times New Roman" panose="02020603050405020304" pitchFamily="18" charset="0"/>
+                <a:cs typeface="Times New Roman" panose="02020603050405020304" pitchFamily="18" charset="0"/>
+              </a:rPr>
+              <a:t>service</a:t>
+            </a:r>
+            <a:r>
+              <a:rPr lang="it-IT" sz="1200" dirty="0" err="1">
+                <a:solidFill>
+                  <a:srgbClr val="D4D4D4"/>
+                </a:solidFill>
+                <a:latin typeface="Consolas" panose="020B0609020204030204" pitchFamily="49" charset="0"/>
+                <a:ea typeface="Times New Roman" panose="02020603050405020304" pitchFamily="18" charset="0"/>
+                <a:cs typeface="Times New Roman" panose="02020603050405020304" pitchFamily="18" charset="0"/>
+              </a:rPr>
+              <a:t>.</a:t>
+            </a:r>
+            <a:r>
+              <a:rPr lang="it-IT" sz="1200" dirty="0" err="1">
+                <a:solidFill>
+                  <a:srgbClr val="DCDCAA"/>
+                </a:solidFill>
+                <a:latin typeface="Consolas" panose="020B0609020204030204" pitchFamily="49" charset="0"/>
+                <a:ea typeface="Times New Roman" panose="02020603050405020304" pitchFamily="18" charset="0"/>
+                <a:cs typeface="Times New Roman" panose="02020603050405020304" pitchFamily="18" charset="0"/>
+              </a:rPr>
+              <a:t>equals</a:t>
+            </a:r>
+            <a:r>
+              <a:rPr lang="it-IT" sz="1200" dirty="0">
+                <a:solidFill>
+                  <a:srgbClr val="D4D4D4"/>
+                </a:solidFill>
+                <a:latin typeface="Consolas" panose="020B0609020204030204" pitchFamily="49" charset="0"/>
+                <a:ea typeface="Times New Roman" panose="02020603050405020304" pitchFamily="18" charset="0"/>
+                <a:cs typeface="Times New Roman" panose="02020603050405020304" pitchFamily="18" charset="0"/>
+              </a:rPr>
+              <a:t>(</a:t>
+            </a:r>
+            <a:r>
+              <a:rPr lang="it-IT" sz="1200" dirty="0">
+                <a:solidFill>
+                  <a:srgbClr val="CE9178"/>
+                </a:solidFill>
+                <a:latin typeface="Consolas" panose="020B0609020204030204" pitchFamily="49" charset="0"/>
+                <a:ea typeface="Times New Roman" panose="02020603050405020304" pitchFamily="18" charset="0"/>
+                <a:cs typeface="Times New Roman" panose="02020603050405020304" pitchFamily="18" charset="0"/>
+              </a:rPr>
+              <a:t>"C"</a:t>
+            </a:r>
+            <a:r>
+              <a:rPr lang="it-IT" sz="1200" dirty="0">
+                <a:solidFill>
+                  <a:srgbClr val="D4D4D4"/>
+                </a:solidFill>
+                <a:latin typeface="Consolas" panose="020B0609020204030204" pitchFamily="49" charset="0"/>
+                <a:ea typeface="Times New Roman" panose="02020603050405020304" pitchFamily="18" charset="0"/>
+                <a:cs typeface="Times New Roman" panose="02020603050405020304" pitchFamily="18" charset="0"/>
+              </a:rPr>
+              <a:t>)) {</a:t>
+            </a:r>
+            <a:endParaRPr lang="it-IT" sz="1200" dirty="0">
+              <a:latin typeface="Consolas" panose="020B0609020204030204" pitchFamily="49" charset="0"/>
+              <a:ea typeface="Calibri" panose="020F0502020204030204" pitchFamily="34" charset="0"/>
+              <a:cs typeface="Times New Roman" panose="02020603050405020304" pitchFamily="18" charset="0"/>
+            </a:endParaRPr>
+          </a:p>
+          <a:p>
+            <a:pPr>
+              <a:lnSpc>
+                <a:spcPct val="120000"/>
+              </a:lnSpc>
+              <a:spcAft>
+                <a:spcPts val="0"/>
+              </a:spcAft>
+            </a:pPr>
+            <a:r>
+              <a:rPr lang="it-IT" sz="1200" dirty="0">
+                <a:solidFill>
+                  <a:srgbClr val="4EC9B0"/>
+                </a:solidFill>
+                <a:latin typeface="Consolas" panose="020B0609020204030204" pitchFamily="49" charset="0"/>
+                <a:ea typeface="Times New Roman" panose="02020603050405020304" pitchFamily="18" charset="0"/>
+                <a:cs typeface="Times New Roman" panose="02020603050405020304" pitchFamily="18" charset="0"/>
+              </a:rPr>
+              <a:t>		</a:t>
+            </a:r>
+            <a:r>
+              <a:rPr lang="it-IT" sz="1200" dirty="0" err="1">
+                <a:solidFill>
+                  <a:srgbClr val="4EC9B0"/>
+                </a:solidFill>
+                <a:latin typeface="Consolas" panose="020B0609020204030204" pitchFamily="49" charset="0"/>
+                <a:ea typeface="Times New Roman" panose="02020603050405020304" pitchFamily="18" charset="0"/>
+                <a:cs typeface="Times New Roman" panose="02020603050405020304" pitchFamily="18" charset="0"/>
+              </a:rPr>
+              <a:t>String</a:t>
+            </a:r>
+            <a:r>
+              <a:rPr lang="it-IT" sz="1200" dirty="0">
+                <a:solidFill>
+                  <a:srgbClr val="D4D4D4"/>
+                </a:solidFill>
+                <a:latin typeface="Consolas" panose="020B0609020204030204" pitchFamily="49" charset="0"/>
+                <a:ea typeface="Times New Roman" panose="02020603050405020304" pitchFamily="18" charset="0"/>
+                <a:cs typeface="Times New Roman" panose="02020603050405020304" pitchFamily="18" charset="0"/>
+              </a:rPr>
+              <a:t> </a:t>
+            </a:r>
+            <a:r>
+              <a:rPr lang="it-IT" sz="1200" dirty="0" err="1">
+                <a:solidFill>
+                  <a:srgbClr val="9CDCFE"/>
+                </a:solidFill>
+                <a:latin typeface="Consolas" panose="020B0609020204030204" pitchFamily="49" charset="0"/>
+                <a:ea typeface="Times New Roman" panose="02020603050405020304" pitchFamily="18" charset="0"/>
+                <a:cs typeface="Times New Roman" panose="02020603050405020304" pitchFamily="18" charset="0"/>
+              </a:rPr>
+              <a:t>fileName</a:t>
+            </a:r>
+            <a:r>
+              <a:rPr lang="it-IT" sz="1200" dirty="0">
+                <a:solidFill>
+                  <a:srgbClr val="D4D4D4"/>
+                </a:solidFill>
+                <a:latin typeface="Consolas" panose="020B0609020204030204" pitchFamily="49" charset="0"/>
+                <a:ea typeface="Times New Roman" panose="02020603050405020304" pitchFamily="18" charset="0"/>
+                <a:cs typeface="Times New Roman" panose="02020603050405020304" pitchFamily="18" charset="0"/>
+              </a:rPr>
+              <a:t>, </a:t>
+            </a:r>
+            <a:r>
+              <a:rPr lang="it-IT" sz="1200" dirty="0" err="1">
+                <a:solidFill>
+                  <a:srgbClr val="9CDCFE"/>
+                </a:solidFill>
+                <a:latin typeface="Consolas" panose="020B0609020204030204" pitchFamily="49" charset="0"/>
+                <a:ea typeface="Times New Roman" panose="02020603050405020304" pitchFamily="18" charset="0"/>
+                <a:cs typeface="Times New Roman" panose="02020603050405020304" pitchFamily="18" charset="0"/>
+              </a:rPr>
+              <a:t>delim</a:t>
+            </a:r>
+            <a:r>
+              <a:rPr lang="it-IT" sz="1200" dirty="0">
+                <a:solidFill>
+                  <a:srgbClr val="D4D4D4"/>
+                </a:solidFill>
+                <a:latin typeface="Consolas" panose="020B0609020204030204" pitchFamily="49" charset="0"/>
+                <a:ea typeface="Times New Roman" panose="02020603050405020304" pitchFamily="18" charset="0"/>
+                <a:cs typeface="Times New Roman" panose="02020603050405020304" pitchFamily="18" charset="0"/>
+              </a:rPr>
+              <a:t>;</a:t>
+            </a:r>
+            <a:endParaRPr lang="it-IT" sz="1200" dirty="0">
+              <a:latin typeface="Consolas" panose="020B0609020204030204" pitchFamily="49" charset="0"/>
+              <a:ea typeface="Calibri" panose="020F0502020204030204" pitchFamily="34" charset="0"/>
+              <a:cs typeface="Times New Roman" panose="02020603050405020304" pitchFamily="18" charset="0"/>
+            </a:endParaRPr>
+          </a:p>
+          <a:p>
+            <a:pPr>
+              <a:lnSpc>
+                <a:spcPct val="120000"/>
+              </a:lnSpc>
+              <a:spcAft>
+                <a:spcPts val="0"/>
+              </a:spcAft>
+            </a:pPr>
+            <a:r>
+              <a:rPr lang="it-IT" sz="1200" dirty="0">
+                <a:solidFill>
+                  <a:srgbClr val="4EC9B0"/>
+                </a:solidFill>
+                <a:latin typeface="Consolas" panose="020B0609020204030204" pitchFamily="49" charset="0"/>
+                <a:ea typeface="Times New Roman" panose="02020603050405020304" pitchFamily="18" charset="0"/>
+                <a:cs typeface="Times New Roman" panose="02020603050405020304" pitchFamily="18" charset="0"/>
+              </a:rPr>
+              <a:t>		</a:t>
+            </a:r>
+            <a:r>
+              <a:rPr lang="it-IT" sz="1200" dirty="0" err="1">
+                <a:solidFill>
+                  <a:srgbClr val="4EC9B0"/>
+                </a:solidFill>
+                <a:latin typeface="Consolas" panose="020B0609020204030204" pitchFamily="49" charset="0"/>
+                <a:ea typeface="Times New Roman" panose="02020603050405020304" pitchFamily="18" charset="0"/>
+                <a:cs typeface="Times New Roman" panose="02020603050405020304" pitchFamily="18" charset="0"/>
+              </a:rPr>
+              <a:t>int</a:t>
+            </a:r>
+            <a:r>
+              <a:rPr lang="it-IT" sz="1200" dirty="0">
+                <a:solidFill>
+                  <a:srgbClr val="D4D4D4"/>
+                </a:solidFill>
+                <a:latin typeface="Consolas" panose="020B0609020204030204" pitchFamily="49" charset="0"/>
+                <a:ea typeface="Times New Roman" panose="02020603050405020304" pitchFamily="18" charset="0"/>
+                <a:cs typeface="Times New Roman" panose="02020603050405020304" pitchFamily="18" charset="0"/>
+              </a:rPr>
+              <a:t> </a:t>
+            </a:r>
+            <a:r>
+              <a:rPr lang="it-IT" sz="1200" dirty="0" err="1">
+                <a:solidFill>
+                  <a:srgbClr val="9CDCFE"/>
+                </a:solidFill>
+                <a:latin typeface="Consolas" panose="020B0609020204030204" pitchFamily="49" charset="0"/>
+                <a:ea typeface="Times New Roman" panose="02020603050405020304" pitchFamily="18" charset="0"/>
+                <a:cs typeface="Times New Roman" panose="02020603050405020304" pitchFamily="18" charset="0"/>
+              </a:rPr>
+              <a:t>numParole</a:t>
+            </a:r>
+            <a:r>
+              <a:rPr lang="it-IT" sz="1200" dirty="0">
+                <a:solidFill>
+                  <a:srgbClr val="D4D4D4"/>
+                </a:solidFill>
+                <a:latin typeface="Consolas" panose="020B0609020204030204" pitchFamily="49" charset="0"/>
+                <a:ea typeface="Times New Roman" panose="02020603050405020304" pitchFamily="18" charset="0"/>
+                <a:cs typeface="Times New Roman" panose="02020603050405020304" pitchFamily="18" charset="0"/>
+              </a:rPr>
+              <a:t>;</a:t>
+            </a:r>
+          </a:p>
+          <a:p>
+            <a:pPr>
+              <a:lnSpc>
+                <a:spcPct val="120000"/>
+              </a:lnSpc>
+              <a:spcAft>
+                <a:spcPts val="0"/>
+              </a:spcAft>
+            </a:pPr>
+            <a:endParaRPr lang="it-IT" sz="1200" dirty="0">
+              <a:latin typeface="Consolas" panose="020B0609020204030204" pitchFamily="49" charset="0"/>
+              <a:ea typeface="Calibri" panose="020F0502020204030204" pitchFamily="34" charset="0"/>
+              <a:cs typeface="Times New Roman" panose="02020603050405020304" pitchFamily="18" charset="0"/>
+            </a:endParaRPr>
+          </a:p>
+          <a:p>
+            <a:pPr>
+              <a:lnSpc>
+                <a:spcPct val="120000"/>
+              </a:lnSpc>
+              <a:spcAft>
+                <a:spcPts val="0"/>
+              </a:spcAft>
+            </a:pPr>
+            <a:r>
+              <a:rPr lang="it-IT" sz="1200" dirty="0">
+                <a:solidFill>
+                  <a:srgbClr val="9CDCFE"/>
+                </a:solidFill>
+                <a:latin typeface="Consolas" panose="020B0609020204030204" pitchFamily="49" charset="0"/>
+                <a:ea typeface="Times New Roman" panose="02020603050405020304" pitchFamily="18" charset="0"/>
+                <a:cs typeface="Times New Roman" panose="02020603050405020304" pitchFamily="18" charset="0"/>
+              </a:rPr>
+              <a:t>		</a:t>
+            </a:r>
+            <a:r>
+              <a:rPr lang="it-IT" sz="1200" dirty="0" err="1">
+                <a:solidFill>
+                  <a:srgbClr val="9CDCFE"/>
+                </a:solidFill>
+                <a:latin typeface="Consolas" panose="020B0609020204030204" pitchFamily="49" charset="0"/>
+                <a:ea typeface="Times New Roman" panose="02020603050405020304" pitchFamily="18" charset="0"/>
+                <a:cs typeface="Times New Roman" panose="02020603050405020304" pitchFamily="18" charset="0"/>
+              </a:rPr>
+              <a:t>System</a:t>
+            </a:r>
+            <a:r>
+              <a:rPr lang="it-IT" sz="1200" dirty="0" err="1">
+                <a:solidFill>
+                  <a:srgbClr val="D4D4D4"/>
+                </a:solidFill>
+                <a:latin typeface="Consolas" panose="020B0609020204030204" pitchFamily="49" charset="0"/>
+                <a:ea typeface="Times New Roman" panose="02020603050405020304" pitchFamily="18" charset="0"/>
+                <a:cs typeface="Times New Roman" panose="02020603050405020304" pitchFamily="18" charset="0"/>
+              </a:rPr>
+              <a:t>.</a:t>
+            </a:r>
+            <a:r>
+              <a:rPr lang="it-IT" sz="1200" dirty="0" err="1">
+                <a:solidFill>
+                  <a:srgbClr val="9CDCFE"/>
+                </a:solidFill>
+                <a:latin typeface="Consolas" panose="020B0609020204030204" pitchFamily="49" charset="0"/>
+                <a:ea typeface="Times New Roman" panose="02020603050405020304" pitchFamily="18" charset="0"/>
+                <a:cs typeface="Times New Roman" panose="02020603050405020304" pitchFamily="18" charset="0"/>
+              </a:rPr>
+              <a:t>out</a:t>
+            </a:r>
+            <a:r>
+              <a:rPr lang="it-IT" sz="1200" dirty="0" err="1">
+                <a:solidFill>
+                  <a:srgbClr val="D4D4D4"/>
+                </a:solidFill>
+                <a:latin typeface="Consolas" panose="020B0609020204030204" pitchFamily="49" charset="0"/>
+                <a:ea typeface="Times New Roman" panose="02020603050405020304" pitchFamily="18" charset="0"/>
+                <a:cs typeface="Times New Roman" panose="02020603050405020304" pitchFamily="18" charset="0"/>
+              </a:rPr>
+              <a:t>.</a:t>
+            </a:r>
+            <a:r>
+              <a:rPr lang="it-IT" sz="1200" dirty="0" err="1">
+                <a:solidFill>
+                  <a:srgbClr val="DCDCAA"/>
+                </a:solidFill>
+                <a:latin typeface="Consolas" panose="020B0609020204030204" pitchFamily="49" charset="0"/>
+                <a:ea typeface="Times New Roman" panose="02020603050405020304" pitchFamily="18" charset="0"/>
+                <a:cs typeface="Times New Roman" panose="02020603050405020304" pitchFamily="18" charset="0"/>
+              </a:rPr>
+              <a:t>print</a:t>
+            </a:r>
+            <a:r>
+              <a:rPr lang="it-IT" sz="1200" dirty="0">
+                <a:solidFill>
+                  <a:srgbClr val="D4D4D4"/>
+                </a:solidFill>
+                <a:latin typeface="Consolas" panose="020B0609020204030204" pitchFamily="49" charset="0"/>
+                <a:ea typeface="Times New Roman" panose="02020603050405020304" pitchFamily="18" charset="0"/>
+                <a:cs typeface="Times New Roman" panose="02020603050405020304" pitchFamily="18" charset="0"/>
+              </a:rPr>
+              <a:t>(</a:t>
+            </a:r>
+            <a:r>
+              <a:rPr lang="it-IT" sz="1200" dirty="0">
+                <a:solidFill>
+                  <a:srgbClr val="CE9178"/>
+                </a:solidFill>
+                <a:latin typeface="Consolas" panose="020B0609020204030204" pitchFamily="49" charset="0"/>
+                <a:ea typeface="Times New Roman" panose="02020603050405020304" pitchFamily="18" charset="0"/>
+                <a:cs typeface="Times New Roman" panose="02020603050405020304" pitchFamily="18" charset="0"/>
+              </a:rPr>
+              <a:t>"Inserire il nome del file: "</a:t>
+            </a:r>
+            <a:r>
+              <a:rPr lang="it-IT" sz="1200" dirty="0">
+                <a:solidFill>
+                  <a:srgbClr val="D4D4D4"/>
+                </a:solidFill>
+                <a:latin typeface="Consolas" panose="020B0609020204030204" pitchFamily="49" charset="0"/>
+                <a:ea typeface="Times New Roman" panose="02020603050405020304" pitchFamily="18" charset="0"/>
+                <a:cs typeface="Times New Roman" panose="02020603050405020304" pitchFamily="18" charset="0"/>
+              </a:rPr>
+              <a:t>);</a:t>
+            </a:r>
+            <a:endParaRPr lang="it-IT" sz="1200" dirty="0">
+              <a:latin typeface="Consolas" panose="020B0609020204030204" pitchFamily="49" charset="0"/>
+              <a:ea typeface="Calibri" panose="020F0502020204030204" pitchFamily="34" charset="0"/>
+              <a:cs typeface="Times New Roman" panose="02020603050405020304" pitchFamily="18" charset="0"/>
+            </a:endParaRPr>
+          </a:p>
+          <a:p>
+            <a:pPr>
+              <a:lnSpc>
+                <a:spcPct val="120000"/>
+              </a:lnSpc>
+              <a:spcAft>
+                <a:spcPts val="0"/>
+              </a:spcAft>
+            </a:pPr>
+            <a:r>
+              <a:rPr lang="it-IT" sz="1200" dirty="0">
+                <a:solidFill>
+                  <a:srgbClr val="D4D4D4"/>
+                </a:solidFill>
+                <a:latin typeface="Consolas" panose="020B0609020204030204" pitchFamily="49" charset="0"/>
+                <a:ea typeface="Times New Roman" panose="02020603050405020304" pitchFamily="18" charset="0"/>
+                <a:cs typeface="Times New Roman" panose="02020603050405020304" pitchFamily="18" charset="0"/>
+              </a:rPr>
+              <a:t>		</a:t>
+            </a:r>
+            <a:r>
+              <a:rPr lang="it-IT" sz="1200" dirty="0" err="1">
+                <a:solidFill>
+                  <a:srgbClr val="D4D4D4"/>
+                </a:solidFill>
+                <a:latin typeface="Consolas" panose="020B0609020204030204" pitchFamily="49" charset="0"/>
+                <a:ea typeface="Times New Roman" panose="02020603050405020304" pitchFamily="18" charset="0"/>
+                <a:cs typeface="Times New Roman" panose="02020603050405020304" pitchFamily="18" charset="0"/>
+              </a:rPr>
+              <a:t>fileName</a:t>
+            </a:r>
+            <a:r>
+              <a:rPr lang="it-IT" sz="1200" dirty="0">
+                <a:solidFill>
+                  <a:srgbClr val="D4D4D4"/>
+                </a:solidFill>
+                <a:latin typeface="Consolas" panose="020B0609020204030204" pitchFamily="49" charset="0"/>
+                <a:ea typeface="Times New Roman" panose="02020603050405020304" pitchFamily="18" charset="0"/>
+                <a:cs typeface="Times New Roman" panose="02020603050405020304" pitchFamily="18" charset="0"/>
+              </a:rPr>
+              <a:t> = </a:t>
+            </a:r>
+            <a:r>
+              <a:rPr lang="it-IT" sz="1200" dirty="0" err="1">
+                <a:solidFill>
+                  <a:srgbClr val="9CDCFE"/>
+                </a:solidFill>
+                <a:latin typeface="Consolas" panose="020B0609020204030204" pitchFamily="49" charset="0"/>
+                <a:ea typeface="Times New Roman" panose="02020603050405020304" pitchFamily="18" charset="0"/>
+                <a:cs typeface="Times New Roman" panose="02020603050405020304" pitchFamily="18" charset="0"/>
+              </a:rPr>
+              <a:t>stdIn</a:t>
+            </a:r>
+            <a:r>
+              <a:rPr lang="it-IT" sz="1200" dirty="0" err="1">
+                <a:solidFill>
+                  <a:srgbClr val="D4D4D4"/>
+                </a:solidFill>
+                <a:latin typeface="Consolas" panose="020B0609020204030204" pitchFamily="49" charset="0"/>
+                <a:ea typeface="Times New Roman" panose="02020603050405020304" pitchFamily="18" charset="0"/>
+                <a:cs typeface="Times New Roman" panose="02020603050405020304" pitchFamily="18" charset="0"/>
+              </a:rPr>
+              <a:t>.</a:t>
+            </a:r>
+            <a:r>
+              <a:rPr lang="it-IT" sz="1200" dirty="0" err="1">
+                <a:solidFill>
+                  <a:srgbClr val="DCDCAA"/>
+                </a:solidFill>
+                <a:latin typeface="Consolas" panose="020B0609020204030204" pitchFamily="49" charset="0"/>
+                <a:ea typeface="Times New Roman" panose="02020603050405020304" pitchFamily="18" charset="0"/>
+                <a:cs typeface="Times New Roman" panose="02020603050405020304" pitchFamily="18" charset="0"/>
+              </a:rPr>
+              <a:t>readLine</a:t>
+            </a:r>
+            <a:r>
+              <a:rPr lang="it-IT" sz="1200" dirty="0">
+                <a:solidFill>
+                  <a:srgbClr val="D4D4D4"/>
+                </a:solidFill>
+                <a:latin typeface="Consolas" panose="020B0609020204030204" pitchFamily="49" charset="0"/>
+                <a:ea typeface="Times New Roman" panose="02020603050405020304" pitchFamily="18" charset="0"/>
+                <a:cs typeface="Times New Roman" panose="02020603050405020304" pitchFamily="18" charset="0"/>
+              </a:rPr>
+              <a:t>();</a:t>
+            </a:r>
+            <a:endParaRPr lang="it-IT" sz="1200" dirty="0">
+              <a:latin typeface="Consolas" panose="020B0609020204030204" pitchFamily="49" charset="0"/>
+              <a:ea typeface="Calibri" panose="020F0502020204030204" pitchFamily="34" charset="0"/>
+              <a:cs typeface="Times New Roman" panose="02020603050405020304" pitchFamily="18" charset="0"/>
+            </a:endParaRPr>
+          </a:p>
+          <a:p>
+            <a:pPr>
+              <a:lnSpc>
+                <a:spcPct val="120000"/>
+              </a:lnSpc>
+              <a:spcAft>
+                <a:spcPts val="0"/>
+              </a:spcAft>
+            </a:pPr>
+            <a:endParaRPr lang="it-IT" sz="1200" dirty="0">
+              <a:solidFill>
+                <a:srgbClr val="6A9955"/>
+              </a:solidFill>
+              <a:latin typeface="Consolas" panose="020B0609020204030204" pitchFamily="49" charset="0"/>
+              <a:ea typeface="Times New Roman" panose="02020603050405020304" pitchFamily="18" charset="0"/>
+              <a:cs typeface="Times New Roman" panose="02020603050405020304" pitchFamily="18" charset="0"/>
+            </a:endParaRPr>
+          </a:p>
+          <a:p>
+            <a:pPr>
+              <a:lnSpc>
+                <a:spcPct val="120000"/>
+              </a:lnSpc>
+              <a:spcAft>
+                <a:spcPts val="0"/>
+              </a:spcAft>
+            </a:pPr>
+            <a:r>
+              <a:rPr lang="it-IT" sz="1200" dirty="0">
+                <a:solidFill>
+                  <a:srgbClr val="9CDCFE"/>
+                </a:solidFill>
+                <a:latin typeface="Consolas" panose="020B0609020204030204" pitchFamily="49" charset="0"/>
+                <a:ea typeface="Times New Roman" panose="02020603050405020304" pitchFamily="18" charset="0"/>
+                <a:cs typeface="Times New Roman" panose="02020603050405020304" pitchFamily="18" charset="0"/>
+              </a:rPr>
+              <a:t>		</a:t>
+            </a:r>
+            <a:r>
+              <a:rPr lang="it-IT" sz="1200" dirty="0" err="1">
+                <a:solidFill>
+                  <a:srgbClr val="9CDCFE"/>
+                </a:solidFill>
+                <a:latin typeface="Consolas" panose="020B0609020204030204" pitchFamily="49" charset="0"/>
+                <a:ea typeface="Times New Roman" panose="02020603050405020304" pitchFamily="18" charset="0"/>
+                <a:cs typeface="Times New Roman" panose="02020603050405020304" pitchFamily="18" charset="0"/>
+              </a:rPr>
+              <a:t>System</a:t>
+            </a:r>
+            <a:r>
+              <a:rPr lang="it-IT" sz="1200" dirty="0" err="1">
+                <a:solidFill>
+                  <a:srgbClr val="D4D4D4"/>
+                </a:solidFill>
+                <a:latin typeface="Consolas" panose="020B0609020204030204" pitchFamily="49" charset="0"/>
+                <a:ea typeface="Times New Roman" panose="02020603050405020304" pitchFamily="18" charset="0"/>
+                <a:cs typeface="Times New Roman" panose="02020603050405020304" pitchFamily="18" charset="0"/>
+              </a:rPr>
+              <a:t>.</a:t>
+            </a:r>
+            <a:r>
+              <a:rPr lang="it-IT" sz="1200" dirty="0" err="1">
+                <a:solidFill>
+                  <a:srgbClr val="9CDCFE"/>
+                </a:solidFill>
+                <a:latin typeface="Consolas" panose="020B0609020204030204" pitchFamily="49" charset="0"/>
+                <a:ea typeface="Times New Roman" panose="02020603050405020304" pitchFamily="18" charset="0"/>
+                <a:cs typeface="Times New Roman" panose="02020603050405020304" pitchFamily="18" charset="0"/>
+              </a:rPr>
+              <a:t>out</a:t>
+            </a:r>
+            <a:r>
+              <a:rPr lang="it-IT" sz="1200" dirty="0" err="1">
+                <a:solidFill>
+                  <a:srgbClr val="D4D4D4"/>
+                </a:solidFill>
+                <a:latin typeface="Consolas" panose="020B0609020204030204" pitchFamily="49" charset="0"/>
+                <a:ea typeface="Times New Roman" panose="02020603050405020304" pitchFamily="18" charset="0"/>
+                <a:cs typeface="Times New Roman" panose="02020603050405020304" pitchFamily="18" charset="0"/>
+              </a:rPr>
+              <a:t>.</a:t>
+            </a:r>
+            <a:r>
+              <a:rPr lang="it-IT" sz="1200" dirty="0" err="1">
+                <a:solidFill>
+                  <a:srgbClr val="DCDCAA"/>
+                </a:solidFill>
+                <a:latin typeface="Consolas" panose="020B0609020204030204" pitchFamily="49" charset="0"/>
+                <a:ea typeface="Times New Roman" panose="02020603050405020304" pitchFamily="18" charset="0"/>
+                <a:cs typeface="Times New Roman" panose="02020603050405020304" pitchFamily="18" charset="0"/>
+              </a:rPr>
+              <a:t>print</a:t>
+            </a:r>
+            <a:r>
+              <a:rPr lang="it-IT" sz="1200" dirty="0">
+                <a:solidFill>
+                  <a:srgbClr val="D4D4D4"/>
+                </a:solidFill>
+                <a:latin typeface="Consolas" panose="020B0609020204030204" pitchFamily="49" charset="0"/>
+                <a:ea typeface="Times New Roman" panose="02020603050405020304" pitchFamily="18" charset="0"/>
+                <a:cs typeface="Times New Roman" panose="02020603050405020304" pitchFamily="18" charset="0"/>
+              </a:rPr>
+              <a:t>(</a:t>
+            </a:r>
+            <a:r>
+              <a:rPr lang="it-IT" sz="1200" dirty="0">
+                <a:solidFill>
+                  <a:srgbClr val="CE9178"/>
+                </a:solidFill>
+                <a:latin typeface="Consolas" panose="020B0609020204030204" pitchFamily="49" charset="0"/>
+                <a:ea typeface="Times New Roman" panose="02020603050405020304" pitchFamily="18" charset="0"/>
+                <a:cs typeface="Times New Roman" panose="02020603050405020304" pitchFamily="18" charset="0"/>
+              </a:rPr>
+              <a:t>"Inserire il numero di parole per riga da ricercare: "</a:t>
+            </a:r>
+            <a:r>
+              <a:rPr lang="it-IT" sz="1200" dirty="0">
+                <a:solidFill>
+                  <a:srgbClr val="D4D4D4"/>
+                </a:solidFill>
+                <a:latin typeface="Consolas" panose="020B0609020204030204" pitchFamily="49" charset="0"/>
+                <a:ea typeface="Times New Roman" panose="02020603050405020304" pitchFamily="18" charset="0"/>
+                <a:cs typeface="Times New Roman" panose="02020603050405020304" pitchFamily="18" charset="0"/>
+              </a:rPr>
+              <a:t>);</a:t>
+            </a:r>
+            <a:endParaRPr lang="it-IT" sz="1200" dirty="0">
+              <a:latin typeface="Consolas" panose="020B0609020204030204" pitchFamily="49" charset="0"/>
+              <a:ea typeface="Calibri" panose="020F0502020204030204" pitchFamily="34" charset="0"/>
+              <a:cs typeface="Times New Roman" panose="02020603050405020304" pitchFamily="18" charset="0"/>
+            </a:endParaRPr>
+          </a:p>
+          <a:p>
+            <a:pPr>
+              <a:lnSpc>
+                <a:spcPct val="120000"/>
+              </a:lnSpc>
+              <a:spcAft>
+                <a:spcPts val="0"/>
+              </a:spcAft>
+            </a:pPr>
+            <a:r>
+              <a:rPr lang="it-IT" sz="1200" dirty="0">
+                <a:solidFill>
+                  <a:srgbClr val="D4D4D4"/>
+                </a:solidFill>
+                <a:latin typeface="Consolas" panose="020B0609020204030204" pitchFamily="49" charset="0"/>
+                <a:ea typeface="Times New Roman" panose="02020603050405020304" pitchFamily="18" charset="0"/>
+                <a:cs typeface="Times New Roman" panose="02020603050405020304" pitchFamily="18" charset="0"/>
+              </a:rPr>
+              <a:t>		</a:t>
+            </a:r>
+            <a:r>
+              <a:rPr lang="it-IT" sz="1200" dirty="0" err="1">
+                <a:solidFill>
+                  <a:srgbClr val="D4D4D4"/>
+                </a:solidFill>
+                <a:latin typeface="Consolas" panose="020B0609020204030204" pitchFamily="49" charset="0"/>
+                <a:ea typeface="Times New Roman" panose="02020603050405020304" pitchFamily="18" charset="0"/>
+                <a:cs typeface="Times New Roman" panose="02020603050405020304" pitchFamily="18" charset="0"/>
+              </a:rPr>
+              <a:t>numParole</a:t>
+            </a:r>
+            <a:r>
+              <a:rPr lang="it-IT" sz="1200" dirty="0">
+                <a:solidFill>
+                  <a:srgbClr val="D4D4D4"/>
+                </a:solidFill>
+                <a:latin typeface="Consolas" panose="020B0609020204030204" pitchFamily="49" charset="0"/>
+                <a:ea typeface="Times New Roman" panose="02020603050405020304" pitchFamily="18" charset="0"/>
+                <a:cs typeface="Times New Roman" panose="02020603050405020304" pitchFamily="18" charset="0"/>
+              </a:rPr>
+              <a:t> = </a:t>
+            </a:r>
+            <a:r>
+              <a:rPr lang="it-IT" sz="1200" dirty="0" err="1">
+                <a:solidFill>
+                  <a:srgbClr val="9CDCFE"/>
+                </a:solidFill>
+                <a:latin typeface="Consolas" panose="020B0609020204030204" pitchFamily="49" charset="0"/>
+                <a:ea typeface="Times New Roman" panose="02020603050405020304" pitchFamily="18" charset="0"/>
+                <a:cs typeface="Times New Roman" panose="02020603050405020304" pitchFamily="18" charset="0"/>
+              </a:rPr>
+              <a:t>Integer</a:t>
+            </a:r>
+            <a:r>
+              <a:rPr lang="it-IT" sz="1200" dirty="0" err="1">
+                <a:solidFill>
+                  <a:srgbClr val="D4D4D4"/>
+                </a:solidFill>
+                <a:latin typeface="Consolas" panose="020B0609020204030204" pitchFamily="49" charset="0"/>
+                <a:ea typeface="Times New Roman" panose="02020603050405020304" pitchFamily="18" charset="0"/>
+                <a:cs typeface="Times New Roman" panose="02020603050405020304" pitchFamily="18" charset="0"/>
+              </a:rPr>
+              <a:t>.</a:t>
+            </a:r>
+            <a:r>
+              <a:rPr lang="it-IT" sz="1200" dirty="0" err="1">
+                <a:solidFill>
+                  <a:srgbClr val="DCDCAA"/>
+                </a:solidFill>
+                <a:latin typeface="Consolas" panose="020B0609020204030204" pitchFamily="49" charset="0"/>
+                <a:ea typeface="Times New Roman" panose="02020603050405020304" pitchFamily="18" charset="0"/>
+                <a:cs typeface="Times New Roman" panose="02020603050405020304" pitchFamily="18" charset="0"/>
+              </a:rPr>
+              <a:t>parseInt</a:t>
+            </a:r>
+            <a:r>
+              <a:rPr lang="it-IT" sz="1200" dirty="0">
+                <a:solidFill>
+                  <a:srgbClr val="D4D4D4"/>
+                </a:solidFill>
+                <a:latin typeface="Consolas" panose="020B0609020204030204" pitchFamily="49" charset="0"/>
+                <a:ea typeface="Times New Roman" panose="02020603050405020304" pitchFamily="18" charset="0"/>
+                <a:cs typeface="Times New Roman" panose="02020603050405020304" pitchFamily="18" charset="0"/>
+              </a:rPr>
+              <a:t>(</a:t>
+            </a:r>
+            <a:r>
+              <a:rPr lang="it-IT" sz="1200" dirty="0" err="1">
+                <a:solidFill>
+                  <a:srgbClr val="9CDCFE"/>
+                </a:solidFill>
+                <a:latin typeface="Consolas" panose="020B0609020204030204" pitchFamily="49" charset="0"/>
+                <a:ea typeface="Times New Roman" panose="02020603050405020304" pitchFamily="18" charset="0"/>
+                <a:cs typeface="Times New Roman" panose="02020603050405020304" pitchFamily="18" charset="0"/>
+              </a:rPr>
+              <a:t>stdIn</a:t>
+            </a:r>
+            <a:r>
+              <a:rPr lang="it-IT" sz="1200" dirty="0" err="1">
+                <a:solidFill>
+                  <a:srgbClr val="D4D4D4"/>
+                </a:solidFill>
+                <a:latin typeface="Consolas" panose="020B0609020204030204" pitchFamily="49" charset="0"/>
+                <a:ea typeface="Times New Roman" panose="02020603050405020304" pitchFamily="18" charset="0"/>
+                <a:cs typeface="Times New Roman" panose="02020603050405020304" pitchFamily="18" charset="0"/>
+              </a:rPr>
+              <a:t>.</a:t>
+            </a:r>
+            <a:r>
+              <a:rPr lang="it-IT" sz="1200" dirty="0" err="1">
+                <a:solidFill>
+                  <a:srgbClr val="DCDCAA"/>
+                </a:solidFill>
+                <a:latin typeface="Consolas" panose="020B0609020204030204" pitchFamily="49" charset="0"/>
+                <a:ea typeface="Times New Roman" panose="02020603050405020304" pitchFamily="18" charset="0"/>
+                <a:cs typeface="Times New Roman" panose="02020603050405020304" pitchFamily="18" charset="0"/>
+              </a:rPr>
+              <a:t>readLine</a:t>
+            </a:r>
+            <a:r>
+              <a:rPr lang="it-IT" sz="1200" dirty="0">
+                <a:solidFill>
+                  <a:srgbClr val="D4D4D4"/>
+                </a:solidFill>
+                <a:latin typeface="Consolas" panose="020B0609020204030204" pitchFamily="49" charset="0"/>
+                <a:ea typeface="Times New Roman" panose="02020603050405020304" pitchFamily="18" charset="0"/>
+                <a:cs typeface="Times New Roman" panose="02020603050405020304" pitchFamily="18" charset="0"/>
+              </a:rPr>
+              <a:t>());</a:t>
+            </a:r>
+            <a:endParaRPr lang="it-IT" sz="1200" dirty="0">
+              <a:latin typeface="Consolas" panose="020B0609020204030204" pitchFamily="49" charset="0"/>
+              <a:ea typeface="Calibri" panose="020F0502020204030204" pitchFamily="34" charset="0"/>
+              <a:cs typeface="Times New Roman" panose="02020603050405020304" pitchFamily="18" charset="0"/>
+            </a:endParaRPr>
+          </a:p>
+          <a:p>
+            <a:pPr>
+              <a:lnSpc>
+                <a:spcPct val="120000"/>
+              </a:lnSpc>
+              <a:spcAft>
+                <a:spcPts val="0"/>
+              </a:spcAft>
+            </a:pPr>
+            <a:endParaRPr lang="it-IT" sz="1200" dirty="0">
+              <a:latin typeface="Consolas" panose="020B0609020204030204" pitchFamily="49" charset="0"/>
+              <a:ea typeface="Calibri" panose="020F0502020204030204" pitchFamily="34" charset="0"/>
+              <a:cs typeface="Times New Roman" panose="02020603050405020304" pitchFamily="18" charset="0"/>
+            </a:endParaRPr>
+          </a:p>
+          <a:p>
+            <a:pPr>
+              <a:lnSpc>
+                <a:spcPct val="120000"/>
+              </a:lnSpc>
+              <a:spcAft>
+                <a:spcPts val="0"/>
+              </a:spcAft>
+            </a:pPr>
+            <a:r>
+              <a:rPr lang="it-IT" sz="1200" dirty="0">
+                <a:solidFill>
+                  <a:srgbClr val="9CDCFE"/>
+                </a:solidFill>
+                <a:latin typeface="Consolas" panose="020B0609020204030204" pitchFamily="49" charset="0"/>
+                <a:ea typeface="Times New Roman" panose="02020603050405020304" pitchFamily="18" charset="0"/>
+                <a:cs typeface="Times New Roman" panose="02020603050405020304" pitchFamily="18" charset="0"/>
+              </a:rPr>
+              <a:t>		</a:t>
+            </a:r>
+            <a:r>
+              <a:rPr lang="it-IT" sz="1200" dirty="0" err="1">
+                <a:solidFill>
+                  <a:srgbClr val="9CDCFE"/>
+                </a:solidFill>
+                <a:latin typeface="Consolas" panose="020B0609020204030204" pitchFamily="49" charset="0"/>
+                <a:ea typeface="Times New Roman" panose="02020603050405020304" pitchFamily="18" charset="0"/>
+                <a:cs typeface="Times New Roman" panose="02020603050405020304" pitchFamily="18" charset="0"/>
+              </a:rPr>
+              <a:t>System</a:t>
+            </a:r>
+            <a:r>
+              <a:rPr lang="it-IT" sz="1200" dirty="0" err="1">
+                <a:solidFill>
+                  <a:srgbClr val="D4D4D4"/>
+                </a:solidFill>
+                <a:latin typeface="Consolas" panose="020B0609020204030204" pitchFamily="49" charset="0"/>
+                <a:ea typeface="Times New Roman" panose="02020603050405020304" pitchFamily="18" charset="0"/>
+                <a:cs typeface="Times New Roman" panose="02020603050405020304" pitchFamily="18" charset="0"/>
+              </a:rPr>
+              <a:t>.</a:t>
+            </a:r>
+            <a:r>
+              <a:rPr lang="it-IT" sz="1200" dirty="0" err="1">
+                <a:solidFill>
+                  <a:srgbClr val="9CDCFE"/>
+                </a:solidFill>
+                <a:latin typeface="Consolas" panose="020B0609020204030204" pitchFamily="49" charset="0"/>
+                <a:ea typeface="Times New Roman" panose="02020603050405020304" pitchFamily="18" charset="0"/>
+                <a:cs typeface="Times New Roman" panose="02020603050405020304" pitchFamily="18" charset="0"/>
+              </a:rPr>
+              <a:t>out</a:t>
+            </a:r>
+            <a:r>
+              <a:rPr lang="it-IT" sz="1200" dirty="0" err="1">
+                <a:solidFill>
+                  <a:srgbClr val="D4D4D4"/>
+                </a:solidFill>
+                <a:latin typeface="Consolas" panose="020B0609020204030204" pitchFamily="49" charset="0"/>
+                <a:ea typeface="Times New Roman" panose="02020603050405020304" pitchFamily="18" charset="0"/>
+                <a:cs typeface="Times New Roman" panose="02020603050405020304" pitchFamily="18" charset="0"/>
+              </a:rPr>
+              <a:t>.</a:t>
+            </a:r>
+            <a:r>
+              <a:rPr lang="it-IT" sz="1200" dirty="0" err="1">
+                <a:solidFill>
+                  <a:srgbClr val="DCDCAA"/>
+                </a:solidFill>
+                <a:latin typeface="Consolas" panose="020B0609020204030204" pitchFamily="49" charset="0"/>
+                <a:ea typeface="Times New Roman" panose="02020603050405020304" pitchFamily="18" charset="0"/>
+                <a:cs typeface="Times New Roman" panose="02020603050405020304" pitchFamily="18" charset="0"/>
+              </a:rPr>
+              <a:t>print</a:t>
+            </a:r>
+            <a:r>
+              <a:rPr lang="it-IT" sz="1200" dirty="0">
+                <a:solidFill>
+                  <a:srgbClr val="D4D4D4"/>
+                </a:solidFill>
+                <a:latin typeface="Consolas" panose="020B0609020204030204" pitchFamily="49" charset="0"/>
+                <a:ea typeface="Times New Roman" panose="02020603050405020304" pitchFamily="18" charset="0"/>
+                <a:cs typeface="Times New Roman" panose="02020603050405020304" pitchFamily="18" charset="0"/>
+              </a:rPr>
+              <a:t>(</a:t>
+            </a:r>
+            <a:r>
+              <a:rPr lang="it-IT" sz="1200" dirty="0">
+                <a:solidFill>
+                  <a:srgbClr val="CE9178"/>
+                </a:solidFill>
+                <a:latin typeface="Consolas" panose="020B0609020204030204" pitchFamily="49" charset="0"/>
+                <a:ea typeface="Times New Roman" panose="02020603050405020304" pitchFamily="18" charset="0"/>
+                <a:cs typeface="Times New Roman" panose="02020603050405020304" pitchFamily="18" charset="0"/>
+              </a:rPr>
+              <a:t>"Inserire i separatori: "</a:t>
+            </a:r>
+            <a:r>
+              <a:rPr lang="it-IT" sz="1200" dirty="0">
+                <a:solidFill>
+                  <a:srgbClr val="D4D4D4"/>
+                </a:solidFill>
+                <a:latin typeface="Consolas" panose="020B0609020204030204" pitchFamily="49" charset="0"/>
+                <a:ea typeface="Times New Roman" panose="02020603050405020304" pitchFamily="18" charset="0"/>
+                <a:cs typeface="Times New Roman" panose="02020603050405020304" pitchFamily="18" charset="0"/>
+              </a:rPr>
+              <a:t>);</a:t>
+            </a:r>
+            <a:endParaRPr lang="it-IT" sz="1200" dirty="0">
+              <a:latin typeface="Consolas" panose="020B0609020204030204" pitchFamily="49" charset="0"/>
+              <a:ea typeface="Calibri" panose="020F0502020204030204" pitchFamily="34" charset="0"/>
+              <a:cs typeface="Times New Roman" panose="02020603050405020304" pitchFamily="18" charset="0"/>
+            </a:endParaRPr>
+          </a:p>
+          <a:p>
+            <a:pPr>
+              <a:lnSpc>
+                <a:spcPct val="120000"/>
+              </a:lnSpc>
+              <a:spcAft>
+                <a:spcPts val="0"/>
+              </a:spcAft>
+            </a:pPr>
+            <a:r>
+              <a:rPr lang="it-IT" sz="1200" dirty="0">
+                <a:solidFill>
+                  <a:srgbClr val="D4D4D4"/>
+                </a:solidFill>
+                <a:latin typeface="Consolas" panose="020B0609020204030204" pitchFamily="49" charset="0"/>
+                <a:ea typeface="Times New Roman" panose="02020603050405020304" pitchFamily="18" charset="0"/>
+                <a:cs typeface="Times New Roman" panose="02020603050405020304" pitchFamily="18" charset="0"/>
+              </a:rPr>
+              <a:t>		</a:t>
+            </a:r>
+            <a:r>
+              <a:rPr lang="it-IT" sz="1200" dirty="0" err="1">
+                <a:solidFill>
+                  <a:srgbClr val="D4D4D4"/>
+                </a:solidFill>
+                <a:latin typeface="Consolas" panose="020B0609020204030204" pitchFamily="49" charset="0"/>
+                <a:ea typeface="Times New Roman" panose="02020603050405020304" pitchFamily="18" charset="0"/>
+                <a:cs typeface="Times New Roman" panose="02020603050405020304" pitchFamily="18" charset="0"/>
+              </a:rPr>
+              <a:t>delim</a:t>
+            </a:r>
+            <a:r>
+              <a:rPr lang="it-IT" sz="1200" dirty="0">
+                <a:solidFill>
+                  <a:srgbClr val="D4D4D4"/>
+                </a:solidFill>
+                <a:latin typeface="Consolas" panose="020B0609020204030204" pitchFamily="49" charset="0"/>
+                <a:ea typeface="Times New Roman" panose="02020603050405020304" pitchFamily="18" charset="0"/>
+                <a:cs typeface="Times New Roman" panose="02020603050405020304" pitchFamily="18" charset="0"/>
+              </a:rPr>
+              <a:t> = </a:t>
+            </a:r>
+            <a:r>
+              <a:rPr lang="it-IT" sz="1200" dirty="0" err="1">
+                <a:solidFill>
+                  <a:srgbClr val="9CDCFE"/>
+                </a:solidFill>
+                <a:latin typeface="Consolas" panose="020B0609020204030204" pitchFamily="49" charset="0"/>
+                <a:ea typeface="Times New Roman" panose="02020603050405020304" pitchFamily="18" charset="0"/>
+                <a:cs typeface="Times New Roman" panose="02020603050405020304" pitchFamily="18" charset="0"/>
+              </a:rPr>
+              <a:t>stdIn</a:t>
+            </a:r>
+            <a:r>
+              <a:rPr lang="it-IT" sz="1200" dirty="0" err="1">
+                <a:solidFill>
+                  <a:srgbClr val="D4D4D4"/>
+                </a:solidFill>
+                <a:latin typeface="Consolas" panose="020B0609020204030204" pitchFamily="49" charset="0"/>
+                <a:ea typeface="Times New Roman" panose="02020603050405020304" pitchFamily="18" charset="0"/>
+                <a:cs typeface="Times New Roman" panose="02020603050405020304" pitchFamily="18" charset="0"/>
+              </a:rPr>
+              <a:t>.</a:t>
+            </a:r>
+            <a:r>
+              <a:rPr lang="it-IT" sz="1200" dirty="0" err="1">
+                <a:solidFill>
+                  <a:srgbClr val="DCDCAA"/>
+                </a:solidFill>
+                <a:latin typeface="Consolas" panose="020B0609020204030204" pitchFamily="49" charset="0"/>
+                <a:ea typeface="Times New Roman" panose="02020603050405020304" pitchFamily="18" charset="0"/>
+                <a:cs typeface="Times New Roman" panose="02020603050405020304" pitchFamily="18" charset="0"/>
+              </a:rPr>
+              <a:t>readLine</a:t>
+            </a:r>
+            <a:r>
+              <a:rPr lang="it-IT" sz="1200" dirty="0">
+                <a:solidFill>
+                  <a:srgbClr val="D4D4D4"/>
+                </a:solidFill>
+                <a:latin typeface="Consolas" panose="020B0609020204030204" pitchFamily="49" charset="0"/>
+                <a:ea typeface="Times New Roman" panose="02020603050405020304" pitchFamily="18" charset="0"/>
+                <a:cs typeface="Times New Roman" panose="02020603050405020304" pitchFamily="18" charset="0"/>
+              </a:rPr>
+              <a:t>();</a:t>
+            </a:r>
+            <a:endParaRPr lang="it-IT" sz="1200" dirty="0">
+              <a:latin typeface="Consolas" panose="020B0609020204030204" pitchFamily="49" charset="0"/>
+              <a:ea typeface="Calibri" panose="020F0502020204030204" pitchFamily="34" charset="0"/>
+              <a:cs typeface="Times New Roman" panose="02020603050405020304" pitchFamily="18" charset="0"/>
+            </a:endParaRPr>
+          </a:p>
+          <a:p>
+            <a:pPr>
+              <a:lnSpc>
+                <a:spcPct val="120000"/>
+              </a:lnSpc>
+              <a:spcAft>
+                <a:spcPts val="0"/>
+              </a:spcAft>
+            </a:pPr>
+            <a:endParaRPr lang="it-IT" sz="1200" dirty="0">
+              <a:latin typeface="Consolas" panose="020B0609020204030204" pitchFamily="49" charset="0"/>
+              <a:ea typeface="Calibri" panose="020F0502020204030204" pitchFamily="34" charset="0"/>
+              <a:cs typeface="Times New Roman" panose="02020603050405020304" pitchFamily="18" charset="0"/>
+            </a:endParaRPr>
+          </a:p>
+          <a:p>
+            <a:pPr>
+              <a:lnSpc>
+                <a:spcPct val="120000"/>
+              </a:lnSpc>
+              <a:spcAft>
+                <a:spcPts val="0"/>
+              </a:spcAft>
+            </a:pPr>
+            <a:r>
+              <a:rPr lang="it-IT" sz="1200" dirty="0">
+                <a:solidFill>
+                  <a:srgbClr val="9CDCFE"/>
+                </a:solidFill>
+                <a:latin typeface="Consolas" panose="020B0609020204030204" pitchFamily="49" charset="0"/>
+                <a:ea typeface="Times New Roman" panose="02020603050405020304" pitchFamily="18" charset="0"/>
+                <a:cs typeface="Times New Roman" panose="02020603050405020304" pitchFamily="18" charset="0"/>
+              </a:rPr>
+              <a:t>		</a:t>
+            </a:r>
+            <a:r>
+              <a:rPr lang="it-IT" sz="1200" dirty="0" err="1">
+                <a:solidFill>
+                  <a:srgbClr val="9CDCFE"/>
+                </a:solidFill>
+                <a:latin typeface="Consolas" panose="020B0609020204030204" pitchFamily="49" charset="0"/>
+                <a:ea typeface="Times New Roman" panose="02020603050405020304" pitchFamily="18" charset="0"/>
+                <a:cs typeface="Times New Roman" panose="02020603050405020304" pitchFamily="18" charset="0"/>
+              </a:rPr>
+              <a:t>System</a:t>
+            </a:r>
+            <a:r>
+              <a:rPr lang="it-IT" sz="1200" dirty="0" err="1">
+                <a:solidFill>
+                  <a:srgbClr val="D4D4D4"/>
+                </a:solidFill>
+                <a:latin typeface="Consolas" panose="020B0609020204030204" pitchFamily="49" charset="0"/>
+                <a:ea typeface="Times New Roman" panose="02020603050405020304" pitchFamily="18" charset="0"/>
+                <a:cs typeface="Times New Roman" panose="02020603050405020304" pitchFamily="18" charset="0"/>
+              </a:rPr>
+              <a:t>.</a:t>
+            </a:r>
+            <a:r>
+              <a:rPr lang="it-IT" sz="1200" dirty="0" err="1">
+                <a:solidFill>
+                  <a:srgbClr val="9CDCFE"/>
+                </a:solidFill>
+                <a:latin typeface="Consolas" panose="020B0609020204030204" pitchFamily="49" charset="0"/>
+                <a:ea typeface="Times New Roman" panose="02020603050405020304" pitchFamily="18" charset="0"/>
+                <a:cs typeface="Times New Roman" panose="02020603050405020304" pitchFamily="18" charset="0"/>
+              </a:rPr>
+              <a:t>out</a:t>
+            </a:r>
+            <a:r>
+              <a:rPr lang="it-IT" sz="1200" dirty="0" err="1">
+                <a:solidFill>
+                  <a:srgbClr val="D4D4D4"/>
+                </a:solidFill>
+                <a:latin typeface="Consolas" panose="020B0609020204030204" pitchFamily="49" charset="0"/>
+                <a:ea typeface="Times New Roman" panose="02020603050405020304" pitchFamily="18" charset="0"/>
+                <a:cs typeface="Times New Roman" panose="02020603050405020304" pitchFamily="18" charset="0"/>
+              </a:rPr>
+              <a:t>.</a:t>
+            </a:r>
+            <a:r>
+              <a:rPr lang="it-IT" sz="1200" dirty="0" err="1">
+                <a:solidFill>
+                  <a:srgbClr val="DCDCAA"/>
+                </a:solidFill>
+                <a:latin typeface="Consolas" panose="020B0609020204030204" pitchFamily="49" charset="0"/>
+                <a:ea typeface="Times New Roman" panose="02020603050405020304" pitchFamily="18" charset="0"/>
+                <a:cs typeface="Times New Roman" panose="02020603050405020304" pitchFamily="18" charset="0"/>
+              </a:rPr>
+              <a:t>println</a:t>
+            </a:r>
+            <a:r>
+              <a:rPr lang="it-IT" sz="1200" dirty="0">
+                <a:solidFill>
+                  <a:srgbClr val="D4D4D4"/>
+                </a:solidFill>
+                <a:latin typeface="Consolas" panose="020B0609020204030204" pitchFamily="49" charset="0"/>
+                <a:ea typeface="Times New Roman" panose="02020603050405020304" pitchFamily="18" charset="0"/>
+                <a:cs typeface="Times New Roman" panose="02020603050405020304" pitchFamily="18" charset="0"/>
+              </a:rPr>
+              <a:t>(</a:t>
+            </a:r>
+            <a:r>
+              <a:rPr lang="it-IT" sz="1200" dirty="0">
+                <a:solidFill>
+                  <a:srgbClr val="CE9178"/>
+                </a:solidFill>
+                <a:latin typeface="Consolas" panose="020B0609020204030204" pitchFamily="49" charset="0"/>
+                <a:ea typeface="Times New Roman" panose="02020603050405020304" pitchFamily="18" charset="0"/>
+                <a:cs typeface="Times New Roman" panose="02020603050405020304" pitchFamily="18" charset="0"/>
+              </a:rPr>
+              <a:t>"Conto le righe del file "</a:t>
+            </a:r>
+            <a:r>
+              <a:rPr lang="it-IT" sz="1200" dirty="0">
+                <a:solidFill>
+                  <a:srgbClr val="D4D4D4"/>
+                </a:solidFill>
+                <a:latin typeface="Consolas" panose="020B0609020204030204" pitchFamily="49" charset="0"/>
+                <a:ea typeface="Times New Roman" panose="02020603050405020304" pitchFamily="18" charset="0"/>
+                <a:cs typeface="Times New Roman" panose="02020603050405020304" pitchFamily="18" charset="0"/>
+              </a:rPr>
+              <a:t> + </a:t>
+            </a:r>
+            <a:r>
+              <a:rPr lang="it-IT" sz="1200" dirty="0" err="1">
+                <a:solidFill>
+                  <a:srgbClr val="D4D4D4"/>
+                </a:solidFill>
+                <a:latin typeface="Consolas" panose="020B0609020204030204" pitchFamily="49" charset="0"/>
+                <a:ea typeface="Times New Roman" panose="02020603050405020304" pitchFamily="18" charset="0"/>
+                <a:cs typeface="Times New Roman" panose="02020603050405020304" pitchFamily="18" charset="0"/>
+              </a:rPr>
+              <a:t>fileName</a:t>
+            </a:r>
+            <a:r>
+              <a:rPr lang="it-IT" sz="1200" dirty="0">
+                <a:solidFill>
+                  <a:srgbClr val="D4D4D4"/>
+                </a:solidFill>
+                <a:latin typeface="Consolas" panose="020B0609020204030204" pitchFamily="49" charset="0"/>
+                <a:ea typeface="Times New Roman" panose="02020603050405020304" pitchFamily="18" charset="0"/>
+                <a:cs typeface="Times New Roman" panose="02020603050405020304" pitchFamily="18" charset="0"/>
+              </a:rPr>
+              <a:t> + </a:t>
+            </a:r>
+            <a:r>
+              <a:rPr lang="it-IT" sz="1200" dirty="0">
+                <a:solidFill>
+                  <a:srgbClr val="CE9178"/>
+                </a:solidFill>
+                <a:latin typeface="Consolas" panose="020B0609020204030204" pitchFamily="49" charset="0"/>
+                <a:ea typeface="Times New Roman" panose="02020603050405020304" pitchFamily="18" charset="0"/>
+                <a:cs typeface="Times New Roman" panose="02020603050405020304" pitchFamily="18" charset="0"/>
+              </a:rPr>
+              <a:t>" con oltre "</a:t>
+            </a:r>
+            <a:r>
+              <a:rPr lang="it-IT" sz="1200" dirty="0">
+                <a:solidFill>
+                  <a:srgbClr val="D4D4D4"/>
+                </a:solidFill>
+                <a:latin typeface="Consolas" panose="020B0609020204030204" pitchFamily="49" charset="0"/>
+                <a:ea typeface="Times New Roman" panose="02020603050405020304" pitchFamily="18" charset="0"/>
+                <a:cs typeface="Times New Roman" panose="02020603050405020304" pitchFamily="18" charset="0"/>
+              </a:rPr>
+              <a:t> + </a:t>
+            </a:r>
+            <a:r>
+              <a:rPr lang="it-IT" sz="1200" dirty="0" err="1">
+                <a:solidFill>
+                  <a:srgbClr val="D4D4D4"/>
+                </a:solidFill>
+                <a:latin typeface="Consolas" panose="020B0609020204030204" pitchFamily="49" charset="0"/>
+                <a:ea typeface="Times New Roman" panose="02020603050405020304" pitchFamily="18" charset="0"/>
+                <a:cs typeface="Times New Roman" panose="02020603050405020304" pitchFamily="18" charset="0"/>
+              </a:rPr>
+              <a:t>numParole</a:t>
+            </a:r>
+            <a:r>
+              <a:rPr lang="it-IT" sz="1200" dirty="0">
+                <a:solidFill>
+                  <a:srgbClr val="D4D4D4"/>
+                </a:solidFill>
+                <a:latin typeface="Consolas" panose="020B0609020204030204" pitchFamily="49" charset="0"/>
+                <a:ea typeface="Times New Roman" panose="02020603050405020304" pitchFamily="18" charset="0"/>
+                <a:cs typeface="Times New Roman" panose="02020603050405020304" pitchFamily="18" charset="0"/>
+              </a:rPr>
+              <a:t> + </a:t>
+            </a:r>
+            <a:r>
+              <a:rPr lang="it-IT" sz="1200" dirty="0">
+                <a:solidFill>
+                  <a:srgbClr val="CE9178"/>
+                </a:solidFill>
+                <a:latin typeface="Consolas" panose="020B0609020204030204" pitchFamily="49" charset="0"/>
+                <a:ea typeface="Times New Roman" panose="02020603050405020304" pitchFamily="18" charset="0"/>
+                <a:cs typeface="Times New Roman" panose="02020603050405020304" pitchFamily="18" charset="0"/>
+              </a:rPr>
+              <a:t>" parole"</a:t>
+            </a:r>
+            <a:r>
+              <a:rPr lang="it-IT" sz="1200" dirty="0">
+                <a:solidFill>
+                  <a:srgbClr val="D4D4D4"/>
+                </a:solidFill>
+                <a:latin typeface="Consolas" panose="020B0609020204030204" pitchFamily="49" charset="0"/>
+                <a:ea typeface="Times New Roman" panose="02020603050405020304" pitchFamily="18" charset="0"/>
+                <a:cs typeface="Times New Roman" panose="02020603050405020304" pitchFamily="18" charset="0"/>
+              </a:rPr>
+              <a:t>);</a:t>
+            </a:r>
+            <a:endParaRPr lang="it-IT" sz="1200" dirty="0">
+              <a:latin typeface="Consolas" panose="020B0609020204030204" pitchFamily="49" charset="0"/>
+              <a:ea typeface="Calibri" panose="020F0502020204030204" pitchFamily="34" charset="0"/>
+              <a:cs typeface="Times New Roman" panose="02020603050405020304" pitchFamily="18" charset="0"/>
+            </a:endParaRPr>
+          </a:p>
+          <a:p>
+            <a:pPr>
+              <a:lnSpc>
+                <a:spcPct val="120000"/>
+              </a:lnSpc>
+              <a:spcAft>
+                <a:spcPts val="0"/>
+              </a:spcAft>
+            </a:pPr>
+            <a:r>
+              <a:rPr lang="it-IT" sz="1200" dirty="0">
+                <a:solidFill>
+                  <a:srgbClr val="D4D4D4"/>
+                </a:solidFill>
+                <a:latin typeface="Consolas" panose="020B0609020204030204" pitchFamily="49" charset="0"/>
+                <a:ea typeface="Times New Roman" panose="02020603050405020304" pitchFamily="18" charset="0"/>
+                <a:cs typeface="Times New Roman" panose="02020603050405020304" pitchFamily="18" charset="0"/>
+              </a:rPr>
+              <a:t>                    </a:t>
+            </a:r>
+            <a:endParaRPr lang="it-IT" sz="1200" dirty="0">
+              <a:latin typeface="Consolas" panose="020B0609020204030204" pitchFamily="49" charset="0"/>
+              <a:ea typeface="Calibri" panose="020F0502020204030204" pitchFamily="34" charset="0"/>
+              <a:cs typeface="Times New Roman" panose="02020603050405020304" pitchFamily="18" charset="0"/>
+            </a:endParaRPr>
+          </a:p>
+          <a:p>
+            <a:pPr>
+              <a:lnSpc>
+                <a:spcPct val="120000"/>
+              </a:lnSpc>
+              <a:spcAft>
+                <a:spcPts val="0"/>
+              </a:spcAft>
+            </a:pPr>
+            <a:r>
+              <a:rPr lang="it-IT" sz="1200" dirty="0">
+                <a:solidFill>
+                  <a:srgbClr val="C586C0"/>
+                </a:solidFill>
+                <a:latin typeface="Consolas" panose="020B0609020204030204" pitchFamily="49" charset="0"/>
+                <a:ea typeface="Times New Roman" panose="02020603050405020304" pitchFamily="18" charset="0"/>
+                <a:cs typeface="Times New Roman" panose="02020603050405020304" pitchFamily="18" charset="0"/>
+              </a:rPr>
+              <a:t>		</a:t>
+            </a:r>
+            <a:r>
+              <a:rPr lang="it-IT" sz="1200" dirty="0" err="1">
+                <a:solidFill>
+                  <a:srgbClr val="C586C0"/>
+                </a:solidFill>
+                <a:latin typeface="Consolas" panose="020B0609020204030204" pitchFamily="49" charset="0"/>
+                <a:ea typeface="Times New Roman" panose="02020603050405020304" pitchFamily="18" charset="0"/>
+                <a:cs typeface="Times New Roman" panose="02020603050405020304" pitchFamily="18" charset="0"/>
+              </a:rPr>
+              <a:t>try</a:t>
+            </a:r>
+            <a:r>
+              <a:rPr lang="it-IT" sz="1200" dirty="0">
+                <a:solidFill>
+                  <a:srgbClr val="D4D4D4"/>
+                </a:solidFill>
+                <a:latin typeface="Consolas" panose="020B0609020204030204" pitchFamily="49" charset="0"/>
+                <a:ea typeface="Times New Roman" panose="02020603050405020304" pitchFamily="18" charset="0"/>
+                <a:cs typeface="Times New Roman" panose="02020603050405020304" pitchFamily="18" charset="0"/>
+              </a:rPr>
+              <a:t> {</a:t>
+            </a:r>
+            <a:endParaRPr lang="it-IT" sz="1200" dirty="0">
+              <a:latin typeface="Consolas" panose="020B0609020204030204" pitchFamily="49" charset="0"/>
+              <a:ea typeface="Calibri" panose="020F0502020204030204" pitchFamily="34" charset="0"/>
+              <a:cs typeface="Times New Roman" panose="02020603050405020304" pitchFamily="18" charset="0"/>
+            </a:endParaRPr>
+          </a:p>
+          <a:p>
+            <a:pPr>
+              <a:lnSpc>
+                <a:spcPct val="120000"/>
+              </a:lnSpc>
+              <a:spcAft>
+                <a:spcPts val="0"/>
+              </a:spcAft>
+            </a:pPr>
+            <a:r>
+              <a:rPr lang="it-IT" sz="1200" dirty="0">
+                <a:solidFill>
+                  <a:srgbClr val="9CDCFE"/>
+                </a:solidFill>
+                <a:latin typeface="Consolas" panose="020B0609020204030204" pitchFamily="49" charset="0"/>
+                <a:ea typeface="Times New Roman" panose="02020603050405020304" pitchFamily="18" charset="0"/>
+                <a:cs typeface="Times New Roman" panose="02020603050405020304" pitchFamily="18" charset="0"/>
+              </a:rPr>
+              <a:t>			</a:t>
+            </a:r>
+            <a:r>
+              <a:rPr lang="it-IT" sz="1200" dirty="0" err="1">
+                <a:solidFill>
+                  <a:srgbClr val="9CDCFE"/>
+                </a:solidFill>
+                <a:latin typeface="Consolas" panose="020B0609020204030204" pitchFamily="49" charset="0"/>
+                <a:ea typeface="Times New Roman" panose="02020603050405020304" pitchFamily="18" charset="0"/>
+                <a:cs typeface="Times New Roman" panose="02020603050405020304" pitchFamily="18" charset="0"/>
+              </a:rPr>
+              <a:t>System</a:t>
+            </a:r>
+            <a:r>
+              <a:rPr lang="it-IT" sz="1200" dirty="0" err="1">
+                <a:solidFill>
+                  <a:srgbClr val="D4D4D4"/>
+                </a:solidFill>
+                <a:latin typeface="Consolas" panose="020B0609020204030204" pitchFamily="49" charset="0"/>
+                <a:ea typeface="Times New Roman" panose="02020603050405020304" pitchFamily="18" charset="0"/>
+                <a:cs typeface="Times New Roman" panose="02020603050405020304" pitchFamily="18" charset="0"/>
+              </a:rPr>
+              <a:t>.</a:t>
+            </a:r>
+            <a:r>
+              <a:rPr lang="it-IT" sz="1200" dirty="0" err="1">
+                <a:solidFill>
+                  <a:srgbClr val="9CDCFE"/>
+                </a:solidFill>
+                <a:latin typeface="Consolas" panose="020B0609020204030204" pitchFamily="49" charset="0"/>
+                <a:ea typeface="Times New Roman" panose="02020603050405020304" pitchFamily="18" charset="0"/>
+                <a:cs typeface="Times New Roman" panose="02020603050405020304" pitchFamily="18" charset="0"/>
+              </a:rPr>
+              <a:t>out</a:t>
+            </a:r>
+            <a:r>
+              <a:rPr lang="it-IT" sz="1200" dirty="0" err="1">
+                <a:solidFill>
+                  <a:srgbClr val="D4D4D4"/>
+                </a:solidFill>
+                <a:latin typeface="Consolas" panose="020B0609020204030204" pitchFamily="49" charset="0"/>
+                <a:ea typeface="Times New Roman" panose="02020603050405020304" pitchFamily="18" charset="0"/>
+                <a:cs typeface="Times New Roman" panose="02020603050405020304" pitchFamily="18" charset="0"/>
+              </a:rPr>
+              <a:t>.</a:t>
+            </a:r>
+            <a:r>
+              <a:rPr lang="it-IT" sz="1200" dirty="0" err="1">
+                <a:solidFill>
+                  <a:srgbClr val="DCDCAA"/>
+                </a:solidFill>
+                <a:latin typeface="Consolas" panose="020B0609020204030204" pitchFamily="49" charset="0"/>
+                <a:ea typeface="Times New Roman" panose="02020603050405020304" pitchFamily="18" charset="0"/>
+                <a:cs typeface="Times New Roman" panose="02020603050405020304" pitchFamily="18" charset="0"/>
+              </a:rPr>
+              <a:t>println</a:t>
+            </a:r>
+            <a:r>
+              <a:rPr lang="it-IT" sz="1200" dirty="0">
+                <a:solidFill>
+                  <a:srgbClr val="D4D4D4"/>
+                </a:solidFill>
+                <a:latin typeface="Consolas" panose="020B0609020204030204" pitchFamily="49" charset="0"/>
+                <a:ea typeface="Times New Roman" panose="02020603050405020304" pitchFamily="18" charset="0"/>
+                <a:cs typeface="Times New Roman" panose="02020603050405020304" pitchFamily="18" charset="0"/>
+              </a:rPr>
+              <a:t>(</a:t>
+            </a:r>
+            <a:r>
+              <a:rPr lang="it-IT" sz="1200" dirty="0">
+                <a:solidFill>
+                  <a:srgbClr val="CE9178"/>
+                </a:solidFill>
+                <a:latin typeface="Consolas" panose="020B0609020204030204" pitchFamily="49" charset="0"/>
+                <a:ea typeface="Times New Roman" panose="02020603050405020304" pitchFamily="18" charset="0"/>
+                <a:cs typeface="Times New Roman" panose="02020603050405020304" pitchFamily="18" charset="0"/>
+              </a:rPr>
+              <a:t>"Sono presenti "</a:t>
+            </a:r>
+            <a:r>
+              <a:rPr lang="it-IT" sz="1200" dirty="0">
+                <a:solidFill>
+                  <a:srgbClr val="D4D4D4"/>
+                </a:solidFill>
+                <a:latin typeface="Consolas" panose="020B0609020204030204" pitchFamily="49" charset="0"/>
+                <a:ea typeface="Times New Roman" panose="02020603050405020304" pitchFamily="18" charset="0"/>
+                <a:cs typeface="Times New Roman" panose="02020603050405020304" pitchFamily="18" charset="0"/>
+              </a:rPr>
+              <a:t> + </a:t>
+            </a:r>
+            <a:r>
+              <a:rPr lang="it-IT" sz="1200" dirty="0" err="1">
+                <a:solidFill>
+                  <a:srgbClr val="9CDCFE"/>
+                </a:solidFill>
+                <a:latin typeface="Consolas" panose="020B0609020204030204" pitchFamily="49" charset="0"/>
+                <a:ea typeface="Times New Roman" panose="02020603050405020304" pitchFamily="18" charset="0"/>
+                <a:cs typeface="Times New Roman" panose="02020603050405020304" pitchFamily="18" charset="0"/>
+              </a:rPr>
+              <a:t>serverRMI</a:t>
+            </a:r>
+            <a:r>
+              <a:rPr lang="it-IT" sz="1200" dirty="0" err="1">
+                <a:solidFill>
+                  <a:srgbClr val="D4D4D4"/>
+                </a:solidFill>
+                <a:latin typeface="Consolas" panose="020B0609020204030204" pitchFamily="49" charset="0"/>
+                <a:ea typeface="Times New Roman" panose="02020603050405020304" pitchFamily="18" charset="0"/>
+                <a:cs typeface="Times New Roman" panose="02020603050405020304" pitchFamily="18" charset="0"/>
+              </a:rPr>
+              <a:t>.</a:t>
+            </a:r>
+            <a:r>
+              <a:rPr lang="it-IT" sz="1200" dirty="0" err="1">
+                <a:solidFill>
+                  <a:srgbClr val="DCDCAA"/>
+                </a:solidFill>
+                <a:latin typeface="Consolas" panose="020B0609020204030204" pitchFamily="49" charset="0"/>
+                <a:ea typeface="Times New Roman" panose="02020603050405020304" pitchFamily="18" charset="0"/>
+                <a:cs typeface="Times New Roman" panose="02020603050405020304" pitchFamily="18" charset="0"/>
+              </a:rPr>
+              <a:t>conta_righe</a:t>
+            </a:r>
+            <a:r>
+              <a:rPr lang="it-IT" sz="1200" dirty="0">
+                <a:solidFill>
+                  <a:srgbClr val="D4D4D4"/>
+                </a:solidFill>
+                <a:latin typeface="Consolas" panose="020B0609020204030204" pitchFamily="49" charset="0"/>
+                <a:ea typeface="Times New Roman" panose="02020603050405020304" pitchFamily="18" charset="0"/>
+                <a:cs typeface="Times New Roman" panose="02020603050405020304" pitchFamily="18" charset="0"/>
+              </a:rPr>
+              <a:t>(</a:t>
+            </a:r>
+            <a:r>
+              <a:rPr lang="it-IT" sz="1200" dirty="0" err="1">
+                <a:solidFill>
+                  <a:srgbClr val="D4D4D4"/>
+                </a:solidFill>
+                <a:latin typeface="Consolas" panose="020B0609020204030204" pitchFamily="49" charset="0"/>
+                <a:ea typeface="Times New Roman" panose="02020603050405020304" pitchFamily="18" charset="0"/>
+                <a:cs typeface="Times New Roman" panose="02020603050405020304" pitchFamily="18" charset="0"/>
+              </a:rPr>
+              <a:t>fileName</a:t>
+            </a:r>
+            <a:r>
+              <a:rPr lang="it-IT" sz="1200" dirty="0">
+                <a:solidFill>
+                  <a:srgbClr val="D4D4D4"/>
+                </a:solidFill>
+                <a:latin typeface="Consolas" panose="020B0609020204030204" pitchFamily="49" charset="0"/>
+                <a:ea typeface="Times New Roman" panose="02020603050405020304" pitchFamily="18" charset="0"/>
+                <a:cs typeface="Times New Roman" panose="02020603050405020304" pitchFamily="18" charset="0"/>
+              </a:rPr>
+              <a:t>, </a:t>
+            </a:r>
+            <a:r>
+              <a:rPr lang="it-IT" sz="1200" dirty="0" err="1">
+                <a:solidFill>
+                  <a:srgbClr val="D4D4D4"/>
+                </a:solidFill>
+                <a:latin typeface="Consolas" panose="020B0609020204030204" pitchFamily="49" charset="0"/>
+                <a:ea typeface="Times New Roman" panose="02020603050405020304" pitchFamily="18" charset="0"/>
+                <a:cs typeface="Times New Roman" panose="02020603050405020304" pitchFamily="18" charset="0"/>
+              </a:rPr>
+              <a:t>numParole</a:t>
+            </a:r>
+            <a:r>
+              <a:rPr lang="it-IT" sz="1200" dirty="0">
+                <a:solidFill>
+                  <a:srgbClr val="D4D4D4"/>
+                </a:solidFill>
+                <a:latin typeface="Consolas" panose="020B0609020204030204" pitchFamily="49" charset="0"/>
+                <a:ea typeface="Times New Roman" panose="02020603050405020304" pitchFamily="18" charset="0"/>
+                <a:cs typeface="Times New Roman" panose="02020603050405020304" pitchFamily="18" charset="0"/>
+              </a:rPr>
+              <a:t>, </a:t>
+            </a:r>
+            <a:r>
+              <a:rPr lang="it-IT" sz="1200" dirty="0" err="1">
+                <a:solidFill>
+                  <a:srgbClr val="D4D4D4"/>
+                </a:solidFill>
+                <a:latin typeface="Consolas" panose="020B0609020204030204" pitchFamily="49" charset="0"/>
+                <a:ea typeface="Times New Roman" panose="02020603050405020304" pitchFamily="18" charset="0"/>
+                <a:cs typeface="Times New Roman" panose="02020603050405020304" pitchFamily="18" charset="0"/>
+              </a:rPr>
+              <a:t>delim</a:t>
+            </a:r>
+            <a:r>
+              <a:rPr lang="it-IT" sz="1200" dirty="0">
+                <a:solidFill>
+                  <a:srgbClr val="D4D4D4"/>
+                </a:solidFill>
+                <a:latin typeface="Consolas" panose="020B0609020204030204" pitchFamily="49" charset="0"/>
+                <a:ea typeface="Times New Roman" panose="02020603050405020304" pitchFamily="18" charset="0"/>
+                <a:cs typeface="Times New Roman" panose="02020603050405020304" pitchFamily="18" charset="0"/>
+              </a:rPr>
+              <a:t>) + </a:t>
+            </a:r>
+            <a:r>
+              <a:rPr lang="it-IT" sz="1200" dirty="0">
+                <a:solidFill>
+                  <a:srgbClr val="CE9178"/>
+                </a:solidFill>
+                <a:latin typeface="Consolas" panose="020B0609020204030204" pitchFamily="49" charset="0"/>
+                <a:ea typeface="Times New Roman" panose="02020603050405020304" pitchFamily="18" charset="0"/>
+                <a:cs typeface="Times New Roman" panose="02020603050405020304" pitchFamily="18" charset="0"/>
+              </a:rPr>
+              <a:t>" righe valide"</a:t>
+            </a:r>
+            <a:r>
+              <a:rPr lang="it-IT" sz="1200" dirty="0">
+                <a:solidFill>
+                  <a:srgbClr val="D4D4D4"/>
+                </a:solidFill>
+                <a:latin typeface="Consolas" panose="020B0609020204030204" pitchFamily="49" charset="0"/>
+                <a:ea typeface="Times New Roman" panose="02020603050405020304" pitchFamily="18" charset="0"/>
+                <a:cs typeface="Times New Roman" panose="02020603050405020304" pitchFamily="18" charset="0"/>
+              </a:rPr>
+              <a:t>);</a:t>
+            </a:r>
+            <a:endParaRPr lang="it-IT" sz="1200" dirty="0">
+              <a:latin typeface="Consolas" panose="020B0609020204030204" pitchFamily="49" charset="0"/>
+              <a:ea typeface="Calibri" panose="020F0502020204030204" pitchFamily="34" charset="0"/>
+              <a:cs typeface="Times New Roman" panose="02020603050405020304" pitchFamily="18" charset="0"/>
+            </a:endParaRPr>
+          </a:p>
+          <a:p>
+            <a:pPr>
+              <a:lnSpc>
+                <a:spcPct val="120000"/>
+              </a:lnSpc>
+              <a:spcAft>
+                <a:spcPts val="0"/>
+              </a:spcAft>
+            </a:pPr>
+            <a:r>
+              <a:rPr lang="it-IT" sz="1200" dirty="0">
+                <a:solidFill>
+                  <a:srgbClr val="D4D4D4"/>
+                </a:solidFill>
+                <a:latin typeface="Consolas" panose="020B0609020204030204" pitchFamily="49" charset="0"/>
+                <a:ea typeface="Times New Roman" panose="02020603050405020304" pitchFamily="18" charset="0"/>
+                <a:cs typeface="Times New Roman" panose="02020603050405020304" pitchFamily="18" charset="0"/>
+              </a:rPr>
+              <a:t>		} </a:t>
+            </a:r>
+            <a:r>
+              <a:rPr lang="it-IT" sz="1200" dirty="0">
+                <a:solidFill>
+                  <a:srgbClr val="C586C0"/>
+                </a:solidFill>
+                <a:latin typeface="Consolas" panose="020B0609020204030204" pitchFamily="49" charset="0"/>
+                <a:ea typeface="Times New Roman" panose="02020603050405020304" pitchFamily="18" charset="0"/>
+                <a:cs typeface="Times New Roman" panose="02020603050405020304" pitchFamily="18" charset="0"/>
+              </a:rPr>
+              <a:t>catch</a:t>
+            </a:r>
+            <a:r>
+              <a:rPr lang="it-IT" sz="1200" dirty="0">
+                <a:solidFill>
+                  <a:srgbClr val="D4D4D4"/>
+                </a:solidFill>
+                <a:latin typeface="Consolas" panose="020B0609020204030204" pitchFamily="49" charset="0"/>
+                <a:ea typeface="Times New Roman" panose="02020603050405020304" pitchFamily="18" charset="0"/>
+                <a:cs typeface="Times New Roman" panose="02020603050405020304" pitchFamily="18" charset="0"/>
+              </a:rPr>
+              <a:t> (</a:t>
+            </a:r>
+            <a:r>
+              <a:rPr lang="it-IT" sz="1200" dirty="0" err="1">
+                <a:solidFill>
+                  <a:srgbClr val="4EC9B0"/>
+                </a:solidFill>
+                <a:latin typeface="Consolas" panose="020B0609020204030204" pitchFamily="49" charset="0"/>
+                <a:ea typeface="Times New Roman" panose="02020603050405020304" pitchFamily="18" charset="0"/>
+                <a:cs typeface="Times New Roman" panose="02020603050405020304" pitchFamily="18" charset="0"/>
+              </a:rPr>
+              <a:t>RemoteException</a:t>
+            </a:r>
+            <a:r>
+              <a:rPr lang="it-IT" sz="1200" dirty="0">
+                <a:solidFill>
+                  <a:srgbClr val="D4D4D4"/>
+                </a:solidFill>
+                <a:latin typeface="Consolas" panose="020B0609020204030204" pitchFamily="49" charset="0"/>
+                <a:ea typeface="Times New Roman" panose="02020603050405020304" pitchFamily="18" charset="0"/>
+                <a:cs typeface="Times New Roman" panose="02020603050405020304" pitchFamily="18" charset="0"/>
+              </a:rPr>
+              <a:t> </a:t>
+            </a:r>
+            <a:r>
+              <a:rPr lang="it-IT" sz="1200" dirty="0">
+                <a:solidFill>
+                  <a:srgbClr val="9CDCFE"/>
+                </a:solidFill>
+                <a:latin typeface="Consolas" panose="020B0609020204030204" pitchFamily="49" charset="0"/>
+                <a:ea typeface="Times New Roman" panose="02020603050405020304" pitchFamily="18" charset="0"/>
+                <a:cs typeface="Times New Roman" panose="02020603050405020304" pitchFamily="18" charset="0"/>
+              </a:rPr>
+              <a:t>re</a:t>
+            </a:r>
+            <a:r>
+              <a:rPr lang="it-IT" sz="1200" dirty="0">
+                <a:solidFill>
+                  <a:srgbClr val="D4D4D4"/>
+                </a:solidFill>
+                <a:latin typeface="Consolas" panose="020B0609020204030204" pitchFamily="49" charset="0"/>
+                <a:ea typeface="Times New Roman" panose="02020603050405020304" pitchFamily="18" charset="0"/>
+                <a:cs typeface="Times New Roman" panose="02020603050405020304" pitchFamily="18" charset="0"/>
+              </a:rPr>
+              <a:t>) {</a:t>
+            </a:r>
+            <a:endParaRPr lang="it-IT" sz="1200" dirty="0">
+              <a:latin typeface="Consolas" panose="020B0609020204030204" pitchFamily="49" charset="0"/>
+              <a:ea typeface="Calibri" panose="020F0502020204030204" pitchFamily="34" charset="0"/>
+              <a:cs typeface="Times New Roman" panose="02020603050405020304" pitchFamily="18" charset="0"/>
+            </a:endParaRPr>
+          </a:p>
+          <a:p>
+            <a:pPr>
+              <a:lnSpc>
+                <a:spcPct val="120000"/>
+              </a:lnSpc>
+              <a:spcAft>
+                <a:spcPts val="0"/>
+              </a:spcAft>
+            </a:pPr>
+            <a:r>
+              <a:rPr lang="it-IT" sz="1200" dirty="0">
+                <a:solidFill>
+                  <a:srgbClr val="9CDCFE"/>
+                </a:solidFill>
+                <a:latin typeface="Consolas" panose="020B0609020204030204" pitchFamily="49" charset="0"/>
+                <a:ea typeface="Times New Roman" panose="02020603050405020304" pitchFamily="18" charset="0"/>
+                <a:cs typeface="Times New Roman" panose="02020603050405020304" pitchFamily="18" charset="0"/>
+              </a:rPr>
+              <a:t>			</a:t>
+            </a:r>
+            <a:r>
+              <a:rPr lang="it-IT" sz="1200" dirty="0" err="1">
+                <a:solidFill>
+                  <a:srgbClr val="9CDCFE"/>
+                </a:solidFill>
+                <a:latin typeface="Consolas" panose="020B0609020204030204" pitchFamily="49" charset="0"/>
+                <a:ea typeface="Times New Roman" panose="02020603050405020304" pitchFamily="18" charset="0"/>
+                <a:cs typeface="Times New Roman" panose="02020603050405020304" pitchFamily="18" charset="0"/>
+              </a:rPr>
+              <a:t>System</a:t>
+            </a:r>
+            <a:r>
+              <a:rPr lang="it-IT" sz="1200" dirty="0" err="1">
+                <a:solidFill>
+                  <a:srgbClr val="D4D4D4"/>
+                </a:solidFill>
+                <a:latin typeface="Consolas" panose="020B0609020204030204" pitchFamily="49" charset="0"/>
+                <a:ea typeface="Times New Roman" panose="02020603050405020304" pitchFamily="18" charset="0"/>
+                <a:cs typeface="Times New Roman" panose="02020603050405020304" pitchFamily="18" charset="0"/>
+              </a:rPr>
+              <a:t>.</a:t>
+            </a:r>
+            <a:r>
+              <a:rPr lang="it-IT" sz="1200" dirty="0" err="1">
+                <a:solidFill>
+                  <a:srgbClr val="9CDCFE"/>
+                </a:solidFill>
+                <a:latin typeface="Consolas" panose="020B0609020204030204" pitchFamily="49" charset="0"/>
+                <a:ea typeface="Times New Roman" panose="02020603050405020304" pitchFamily="18" charset="0"/>
+                <a:cs typeface="Times New Roman" panose="02020603050405020304" pitchFamily="18" charset="0"/>
+              </a:rPr>
+              <a:t>err</a:t>
+            </a:r>
+            <a:r>
+              <a:rPr lang="it-IT" sz="1200" dirty="0" err="1">
+                <a:solidFill>
+                  <a:srgbClr val="D4D4D4"/>
+                </a:solidFill>
+                <a:latin typeface="Consolas" panose="020B0609020204030204" pitchFamily="49" charset="0"/>
+                <a:ea typeface="Times New Roman" panose="02020603050405020304" pitchFamily="18" charset="0"/>
+                <a:cs typeface="Times New Roman" panose="02020603050405020304" pitchFamily="18" charset="0"/>
+              </a:rPr>
+              <a:t>.</a:t>
+            </a:r>
+            <a:r>
+              <a:rPr lang="it-IT" sz="1200" dirty="0" err="1">
+                <a:solidFill>
+                  <a:srgbClr val="DCDCAA"/>
+                </a:solidFill>
+                <a:latin typeface="Consolas" panose="020B0609020204030204" pitchFamily="49" charset="0"/>
+                <a:ea typeface="Times New Roman" panose="02020603050405020304" pitchFamily="18" charset="0"/>
+                <a:cs typeface="Times New Roman" panose="02020603050405020304" pitchFamily="18" charset="0"/>
+              </a:rPr>
+              <a:t>println</a:t>
+            </a:r>
+            <a:r>
+              <a:rPr lang="it-IT" sz="1200" dirty="0">
+                <a:solidFill>
+                  <a:srgbClr val="D4D4D4"/>
+                </a:solidFill>
+                <a:latin typeface="Consolas" panose="020B0609020204030204" pitchFamily="49" charset="0"/>
+                <a:ea typeface="Times New Roman" panose="02020603050405020304" pitchFamily="18" charset="0"/>
+                <a:cs typeface="Times New Roman" panose="02020603050405020304" pitchFamily="18" charset="0"/>
+              </a:rPr>
+              <a:t>(</a:t>
+            </a:r>
+            <a:r>
+              <a:rPr lang="it-IT" sz="1200" dirty="0">
+                <a:solidFill>
+                  <a:srgbClr val="CE9178"/>
+                </a:solidFill>
+                <a:latin typeface="Consolas" panose="020B0609020204030204" pitchFamily="49" charset="0"/>
+                <a:ea typeface="Times New Roman" panose="02020603050405020304" pitchFamily="18" charset="0"/>
+                <a:cs typeface="Times New Roman" panose="02020603050405020304" pitchFamily="18" charset="0"/>
+              </a:rPr>
+              <a:t>"Possibile errore nel file; "</a:t>
+            </a:r>
+            <a:r>
+              <a:rPr lang="it-IT" sz="1200" dirty="0">
+                <a:solidFill>
+                  <a:srgbClr val="D4D4D4"/>
+                </a:solidFill>
+                <a:latin typeface="Consolas" panose="020B0609020204030204" pitchFamily="49" charset="0"/>
+                <a:ea typeface="Times New Roman" panose="02020603050405020304" pitchFamily="18" charset="0"/>
+                <a:cs typeface="Times New Roman" panose="02020603050405020304" pitchFamily="18" charset="0"/>
+              </a:rPr>
+              <a:t> + </a:t>
+            </a:r>
+            <a:r>
+              <a:rPr lang="it-IT" sz="1200" dirty="0" err="1">
+                <a:solidFill>
+                  <a:srgbClr val="9CDCFE"/>
+                </a:solidFill>
+                <a:latin typeface="Consolas" panose="020B0609020204030204" pitchFamily="49" charset="0"/>
+                <a:ea typeface="Times New Roman" panose="02020603050405020304" pitchFamily="18" charset="0"/>
+                <a:cs typeface="Times New Roman" panose="02020603050405020304" pitchFamily="18" charset="0"/>
+              </a:rPr>
+              <a:t>re</a:t>
+            </a:r>
+            <a:r>
+              <a:rPr lang="it-IT" sz="1200" dirty="0" err="1">
+                <a:solidFill>
+                  <a:srgbClr val="D4D4D4"/>
+                </a:solidFill>
+                <a:latin typeface="Consolas" panose="020B0609020204030204" pitchFamily="49" charset="0"/>
+                <a:ea typeface="Times New Roman" panose="02020603050405020304" pitchFamily="18" charset="0"/>
+                <a:cs typeface="Times New Roman" panose="02020603050405020304" pitchFamily="18" charset="0"/>
+              </a:rPr>
+              <a:t>.</a:t>
+            </a:r>
+            <a:r>
+              <a:rPr lang="it-IT" sz="1200" dirty="0" err="1">
+                <a:solidFill>
+                  <a:srgbClr val="DCDCAA"/>
+                </a:solidFill>
+                <a:latin typeface="Consolas" panose="020B0609020204030204" pitchFamily="49" charset="0"/>
+                <a:ea typeface="Times New Roman" panose="02020603050405020304" pitchFamily="18" charset="0"/>
+                <a:cs typeface="Times New Roman" panose="02020603050405020304" pitchFamily="18" charset="0"/>
+              </a:rPr>
+              <a:t>getMessage</a:t>
+            </a:r>
+            <a:r>
+              <a:rPr lang="it-IT" sz="1200" dirty="0">
+                <a:solidFill>
+                  <a:srgbClr val="D4D4D4"/>
+                </a:solidFill>
+                <a:latin typeface="Consolas" panose="020B0609020204030204" pitchFamily="49" charset="0"/>
+                <a:ea typeface="Times New Roman" panose="02020603050405020304" pitchFamily="18" charset="0"/>
+                <a:cs typeface="Times New Roman" panose="02020603050405020304" pitchFamily="18" charset="0"/>
+              </a:rPr>
+              <a:t>());</a:t>
+            </a:r>
+            <a:endParaRPr lang="it-IT" sz="1200" dirty="0">
+              <a:latin typeface="Consolas" panose="020B0609020204030204" pitchFamily="49" charset="0"/>
+              <a:ea typeface="Calibri" panose="020F0502020204030204" pitchFamily="34" charset="0"/>
+              <a:cs typeface="Times New Roman" panose="02020603050405020304" pitchFamily="18" charset="0"/>
+            </a:endParaRPr>
+          </a:p>
+          <a:p>
+            <a:pPr>
+              <a:lnSpc>
+                <a:spcPct val="120000"/>
+              </a:lnSpc>
+              <a:spcAft>
+                <a:spcPts val="0"/>
+              </a:spcAft>
+            </a:pPr>
+            <a:r>
+              <a:rPr lang="it-IT" sz="1200" dirty="0">
+                <a:solidFill>
+                  <a:srgbClr val="9CDCFE"/>
+                </a:solidFill>
+                <a:latin typeface="Consolas" panose="020B0609020204030204" pitchFamily="49" charset="0"/>
+                <a:ea typeface="Times New Roman" panose="02020603050405020304" pitchFamily="18" charset="0"/>
+                <a:cs typeface="Times New Roman" panose="02020603050405020304" pitchFamily="18" charset="0"/>
+              </a:rPr>
+              <a:t>			</a:t>
+            </a:r>
+            <a:r>
+              <a:rPr lang="it-IT" sz="1200" dirty="0" err="1">
+                <a:solidFill>
+                  <a:srgbClr val="9CDCFE"/>
+                </a:solidFill>
+                <a:latin typeface="Consolas" panose="020B0609020204030204" pitchFamily="49" charset="0"/>
+                <a:ea typeface="Times New Roman" panose="02020603050405020304" pitchFamily="18" charset="0"/>
+                <a:cs typeface="Times New Roman" panose="02020603050405020304" pitchFamily="18" charset="0"/>
+              </a:rPr>
+              <a:t>re</a:t>
+            </a:r>
+            <a:r>
+              <a:rPr lang="it-IT" sz="1200" dirty="0" err="1">
+                <a:solidFill>
+                  <a:srgbClr val="D4D4D4"/>
+                </a:solidFill>
+                <a:latin typeface="Consolas" panose="020B0609020204030204" pitchFamily="49" charset="0"/>
+                <a:ea typeface="Times New Roman" panose="02020603050405020304" pitchFamily="18" charset="0"/>
+                <a:cs typeface="Times New Roman" panose="02020603050405020304" pitchFamily="18" charset="0"/>
+              </a:rPr>
+              <a:t>.</a:t>
+            </a:r>
+            <a:r>
+              <a:rPr lang="it-IT" sz="1200" dirty="0" err="1">
+                <a:solidFill>
+                  <a:srgbClr val="DCDCAA"/>
+                </a:solidFill>
+                <a:latin typeface="Consolas" panose="020B0609020204030204" pitchFamily="49" charset="0"/>
+                <a:ea typeface="Times New Roman" panose="02020603050405020304" pitchFamily="18" charset="0"/>
+                <a:cs typeface="Times New Roman" panose="02020603050405020304" pitchFamily="18" charset="0"/>
+              </a:rPr>
+              <a:t>printStackTrace</a:t>
+            </a:r>
+            <a:r>
+              <a:rPr lang="it-IT" sz="1200" dirty="0">
+                <a:solidFill>
+                  <a:srgbClr val="D4D4D4"/>
+                </a:solidFill>
+                <a:latin typeface="Consolas" panose="020B0609020204030204" pitchFamily="49" charset="0"/>
+                <a:ea typeface="Times New Roman" panose="02020603050405020304" pitchFamily="18" charset="0"/>
+                <a:cs typeface="Times New Roman" panose="02020603050405020304" pitchFamily="18" charset="0"/>
+              </a:rPr>
+              <a:t>();</a:t>
+            </a:r>
+            <a:endParaRPr lang="it-IT" sz="1200" dirty="0">
+              <a:latin typeface="Consolas" panose="020B0609020204030204" pitchFamily="49" charset="0"/>
+              <a:ea typeface="Calibri" panose="020F0502020204030204" pitchFamily="34" charset="0"/>
+              <a:cs typeface="Times New Roman" panose="02020603050405020304" pitchFamily="18" charset="0"/>
+            </a:endParaRPr>
+          </a:p>
+          <a:p>
+            <a:pPr>
+              <a:lnSpc>
+                <a:spcPct val="120000"/>
+              </a:lnSpc>
+              <a:spcAft>
+                <a:spcPts val="0"/>
+              </a:spcAft>
+            </a:pPr>
+            <a:r>
+              <a:rPr lang="it-IT" sz="1200" dirty="0">
+                <a:solidFill>
+                  <a:srgbClr val="D4D4D4"/>
+                </a:solidFill>
+                <a:latin typeface="Consolas" panose="020B0609020204030204" pitchFamily="49" charset="0"/>
+                <a:ea typeface="Times New Roman" panose="02020603050405020304" pitchFamily="18" charset="0"/>
+                <a:cs typeface="Times New Roman" panose="02020603050405020304" pitchFamily="18" charset="0"/>
+              </a:rPr>
+              <a:t>	}</a:t>
+            </a:r>
+            <a:endParaRPr lang="it-IT" sz="1200" dirty="0">
+              <a:latin typeface="Consolas" panose="020B0609020204030204" pitchFamily="49" charset="0"/>
+              <a:ea typeface="Calibri" panose="020F0502020204030204" pitchFamily="34" charset="0"/>
+              <a:cs typeface="Times New Roman" panose="02020603050405020304" pitchFamily="18" charset="0"/>
+            </a:endParaRPr>
+          </a:p>
+        </p:txBody>
+      </p:sp>
+      <p:sp>
+        <p:nvSpPr>
+          <p:cNvPr id="5" name="Callout: linea 4">
+            <a:extLst>
+              <a:ext uri="{FF2B5EF4-FFF2-40B4-BE49-F238E27FC236}">
+                <a16:creationId xmlns:a16="http://schemas.microsoft.com/office/drawing/2014/main" id="{302F8BAF-836E-4668-8646-5D3B6261A1AD}"/>
+              </a:ext>
+            </a:extLst>
+          </p:cNvPr>
+          <p:cNvSpPr/>
+          <p:nvPr/>
+        </p:nvSpPr>
+        <p:spPr>
+          <a:xfrm>
+            <a:off x="7692654" y="1228060"/>
+            <a:ext cx="2966485" cy="1392865"/>
+          </a:xfrm>
+          <a:prstGeom prst="borderCallout1">
+            <a:avLst>
+              <a:gd name="adj1" fmla="val 39361"/>
+              <a:gd name="adj2" fmla="val -8333"/>
+              <a:gd name="adj3" fmla="val 18225"/>
+              <a:gd name="adj4" fmla="val -141559"/>
+            </a:avLst>
+          </a:prstGeom>
+          <a:solidFill>
+            <a:schemeClr val="accent4"/>
+          </a:solidFill>
+          <a:ln>
+            <a:solidFill>
+              <a:schemeClr val="accent4"/>
+            </a:solidFill>
+          </a:ln>
+        </p:spPr>
+        <p:style>
+          <a:lnRef idx="2">
+            <a:schemeClr val="accent1">
+              <a:shade val="50000"/>
+            </a:schemeClr>
+          </a:lnRef>
+          <a:fillRef idx="1">
+            <a:schemeClr val="accent1"/>
+          </a:fillRef>
+          <a:effectRef idx="0">
+            <a:schemeClr val="accent1"/>
+          </a:effectRef>
+          <a:fontRef idx="minor">
+            <a:schemeClr val="lt1"/>
+          </a:fontRef>
+        </p:style>
+        <p:txBody>
+          <a:bodyPr rtlCol="0" anchor="ctr"/>
+          <a:lstStyle/>
+          <a:p>
+            <a:pPr algn="just"/>
+            <a:r>
+              <a:rPr lang="it-IT" sz="1600" dirty="0">
+                <a:solidFill>
+                  <a:schemeClr val="tx1"/>
+                </a:solidFill>
+                <a:latin typeface="Avenir Next LT Pro Light" panose="020B0304020202020204" pitchFamily="34" charset="0"/>
+              </a:rPr>
+              <a:t>Si passa al Client la lettera C o la lettera E a seconda che si voglia il servizio di conteggio righe o eliminazione riga e da qui si divide il codice.</a:t>
             </a:r>
           </a:p>
         </p:txBody>
@@ -4914,7 +7125,7 @@
     </p:spTree>
     <p:extLst>
       <p:ext uri="{BB962C8B-B14F-4D97-AF65-F5344CB8AC3E}">
-        <p14:creationId xmlns:p14="http://schemas.microsoft.com/office/powerpoint/2010/main" val="1263132891"/>
+        <p14:creationId xmlns:p14="http://schemas.microsoft.com/office/powerpoint/2010/main" val="4136629331"/>
       </p:ext>
     </p:extLst>
   </p:cSld>
@@ -5008,19 +7219,1926 @@
           <a:p>
             <a:pPr algn="ctr"/>
             <a:r>
-              <a:rPr lang="it-IT">
+              <a:rPr lang="it-IT" dirty="0">
                 <a:solidFill>
                   <a:schemeClr val="bg1"/>
                 </a:solidFill>
                 <a:latin typeface="Avenir Next LT Pro Light" panose="020B0304020202020204" pitchFamily="34" charset="0"/>
               </a:rPr>
-              <a:t>Algoritmo</a:t>
-            </a:r>
-            <a:endParaRPr lang="it-IT" dirty="0">
+              <a:t>Codice Client (eliminazione riga)</a:t>
+            </a:r>
+          </a:p>
+        </p:txBody>
+      </p:sp>
+      <p:sp>
+        <p:nvSpPr>
+          <p:cNvPr id="5" name="CasellaDiTesto 4">
+            <a:extLst>
+              <a:ext uri="{FF2B5EF4-FFF2-40B4-BE49-F238E27FC236}">
+                <a16:creationId xmlns:a16="http://schemas.microsoft.com/office/drawing/2014/main" id="{1C50962C-2CB0-4056-9B72-BEF1359FC840}"/>
+              </a:ext>
+            </a:extLst>
+          </p:cNvPr>
+          <p:cNvSpPr txBox="1"/>
+          <p:nvPr/>
+        </p:nvSpPr>
+        <p:spPr>
+          <a:xfrm>
+            <a:off x="404408" y="1090256"/>
+            <a:ext cx="11509882" cy="4951677"/>
+          </a:xfrm>
+          <a:prstGeom prst="rect">
+            <a:avLst/>
+          </a:prstGeom>
+          <a:noFill/>
+        </p:spPr>
+        <p:txBody>
+          <a:bodyPr wrap="none" rtlCol="0">
+            <a:spAutoFit/>
+          </a:bodyPr>
+          <a:lstStyle/>
+          <a:p>
+            <a:pPr>
+              <a:lnSpc>
+                <a:spcPct val="120000"/>
+              </a:lnSpc>
+              <a:spcAft>
+                <a:spcPts val="0"/>
+              </a:spcAft>
+            </a:pPr>
+            <a:r>
+              <a:rPr lang="it-IT" sz="1200" dirty="0">
+                <a:solidFill>
+                  <a:srgbClr val="D4D4D4"/>
+                </a:solidFill>
+                <a:latin typeface="Consolas" panose="020B0609020204030204" pitchFamily="49" charset="0"/>
+                <a:ea typeface="Times New Roman" panose="02020603050405020304" pitchFamily="18" charset="0"/>
+                <a:cs typeface="Times New Roman" panose="02020603050405020304" pitchFamily="18" charset="0"/>
+              </a:rPr>
+              <a:t>	} </a:t>
+            </a:r>
+            <a:r>
+              <a:rPr lang="it-IT" sz="1200" dirty="0">
+                <a:solidFill>
+                  <a:srgbClr val="C586C0"/>
+                </a:solidFill>
+                <a:latin typeface="Consolas" panose="020B0609020204030204" pitchFamily="49" charset="0"/>
+                <a:ea typeface="Times New Roman" panose="02020603050405020304" pitchFamily="18" charset="0"/>
+                <a:cs typeface="Times New Roman" panose="02020603050405020304" pitchFamily="18" charset="0"/>
+              </a:rPr>
+              <a:t>else</a:t>
+            </a:r>
+            <a:r>
+              <a:rPr lang="it-IT" sz="1200" dirty="0">
+                <a:solidFill>
+                  <a:srgbClr val="D4D4D4"/>
+                </a:solidFill>
+                <a:latin typeface="Consolas" panose="020B0609020204030204" pitchFamily="49" charset="0"/>
+                <a:ea typeface="Times New Roman" panose="02020603050405020304" pitchFamily="18" charset="0"/>
+                <a:cs typeface="Times New Roman" panose="02020603050405020304" pitchFamily="18" charset="0"/>
+              </a:rPr>
+              <a:t> </a:t>
+            </a:r>
+            <a:r>
+              <a:rPr lang="it-IT" sz="1200" dirty="0" err="1">
+                <a:solidFill>
+                  <a:srgbClr val="C586C0"/>
+                </a:solidFill>
+                <a:latin typeface="Consolas" panose="020B0609020204030204" pitchFamily="49" charset="0"/>
+                <a:ea typeface="Times New Roman" panose="02020603050405020304" pitchFamily="18" charset="0"/>
+                <a:cs typeface="Times New Roman" panose="02020603050405020304" pitchFamily="18" charset="0"/>
+              </a:rPr>
+              <a:t>if</a:t>
+            </a:r>
+            <a:r>
+              <a:rPr lang="it-IT" sz="1200" dirty="0">
+                <a:solidFill>
+                  <a:srgbClr val="D4D4D4"/>
+                </a:solidFill>
+                <a:latin typeface="Consolas" panose="020B0609020204030204" pitchFamily="49" charset="0"/>
+                <a:ea typeface="Times New Roman" panose="02020603050405020304" pitchFamily="18" charset="0"/>
+                <a:cs typeface="Times New Roman" panose="02020603050405020304" pitchFamily="18" charset="0"/>
+              </a:rPr>
+              <a:t> (</a:t>
+            </a:r>
+            <a:r>
+              <a:rPr lang="it-IT" sz="1200" dirty="0" err="1">
+                <a:solidFill>
+                  <a:srgbClr val="9CDCFE"/>
+                </a:solidFill>
+                <a:latin typeface="Consolas" panose="020B0609020204030204" pitchFamily="49" charset="0"/>
+                <a:ea typeface="Times New Roman" panose="02020603050405020304" pitchFamily="18" charset="0"/>
+                <a:cs typeface="Times New Roman" panose="02020603050405020304" pitchFamily="18" charset="0"/>
+              </a:rPr>
+              <a:t>service</a:t>
+            </a:r>
+            <a:r>
+              <a:rPr lang="it-IT" sz="1200" dirty="0" err="1">
+                <a:solidFill>
+                  <a:srgbClr val="D4D4D4"/>
+                </a:solidFill>
+                <a:latin typeface="Consolas" panose="020B0609020204030204" pitchFamily="49" charset="0"/>
+                <a:ea typeface="Times New Roman" panose="02020603050405020304" pitchFamily="18" charset="0"/>
+                <a:cs typeface="Times New Roman" panose="02020603050405020304" pitchFamily="18" charset="0"/>
+              </a:rPr>
+              <a:t>.</a:t>
+            </a:r>
+            <a:r>
+              <a:rPr lang="it-IT" sz="1200" dirty="0" err="1">
+                <a:solidFill>
+                  <a:srgbClr val="DCDCAA"/>
+                </a:solidFill>
+                <a:latin typeface="Consolas" panose="020B0609020204030204" pitchFamily="49" charset="0"/>
+                <a:ea typeface="Times New Roman" panose="02020603050405020304" pitchFamily="18" charset="0"/>
+                <a:cs typeface="Times New Roman" panose="02020603050405020304" pitchFamily="18" charset="0"/>
+              </a:rPr>
+              <a:t>equals</a:t>
+            </a:r>
+            <a:r>
+              <a:rPr lang="it-IT" sz="1200" dirty="0">
+                <a:solidFill>
+                  <a:srgbClr val="D4D4D4"/>
+                </a:solidFill>
+                <a:latin typeface="Consolas" panose="020B0609020204030204" pitchFamily="49" charset="0"/>
+                <a:ea typeface="Times New Roman" panose="02020603050405020304" pitchFamily="18" charset="0"/>
+                <a:cs typeface="Times New Roman" panose="02020603050405020304" pitchFamily="18" charset="0"/>
+              </a:rPr>
+              <a:t>(</a:t>
+            </a:r>
+            <a:r>
+              <a:rPr lang="it-IT" sz="1200" dirty="0">
+                <a:solidFill>
+                  <a:srgbClr val="CE9178"/>
+                </a:solidFill>
+                <a:latin typeface="Consolas" panose="020B0609020204030204" pitchFamily="49" charset="0"/>
+                <a:ea typeface="Times New Roman" panose="02020603050405020304" pitchFamily="18" charset="0"/>
+                <a:cs typeface="Times New Roman" panose="02020603050405020304" pitchFamily="18" charset="0"/>
+              </a:rPr>
+              <a:t>"E"</a:t>
+            </a:r>
+            <a:r>
+              <a:rPr lang="it-IT" sz="1200" dirty="0">
+                <a:solidFill>
+                  <a:srgbClr val="D4D4D4"/>
+                </a:solidFill>
+                <a:latin typeface="Consolas" panose="020B0609020204030204" pitchFamily="49" charset="0"/>
+                <a:ea typeface="Times New Roman" panose="02020603050405020304" pitchFamily="18" charset="0"/>
+                <a:cs typeface="Times New Roman" panose="02020603050405020304" pitchFamily="18" charset="0"/>
+              </a:rPr>
+              <a:t>)) {</a:t>
+            </a:r>
+            <a:endParaRPr lang="it-IT" sz="1200" dirty="0">
+              <a:latin typeface="Consolas" panose="020B0609020204030204" pitchFamily="49" charset="0"/>
+              <a:ea typeface="Calibri" panose="020F0502020204030204" pitchFamily="34" charset="0"/>
+              <a:cs typeface="Times New Roman" panose="02020603050405020304" pitchFamily="18" charset="0"/>
+            </a:endParaRPr>
+          </a:p>
+          <a:p>
+            <a:pPr>
+              <a:lnSpc>
+                <a:spcPct val="120000"/>
+              </a:lnSpc>
+              <a:spcAft>
+                <a:spcPts val="0"/>
+              </a:spcAft>
+            </a:pPr>
+            <a:r>
+              <a:rPr lang="it-IT" sz="1200" dirty="0">
+                <a:solidFill>
+                  <a:srgbClr val="4EC9B0"/>
+                </a:solidFill>
+                <a:latin typeface="Consolas" panose="020B0609020204030204" pitchFamily="49" charset="0"/>
+                <a:ea typeface="Times New Roman" panose="02020603050405020304" pitchFamily="18" charset="0"/>
+                <a:cs typeface="Times New Roman" panose="02020603050405020304" pitchFamily="18" charset="0"/>
+              </a:rPr>
+              <a:t>		</a:t>
+            </a:r>
+            <a:r>
+              <a:rPr lang="it-IT" sz="1200" dirty="0" err="1">
+                <a:solidFill>
+                  <a:srgbClr val="4EC9B0"/>
+                </a:solidFill>
+                <a:latin typeface="Consolas" panose="020B0609020204030204" pitchFamily="49" charset="0"/>
+                <a:ea typeface="Times New Roman" panose="02020603050405020304" pitchFamily="18" charset="0"/>
+                <a:cs typeface="Times New Roman" panose="02020603050405020304" pitchFamily="18" charset="0"/>
+              </a:rPr>
+              <a:t>String</a:t>
+            </a:r>
+            <a:r>
+              <a:rPr lang="it-IT" sz="1200" dirty="0">
+                <a:solidFill>
+                  <a:srgbClr val="D4D4D4"/>
+                </a:solidFill>
+                <a:latin typeface="Consolas" panose="020B0609020204030204" pitchFamily="49" charset="0"/>
+                <a:ea typeface="Times New Roman" panose="02020603050405020304" pitchFamily="18" charset="0"/>
+                <a:cs typeface="Times New Roman" panose="02020603050405020304" pitchFamily="18" charset="0"/>
+              </a:rPr>
+              <a:t> </a:t>
+            </a:r>
+            <a:r>
+              <a:rPr lang="it-IT" sz="1200" dirty="0" err="1">
+                <a:solidFill>
+                  <a:srgbClr val="9CDCFE"/>
+                </a:solidFill>
+                <a:latin typeface="Consolas" panose="020B0609020204030204" pitchFamily="49" charset="0"/>
+                <a:ea typeface="Times New Roman" panose="02020603050405020304" pitchFamily="18" charset="0"/>
+                <a:cs typeface="Times New Roman" panose="02020603050405020304" pitchFamily="18" charset="0"/>
+              </a:rPr>
+              <a:t>fileName</a:t>
+            </a:r>
+            <a:r>
+              <a:rPr lang="it-IT" sz="1200" dirty="0">
+                <a:solidFill>
+                  <a:srgbClr val="D4D4D4"/>
+                </a:solidFill>
+                <a:latin typeface="Consolas" panose="020B0609020204030204" pitchFamily="49" charset="0"/>
+                <a:ea typeface="Times New Roman" panose="02020603050405020304" pitchFamily="18" charset="0"/>
+                <a:cs typeface="Times New Roman" panose="02020603050405020304" pitchFamily="18" charset="0"/>
+              </a:rPr>
+              <a:t>;</a:t>
+            </a:r>
+            <a:endParaRPr lang="it-IT" sz="1200" dirty="0">
+              <a:latin typeface="Consolas" panose="020B0609020204030204" pitchFamily="49" charset="0"/>
+              <a:ea typeface="Calibri" panose="020F0502020204030204" pitchFamily="34" charset="0"/>
+              <a:cs typeface="Times New Roman" panose="02020603050405020304" pitchFamily="18" charset="0"/>
+            </a:endParaRPr>
+          </a:p>
+          <a:p>
+            <a:pPr>
+              <a:lnSpc>
+                <a:spcPct val="120000"/>
+              </a:lnSpc>
+              <a:spcAft>
+                <a:spcPts val="0"/>
+              </a:spcAft>
+            </a:pPr>
+            <a:r>
+              <a:rPr lang="it-IT" sz="1200" dirty="0">
+                <a:solidFill>
+                  <a:srgbClr val="4EC9B0"/>
+                </a:solidFill>
+                <a:latin typeface="Consolas" panose="020B0609020204030204" pitchFamily="49" charset="0"/>
+                <a:ea typeface="Times New Roman" panose="02020603050405020304" pitchFamily="18" charset="0"/>
+                <a:cs typeface="Times New Roman" panose="02020603050405020304" pitchFamily="18" charset="0"/>
+              </a:rPr>
+              <a:t>		</a:t>
+            </a:r>
+            <a:r>
+              <a:rPr lang="it-IT" sz="1200" dirty="0" err="1">
+                <a:solidFill>
+                  <a:srgbClr val="4EC9B0"/>
+                </a:solidFill>
+                <a:latin typeface="Consolas" panose="020B0609020204030204" pitchFamily="49" charset="0"/>
+                <a:ea typeface="Times New Roman" panose="02020603050405020304" pitchFamily="18" charset="0"/>
+                <a:cs typeface="Times New Roman" panose="02020603050405020304" pitchFamily="18" charset="0"/>
+              </a:rPr>
+              <a:t>int</a:t>
+            </a:r>
+            <a:r>
+              <a:rPr lang="it-IT" sz="1200" dirty="0">
+                <a:solidFill>
+                  <a:srgbClr val="D4D4D4"/>
+                </a:solidFill>
+                <a:latin typeface="Consolas" panose="020B0609020204030204" pitchFamily="49" charset="0"/>
+                <a:ea typeface="Times New Roman" panose="02020603050405020304" pitchFamily="18" charset="0"/>
+                <a:cs typeface="Times New Roman" panose="02020603050405020304" pitchFamily="18" charset="0"/>
+              </a:rPr>
+              <a:t> </a:t>
+            </a:r>
+            <a:r>
+              <a:rPr lang="it-IT" sz="1200" dirty="0" err="1">
+                <a:solidFill>
+                  <a:srgbClr val="9CDCFE"/>
+                </a:solidFill>
+                <a:latin typeface="Consolas" panose="020B0609020204030204" pitchFamily="49" charset="0"/>
+                <a:ea typeface="Times New Roman" panose="02020603050405020304" pitchFamily="18" charset="0"/>
+                <a:cs typeface="Times New Roman" panose="02020603050405020304" pitchFamily="18" charset="0"/>
+              </a:rPr>
+              <a:t>numRiga</a:t>
+            </a:r>
+            <a:r>
+              <a:rPr lang="it-IT" sz="1200" dirty="0">
+                <a:solidFill>
+                  <a:srgbClr val="D4D4D4"/>
+                </a:solidFill>
+                <a:latin typeface="Consolas" panose="020B0609020204030204" pitchFamily="49" charset="0"/>
+                <a:ea typeface="Times New Roman" panose="02020603050405020304" pitchFamily="18" charset="0"/>
+                <a:cs typeface="Times New Roman" panose="02020603050405020304" pitchFamily="18" charset="0"/>
+              </a:rPr>
+              <a:t>, </a:t>
+            </a:r>
+            <a:r>
+              <a:rPr lang="it-IT" sz="1200" dirty="0" err="1">
+                <a:solidFill>
+                  <a:srgbClr val="9CDCFE"/>
+                </a:solidFill>
+                <a:latin typeface="Consolas" panose="020B0609020204030204" pitchFamily="49" charset="0"/>
+                <a:ea typeface="Times New Roman" panose="02020603050405020304" pitchFamily="18" charset="0"/>
+                <a:cs typeface="Times New Roman" panose="02020603050405020304" pitchFamily="18" charset="0"/>
+              </a:rPr>
+              <a:t>ris</a:t>
+            </a:r>
+            <a:r>
+              <a:rPr lang="it-IT" sz="1200" dirty="0">
+                <a:solidFill>
+                  <a:srgbClr val="D4D4D4"/>
+                </a:solidFill>
+                <a:latin typeface="Consolas" panose="020B0609020204030204" pitchFamily="49" charset="0"/>
+                <a:ea typeface="Times New Roman" panose="02020603050405020304" pitchFamily="18" charset="0"/>
+                <a:cs typeface="Times New Roman" panose="02020603050405020304" pitchFamily="18" charset="0"/>
+              </a:rPr>
+              <a:t>;</a:t>
+            </a:r>
+            <a:endParaRPr lang="it-IT" sz="1200" dirty="0">
+              <a:latin typeface="Consolas" panose="020B0609020204030204" pitchFamily="49" charset="0"/>
+              <a:ea typeface="Calibri" panose="020F0502020204030204" pitchFamily="34" charset="0"/>
+              <a:cs typeface="Times New Roman" panose="02020603050405020304" pitchFamily="18" charset="0"/>
+            </a:endParaRPr>
+          </a:p>
+          <a:p>
+            <a:pPr>
+              <a:lnSpc>
+                <a:spcPct val="120000"/>
+              </a:lnSpc>
+              <a:spcAft>
+                <a:spcPts val="0"/>
+              </a:spcAft>
+            </a:pPr>
+            <a:r>
+              <a:rPr lang="it-IT" sz="1200" dirty="0">
+                <a:solidFill>
+                  <a:srgbClr val="D4D4D4"/>
+                </a:solidFill>
+                <a:latin typeface="Consolas" panose="020B0609020204030204" pitchFamily="49" charset="0"/>
+                <a:ea typeface="Times New Roman" panose="02020603050405020304" pitchFamily="18" charset="0"/>
+                <a:cs typeface="Times New Roman" panose="02020603050405020304" pitchFamily="18" charset="0"/>
+              </a:rPr>
+              <a:t> </a:t>
+            </a:r>
+            <a:endParaRPr lang="it-IT" sz="1200" dirty="0">
+              <a:latin typeface="Consolas" panose="020B0609020204030204" pitchFamily="49" charset="0"/>
+              <a:ea typeface="Calibri" panose="020F0502020204030204" pitchFamily="34" charset="0"/>
+              <a:cs typeface="Times New Roman" panose="02020603050405020304" pitchFamily="18" charset="0"/>
+            </a:endParaRPr>
+          </a:p>
+          <a:p>
+            <a:pPr>
+              <a:lnSpc>
+                <a:spcPct val="120000"/>
+              </a:lnSpc>
+              <a:spcAft>
+                <a:spcPts val="0"/>
+              </a:spcAft>
+            </a:pPr>
+            <a:r>
+              <a:rPr lang="it-IT" sz="1200" dirty="0">
+                <a:solidFill>
+                  <a:srgbClr val="9CDCFE"/>
+                </a:solidFill>
+                <a:latin typeface="Consolas" panose="020B0609020204030204" pitchFamily="49" charset="0"/>
+                <a:ea typeface="Times New Roman" panose="02020603050405020304" pitchFamily="18" charset="0"/>
+                <a:cs typeface="Times New Roman" panose="02020603050405020304" pitchFamily="18" charset="0"/>
+              </a:rPr>
+              <a:t>		</a:t>
+            </a:r>
+            <a:r>
+              <a:rPr lang="it-IT" sz="1200" dirty="0" err="1">
+                <a:solidFill>
+                  <a:srgbClr val="9CDCFE"/>
+                </a:solidFill>
+                <a:latin typeface="Consolas" panose="020B0609020204030204" pitchFamily="49" charset="0"/>
+                <a:ea typeface="Times New Roman" panose="02020603050405020304" pitchFamily="18" charset="0"/>
+                <a:cs typeface="Times New Roman" panose="02020603050405020304" pitchFamily="18" charset="0"/>
+              </a:rPr>
+              <a:t>System</a:t>
+            </a:r>
+            <a:r>
+              <a:rPr lang="it-IT" sz="1200" dirty="0" err="1">
+                <a:solidFill>
+                  <a:srgbClr val="D4D4D4"/>
+                </a:solidFill>
+                <a:latin typeface="Consolas" panose="020B0609020204030204" pitchFamily="49" charset="0"/>
+                <a:ea typeface="Times New Roman" panose="02020603050405020304" pitchFamily="18" charset="0"/>
+                <a:cs typeface="Times New Roman" panose="02020603050405020304" pitchFamily="18" charset="0"/>
+              </a:rPr>
+              <a:t>.</a:t>
+            </a:r>
+            <a:r>
+              <a:rPr lang="it-IT" sz="1200" dirty="0" err="1">
+                <a:solidFill>
+                  <a:srgbClr val="9CDCFE"/>
+                </a:solidFill>
+                <a:latin typeface="Consolas" panose="020B0609020204030204" pitchFamily="49" charset="0"/>
+                <a:ea typeface="Times New Roman" panose="02020603050405020304" pitchFamily="18" charset="0"/>
+                <a:cs typeface="Times New Roman" panose="02020603050405020304" pitchFamily="18" charset="0"/>
+              </a:rPr>
+              <a:t>out</a:t>
+            </a:r>
+            <a:r>
+              <a:rPr lang="it-IT" sz="1200" dirty="0" err="1">
+                <a:solidFill>
+                  <a:srgbClr val="D4D4D4"/>
+                </a:solidFill>
+                <a:latin typeface="Consolas" panose="020B0609020204030204" pitchFamily="49" charset="0"/>
+                <a:ea typeface="Times New Roman" panose="02020603050405020304" pitchFamily="18" charset="0"/>
+                <a:cs typeface="Times New Roman" panose="02020603050405020304" pitchFamily="18" charset="0"/>
+              </a:rPr>
+              <a:t>.</a:t>
+            </a:r>
+            <a:r>
+              <a:rPr lang="it-IT" sz="1200" dirty="0" err="1">
+                <a:solidFill>
+                  <a:srgbClr val="DCDCAA"/>
+                </a:solidFill>
+                <a:latin typeface="Consolas" panose="020B0609020204030204" pitchFamily="49" charset="0"/>
+                <a:ea typeface="Times New Roman" panose="02020603050405020304" pitchFamily="18" charset="0"/>
+                <a:cs typeface="Times New Roman" panose="02020603050405020304" pitchFamily="18" charset="0"/>
+              </a:rPr>
+              <a:t>print</a:t>
+            </a:r>
+            <a:r>
+              <a:rPr lang="it-IT" sz="1200" dirty="0">
+                <a:solidFill>
+                  <a:srgbClr val="D4D4D4"/>
+                </a:solidFill>
+                <a:latin typeface="Consolas" panose="020B0609020204030204" pitchFamily="49" charset="0"/>
+                <a:ea typeface="Times New Roman" panose="02020603050405020304" pitchFamily="18" charset="0"/>
+                <a:cs typeface="Times New Roman" panose="02020603050405020304" pitchFamily="18" charset="0"/>
+              </a:rPr>
+              <a:t>(</a:t>
+            </a:r>
+            <a:r>
+              <a:rPr lang="it-IT" sz="1200" dirty="0">
+                <a:solidFill>
+                  <a:srgbClr val="CE9178"/>
+                </a:solidFill>
+                <a:latin typeface="Consolas" panose="020B0609020204030204" pitchFamily="49" charset="0"/>
+                <a:ea typeface="Times New Roman" panose="02020603050405020304" pitchFamily="18" charset="0"/>
+                <a:cs typeface="Times New Roman" panose="02020603050405020304" pitchFamily="18" charset="0"/>
+              </a:rPr>
+              <a:t>"Inserire il nome di un file: "</a:t>
+            </a:r>
+            <a:r>
+              <a:rPr lang="it-IT" sz="1200" dirty="0">
+                <a:solidFill>
+                  <a:srgbClr val="D4D4D4"/>
+                </a:solidFill>
+                <a:latin typeface="Consolas" panose="020B0609020204030204" pitchFamily="49" charset="0"/>
+                <a:ea typeface="Times New Roman" panose="02020603050405020304" pitchFamily="18" charset="0"/>
+                <a:cs typeface="Times New Roman" panose="02020603050405020304" pitchFamily="18" charset="0"/>
+              </a:rPr>
+              <a:t>);</a:t>
+            </a:r>
+            <a:endParaRPr lang="it-IT" sz="1200" dirty="0">
+              <a:latin typeface="Consolas" panose="020B0609020204030204" pitchFamily="49" charset="0"/>
+              <a:ea typeface="Calibri" panose="020F0502020204030204" pitchFamily="34" charset="0"/>
+              <a:cs typeface="Times New Roman" panose="02020603050405020304" pitchFamily="18" charset="0"/>
+            </a:endParaRPr>
+          </a:p>
+          <a:p>
+            <a:pPr>
+              <a:lnSpc>
+                <a:spcPct val="120000"/>
+              </a:lnSpc>
+              <a:spcAft>
+                <a:spcPts val="0"/>
+              </a:spcAft>
+            </a:pPr>
+            <a:r>
+              <a:rPr lang="it-IT" sz="1200" dirty="0">
+                <a:solidFill>
+                  <a:srgbClr val="D4D4D4"/>
+                </a:solidFill>
+                <a:latin typeface="Consolas" panose="020B0609020204030204" pitchFamily="49" charset="0"/>
+                <a:ea typeface="Times New Roman" panose="02020603050405020304" pitchFamily="18" charset="0"/>
+                <a:cs typeface="Times New Roman" panose="02020603050405020304" pitchFamily="18" charset="0"/>
+              </a:rPr>
+              <a:t>		</a:t>
+            </a:r>
+            <a:r>
+              <a:rPr lang="it-IT" sz="1200" dirty="0" err="1">
+                <a:solidFill>
+                  <a:srgbClr val="D4D4D4"/>
+                </a:solidFill>
+                <a:latin typeface="Consolas" panose="020B0609020204030204" pitchFamily="49" charset="0"/>
+                <a:ea typeface="Times New Roman" panose="02020603050405020304" pitchFamily="18" charset="0"/>
+                <a:cs typeface="Times New Roman" panose="02020603050405020304" pitchFamily="18" charset="0"/>
+              </a:rPr>
+              <a:t>fileName</a:t>
+            </a:r>
+            <a:r>
+              <a:rPr lang="it-IT" sz="1200" dirty="0">
+                <a:solidFill>
+                  <a:srgbClr val="D4D4D4"/>
+                </a:solidFill>
+                <a:latin typeface="Consolas" panose="020B0609020204030204" pitchFamily="49" charset="0"/>
+                <a:ea typeface="Times New Roman" panose="02020603050405020304" pitchFamily="18" charset="0"/>
+                <a:cs typeface="Times New Roman" panose="02020603050405020304" pitchFamily="18" charset="0"/>
+              </a:rPr>
+              <a:t> = </a:t>
+            </a:r>
+            <a:r>
+              <a:rPr lang="it-IT" sz="1200" dirty="0" err="1">
+                <a:solidFill>
+                  <a:srgbClr val="9CDCFE"/>
+                </a:solidFill>
+                <a:latin typeface="Consolas" panose="020B0609020204030204" pitchFamily="49" charset="0"/>
+                <a:ea typeface="Times New Roman" panose="02020603050405020304" pitchFamily="18" charset="0"/>
+                <a:cs typeface="Times New Roman" panose="02020603050405020304" pitchFamily="18" charset="0"/>
+              </a:rPr>
+              <a:t>stdIn</a:t>
+            </a:r>
+            <a:r>
+              <a:rPr lang="it-IT" sz="1200" dirty="0" err="1">
+                <a:solidFill>
+                  <a:srgbClr val="D4D4D4"/>
+                </a:solidFill>
+                <a:latin typeface="Consolas" panose="020B0609020204030204" pitchFamily="49" charset="0"/>
+                <a:ea typeface="Times New Roman" panose="02020603050405020304" pitchFamily="18" charset="0"/>
+                <a:cs typeface="Times New Roman" panose="02020603050405020304" pitchFamily="18" charset="0"/>
+              </a:rPr>
+              <a:t>.</a:t>
+            </a:r>
+            <a:r>
+              <a:rPr lang="it-IT" sz="1200" dirty="0" err="1">
+                <a:solidFill>
+                  <a:srgbClr val="DCDCAA"/>
+                </a:solidFill>
+                <a:latin typeface="Consolas" panose="020B0609020204030204" pitchFamily="49" charset="0"/>
+                <a:ea typeface="Times New Roman" panose="02020603050405020304" pitchFamily="18" charset="0"/>
+                <a:cs typeface="Times New Roman" panose="02020603050405020304" pitchFamily="18" charset="0"/>
+              </a:rPr>
+              <a:t>readLine</a:t>
+            </a:r>
+            <a:r>
+              <a:rPr lang="it-IT" sz="1200" dirty="0">
+                <a:solidFill>
+                  <a:srgbClr val="D4D4D4"/>
+                </a:solidFill>
+                <a:latin typeface="Consolas" panose="020B0609020204030204" pitchFamily="49" charset="0"/>
+                <a:ea typeface="Times New Roman" panose="02020603050405020304" pitchFamily="18" charset="0"/>
+                <a:cs typeface="Times New Roman" panose="02020603050405020304" pitchFamily="18" charset="0"/>
+              </a:rPr>
+              <a:t>();</a:t>
+            </a:r>
+            <a:endParaRPr lang="it-IT" sz="1200" dirty="0">
+              <a:latin typeface="Consolas" panose="020B0609020204030204" pitchFamily="49" charset="0"/>
+              <a:ea typeface="Calibri" panose="020F0502020204030204" pitchFamily="34" charset="0"/>
+              <a:cs typeface="Times New Roman" panose="02020603050405020304" pitchFamily="18" charset="0"/>
+            </a:endParaRPr>
+          </a:p>
+          <a:p>
+            <a:pPr>
+              <a:lnSpc>
+                <a:spcPct val="120000"/>
+              </a:lnSpc>
+              <a:spcAft>
+                <a:spcPts val="0"/>
+              </a:spcAft>
+            </a:pPr>
+            <a:endParaRPr lang="it-IT" sz="1200" dirty="0">
               <a:solidFill>
-                <a:schemeClr val="bg1"/>
+                <a:srgbClr val="D4D4D4"/>
               </a:solidFill>
-              <a:latin typeface="Avenir Next LT Pro Light" panose="020B0304020202020204" pitchFamily="34" charset="0"/>
+              <a:latin typeface="Consolas" panose="020B0609020204030204" pitchFamily="49" charset="0"/>
+              <a:ea typeface="Times New Roman" panose="02020603050405020304" pitchFamily="18" charset="0"/>
+              <a:cs typeface="Times New Roman" panose="02020603050405020304" pitchFamily="18" charset="0"/>
+            </a:endParaRPr>
+          </a:p>
+          <a:p>
+            <a:pPr>
+              <a:lnSpc>
+                <a:spcPct val="120000"/>
+              </a:lnSpc>
+              <a:spcAft>
+                <a:spcPts val="0"/>
+              </a:spcAft>
+            </a:pPr>
+            <a:r>
+              <a:rPr lang="it-IT" sz="1200" dirty="0">
+                <a:solidFill>
+                  <a:srgbClr val="9CDCFE"/>
+                </a:solidFill>
+                <a:latin typeface="Consolas" panose="020B0609020204030204" pitchFamily="49" charset="0"/>
+                <a:ea typeface="Times New Roman" panose="02020603050405020304" pitchFamily="18" charset="0"/>
+                <a:cs typeface="Times New Roman" panose="02020603050405020304" pitchFamily="18" charset="0"/>
+              </a:rPr>
+              <a:t>		</a:t>
+            </a:r>
+            <a:r>
+              <a:rPr lang="it-IT" sz="1200" dirty="0" err="1">
+                <a:solidFill>
+                  <a:srgbClr val="9CDCFE"/>
+                </a:solidFill>
+                <a:latin typeface="Consolas" panose="020B0609020204030204" pitchFamily="49" charset="0"/>
+                <a:ea typeface="Times New Roman" panose="02020603050405020304" pitchFamily="18" charset="0"/>
+                <a:cs typeface="Times New Roman" panose="02020603050405020304" pitchFamily="18" charset="0"/>
+              </a:rPr>
+              <a:t>System</a:t>
+            </a:r>
+            <a:r>
+              <a:rPr lang="it-IT" sz="1200" dirty="0" err="1">
+                <a:solidFill>
+                  <a:srgbClr val="D4D4D4"/>
+                </a:solidFill>
+                <a:latin typeface="Consolas" panose="020B0609020204030204" pitchFamily="49" charset="0"/>
+                <a:ea typeface="Times New Roman" panose="02020603050405020304" pitchFamily="18" charset="0"/>
+                <a:cs typeface="Times New Roman" panose="02020603050405020304" pitchFamily="18" charset="0"/>
+              </a:rPr>
+              <a:t>.</a:t>
+            </a:r>
+            <a:r>
+              <a:rPr lang="it-IT" sz="1200" dirty="0" err="1">
+                <a:solidFill>
+                  <a:srgbClr val="9CDCFE"/>
+                </a:solidFill>
+                <a:latin typeface="Consolas" panose="020B0609020204030204" pitchFamily="49" charset="0"/>
+                <a:ea typeface="Times New Roman" panose="02020603050405020304" pitchFamily="18" charset="0"/>
+                <a:cs typeface="Times New Roman" panose="02020603050405020304" pitchFamily="18" charset="0"/>
+              </a:rPr>
+              <a:t>out</a:t>
+            </a:r>
+            <a:r>
+              <a:rPr lang="it-IT" sz="1200" dirty="0" err="1">
+                <a:solidFill>
+                  <a:srgbClr val="D4D4D4"/>
+                </a:solidFill>
+                <a:latin typeface="Consolas" panose="020B0609020204030204" pitchFamily="49" charset="0"/>
+                <a:ea typeface="Times New Roman" panose="02020603050405020304" pitchFamily="18" charset="0"/>
+                <a:cs typeface="Times New Roman" panose="02020603050405020304" pitchFamily="18" charset="0"/>
+              </a:rPr>
+              <a:t>.</a:t>
+            </a:r>
+            <a:r>
+              <a:rPr lang="it-IT" sz="1200" dirty="0" err="1">
+                <a:solidFill>
+                  <a:srgbClr val="DCDCAA"/>
+                </a:solidFill>
+                <a:latin typeface="Consolas" panose="020B0609020204030204" pitchFamily="49" charset="0"/>
+                <a:ea typeface="Times New Roman" panose="02020603050405020304" pitchFamily="18" charset="0"/>
+                <a:cs typeface="Times New Roman" panose="02020603050405020304" pitchFamily="18" charset="0"/>
+              </a:rPr>
+              <a:t>print</a:t>
+            </a:r>
+            <a:r>
+              <a:rPr lang="it-IT" sz="1200" dirty="0">
+                <a:solidFill>
+                  <a:srgbClr val="D4D4D4"/>
+                </a:solidFill>
+                <a:latin typeface="Consolas" panose="020B0609020204030204" pitchFamily="49" charset="0"/>
+                <a:ea typeface="Times New Roman" panose="02020603050405020304" pitchFamily="18" charset="0"/>
+                <a:cs typeface="Times New Roman" panose="02020603050405020304" pitchFamily="18" charset="0"/>
+              </a:rPr>
+              <a:t>(</a:t>
+            </a:r>
+            <a:r>
+              <a:rPr lang="it-IT" sz="1200" dirty="0">
+                <a:solidFill>
+                  <a:srgbClr val="CE9178"/>
+                </a:solidFill>
+                <a:latin typeface="Consolas" panose="020B0609020204030204" pitchFamily="49" charset="0"/>
+                <a:ea typeface="Times New Roman" panose="02020603050405020304" pitchFamily="18" charset="0"/>
+                <a:cs typeface="Times New Roman" panose="02020603050405020304" pitchFamily="18" charset="0"/>
+              </a:rPr>
+              <a:t>"Inserire la riga da eliminare: "</a:t>
+            </a:r>
+            <a:r>
+              <a:rPr lang="it-IT" sz="1200" dirty="0">
+                <a:solidFill>
+                  <a:srgbClr val="D4D4D4"/>
+                </a:solidFill>
+                <a:latin typeface="Consolas" panose="020B0609020204030204" pitchFamily="49" charset="0"/>
+                <a:ea typeface="Times New Roman" panose="02020603050405020304" pitchFamily="18" charset="0"/>
+                <a:cs typeface="Times New Roman" panose="02020603050405020304" pitchFamily="18" charset="0"/>
+              </a:rPr>
+              <a:t>);</a:t>
+            </a:r>
+            <a:endParaRPr lang="it-IT" sz="1200" dirty="0">
+              <a:latin typeface="Consolas" panose="020B0609020204030204" pitchFamily="49" charset="0"/>
+              <a:ea typeface="Calibri" panose="020F0502020204030204" pitchFamily="34" charset="0"/>
+              <a:cs typeface="Times New Roman" panose="02020603050405020304" pitchFamily="18" charset="0"/>
+            </a:endParaRPr>
+          </a:p>
+          <a:p>
+            <a:pPr>
+              <a:lnSpc>
+                <a:spcPct val="120000"/>
+              </a:lnSpc>
+              <a:spcAft>
+                <a:spcPts val="0"/>
+              </a:spcAft>
+            </a:pPr>
+            <a:r>
+              <a:rPr lang="it-IT" sz="1200" dirty="0">
+                <a:solidFill>
+                  <a:srgbClr val="D4D4D4"/>
+                </a:solidFill>
+                <a:latin typeface="Consolas" panose="020B0609020204030204" pitchFamily="49" charset="0"/>
+                <a:ea typeface="Times New Roman" panose="02020603050405020304" pitchFamily="18" charset="0"/>
+                <a:cs typeface="Times New Roman" panose="02020603050405020304" pitchFamily="18" charset="0"/>
+              </a:rPr>
+              <a:t>		</a:t>
+            </a:r>
+            <a:r>
+              <a:rPr lang="it-IT" sz="1200" dirty="0" err="1">
+                <a:solidFill>
+                  <a:srgbClr val="D4D4D4"/>
+                </a:solidFill>
+                <a:latin typeface="Consolas" panose="020B0609020204030204" pitchFamily="49" charset="0"/>
+                <a:ea typeface="Times New Roman" panose="02020603050405020304" pitchFamily="18" charset="0"/>
+                <a:cs typeface="Times New Roman" panose="02020603050405020304" pitchFamily="18" charset="0"/>
+              </a:rPr>
+              <a:t>numRiga</a:t>
+            </a:r>
+            <a:r>
+              <a:rPr lang="it-IT" sz="1200" dirty="0">
+                <a:solidFill>
+                  <a:srgbClr val="D4D4D4"/>
+                </a:solidFill>
+                <a:latin typeface="Consolas" panose="020B0609020204030204" pitchFamily="49" charset="0"/>
+                <a:ea typeface="Times New Roman" panose="02020603050405020304" pitchFamily="18" charset="0"/>
+                <a:cs typeface="Times New Roman" panose="02020603050405020304" pitchFamily="18" charset="0"/>
+              </a:rPr>
+              <a:t> = </a:t>
+            </a:r>
+            <a:r>
+              <a:rPr lang="it-IT" sz="1200" dirty="0" err="1">
+                <a:solidFill>
+                  <a:srgbClr val="9CDCFE"/>
+                </a:solidFill>
+                <a:latin typeface="Consolas" panose="020B0609020204030204" pitchFamily="49" charset="0"/>
+                <a:ea typeface="Times New Roman" panose="02020603050405020304" pitchFamily="18" charset="0"/>
+                <a:cs typeface="Times New Roman" panose="02020603050405020304" pitchFamily="18" charset="0"/>
+              </a:rPr>
+              <a:t>Integer</a:t>
+            </a:r>
+            <a:r>
+              <a:rPr lang="it-IT" sz="1200" dirty="0" err="1">
+                <a:solidFill>
+                  <a:srgbClr val="D4D4D4"/>
+                </a:solidFill>
+                <a:latin typeface="Consolas" panose="020B0609020204030204" pitchFamily="49" charset="0"/>
+                <a:ea typeface="Times New Roman" panose="02020603050405020304" pitchFamily="18" charset="0"/>
+                <a:cs typeface="Times New Roman" panose="02020603050405020304" pitchFamily="18" charset="0"/>
+              </a:rPr>
+              <a:t>.</a:t>
+            </a:r>
+            <a:r>
+              <a:rPr lang="it-IT" sz="1200" dirty="0" err="1">
+                <a:solidFill>
+                  <a:srgbClr val="DCDCAA"/>
+                </a:solidFill>
+                <a:latin typeface="Consolas" panose="020B0609020204030204" pitchFamily="49" charset="0"/>
+                <a:ea typeface="Times New Roman" panose="02020603050405020304" pitchFamily="18" charset="0"/>
+                <a:cs typeface="Times New Roman" panose="02020603050405020304" pitchFamily="18" charset="0"/>
+              </a:rPr>
+              <a:t>parseInt</a:t>
+            </a:r>
+            <a:r>
+              <a:rPr lang="it-IT" sz="1200" dirty="0">
+                <a:solidFill>
+                  <a:srgbClr val="D4D4D4"/>
+                </a:solidFill>
+                <a:latin typeface="Consolas" panose="020B0609020204030204" pitchFamily="49" charset="0"/>
+                <a:ea typeface="Times New Roman" panose="02020603050405020304" pitchFamily="18" charset="0"/>
+                <a:cs typeface="Times New Roman" panose="02020603050405020304" pitchFamily="18" charset="0"/>
+              </a:rPr>
+              <a:t>(</a:t>
+            </a:r>
+            <a:r>
+              <a:rPr lang="it-IT" sz="1200" dirty="0" err="1">
+                <a:solidFill>
+                  <a:srgbClr val="9CDCFE"/>
+                </a:solidFill>
+                <a:latin typeface="Consolas" panose="020B0609020204030204" pitchFamily="49" charset="0"/>
+                <a:ea typeface="Times New Roman" panose="02020603050405020304" pitchFamily="18" charset="0"/>
+                <a:cs typeface="Times New Roman" panose="02020603050405020304" pitchFamily="18" charset="0"/>
+              </a:rPr>
+              <a:t>stdIn</a:t>
+            </a:r>
+            <a:r>
+              <a:rPr lang="it-IT" sz="1200" dirty="0" err="1">
+                <a:solidFill>
+                  <a:srgbClr val="D4D4D4"/>
+                </a:solidFill>
+                <a:latin typeface="Consolas" panose="020B0609020204030204" pitchFamily="49" charset="0"/>
+                <a:ea typeface="Times New Roman" panose="02020603050405020304" pitchFamily="18" charset="0"/>
+                <a:cs typeface="Times New Roman" panose="02020603050405020304" pitchFamily="18" charset="0"/>
+              </a:rPr>
+              <a:t>.</a:t>
+            </a:r>
+            <a:r>
+              <a:rPr lang="it-IT" sz="1200" dirty="0" err="1">
+                <a:solidFill>
+                  <a:srgbClr val="DCDCAA"/>
+                </a:solidFill>
+                <a:latin typeface="Consolas" panose="020B0609020204030204" pitchFamily="49" charset="0"/>
+                <a:ea typeface="Times New Roman" panose="02020603050405020304" pitchFamily="18" charset="0"/>
+                <a:cs typeface="Times New Roman" panose="02020603050405020304" pitchFamily="18" charset="0"/>
+              </a:rPr>
+              <a:t>readLine</a:t>
+            </a:r>
+            <a:r>
+              <a:rPr lang="it-IT" sz="1200" dirty="0">
+                <a:solidFill>
+                  <a:srgbClr val="D4D4D4"/>
+                </a:solidFill>
+                <a:latin typeface="Consolas" panose="020B0609020204030204" pitchFamily="49" charset="0"/>
+                <a:ea typeface="Times New Roman" panose="02020603050405020304" pitchFamily="18" charset="0"/>
+                <a:cs typeface="Times New Roman" panose="02020603050405020304" pitchFamily="18" charset="0"/>
+              </a:rPr>
+              <a:t>());</a:t>
+            </a:r>
+            <a:endParaRPr lang="it-IT" sz="1200" dirty="0">
+              <a:latin typeface="Consolas" panose="020B0609020204030204" pitchFamily="49" charset="0"/>
+              <a:ea typeface="Calibri" panose="020F0502020204030204" pitchFamily="34" charset="0"/>
+              <a:cs typeface="Times New Roman" panose="02020603050405020304" pitchFamily="18" charset="0"/>
+            </a:endParaRPr>
+          </a:p>
+          <a:p>
+            <a:pPr>
+              <a:lnSpc>
+                <a:spcPct val="120000"/>
+              </a:lnSpc>
+              <a:spcAft>
+                <a:spcPts val="0"/>
+              </a:spcAft>
+            </a:pPr>
+            <a:r>
+              <a:rPr lang="it-IT" sz="1200" dirty="0">
+                <a:solidFill>
+                  <a:srgbClr val="D4D4D4"/>
+                </a:solidFill>
+                <a:latin typeface="Consolas" panose="020B0609020204030204" pitchFamily="49" charset="0"/>
+                <a:ea typeface="Times New Roman" panose="02020603050405020304" pitchFamily="18" charset="0"/>
+                <a:cs typeface="Times New Roman" panose="02020603050405020304" pitchFamily="18" charset="0"/>
+              </a:rPr>
+              <a:t> </a:t>
+            </a:r>
+            <a:endParaRPr lang="it-IT" sz="1200" dirty="0">
+              <a:latin typeface="Consolas" panose="020B0609020204030204" pitchFamily="49" charset="0"/>
+              <a:ea typeface="Calibri" panose="020F0502020204030204" pitchFamily="34" charset="0"/>
+              <a:cs typeface="Times New Roman" panose="02020603050405020304" pitchFamily="18" charset="0"/>
+            </a:endParaRPr>
+          </a:p>
+          <a:p>
+            <a:pPr>
+              <a:lnSpc>
+                <a:spcPct val="120000"/>
+              </a:lnSpc>
+              <a:spcAft>
+                <a:spcPts val="0"/>
+              </a:spcAft>
+            </a:pPr>
+            <a:r>
+              <a:rPr lang="it-IT" sz="1200" dirty="0">
+                <a:solidFill>
+                  <a:srgbClr val="C586C0"/>
+                </a:solidFill>
+                <a:latin typeface="Consolas" panose="020B0609020204030204" pitchFamily="49" charset="0"/>
+                <a:ea typeface="Times New Roman" panose="02020603050405020304" pitchFamily="18" charset="0"/>
+                <a:cs typeface="Times New Roman" panose="02020603050405020304" pitchFamily="18" charset="0"/>
+              </a:rPr>
+              <a:t>		</a:t>
+            </a:r>
+            <a:r>
+              <a:rPr lang="it-IT" sz="1200" dirty="0" err="1">
+                <a:solidFill>
+                  <a:srgbClr val="C586C0"/>
+                </a:solidFill>
+                <a:latin typeface="Consolas" panose="020B0609020204030204" pitchFamily="49" charset="0"/>
+                <a:ea typeface="Times New Roman" panose="02020603050405020304" pitchFamily="18" charset="0"/>
+                <a:cs typeface="Times New Roman" panose="02020603050405020304" pitchFamily="18" charset="0"/>
+              </a:rPr>
+              <a:t>try</a:t>
+            </a:r>
+            <a:r>
+              <a:rPr lang="it-IT" sz="1200" dirty="0">
+                <a:solidFill>
+                  <a:srgbClr val="D4D4D4"/>
+                </a:solidFill>
+                <a:latin typeface="Consolas" panose="020B0609020204030204" pitchFamily="49" charset="0"/>
+                <a:ea typeface="Times New Roman" panose="02020603050405020304" pitchFamily="18" charset="0"/>
+                <a:cs typeface="Times New Roman" panose="02020603050405020304" pitchFamily="18" charset="0"/>
+              </a:rPr>
+              <a:t> {</a:t>
+            </a:r>
+            <a:endParaRPr lang="it-IT" sz="1200" dirty="0">
+              <a:latin typeface="Consolas" panose="020B0609020204030204" pitchFamily="49" charset="0"/>
+              <a:ea typeface="Calibri" panose="020F0502020204030204" pitchFamily="34" charset="0"/>
+              <a:cs typeface="Times New Roman" panose="02020603050405020304" pitchFamily="18" charset="0"/>
+            </a:endParaRPr>
+          </a:p>
+          <a:p>
+            <a:pPr>
+              <a:lnSpc>
+                <a:spcPct val="120000"/>
+              </a:lnSpc>
+              <a:spcAft>
+                <a:spcPts val="0"/>
+              </a:spcAft>
+            </a:pPr>
+            <a:r>
+              <a:rPr lang="it-IT" sz="1200" dirty="0">
+                <a:solidFill>
+                  <a:srgbClr val="9CDCFE"/>
+                </a:solidFill>
+                <a:latin typeface="Consolas" panose="020B0609020204030204" pitchFamily="49" charset="0"/>
+                <a:ea typeface="Times New Roman" panose="02020603050405020304" pitchFamily="18" charset="0"/>
+                <a:cs typeface="Times New Roman" panose="02020603050405020304" pitchFamily="18" charset="0"/>
+              </a:rPr>
+              <a:t>			</a:t>
+            </a:r>
+            <a:r>
+              <a:rPr lang="it-IT" sz="1200" dirty="0" err="1">
+                <a:solidFill>
+                  <a:srgbClr val="9CDCFE"/>
+                </a:solidFill>
+                <a:latin typeface="Consolas" panose="020B0609020204030204" pitchFamily="49" charset="0"/>
+                <a:ea typeface="Times New Roman" panose="02020603050405020304" pitchFamily="18" charset="0"/>
+                <a:cs typeface="Times New Roman" panose="02020603050405020304" pitchFamily="18" charset="0"/>
+              </a:rPr>
+              <a:t>System</a:t>
+            </a:r>
+            <a:r>
+              <a:rPr lang="it-IT" sz="1200" dirty="0" err="1">
+                <a:solidFill>
+                  <a:srgbClr val="D4D4D4"/>
+                </a:solidFill>
+                <a:latin typeface="Consolas" panose="020B0609020204030204" pitchFamily="49" charset="0"/>
+                <a:ea typeface="Times New Roman" panose="02020603050405020304" pitchFamily="18" charset="0"/>
+                <a:cs typeface="Times New Roman" panose="02020603050405020304" pitchFamily="18" charset="0"/>
+              </a:rPr>
+              <a:t>.</a:t>
+            </a:r>
+            <a:r>
+              <a:rPr lang="it-IT" sz="1200" dirty="0" err="1">
+                <a:solidFill>
+                  <a:srgbClr val="9CDCFE"/>
+                </a:solidFill>
+                <a:latin typeface="Consolas" panose="020B0609020204030204" pitchFamily="49" charset="0"/>
+                <a:ea typeface="Times New Roman" panose="02020603050405020304" pitchFamily="18" charset="0"/>
+                <a:cs typeface="Times New Roman" panose="02020603050405020304" pitchFamily="18" charset="0"/>
+              </a:rPr>
+              <a:t>out</a:t>
+            </a:r>
+            <a:r>
+              <a:rPr lang="it-IT" sz="1200" dirty="0" err="1">
+                <a:solidFill>
+                  <a:srgbClr val="D4D4D4"/>
+                </a:solidFill>
+                <a:latin typeface="Consolas" panose="020B0609020204030204" pitchFamily="49" charset="0"/>
+                <a:ea typeface="Times New Roman" panose="02020603050405020304" pitchFamily="18" charset="0"/>
+                <a:cs typeface="Times New Roman" panose="02020603050405020304" pitchFamily="18" charset="0"/>
+              </a:rPr>
+              <a:t>.</a:t>
+            </a:r>
+            <a:r>
+              <a:rPr lang="it-IT" sz="1200" dirty="0" err="1">
+                <a:solidFill>
+                  <a:srgbClr val="DCDCAA"/>
+                </a:solidFill>
+                <a:latin typeface="Consolas" panose="020B0609020204030204" pitchFamily="49" charset="0"/>
+                <a:ea typeface="Times New Roman" panose="02020603050405020304" pitchFamily="18" charset="0"/>
+                <a:cs typeface="Times New Roman" panose="02020603050405020304" pitchFamily="18" charset="0"/>
+              </a:rPr>
+              <a:t>println</a:t>
+            </a:r>
+            <a:r>
+              <a:rPr lang="it-IT" sz="1200" dirty="0">
+                <a:solidFill>
+                  <a:srgbClr val="D4D4D4"/>
+                </a:solidFill>
+                <a:latin typeface="Consolas" panose="020B0609020204030204" pitchFamily="49" charset="0"/>
+                <a:ea typeface="Times New Roman" panose="02020603050405020304" pitchFamily="18" charset="0"/>
+                <a:cs typeface="Times New Roman" panose="02020603050405020304" pitchFamily="18" charset="0"/>
+              </a:rPr>
+              <a:t>(</a:t>
+            </a:r>
+            <a:r>
+              <a:rPr lang="it-IT" sz="1200" dirty="0">
+                <a:solidFill>
+                  <a:srgbClr val="CE9178"/>
+                </a:solidFill>
+                <a:latin typeface="Consolas" panose="020B0609020204030204" pitchFamily="49" charset="0"/>
+                <a:ea typeface="Times New Roman" panose="02020603050405020304" pitchFamily="18" charset="0"/>
+                <a:cs typeface="Times New Roman" panose="02020603050405020304" pitchFamily="18" charset="0"/>
+              </a:rPr>
+              <a:t>"La linea è stata eliminata e il file ha "</a:t>
+            </a:r>
+            <a:r>
+              <a:rPr lang="it-IT" sz="1200" dirty="0">
+                <a:solidFill>
+                  <a:srgbClr val="D4D4D4"/>
+                </a:solidFill>
+                <a:latin typeface="Consolas" panose="020B0609020204030204" pitchFamily="49" charset="0"/>
+                <a:ea typeface="Times New Roman" panose="02020603050405020304" pitchFamily="18" charset="0"/>
+                <a:cs typeface="Times New Roman" panose="02020603050405020304" pitchFamily="18" charset="0"/>
+              </a:rPr>
+              <a:t> + </a:t>
+            </a:r>
+            <a:r>
+              <a:rPr lang="it-IT" sz="1200" dirty="0" err="1">
+                <a:solidFill>
+                  <a:srgbClr val="9CDCFE"/>
+                </a:solidFill>
+                <a:latin typeface="Consolas" panose="020B0609020204030204" pitchFamily="49" charset="0"/>
+                <a:ea typeface="Times New Roman" panose="02020603050405020304" pitchFamily="18" charset="0"/>
+                <a:cs typeface="Times New Roman" panose="02020603050405020304" pitchFamily="18" charset="0"/>
+              </a:rPr>
+              <a:t>serverRMI</a:t>
+            </a:r>
+            <a:r>
+              <a:rPr lang="it-IT" sz="1200" dirty="0" err="1">
+                <a:solidFill>
+                  <a:srgbClr val="D4D4D4"/>
+                </a:solidFill>
+                <a:latin typeface="Consolas" panose="020B0609020204030204" pitchFamily="49" charset="0"/>
+                <a:ea typeface="Times New Roman" panose="02020603050405020304" pitchFamily="18" charset="0"/>
+                <a:cs typeface="Times New Roman" panose="02020603050405020304" pitchFamily="18" charset="0"/>
+              </a:rPr>
+              <a:t>.</a:t>
+            </a:r>
+            <a:r>
+              <a:rPr lang="it-IT" sz="1200" dirty="0" err="1">
+                <a:solidFill>
+                  <a:srgbClr val="DCDCAA"/>
+                </a:solidFill>
+                <a:latin typeface="Consolas" panose="020B0609020204030204" pitchFamily="49" charset="0"/>
+                <a:ea typeface="Times New Roman" panose="02020603050405020304" pitchFamily="18" charset="0"/>
+                <a:cs typeface="Times New Roman" panose="02020603050405020304" pitchFamily="18" charset="0"/>
+              </a:rPr>
+              <a:t>elimina_riga</a:t>
+            </a:r>
+            <a:r>
+              <a:rPr lang="it-IT" sz="1200" dirty="0">
+                <a:solidFill>
+                  <a:srgbClr val="D4D4D4"/>
+                </a:solidFill>
+                <a:latin typeface="Consolas" panose="020B0609020204030204" pitchFamily="49" charset="0"/>
+                <a:ea typeface="Times New Roman" panose="02020603050405020304" pitchFamily="18" charset="0"/>
+                <a:cs typeface="Times New Roman" panose="02020603050405020304" pitchFamily="18" charset="0"/>
+              </a:rPr>
+              <a:t>(</a:t>
+            </a:r>
+            <a:r>
+              <a:rPr lang="it-IT" sz="1200" dirty="0" err="1">
+                <a:solidFill>
+                  <a:srgbClr val="D4D4D4"/>
+                </a:solidFill>
+                <a:latin typeface="Consolas" panose="020B0609020204030204" pitchFamily="49" charset="0"/>
+                <a:ea typeface="Times New Roman" panose="02020603050405020304" pitchFamily="18" charset="0"/>
+                <a:cs typeface="Times New Roman" panose="02020603050405020304" pitchFamily="18" charset="0"/>
+              </a:rPr>
+              <a:t>fileName</a:t>
+            </a:r>
+            <a:r>
+              <a:rPr lang="it-IT" sz="1200" dirty="0">
+                <a:solidFill>
+                  <a:srgbClr val="D4D4D4"/>
+                </a:solidFill>
+                <a:latin typeface="Consolas" panose="020B0609020204030204" pitchFamily="49" charset="0"/>
+                <a:ea typeface="Times New Roman" panose="02020603050405020304" pitchFamily="18" charset="0"/>
+                <a:cs typeface="Times New Roman" panose="02020603050405020304" pitchFamily="18" charset="0"/>
+              </a:rPr>
+              <a:t>, </a:t>
+            </a:r>
+            <a:r>
+              <a:rPr lang="it-IT" sz="1200" dirty="0" err="1">
+                <a:solidFill>
+                  <a:srgbClr val="D4D4D4"/>
+                </a:solidFill>
+                <a:latin typeface="Consolas" panose="020B0609020204030204" pitchFamily="49" charset="0"/>
+                <a:ea typeface="Times New Roman" panose="02020603050405020304" pitchFamily="18" charset="0"/>
+                <a:cs typeface="Times New Roman" panose="02020603050405020304" pitchFamily="18" charset="0"/>
+              </a:rPr>
+              <a:t>numRiga</a:t>
+            </a:r>
+            <a:r>
+              <a:rPr lang="it-IT" sz="1200" dirty="0">
+                <a:solidFill>
+                  <a:srgbClr val="D4D4D4"/>
+                </a:solidFill>
+                <a:latin typeface="Consolas" panose="020B0609020204030204" pitchFamily="49" charset="0"/>
+                <a:ea typeface="Times New Roman" panose="02020603050405020304" pitchFamily="18" charset="0"/>
+                <a:cs typeface="Times New Roman" panose="02020603050405020304" pitchFamily="18" charset="0"/>
+              </a:rPr>
+              <a:t>) + </a:t>
+            </a:r>
+            <a:r>
+              <a:rPr lang="it-IT" sz="1200" dirty="0">
+                <a:solidFill>
+                  <a:srgbClr val="CE9178"/>
+                </a:solidFill>
+                <a:latin typeface="Consolas" panose="020B0609020204030204" pitchFamily="49" charset="0"/>
+                <a:ea typeface="Times New Roman" panose="02020603050405020304" pitchFamily="18" charset="0"/>
+                <a:cs typeface="Times New Roman" panose="02020603050405020304" pitchFamily="18" charset="0"/>
+              </a:rPr>
+              <a:t>" righe"</a:t>
+            </a:r>
+            <a:r>
+              <a:rPr lang="it-IT" sz="1200" dirty="0">
+                <a:solidFill>
+                  <a:srgbClr val="D4D4D4"/>
+                </a:solidFill>
+                <a:latin typeface="Consolas" panose="020B0609020204030204" pitchFamily="49" charset="0"/>
+                <a:ea typeface="Times New Roman" panose="02020603050405020304" pitchFamily="18" charset="0"/>
+                <a:cs typeface="Times New Roman" panose="02020603050405020304" pitchFamily="18" charset="0"/>
+              </a:rPr>
+              <a:t>);</a:t>
+            </a:r>
+            <a:endParaRPr lang="it-IT" sz="1200" dirty="0">
+              <a:latin typeface="Consolas" panose="020B0609020204030204" pitchFamily="49" charset="0"/>
+              <a:ea typeface="Calibri" panose="020F0502020204030204" pitchFamily="34" charset="0"/>
+              <a:cs typeface="Times New Roman" panose="02020603050405020304" pitchFamily="18" charset="0"/>
+            </a:endParaRPr>
+          </a:p>
+          <a:p>
+            <a:pPr>
+              <a:lnSpc>
+                <a:spcPct val="120000"/>
+              </a:lnSpc>
+              <a:spcAft>
+                <a:spcPts val="0"/>
+              </a:spcAft>
+            </a:pPr>
+            <a:r>
+              <a:rPr lang="it-IT" sz="1200" dirty="0">
+                <a:solidFill>
+                  <a:srgbClr val="D4D4D4"/>
+                </a:solidFill>
+                <a:latin typeface="Consolas" panose="020B0609020204030204" pitchFamily="49" charset="0"/>
+                <a:ea typeface="Times New Roman" panose="02020603050405020304" pitchFamily="18" charset="0"/>
+                <a:cs typeface="Times New Roman" panose="02020603050405020304" pitchFamily="18" charset="0"/>
+              </a:rPr>
+              <a:t>		} </a:t>
+            </a:r>
+            <a:r>
+              <a:rPr lang="it-IT" sz="1200" dirty="0">
+                <a:solidFill>
+                  <a:srgbClr val="C586C0"/>
+                </a:solidFill>
+                <a:latin typeface="Consolas" panose="020B0609020204030204" pitchFamily="49" charset="0"/>
+                <a:ea typeface="Times New Roman" panose="02020603050405020304" pitchFamily="18" charset="0"/>
+                <a:cs typeface="Times New Roman" panose="02020603050405020304" pitchFamily="18" charset="0"/>
+              </a:rPr>
+              <a:t>catch</a:t>
+            </a:r>
+            <a:r>
+              <a:rPr lang="it-IT" sz="1200" dirty="0">
+                <a:solidFill>
+                  <a:srgbClr val="D4D4D4"/>
+                </a:solidFill>
+                <a:latin typeface="Consolas" panose="020B0609020204030204" pitchFamily="49" charset="0"/>
+                <a:ea typeface="Times New Roman" panose="02020603050405020304" pitchFamily="18" charset="0"/>
+                <a:cs typeface="Times New Roman" panose="02020603050405020304" pitchFamily="18" charset="0"/>
+              </a:rPr>
+              <a:t> (</a:t>
+            </a:r>
+            <a:r>
+              <a:rPr lang="it-IT" sz="1200" dirty="0" err="1">
+                <a:solidFill>
+                  <a:srgbClr val="4EC9B0"/>
+                </a:solidFill>
+                <a:latin typeface="Consolas" panose="020B0609020204030204" pitchFamily="49" charset="0"/>
+                <a:ea typeface="Times New Roman" panose="02020603050405020304" pitchFamily="18" charset="0"/>
+                <a:cs typeface="Times New Roman" panose="02020603050405020304" pitchFamily="18" charset="0"/>
+              </a:rPr>
+              <a:t>RemoteException</a:t>
+            </a:r>
+            <a:r>
+              <a:rPr lang="it-IT" sz="1200" dirty="0">
+                <a:solidFill>
+                  <a:srgbClr val="D4D4D4"/>
+                </a:solidFill>
+                <a:latin typeface="Consolas" panose="020B0609020204030204" pitchFamily="49" charset="0"/>
+                <a:ea typeface="Times New Roman" panose="02020603050405020304" pitchFamily="18" charset="0"/>
+                <a:cs typeface="Times New Roman" panose="02020603050405020304" pitchFamily="18" charset="0"/>
+              </a:rPr>
+              <a:t> </a:t>
+            </a:r>
+            <a:r>
+              <a:rPr lang="it-IT" sz="1200" dirty="0">
+                <a:solidFill>
+                  <a:srgbClr val="9CDCFE"/>
+                </a:solidFill>
+                <a:latin typeface="Consolas" panose="020B0609020204030204" pitchFamily="49" charset="0"/>
+                <a:ea typeface="Times New Roman" panose="02020603050405020304" pitchFamily="18" charset="0"/>
+                <a:cs typeface="Times New Roman" panose="02020603050405020304" pitchFamily="18" charset="0"/>
+              </a:rPr>
+              <a:t>re</a:t>
+            </a:r>
+            <a:r>
+              <a:rPr lang="it-IT" sz="1200" dirty="0">
+                <a:solidFill>
+                  <a:srgbClr val="D4D4D4"/>
+                </a:solidFill>
+                <a:latin typeface="Consolas" panose="020B0609020204030204" pitchFamily="49" charset="0"/>
+                <a:ea typeface="Times New Roman" panose="02020603050405020304" pitchFamily="18" charset="0"/>
+                <a:cs typeface="Times New Roman" panose="02020603050405020304" pitchFamily="18" charset="0"/>
+              </a:rPr>
+              <a:t>) {</a:t>
+            </a:r>
+            <a:endParaRPr lang="it-IT" sz="1200" dirty="0">
+              <a:latin typeface="Consolas" panose="020B0609020204030204" pitchFamily="49" charset="0"/>
+              <a:ea typeface="Calibri" panose="020F0502020204030204" pitchFamily="34" charset="0"/>
+              <a:cs typeface="Times New Roman" panose="02020603050405020304" pitchFamily="18" charset="0"/>
+            </a:endParaRPr>
+          </a:p>
+          <a:p>
+            <a:pPr>
+              <a:lnSpc>
+                <a:spcPct val="120000"/>
+              </a:lnSpc>
+              <a:spcAft>
+                <a:spcPts val="0"/>
+              </a:spcAft>
+            </a:pPr>
+            <a:r>
+              <a:rPr lang="it-IT" sz="1200" dirty="0">
+                <a:solidFill>
+                  <a:srgbClr val="9CDCFE"/>
+                </a:solidFill>
+                <a:latin typeface="Consolas" panose="020B0609020204030204" pitchFamily="49" charset="0"/>
+                <a:ea typeface="Times New Roman" panose="02020603050405020304" pitchFamily="18" charset="0"/>
+                <a:cs typeface="Times New Roman" panose="02020603050405020304" pitchFamily="18" charset="0"/>
+              </a:rPr>
+              <a:t>			</a:t>
+            </a:r>
+            <a:r>
+              <a:rPr lang="it-IT" sz="1200" dirty="0" err="1">
+                <a:solidFill>
+                  <a:srgbClr val="9CDCFE"/>
+                </a:solidFill>
+                <a:latin typeface="Consolas" panose="020B0609020204030204" pitchFamily="49" charset="0"/>
+                <a:ea typeface="Times New Roman" panose="02020603050405020304" pitchFamily="18" charset="0"/>
+                <a:cs typeface="Times New Roman" panose="02020603050405020304" pitchFamily="18" charset="0"/>
+              </a:rPr>
+              <a:t>System</a:t>
+            </a:r>
+            <a:r>
+              <a:rPr lang="it-IT" sz="1200" dirty="0" err="1">
+                <a:solidFill>
+                  <a:srgbClr val="D4D4D4"/>
+                </a:solidFill>
+                <a:latin typeface="Consolas" panose="020B0609020204030204" pitchFamily="49" charset="0"/>
+                <a:ea typeface="Times New Roman" panose="02020603050405020304" pitchFamily="18" charset="0"/>
+                <a:cs typeface="Times New Roman" panose="02020603050405020304" pitchFamily="18" charset="0"/>
+              </a:rPr>
+              <a:t>.</a:t>
+            </a:r>
+            <a:r>
+              <a:rPr lang="it-IT" sz="1200" dirty="0" err="1">
+                <a:solidFill>
+                  <a:srgbClr val="9CDCFE"/>
+                </a:solidFill>
+                <a:latin typeface="Consolas" panose="020B0609020204030204" pitchFamily="49" charset="0"/>
+                <a:ea typeface="Times New Roman" panose="02020603050405020304" pitchFamily="18" charset="0"/>
+                <a:cs typeface="Times New Roman" panose="02020603050405020304" pitchFamily="18" charset="0"/>
+              </a:rPr>
+              <a:t>err</a:t>
+            </a:r>
+            <a:r>
+              <a:rPr lang="it-IT" sz="1200" dirty="0" err="1">
+                <a:solidFill>
+                  <a:srgbClr val="D4D4D4"/>
+                </a:solidFill>
+                <a:latin typeface="Consolas" panose="020B0609020204030204" pitchFamily="49" charset="0"/>
+                <a:ea typeface="Times New Roman" panose="02020603050405020304" pitchFamily="18" charset="0"/>
+                <a:cs typeface="Times New Roman" panose="02020603050405020304" pitchFamily="18" charset="0"/>
+              </a:rPr>
+              <a:t>.</a:t>
+            </a:r>
+            <a:r>
+              <a:rPr lang="it-IT" sz="1200" dirty="0" err="1">
+                <a:solidFill>
+                  <a:srgbClr val="DCDCAA"/>
+                </a:solidFill>
+                <a:latin typeface="Consolas" panose="020B0609020204030204" pitchFamily="49" charset="0"/>
+                <a:ea typeface="Times New Roman" panose="02020603050405020304" pitchFamily="18" charset="0"/>
+                <a:cs typeface="Times New Roman" panose="02020603050405020304" pitchFamily="18" charset="0"/>
+              </a:rPr>
+              <a:t>println</a:t>
+            </a:r>
+            <a:r>
+              <a:rPr lang="it-IT" sz="1200" dirty="0">
+                <a:solidFill>
+                  <a:srgbClr val="D4D4D4"/>
+                </a:solidFill>
+                <a:latin typeface="Consolas" panose="020B0609020204030204" pitchFamily="49" charset="0"/>
+                <a:ea typeface="Times New Roman" panose="02020603050405020304" pitchFamily="18" charset="0"/>
+                <a:cs typeface="Times New Roman" panose="02020603050405020304" pitchFamily="18" charset="0"/>
+              </a:rPr>
+              <a:t>(</a:t>
+            </a:r>
+            <a:r>
+              <a:rPr lang="it-IT" sz="1200" dirty="0">
+                <a:solidFill>
+                  <a:srgbClr val="CE9178"/>
+                </a:solidFill>
+                <a:latin typeface="Consolas" panose="020B0609020204030204" pitchFamily="49" charset="0"/>
+                <a:ea typeface="Times New Roman" panose="02020603050405020304" pitchFamily="18" charset="0"/>
+                <a:cs typeface="Times New Roman" panose="02020603050405020304" pitchFamily="18" charset="0"/>
+              </a:rPr>
+              <a:t>"Possibile errore nel file; "</a:t>
+            </a:r>
+            <a:r>
+              <a:rPr lang="it-IT" sz="1200" dirty="0">
+                <a:solidFill>
+                  <a:srgbClr val="D4D4D4"/>
+                </a:solidFill>
+                <a:latin typeface="Consolas" panose="020B0609020204030204" pitchFamily="49" charset="0"/>
+                <a:ea typeface="Times New Roman" panose="02020603050405020304" pitchFamily="18" charset="0"/>
+                <a:cs typeface="Times New Roman" panose="02020603050405020304" pitchFamily="18" charset="0"/>
+              </a:rPr>
+              <a:t> + </a:t>
+            </a:r>
+            <a:r>
+              <a:rPr lang="it-IT" sz="1200" dirty="0" err="1">
+                <a:solidFill>
+                  <a:srgbClr val="9CDCFE"/>
+                </a:solidFill>
+                <a:latin typeface="Consolas" panose="020B0609020204030204" pitchFamily="49" charset="0"/>
+                <a:ea typeface="Times New Roman" panose="02020603050405020304" pitchFamily="18" charset="0"/>
+                <a:cs typeface="Times New Roman" panose="02020603050405020304" pitchFamily="18" charset="0"/>
+              </a:rPr>
+              <a:t>re</a:t>
+            </a:r>
+            <a:r>
+              <a:rPr lang="it-IT" sz="1200" dirty="0" err="1">
+                <a:solidFill>
+                  <a:srgbClr val="D4D4D4"/>
+                </a:solidFill>
+                <a:latin typeface="Consolas" panose="020B0609020204030204" pitchFamily="49" charset="0"/>
+                <a:ea typeface="Times New Roman" panose="02020603050405020304" pitchFamily="18" charset="0"/>
+                <a:cs typeface="Times New Roman" panose="02020603050405020304" pitchFamily="18" charset="0"/>
+              </a:rPr>
+              <a:t>.</a:t>
+            </a:r>
+            <a:r>
+              <a:rPr lang="it-IT" sz="1200" dirty="0" err="1">
+                <a:solidFill>
+                  <a:srgbClr val="DCDCAA"/>
+                </a:solidFill>
+                <a:latin typeface="Consolas" panose="020B0609020204030204" pitchFamily="49" charset="0"/>
+                <a:ea typeface="Times New Roman" panose="02020603050405020304" pitchFamily="18" charset="0"/>
+                <a:cs typeface="Times New Roman" panose="02020603050405020304" pitchFamily="18" charset="0"/>
+              </a:rPr>
+              <a:t>getMessage</a:t>
+            </a:r>
+            <a:r>
+              <a:rPr lang="it-IT" sz="1200" dirty="0">
+                <a:solidFill>
+                  <a:srgbClr val="D4D4D4"/>
+                </a:solidFill>
+                <a:latin typeface="Consolas" panose="020B0609020204030204" pitchFamily="49" charset="0"/>
+                <a:ea typeface="Times New Roman" panose="02020603050405020304" pitchFamily="18" charset="0"/>
+                <a:cs typeface="Times New Roman" panose="02020603050405020304" pitchFamily="18" charset="0"/>
+              </a:rPr>
+              <a:t>());</a:t>
+            </a:r>
+            <a:endParaRPr lang="it-IT" sz="1200" dirty="0">
+              <a:latin typeface="Consolas" panose="020B0609020204030204" pitchFamily="49" charset="0"/>
+              <a:ea typeface="Calibri" panose="020F0502020204030204" pitchFamily="34" charset="0"/>
+              <a:cs typeface="Times New Roman" panose="02020603050405020304" pitchFamily="18" charset="0"/>
+            </a:endParaRPr>
+          </a:p>
+          <a:p>
+            <a:pPr>
+              <a:lnSpc>
+                <a:spcPct val="120000"/>
+              </a:lnSpc>
+              <a:spcAft>
+                <a:spcPts val="0"/>
+              </a:spcAft>
+            </a:pPr>
+            <a:r>
+              <a:rPr lang="it-IT" sz="1200" dirty="0">
+                <a:solidFill>
+                  <a:srgbClr val="9CDCFE"/>
+                </a:solidFill>
+                <a:latin typeface="Consolas" panose="020B0609020204030204" pitchFamily="49" charset="0"/>
+                <a:ea typeface="Times New Roman" panose="02020603050405020304" pitchFamily="18" charset="0"/>
+                <a:cs typeface="Times New Roman" panose="02020603050405020304" pitchFamily="18" charset="0"/>
+              </a:rPr>
+              <a:t>			</a:t>
+            </a:r>
+            <a:r>
+              <a:rPr lang="it-IT" sz="1200" dirty="0" err="1">
+                <a:solidFill>
+                  <a:srgbClr val="9CDCFE"/>
+                </a:solidFill>
+                <a:latin typeface="Consolas" panose="020B0609020204030204" pitchFamily="49" charset="0"/>
+                <a:ea typeface="Times New Roman" panose="02020603050405020304" pitchFamily="18" charset="0"/>
+                <a:cs typeface="Times New Roman" panose="02020603050405020304" pitchFamily="18" charset="0"/>
+              </a:rPr>
+              <a:t>re</a:t>
+            </a:r>
+            <a:r>
+              <a:rPr lang="it-IT" sz="1200" dirty="0" err="1">
+                <a:solidFill>
+                  <a:srgbClr val="D4D4D4"/>
+                </a:solidFill>
+                <a:latin typeface="Consolas" panose="020B0609020204030204" pitchFamily="49" charset="0"/>
+                <a:ea typeface="Times New Roman" panose="02020603050405020304" pitchFamily="18" charset="0"/>
+                <a:cs typeface="Times New Roman" panose="02020603050405020304" pitchFamily="18" charset="0"/>
+              </a:rPr>
+              <a:t>.</a:t>
+            </a:r>
+            <a:r>
+              <a:rPr lang="it-IT" sz="1200" dirty="0" err="1">
+                <a:solidFill>
+                  <a:srgbClr val="DCDCAA"/>
+                </a:solidFill>
+                <a:latin typeface="Consolas" panose="020B0609020204030204" pitchFamily="49" charset="0"/>
+                <a:ea typeface="Times New Roman" panose="02020603050405020304" pitchFamily="18" charset="0"/>
+                <a:cs typeface="Times New Roman" panose="02020603050405020304" pitchFamily="18" charset="0"/>
+              </a:rPr>
+              <a:t>printStackTrace</a:t>
+            </a:r>
+            <a:r>
+              <a:rPr lang="it-IT" sz="1200" dirty="0">
+                <a:solidFill>
+                  <a:srgbClr val="D4D4D4"/>
+                </a:solidFill>
+                <a:latin typeface="Consolas" panose="020B0609020204030204" pitchFamily="49" charset="0"/>
+                <a:ea typeface="Times New Roman" panose="02020603050405020304" pitchFamily="18" charset="0"/>
+                <a:cs typeface="Times New Roman" panose="02020603050405020304" pitchFamily="18" charset="0"/>
+              </a:rPr>
+              <a:t>();</a:t>
+            </a:r>
+            <a:endParaRPr lang="it-IT" sz="1200" dirty="0">
+              <a:latin typeface="Consolas" panose="020B0609020204030204" pitchFamily="49" charset="0"/>
+              <a:ea typeface="Calibri" panose="020F0502020204030204" pitchFamily="34" charset="0"/>
+              <a:cs typeface="Times New Roman" panose="02020603050405020304" pitchFamily="18" charset="0"/>
+            </a:endParaRPr>
+          </a:p>
+          <a:p>
+            <a:pPr>
+              <a:lnSpc>
+                <a:spcPct val="120000"/>
+              </a:lnSpc>
+              <a:spcAft>
+                <a:spcPts val="0"/>
+              </a:spcAft>
+            </a:pPr>
+            <a:r>
+              <a:rPr lang="it-IT" sz="1200" dirty="0">
+                <a:solidFill>
+                  <a:srgbClr val="D4D4D4"/>
+                </a:solidFill>
+                <a:latin typeface="Consolas" panose="020B0609020204030204" pitchFamily="49" charset="0"/>
+                <a:ea typeface="Times New Roman" panose="02020603050405020304" pitchFamily="18" charset="0"/>
+                <a:cs typeface="Times New Roman" panose="02020603050405020304" pitchFamily="18" charset="0"/>
+              </a:rPr>
+              <a:t>		}</a:t>
+            </a:r>
+            <a:endParaRPr lang="it-IT" sz="1200" dirty="0">
+              <a:latin typeface="Consolas" panose="020B0609020204030204" pitchFamily="49" charset="0"/>
+              <a:ea typeface="Calibri" panose="020F0502020204030204" pitchFamily="34" charset="0"/>
+              <a:cs typeface="Times New Roman" panose="02020603050405020304" pitchFamily="18" charset="0"/>
+            </a:endParaRPr>
+          </a:p>
+          <a:p>
+            <a:pPr>
+              <a:lnSpc>
+                <a:spcPct val="120000"/>
+              </a:lnSpc>
+              <a:spcAft>
+                <a:spcPts val="0"/>
+              </a:spcAft>
+            </a:pPr>
+            <a:r>
+              <a:rPr lang="it-IT" sz="1200" dirty="0">
+                <a:solidFill>
+                  <a:srgbClr val="D4D4D4"/>
+                </a:solidFill>
+                <a:latin typeface="Consolas" panose="020B0609020204030204" pitchFamily="49" charset="0"/>
+                <a:ea typeface="Times New Roman" panose="02020603050405020304" pitchFamily="18" charset="0"/>
+                <a:cs typeface="Times New Roman" panose="02020603050405020304" pitchFamily="18" charset="0"/>
+              </a:rPr>
+              <a:t>	} </a:t>
+            </a:r>
+            <a:r>
+              <a:rPr lang="it-IT" sz="1200" dirty="0">
+                <a:solidFill>
+                  <a:srgbClr val="C586C0"/>
+                </a:solidFill>
+                <a:latin typeface="Consolas" panose="020B0609020204030204" pitchFamily="49" charset="0"/>
+                <a:ea typeface="Times New Roman" panose="02020603050405020304" pitchFamily="18" charset="0"/>
+                <a:cs typeface="Times New Roman" panose="02020603050405020304" pitchFamily="18" charset="0"/>
+              </a:rPr>
+              <a:t>else</a:t>
+            </a:r>
+            <a:r>
+              <a:rPr lang="it-IT" sz="1200" dirty="0">
+                <a:solidFill>
+                  <a:srgbClr val="D4D4D4"/>
+                </a:solidFill>
+                <a:latin typeface="Consolas" panose="020B0609020204030204" pitchFamily="49" charset="0"/>
+                <a:ea typeface="Times New Roman" panose="02020603050405020304" pitchFamily="18" charset="0"/>
+                <a:cs typeface="Times New Roman" panose="02020603050405020304" pitchFamily="18" charset="0"/>
+              </a:rPr>
+              <a:t> {</a:t>
+            </a:r>
+            <a:endParaRPr lang="it-IT" sz="1200" dirty="0">
+              <a:latin typeface="Consolas" panose="020B0609020204030204" pitchFamily="49" charset="0"/>
+              <a:ea typeface="Calibri" panose="020F0502020204030204" pitchFamily="34" charset="0"/>
+              <a:cs typeface="Times New Roman" panose="02020603050405020304" pitchFamily="18" charset="0"/>
+            </a:endParaRPr>
+          </a:p>
+          <a:p>
+            <a:pPr>
+              <a:lnSpc>
+                <a:spcPct val="120000"/>
+              </a:lnSpc>
+              <a:spcAft>
+                <a:spcPts val="0"/>
+              </a:spcAft>
+            </a:pPr>
+            <a:r>
+              <a:rPr lang="it-IT" sz="1200" dirty="0">
+                <a:solidFill>
+                  <a:srgbClr val="9CDCFE"/>
+                </a:solidFill>
+                <a:latin typeface="Consolas" panose="020B0609020204030204" pitchFamily="49" charset="0"/>
+                <a:ea typeface="Times New Roman" panose="02020603050405020304" pitchFamily="18" charset="0"/>
+                <a:cs typeface="Times New Roman" panose="02020603050405020304" pitchFamily="18" charset="0"/>
+              </a:rPr>
+              <a:t>		</a:t>
+            </a:r>
+            <a:r>
+              <a:rPr lang="it-IT" sz="1200" dirty="0" err="1">
+                <a:solidFill>
+                  <a:srgbClr val="9CDCFE"/>
+                </a:solidFill>
+                <a:latin typeface="Consolas" panose="020B0609020204030204" pitchFamily="49" charset="0"/>
+                <a:ea typeface="Times New Roman" panose="02020603050405020304" pitchFamily="18" charset="0"/>
+                <a:cs typeface="Times New Roman" panose="02020603050405020304" pitchFamily="18" charset="0"/>
+              </a:rPr>
+              <a:t>System</a:t>
+            </a:r>
+            <a:r>
+              <a:rPr lang="it-IT" sz="1200" dirty="0" err="1">
+                <a:solidFill>
+                  <a:srgbClr val="D4D4D4"/>
+                </a:solidFill>
+                <a:latin typeface="Consolas" panose="020B0609020204030204" pitchFamily="49" charset="0"/>
+                <a:ea typeface="Times New Roman" panose="02020603050405020304" pitchFamily="18" charset="0"/>
+                <a:cs typeface="Times New Roman" panose="02020603050405020304" pitchFamily="18" charset="0"/>
+              </a:rPr>
+              <a:t>.</a:t>
+            </a:r>
+            <a:r>
+              <a:rPr lang="it-IT" sz="1200" dirty="0" err="1">
+                <a:solidFill>
+                  <a:srgbClr val="9CDCFE"/>
+                </a:solidFill>
+                <a:latin typeface="Consolas" panose="020B0609020204030204" pitchFamily="49" charset="0"/>
+                <a:ea typeface="Times New Roman" panose="02020603050405020304" pitchFamily="18" charset="0"/>
+                <a:cs typeface="Times New Roman" panose="02020603050405020304" pitchFamily="18" charset="0"/>
+              </a:rPr>
+              <a:t>out</a:t>
+            </a:r>
+            <a:r>
+              <a:rPr lang="it-IT" sz="1200" dirty="0" err="1">
+                <a:solidFill>
+                  <a:srgbClr val="D4D4D4"/>
+                </a:solidFill>
+                <a:latin typeface="Consolas" panose="020B0609020204030204" pitchFamily="49" charset="0"/>
+                <a:ea typeface="Times New Roman" panose="02020603050405020304" pitchFamily="18" charset="0"/>
+                <a:cs typeface="Times New Roman" panose="02020603050405020304" pitchFamily="18" charset="0"/>
+              </a:rPr>
+              <a:t>.</a:t>
+            </a:r>
+            <a:r>
+              <a:rPr lang="it-IT" sz="1200" dirty="0" err="1">
+                <a:solidFill>
+                  <a:srgbClr val="DCDCAA"/>
+                </a:solidFill>
+                <a:latin typeface="Consolas" panose="020B0609020204030204" pitchFamily="49" charset="0"/>
+                <a:ea typeface="Times New Roman" panose="02020603050405020304" pitchFamily="18" charset="0"/>
+                <a:cs typeface="Times New Roman" panose="02020603050405020304" pitchFamily="18" charset="0"/>
+              </a:rPr>
+              <a:t>println</a:t>
+            </a:r>
+            <a:r>
+              <a:rPr lang="it-IT" sz="1200" dirty="0">
+                <a:solidFill>
+                  <a:srgbClr val="D4D4D4"/>
+                </a:solidFill>
+                <a:latin typeface="Consolas" panose="020B0609020204030204" pitchFamily="49" charset="0"/>
+                <a:ea typeface="Times New Roman" panose="02020603050405020304" pitchFamily="18" charset="0"/>
+                <a:cs typeface="Times New Roman" panose="02020603050405020304" pitchFamily="18" charset="0"/>
+              </a:rPr>
+              <a:t>(</a:t>
+            </a:r>
+            <a:r>
+              <a:rPr lang="it-IT" sz="1200" dirty="0">
+                <a:solidFill>
+                  <a:srgbClr val="CE9178"/>
+                </a:solidFill>
+                <a:latin typeface="Consolas" panose="020B0609020204030204" pitchFamily="49" charset="0"/>
+                <a:ea typeface="Times New Roman" panose="02020603050405020304" pitchFamily="18" charset="0"/>
+                <a:cs typeface="Times New Roman" panose="02020603050405020304" pitchFamily="18" charset="0"/>
+              </a:rPr>
+              <a:t>"Servizio non esistente!"</a:t>
+            </a:r>
+            <a:r>
+              <a:rPr lang="it-IT" sz="1200" dirty="0">
+                <a:solidFill>
+                  <a:srgbClr val="D4D4D4"/>
+                </a:solidFill>
+                <a:latin typeface="Consolas" panose="020B0609020204030204" pitchFamily="49" charset="0"/>
+                <a:ea typeface="Times New Roman" panose="02020603050405020304" pitchFamily="18" charset="0"/>
+                <a:cs typeface="Times New Roman" panose="02020603050405020304" pitchFamily="18" charset="0"/>
+              </a:rPr>
+              <a:t>);</a:t>
+            </a:r>
+            <a:endParaRPr lang="it-IT" sz="1200" dirty="0">
+              <a:latin typeface="Consolas" panose="020B0609020204030204" pitchFamily="49" charset="0"/>
+              <a:ea typeface="Calibri" panose="020F0502020204030204" pitchFamily="34" charset="0"/>
+              <a:cs typeface="Times New Roman" panose="02020603050405020304" pitchFamily="18" charset="0"/>
+            </a:endParaRPr>
+          </a:p>
+          <a:p>
+            <a:pPr>
+              <a:lnSpc>
+                <a:spcPct val="120000"/>
+              </a:lnSpc>
+              <a:spcAft>
+                <a:spcPts val="0"/>
+              </a:spcAft>
+            </a:pPr>
+            <a:r>
+              <a:rPr lang="it-IT" sz="1200" dirty="0">
+                <a:solidFill>
+                  <a:srgbClr val="9CDCFE"/>
+                </a:solidFill>
+                <a:latin typeface="Consolas" panose="020B0609020204030204" pitchFamily="49" charset="0"/>
+                <a:ea typeface="Times New Roman" panose="02020603050405020304" pitchFamily="18" charset="0"/>
+                <a:cs typeface="Times New Roman" panose="02020603050405020304" pitchFamily="18" charset="0"/>
+              </a:rPr>
+              <a:t>		</a:t>
+            </a:r>
+            <a:r>
+              <a:rPr lang="it-IT" sz="1200" dirty="0" err="1">
+                <a:solidFill>
+                  <a:srgbClr val="9CDCFE"/>
+                </a:solidFill>
+                <a:latin typeface="Consolas" panose="020B0609020204030204" pitchFamily="49" charset="0"/>
+                <a:ea typeface="Times New Roman" panose="02020603050405020304" pitchFamily="18" charset="0"/>
+                <a:cs typeface="Times New Roman" panose="02020603050405020304" pitchFamily="18" charset="0"/>
+              </a:rPr>
+              <a:t>System</a:t>
+            </a:r>
+            <a:r>
+              <a:rPr lang="it-IT" sz="1200" dirty="0" err="1">
+                <a:solidFill>
+                  <a:srgbClr val="D4D4D4"/>
+                </a:solidFill>
+                <a:latin typeface="Consolas" panose="020B0609020204030204" pitchFamily="49" charset="0"/>
+                <a:ea typeface="Times New Roman" panose="02020603050405020304" pitchFamily="18" charset="0"/>
+                <a:cs typeface="Times New Roman" panose="02020603050405020304" pitchFamily="18" charset="0"/>
+              </a:rPr>
+              <a:t>.</a:t>
+            </a:r>
+            <a:r>
+              <a:rPr lang="it-IT" sz="1200" dirty="0" err="1">
+                <a:solidFill>
+                  <a:srgbClr val="9CDCFE"/>
+                </a:solidFill>
+                <a:latin typeface="Consolas" panose="020B0609020204030204" pitchFamily="49" charset="0"/>
+                <a:ea typeface="Times New Roman" panose="02020603050405020304" pitchFamily="18" charset="0"/>
+                <a:cs typeface="Times New Roman" panose="02020603050405020304" pitchFamily="18" charset="0"/>
+              </a:rPr>
+              <a:t>out</a:t>
+            </a:r>
+            <a:r>
+              <a:rPr lang="it-IT" sz="1200" dirty="0" err="1">
+                <a:solidFill>
+                  <a:srgbClr val="D4D4D4"/>
+                </a:solidFill>
+                <a:latin typeface="Consolas" panose="020B0609020204030204" pitchFamily="49" charset="0"/>
+                <a:ea typeface="Times New Roman" panose="02020603050405020304" pitchFamily="18" charset="0"/>
+                <a:cs typeface="Times New Roman" panose="02020603050405020304" pitchFamily="18" charset="0"/>
+              </a:rPr>
+              <a:t>.</a:t>
+            </a:r>
+            <a:r>
+              <a:rPr lang="it-IT" sz="1200" dirty="0" err="1">
+                <a:solidFill>
+                  <a:srgbClr val="DCDCAA"/>
+                </a:solidFill>
+                <a:latin typeface="Consolas" panose="020B0609020204030204" pitchFamily="49" charset="0"/>
+                <a:ea typeface="Times New Roman" panose="02020603050405020304" pitchFamily="18" charset="0"/>
+                <a:cs typeface="Times New Roman" panose="02020603050405020304" pitchFamily="18" charset="0"/>
+              </a:rPr>
+              <a:t>println</a:t>
+            </a:r>
+            <a:r>
+              <a:rPr lang="it-IT" sz="1200" dirty="0">
+                <a:solidFill>
+                  <a:srgbClr val="D4D4D4"/>
+                </a:solidFill>
+                <a:latin typeface="Consolas" panose="020B0609020204030204" pitchFamily="49" charset="0"/>
+                <a:ea typeface="Times New Roman" panose="02020603050405020304" pitchFamily="18" charset="0"/>
+                <a:cs typeface="Times New Roman" panose="02020603050405020304" pitchFamily="18" charset="0"/>
+              </a:rPr>
+              <a:t>(</a:t>
+            </a:r>
+            <a:r>
+              <a:rPr lang="it-IT" sz="1200" dirty="0">
+                <a:solidFill>
+                  <a:srgbClr val="CE9178"/>
+                </a:solidFill>
+                <a:latin typeface="Consolas" panose="020B0609020204030204" pitchFamily="49" charset="0"/>
+                <a:ea typeface="Times New Roman" panose="02020603050405020304" pitchFamily="18" charset="0"/>
+                <a:cs typeface="Times New Roman" panose="02020603050405020304" pitchFamily="18" charset="0"/>
+              </a:rPr>
+              <a:t>"Servizi disponibili: C -&gt; Conta parole; E -&gt; Elimina riga, CTRL+D per uscire: "</a:t>
+            </a:r>
+            <a:r>
+              <a:rPr lang="it-IT" sz="1200" dirty="0">
+                <a:solidFill>
+                  <a:srgbClr val="D4D4D4"/>
+                </a:solidFill>
+                <a:latin typeface="Consolas" panose="020B0609020204030204" pitchFamily="49" charset="0"/>
+                <a:ea typeface="Times New Roman" panose="02020603050405020304" pitchFamily="18" charset="0"/>
+                <a:cs typeface="Times New Roman" panose="02020603050405020304" pitchFamily="18" charset="0"/>
+              </a:rPr>
+              <a:t>);</a:t>
+            </a:r>
+            <a:endParaRPr lang="it-IT" sz="1200" dirty="0">
+              <a:latin typeface="Consolas" panose="020B0609020204030204" pitchFamily="49" charset="0"/>
+              <a:ea typeface="Calibri" panose="020F0502020204030204" pitchFamily="34" charset="0"/>
+              <a:cs typeface="Times New Roman" panose="02020603050405020304" pitchFamily="18" charset="0"/>
+            </a:endParaRPr>
+          </a:p>
+          <a:p>
+            <a:pPr>
+              <a:lnSpc>
+                <a:spcPct val="120000"/>
+              </a:lnSpc>
+              <a:spcAft>
+                <a:spcPts val="0"/>
+              </a:spcAft>
+            </a:pPr>
+            <a:r>
+              <a:rPr lang="it-IT" sz="1200" dirty="0">
+                <a:solidFill>
+                  <a:srgbClr val="D4D4D4"/>
+                </a:solidFill>
+                <a:latin typeface="Consolas" panose="020B0609020204030204" pitchFamily="49" charset="0"/>
+                <a:ea typeface="Times New Roman" panose="02020603050405020304" pitchFamily="18" charset="0"/>
+                <a:cs typeface="Times New Roman" panose="02020603050405020304" pitchFamily="18" charset="0"/>
+              </a:rPr>
+              <a:t>	}</a:t>
+            </a:r>
+            <a:endParaRPr lang="it-IT" sz="1200" dirty="0">
+              <a:latin typeface="Consolas" panose="020B0609020204030204" pitchFamily="49" charset="0"/>
+              <a:ea typeface="Calibri" panose="020F0502020204030204" pitchFamily="34" charset="0"/>
+              <a:cs typeface="Times New Roman" panose="02020603050405020304" pitchFamily="18" charset="0"/>
+            </a:endParaRPr>
+          </a:p>
+          <a:p>
+            <a:pPr>
+              <a:lnSpc>
+                <a:spcPct val="120000"/>
+              </a:lnSpc>
+              <a:spcAft>
+                <a:spcPts val="0"/>
+              </a:spcAft>
+            </a:pPr>
+            <a:r>
+              <a:rPr lang="it-IT" sz="1200" dirty="0">
+                <a:solidFill>
+                  <a:srgbClr val="9CDCFE"/>
+                </a:solidFill>
+                <a:latin typeface="Consolas" panose="020B0609020204030204" pitchFamily="49" charset="0"/>
+                <a:ea typeface="Times New Roman" panose="02020603050405020304" pitchFamily="18" charset="0"/>
+                <a:cs typeface="Times New Roman" panose="02020603050405020304" pitchFamily="18" charset="0"/>
+              </a:rPr>
+              <a:t>	</a:t>
+            </a:r>
+            <a:r>
+              <a:rPr lang="it-IT" sz="1200" dirty="0" err="1">
+                <a:solidFill>
+                  <a:srgbClr val="9CDCFE"/>
+                </a:solidFill>
+                <a:latin typeface="Consolas" panose="020B0609020204030204" pitchFamily="49" charset="0"/>
+                <a:ea typeface="Times New Roman" panose="02020603050405020304" pitchFamily="18" charset="0"/>
+                <a:cs typeface="Times New Roman" panose="02020603050405020304" pitchFamily="18" charset="0"/>
+              </a:rPr>
+              <a:t>System</a:t>
+            </a:r>
+            <a:r>
+              <a:rPr lang="it-IT" sz="1200" dirty="0" err="1">
+                <a:solidFill>
+                  <a:srgbClr val="D4D4D4"/>
+                </a:solidFill>
+                <a:latin typeface="Consolas" panose="020B0609020204030204" pitchFamily="49" charset="0"/>
+                <a:ea typeface="Times New Roman" panose="02020603050405020304" pitchFamily="18" charset="0"/>
+                <a:cs typeface="Times New Roman" panose="02020603050405020304" pitchFamily="18" charset="0"/>
+              </a:rPr>
+              <a:t>.</a:t>
+            </a:r>
+            <a:r>
+              <a:rPr lang="it-IT" sz="1200" dirty="0" err="1">
+                <a:solidFill>
+                  <a:srgbClr val="9CDCFE"/>
+                </a:solidFill>
+                <a:latin typeface="Consolas" panose="020B0609020204030204" pitchFamily="49" charset="0"/>
+                <a:ea typeface="Times New Roman" panose="02020603050405020304" pitchFamily="18" charset="0"/>
+                <a:cs typeface="Times New Roman" panose="02020603050405020304" pitchFamily="18" charset="0"/>
+              </a:rPr>
+              <a:t>out</a:t>
+            </a:r>
+            <a:r>
+              <a:rPr lang="it-IT" sz="1200" dirty="0" err="1">
+                <a:solidFill>
+                  <a:srgbClr val="D4D4D4"/>
+                </a:solidFill>
+                <a:latin typeface="Consolas" panose="020B0609020204030204" pitchFamily="49" charset="0"/>
+                <a:ea typeface="Times New Roman" panose="02020603050405020304" pitchFamily="18" charset="0"/>
+                <a:cs typeface="Times New Roman" panose="02020603050405020304" pitchFamily="18" charset="0"/>
+              </a:rPr>
+              <a:t>.</a:t>
+            </a:r>
+            <a:r>
+              <a:rPr lang="it-IT" sz="1200" dirty="0" err="1">
+                <a:solidFill>
+                  <a:srgbClr val="DCDCAA"/>
+                </a:solidFill>
+                <a:latin typeface="Consolas" panose="020B0609020204030204" pitchFamily="49" charset="0"/>
+                <a:ea typeface="Times New Roman" panose="02020603050405020304" pitchFamily="18" charset="0"/>
+                <a:cs typeface="Times New Roman" panose="02020603050405020304" pitchFamily="18" charset="0"/>
+              </a:rPr>
+              <a:t>print</a:t>
+            </a:r>
+            <a:r>
+              <a:rPr lang="it-IT" sz="1200" dirty="0">
+                <a:solidFill>
+                  <a:srgbClr val="D4D4D4"/>
+                </a:solidFill>
+                <a:latin typeface="Consolas" panose="020B0609020204030204" pitchFamily="49" charset="0"/>
+                <a:ea typeface="Times New Roman" panose="02020603050405020304" pitchFamily="18" charset="0"/>
+                <a:cs typeface="Times New Roman" panose="02020603050405020304" pitchFamily="18" charset="0"/>
+              </a:rPr>
+              <a:t>(</a:t>
+            </a:r>
+            <a:r>
+              <a:rPr lang="it-IT" sz="1200" dirty="0">
+                <a:solidFill>
+                  <a:srgbClr val="CE9178"/>
+                </a:solidFill>
+                <a:latin typeface="Consolas" panose="020B0609020204030204" pitchFamily="49" charset="0"/>
+                <a:ea typeface="Times New Roman" panose="02020603050405020304" pitchFamily="18" charset="0"/>
+                <a:cs typeface="Times New Roman" panose="02020603050405020304" pitchFamily="18" charset="0"/>
+              </a:rPr>
+              <a:t>"Servizio (C = Conta parole - E = Elimina riga), CTRL+D per uscire: "</a:t>
+            </a:r>
+            <a:r>
+              <a:rPr lang="it-IT" sz="1200" dirty="0">
+                <a:solidFill>
+                  <a:srgbClr val="D4D4D4"/>
+                </a:solidFill>
+                <a:latin typeface="Consolas" panose="020B0609020204030204" pitchFamily="49" charset="0"/>
+                <a:ea typeface="Times New Roman" panose="02020603050405020304" pitchFamily="18" charset="0"/>
+                <a:cs typeface="Times New Roman" panose="02020603050405020304" pitchFamily="18" charset="0"/>
+              </a:rPr>
+              <a:t>);</a:t>
+            </a:r>
+            <a:endParaRPr lang="it-IT" sz="1200" dirty="0">
+              <a:latin typeface="Consolas" panose="020B0609020204030204" pitchFamily="49" charset="0"/>
+              <a:ea typeface="Times New Roman" panose="02020603050405020304" pitchFamily="18" charset="0"/>
+              <a:cs typeface="Times New Roman" panose="02020603050405020304" pitchFamily="18" charset="0"/>
+            </a:endParaRPr>
+          </a:p>
+          <a:p>
+            <a:pPr>
+              <a:lnSpc>
+                <a:spcPct val="120000"/>
+              </a:lnSpc>
+              <a:spcAft>
+                <a:spcPts val="0"/>
+              </a:spcAft>
+            </a:pPr>
+            <a:r>
+              <a:rPr lang="it-IT" sz="1200" dirty="0">
+                <a:solidFill>
+                  <a:srgbClr val="D4D4D4"/>
+                </a:solidFill>
+                <a:latin typeface="Consolas" panose="020B0609020204030204" pitchFamily="49" charset="0"/>
+                <a:ea typeface="Times New Roman" panose="02020603050405020304" pitchFamily="18" charset="0"/>
+                <a:cs typeface="Times New Roman" panose="02020603050405020304" pitchFamily="18" charset="0"/>
+              </a:rPr>
+              <a:t>}</a:t>
+            </a:r>
+            <a:endParaRPr lang="it-IT" sz="1200" dirty="0">
+              <a:latin typeface="Consolas" panose="020B0609020204030204" pitchFamily="49" charset="0"/>
+              <a:ea typeface="Calibri" panose="020F0502020204030204" pitchFamily="34" charset="0"/>
+              <a:cs typeface="Times New Roman" panose="02020603050405020304" pitchFamily="18" charset="0"/>
             </a:endParaRPr>
           </a:p>
         </p:txBody>
@@ -5028,7 +9146,7 @@
     </p:spTree>
     <p:extLst>
       <p:ext uri="{BB962C8B-B14F-4D97-AF65-F5344CB8AC3E}">
-        <p14:creationId xmlns:p14="http://schemas.microsoft.com/office/powerpoint/2010/main" val="4136629331"/>
+        <p14:creationId xmlns:p14="http://schemas.microsoft.com/office/powerpoint/2010/main" val="305074411"/>
       </p:ext>
     </p:extLst>
   </p:cSld>
@@ -5039,6 +9157,2231 @@
 </file>
 
 <file path=ppt/slides/slide5.xml><?xml version="1.0" encoding="utf-8"?>
+<p:sld xmlns:a="http://schemas.openxmlformats.org/drawingml/2006/main" xmlns:r="http://schemas.openxmlformats.org/officeDocument/2006/relationships" xmlns:p="http://schemas.openxmlformats.org/presentationml/2006/main">
+  <p:cSld>
+    <p:bg>
+      <p:bgPr>
+        <a:solidFill>
+          <a:srgbClr val="2A2A2A"/>
+        </a:solidFill>
+        <a:effectLst/>
+      </p:bgPr>
+    </p:bg>
+    <p:spTree>
+      <p:nvGrpSpPr>
+        <p:cNvPr id="1" name=""/>
+        <p:cNvGrpSpPr/>
+        <p:nvPr/>
+      </p:nvGrpSpPr>
+      <p:grpSpPr>
+        <a:xfrm>
+          <a:off x="0" y="0"/>
+          <a:ext cx="0" cy="0"/>
+          <a:chOff x="0" y="0"/>
+          <a:chExt cx="0" cy="0"/>
+        </a:xfrm>
+      </p:grpSpPr>
+      <p:sp>
+        <p:nvSpPr>
+          <p:cNvPr id="3" name="Segnaposto numero diapositiva 2">
+            <a:extLst>
+              <a:ext uri="{FF2B5EF4-FFF2-40B4-BE49-F238E27FC236}">
+                <a16:creationId xmlns:a16="http://schemas.microsoft.com/office/drawing/2014/main" id="{A47D4834-59E8-435C-A95B-F4D997DED51E}"/>
+              </a:ext>
+            </a:extLst>
+          </p:cNvPr>
+          <p:cNvSpPr>
+            <a:spLocks noGrp="1"/>
+          </p:cNvSpPr>
+          <p:nvPr>
+            <p:ph type="sldNum" sz="quarter" idx="12"/>
+          </p:nvPr>
+        </p:nvSpPr>
+        <p:spPr/>
+        <p:txBody>
+          <a:bodyPr/>
+          <a:lstStyle/>
+          <a:p>
+            <a:fld id="{4A6DC286-705F-4A37-A21F-B485E3A29C72}" type="slidenum">
+              <a:rPr lang="it-IT" smtClean="0"/>
+              <a:t>5</a:t>
+            </a:fld>
+            <a:endParaRPr lang="it-IT"/>
+          </a:p>
+        </p:txBody>
+      </p:sp>
+      <p:sp>
+        <p:nvSpPr>
+          <p:cNvPr id="2" name="Titolo 1">
+            <a:extLst>
+              <a:ext uri="{FF2B5EF4-FFF2-40B4-BE49-F238E27FC236}">
+                <a16:creationId xmlns:a16="http://schemas.microsoft.com/office/drawing/2014/main" id="{F1DDE7A4-1A5F-4F0D-B842-7798EDC6EDA8}"/>
+              </a:ext>
+            </a:extLst>
+          </p:cNvPr>
+          <p:cNvSpPr>
+            <a:spLocks noGrp="1"/>
+          </p:cNvSpPr>
+          <p:nvPr>
+            <p:ph type="title"/>
+          </p:nvPr>
+        </p:nvSpPr>
+        <p:spPr>
+          <a:xfrm>
+            <a:off x="166048" y="92077"/>
+            <a:ext cx="11859904" cy="911224"/>
+          </a:xfrm>
+        </p:spPr>
+        <p:txBody>
+          <a:bodyPr>
+            <a:normAutofit/>
+          </a:bodyPr>
+          <a:lstStyle/>
+          <a:p>
+            <a:pPr algn="ctr"/>
+            <a:r>
+              <a:rPr lang="it-IT" dirty="0">
+                <a:solidFill>
+                  <a:schemeClr val="bg1"/>
+                </a:solidFill>
+                <a:latin typeface="Avenir Next LT Pro Light" panose="020B0304020202020204" pitchFamily="34" charset="0"/>
+              </a:rPr>
+              <a:t>Algoritmo Server (eliminazione riga)</a:t>
+            </a:r>
+          </a:p>
+        </p:txBody>
+      </p:sp>
+      <p:sp>
+        <p:nvSpPr>
+          <p:cNvPr id="5" name="CasellaDiTesto 4">
+            <a:extLst>
+              <a:ext uri="{FF2B5EF4-FFF2-40B4-BE49-F238E27FC236}">
+                <a16:creationId xmlns:a16="http://schemas.microsoft.com/office/drawing/2014/main" id="{1C50962C-2CB0-4056-9B72-BEF1359FC840}"/>
+              </a:ext>
+            </a:extLst>
+          </p:cNvPr>
+          <p:cNvSpPr txBox="1"/>
+          <p:nvPr/>
+        </p:nvSpPr>
+        <p:spPr>
+          <a:xfrm>
+            <a:off x="1005147" y="1136208"/>
+            <a:ext cx="6811480" cy="5324599"/>
+          </a:xfrm>
+          <a:prstGeom prst="rect">
+            <a:avLst/>
+          </a:prstGeom>
+          <a:noFill/>
+        </p:spPr>
+        <p:txBody>
+          <a:bodyPr wrap="square" rtlCol="0">
+            <a:spAutoFit/>
+          </a:bodyPr>
+          <a:lstStyle/>
+          <a:p>
+            <a:pPr>
+              <a:lnSpc>
+                <a:spcPct val="114000"/>
+              </a:lnSpc>
+              <a:spcAft>
+                <a:spcPts val="0"/>
+              </a:spcAft>
+            </a:pPr>
+            <a:r>
+              <a:rPr lang="it-IT" sz="1150" dirty="0">
+                <a:solidFill>
+                  <a:srgbClr val="569CD6"/>
+                </a:solidFill>
+                <a:latin typeface="Consolas" panose="020B0609020204030204" pitchFamily="49" charset="0"/>
+                <a:ea typeface="Times New Roman" panose="02020603050405020304" pitchFamily="18" charset="0"/>
+                <a:cs typeface="Times New Roman" panose="02020603050405020304" pitchFamily="18" charset="0"/>
+              </a:rPr>
+              <a:t>public</a:t>
+            </a:r>
+            <a:r>
+              <a:rPr lang="it-IT" sz="1150" dirty="0">
+                <a:solidFill>
+                  <a:srgbClr val="D4D4D4"/>
+                </a:solidFill>
+                <a:latin typeface="Consolas" panose="020B0609020204030204" pitchFamily="49" charset="0"/>
+                <a:ea typeface="Times New Roman" panose="02020603050405020304" pitchFamily="18" charset="0"/>
+                <a:cs typeface="Times New Roman" panose="02020603050405020304" pitchFamily="18" charset="0"/>
+              </a:rPr>
+              <a:t> </a:t>
+            </a:r>
+            <a:r>
+              <a:rPr lang="it-IT" sz="1150" dirty="0" err="1">
+                <a:solidFill>
+                  <a:srgbClr val="4EC9B0"/>
+                </a:solidFill>
+                <a:latin typeface="Consolas" panose="020B0609020204030204" pitchFamily="49" charset="0"/>
+                <a:ea typeface="Times New Roman" panose="02020603050405020304" pitchFamily="18" charset="0"/>
+                <a:cs typeface="Times New Roman" panose="02020603050405020304" pitchFamily="18" charset="0"/>
+              </a:rPr>
+              <a:t>int</a:t>
+            </a:r>
+            <a:r>
+              <a:rPr lang="it-IT" sz="1150" dirty="0">
+                <a:solidFill>
+                  <a:srgbClr val="D4D4D4"/>
+                </a:solidFill>
+                <a:latin typeface="Consolas" panose="020B0609020204030204" pitchFamily="49" charset="0"/>
+                <a:ea typeface="Times New Roman" panose="02020603050405020304" pitchFamily="18" charset="0"/>
+                <a:cs typeface="Times New Roman" panose="02020603050405020304" pitchFamily="18" charset="0"/>
+              </a:rPr>
+              <a:t> </a:t>
+            </a:r>
+            <a:r>
+              <a:rPr lang="it-IT" sz="1150" dirty="0" err="1">
+                <a:solidFill>
+                  <a:srgbClr val="DCDCAA"/>
+                </a:solidFill>
+                <a:latin typeface="Consolas" panose="020B0609020204030204" pitchFamily="49" charset="0"/>
+                <a:ea typeface="Times New Roman" panose="02020603050405020304" pitchFamily="18" charset="0"/>
+                <a:cs typeface="Times New Roman" panose="02020603050405020304" pitchFamily="18" charset="0"/>
+              </a:rPr>
+              <a:t>elimina_riga</a:t>
+            </a:r>
+            <a:r>
+              <a:rPr lang="it-IT" sz="1150" dirty="0">
+                <a:solidFill>
+                  <a:srgbClr val="D4D4D4"/>
+                </a:solidFill>
+                <a:latin typeface="Consolas" panose="020B0609020204030204" pitchFamily="49" charset="0"/>
+                <a:ea typeface="Times New Roman" panose="02020603050405020304" pitchFamily="18" charset="0"/>
+                <a:cs typeface="Times New Roman" panose="02020603050405020304" pitchFamily="18" charset="0"/>
+              </a:rPr>
+              <a:t>(</a:t>
+            </a:r>
+            <a:r>
+              <a:rPr lang="it-IT" sz="1150" dirty="0" err="1">
+                <a:solidFill>
+                  <a:srgbClr val="4EC9B0"/>
+                </a:solidFill>
+                <a:latin typeface="Consolas" panose="020B0609020204030204" pitchFamily="49" charset="0"/>
+                <a:ea typeface="Times New Roman" panose="02020603050405020304" pitchFamily="18" charset="0"/>
+                <a:cs typeface="Times New Roman" panose="02020603050405020304" pitchFamily="18" charset="0"/>
+              </a:rPr>
+              <a:t>String</a:t>
+            </a:r>
+            <a:r>
+              <a:rPr lang="it-IT" sz="1150" dirty="0">
+                <a:solidFill>
+                  <a:srgbClr val="D4D4D4"/>
+                </a:solidFill>
+                <a:latin typeface="Consolas" panose="020B0609020204030204" pitchFamily="49" charset="0"/>
+                <a:ea typeface="Times New Roman" panose="02020603050405020304" pitchFamily="18" charset="0"/>
+                <a:cs typeface="Times New Roman" panose="02020603050405020304" pitchFamily="18" charset="0"/>
+              </a:rPr>
+              <a:t> </a:t>
+            </a:r>
+            <a:r>
+              <a:rPr lang="it-IT" sz="1150" dirty="0" err="1">
+                <a:solidFill>
+                  <a:srgbClr val="9CDCFE"/>
+                </a:solidFill>
+                <a:latin typeface="Consolas" panose="020B0609020204030204" pitchFamily="49" charset="0"/>
+                <a:ea typeface="Times New Roman" panose="02020603050405020304" pitchFamily="18" charset="0"/>
+                <a:cs typeface="Times New Roman" panose="02020603050405020304" pitchFamily="18" charset="0"/>
+              </a:rPr>
+              <a:t>fileName</a:t>
+            </a:r>
+            <a:r>
+              <a:rPr lang="it-IT" sz="1150" dirty="0">
+                <a:solidFill>
+                  <a:srgbClr val="D4D4D4"/>
+                </a:solidFill>
+                <a:latin typeface="Consolas" panose="020B0609020204030204" pitchFamily="49" charset="0"/>
+                <a:ea typeface="Times New Roman" panose="02020603050405020304" pitchFamily="18" charset="0"/>
+                <a:cs typeface="Times New Roman" panose="02020603050405020304" pitchFamily="18" charset="0"/>
+              </a:rPr>
+              <a:t>, </a:t>
+            </a:r>
+            <a:r>
+              <a:rPr lang="it-IT" sz="1150" dirty="0" err="1">
+                <a:solidFill>
+                  <a:srgbClr val="4EC9B0"/>
+                </a:solidFill>
+                <a:latin typeface="Consolas" panose="020B0609020204030204" pitchFamily="49" charset="0"/>
+                <a:ea typeface="Times New Roman" panose="02020603050405020304" pitchFamily="18" charset="0"/>
+                <a:cs typeface="Times New Roman" panose="02020603050405020304" pitchFamily="18" charset="0"/>
+              </a:rPr>
+              <a:t>int</a:t>
+            </a:r>
+            <a:r>
+              <a:rPr lang="it-IT" sz="1150" dirty="0">
+                <a:solidFill>
+                  <a:srgbClr val="D4D4D4"/>
+                </a:solidFill>
+                <a:latin typeface="Consolas" panose="020B0609020204030204" pitchFamily="49" charset="0"/>
+                <a:ea typeface="Times New Roman" panose="02020603050405020304" pitchFamily="18" charset="0"/>
+                <a:cs typeface="Times New Roman" panose="02020603050405020304" pitchFamily="18" charset="0"/>
+              </a:rPr>
+              <a:t> </a:t>
+            </a:r>
+            <a:r>
+              <a:rPr lang="it-IT" sz="1150" dirty="0" err="1">
+                <a:solidFill>
+                  <a:srgbClr val="9CDCFE"/>
+                </a:solidFill>
+                <a:latin typeface="Consolas" panose="020B0609020204030204" pitchFamily="49" charset="0"/>
+                <a:ea typeface="Times New Roman" panose="02020603050405020304" pitchFamily="18" charset="0"/>
+                <a:cs typeface="Times New Roman" panose="02020603050405020304" pitchFamily="18" charset="0"/>
+              </a:rPr>
+              <a:t>rowNum</a:t>
+            </a:r>
+            <a:r>
+              <a:rPr lang="it-IT" sz="1150" dirty="0">
+                <a:solidFill>
+                  <a:srgbClr val="D4D4D4"/>
+                </a:solidFill>
+                <a:latin typeface="Consolas" panose="020B0609020204030204" pitchFamily="49" charset="0"/>
+                <a:ea typeface="Times New Roman" panose="02020603050405020304" pitchFamily="18" charset="0"/>
+                <a:cs typeface="Times New Roman" panose="02020603050405020304" pitchFamily="18" charset="0"/>
+              </a:rPr>
+              <a:t>) </a:t>
+            </a:r>
+            <a:r>
+              <a:rPr lang="it-IT" sz="1150" dirty="0" err="1">
+                <a:solidFill>
+                  <a:srgbClr val="569CD6"/>
+                </a:solidFill>
+                <a:latin typeface="Consolas" panose="020B0609020204030204" pitchFamily="49" charset="0"/>
+                <a:ea typeface="Times New Roman" panose="02020603050405020304" pitchFamily="18" charset="0"/>
+                <a:cs typeface="Times New Roman" panose="02020603050405020304" pitchFamily="18" charset="0"/>
+              </a:rPr>
+              <a:t>throws</a:t>
+            </a:r>
+            <a:r>
+              <a:rPr lang="it-IT" sz="1150" dirty="0">
+                <a:solidFill>
+                  <a:srgbClr val="D4D4D4"/>
+                </a:solidFill>
+                <a:latin typeface="Consolas" panose="020B0609020204030204" pitchFamily="49" charset="0"/>
+                <a:ea typeface="Times New Roman" panose="02020603050405020304" pitchFamily="18" charset="0"/>
+                <a:cs typeface="Times New Roman" panose="02020603050405020304" pitchFamily="18" charset="0"/>
+              </a:rPr>
+              <a:t> </a:t>
+            </a:r>
+            <a:r>
+              <a:rPr lang="it-IT" sz="1150" dirty="0" err="1">
+                <a:solidFill>
+                  <a:srgbClr val="4EC9B0"/>
+                </a:solidFill>
+                <a:latin typeface="Consolas" panose="020B0609020204030204" pitchFamily="49" charset="0"/>
+                <a:ea typeface="Times New Roman" panose="02020603050405020304" pitchFamily="18" charset="0"/>
+                <a:cs typeface="Times New Roman" panose="02020603050405020304" pitchFamily="18" charset="0"/>
+              </a:rPr>
+              <a:t>RemoteException</a:t>
+            </a:r>
+            <a:r>
+              <a:rPr lang="it-IT" sz="1150" dirty="0">
+                <a:solidFill>
+                  <a:srgbClr val="D4D4D4"/>
+                </a:solidFill>
+                <a:latin typeface="Consolas" panose="020B0609020204030204" pitchFamily="49" charset="0"/>
+                <a:ea typeface="Times New Roman" panose="02020603050405020304" pitchFamily="18" charset="0"/>
+                <a:cs typeface="Times New Roman" panose="02020603050405020304" pitchFamily="18" charset="0"/>
+              </a:rPr>
+              <a:t> { </a:t>
+            </a:r>
+            <a:endParaRPr lang="it-IT" sz="1150" dirty="0">
+              <a:latin typeface="Consolas" panose="020B0609020204030204" pitchFamily="49" charset="0"/>
+              <a:ea typeface="Calibri" panose="020F0502020204030204" pitchFamily="34" charset="0"/>
+              <a:cs typeface="Times New Roman" panose="02020603050405020304" pitchFamily="18" charset="0"/>
+            </a:endParaRPr>
+          </a:p>
+          <a:p>
+            <a:pPr>
+              <a:lnSpc>
+                <a:spcPct val="114000"/>
+              </a:lnSpc>
+              <a:spcAft>
+                <a:spcPts val="0"/>
+              </a:spcAft>
+            </a:pPr>
+            <a:r>
+              <a:rPr lang="it-IT" sz="1150" dirty="0">
+                <a:solidFill>
+                  <a:srgbClr val="4EC9B0"/>
+                </a:solidFill>
+                <a:latin typeface="Consolas" panose="020B0609020204030204" pitchFamily="49" charset="0"/>
+                <a:ea typeface="Times New Roman" panose="02020603050405020304" pitchFamily="18" charset="0"/>
+                <a:cs typeface="Times New Roman" panose="02020603050405020304" pitchFamily="18" charset="0"/>
+              </a:rPr>
+              <a:t>	File</a:t>
+            </a:r>
+            <a:r>
+              <a:rPr lang="it-IT" sz="1150" dirty="0">
+                <a:solidFill>
+                  <a:srgbClr val="D4D4D4"/>
+                </a:solidFill>
+                <a:latin typeface="Consolas" panose="020B0609020204030204" pitchFamily="49" charset="0"/>
+                <a:ea typeface="Times New Roman" panose="02020603050405020304" pitchFamily="18" charset="0"/>
+                <a:cs typeface="Times New Roman" panose="02020603050405020304" pitchFamily="18" charset="0"/>
+              </a:rPr>
+              <a:t> </a:t>
+            </a:r>
+            <a:r>
+              <a:rPr lang="it-IT" sz="1150" dirty="0" err="1">
+                <a:solidFill>
+                  <a:srgbClr val="9CDCFE"/>
+                </a:solidFill>
+                <a:latin typeface="Consolas" panose="020B0609020204030204" pitchFamily="49" charset="0"/>
+                <a:ea typeface="Times New Roman" panose="02020603050405020304" pitchFamily="18" charset="0"/>
+                <a:cs typeface="Times New Roman" panose="02020603050405020304" pitchFamily="18" charset="0"/>
+              </a:rPr>
+              <a:t>file</a:t>
+            </a:r>
+            <a:r>
+              <a:rPr lang="it-IT" sz="1150" dirty="0">
+                <a:solidFill>
+                  <a:srgbClr val="D4D4D4"/>
+                </a:solidFill>
+                <a:latin typeface="Consolas" panose="020B0609020204030204" pitchFamily="49" charset="0"/>
+                <a:ea typeface="Times New Roman" panose="02020603050405020304" pitchFamily="18" charset="0"/>
+                <a:cs typeface="Times New Roman" panose="02020603050405020304" pitchFamily="18" charset="0"/>
+              </a:rPr>
+              <a:t> = </a:t>
+            </a:r>
+            <a:r>
+              <a:rPr lang="it-IT" sz="1150" dirty="0">
+                <a:solidFill>
+                  <a:srgbClr val="C586C0"/>
+                </a:solidFill>
+                <a:latin typeface="Consolas" panose="020B0609020204030204" pitchFamily="49" charset="0"/>
+                <a:ea typeface="Times New Roman" panose="02020603050405020304" pitchFamily="18" charset="0"/>
+                <a:cs typeface="Times New Roman" panose="02020603050405020304" pitchFamily="18" charset="0"/>
+              </a:rPr>
+              <a:t>new</a:t>
+            </a:r>
+            <a:r>
+              <a:rPr lang="it-IT" sz="1150" dirty="0">
+                <a:solidFill>
+                  <a:srgbClr val="D4D4D4"/>
+                </a:solidFill>
+                <a:latin typeface="Consolas" panose="020B0609020204030204" pitchFamily="49" charset="0"/>
+                <a:ea typeface="Times New Roman" panose="02020603050405020304" pitchFamily="18" charset="0"/>
+                <a:cs typeface="Times New Roman" panose="02020603050405020304" pitchFamily="18" charset="0"/>
+              </a:rPr>
+              <a:t> </a:t>
+            </a:r>
+            <a:r>
+              <a:rPr lang="it-IT" sz="1150" dirty="0">
+                <a:solidFill>
+                  <a:srgbClr val="DCDCAA"/>
+                </a:solidFill>
+                <a:latin typeface="Consolas" panose="020B0609020204030204" pitchFamily="49" charset="0"/>
+                <a:ea typeface="Times New Roman" panose="02020603050405020304" pitchFamily="18" charset="0"/>
+                <a:cs typeface="Times New Roman" panose="02020603050405020304" pitchFamily="18" charset="0"/>
+              </a:rPr>
+              <a:t>File</a:t>
+            </a:r>
+            <a:r>
+              <a:rPr lang="it-IT" sz="1150" dirty="0">
+                <a:solidFill>
+                  <a:srgbClr val="D4D4D4"/>
+                </a:solidFill>
+                <a:latin typeface="Consolas" panose="020B0609020204030204" pitchFamily="49" charset="0"/>
+                <a:ea typeface="Times New Roman" panose="02020603050405020304" pitchFamily="18" charset="0"/>
+                <a:cs typeface="Times New Roman" panose="02020603050405020304" pitchFamily="18" charset="0"/>
+              </a:rPr>
+              <a:t>(</a:t>
+            </a:r>
+            <a:r>
+              <a:rPr lang="it-IT" sz="1150" dirty="0" err="1">
+                <a:solidFill>
+                  <a:srgbClr val="D4D4D4"/>
+                </a:solidFill>
+                <a:latin typeface="Consolas" panose="020B0609020204030204" pitchFamily="49" charset="0"/>
+                <a:ea typeface="Times New Roman" panose="02020603050405020304" pitchFamily="18" charset="0"/>
+                <a:cs typeface="Times New Roman" panose="02020603050405020304" pitchFamily="18" charset="0"/>
+              </a:rPr>
+              <a:t>fileName</a:t>
+            </a:r>
+            <a:r>
+              <a:rPr lang="it-IT" sz="1150" dirty="0">
+                <a:solidFill>
+                  <a:srgbClr val="D4D4D4"/>
+                </a:solidFill>
+                <a:latin typeface="Consolas" panose="020B0609020204030204" pitchFamily="49" charset="0"/>
+                <a:ea typeface="Times New Roman" panose="02020603050405020304" pitchFamily="18" charset="0"/>
+                <a:cs typeface="Times New Roman" panose="02020603050405020304" pitchFamily="18" charset="0"/>
+              </a:rPr>
+              <a:t>);</a:t>
+            </a:r>
+            <a:endParaRPr lang="it-IT" sz="1150" dirty="0">
+              <a:latin typeface="Consolas" panose="020B0609020204030204" pitchFamily="49" charset="0"/>
+              <a:ea typeface="Calibri" panose="020F0502020204030204" pitchFamily="34" charset="0"/>
+              <a:cs typeface="Times New Roman" panose="02020603050405020304" pitchFamily="18" charset="0"/>
+            </a:endParaRPr>
+          </a:p>
+          <a:p>
+            <a:pPr>
+              <a:lnSpc>
+                <a:spcPct val="114000"/>
+              </a:lnSpc>
+              <a:spcAft>
+                <a:spcPts val="0"/>
+              </a:spcAft>
+            </a:pPr>
+            <a:r>
+              <a:rPr lang="it-IT" sz="1150" dirty="0">
+                <a:solidFill>
+                  <a:srgbClr val="C586C0"/>
+                </a:solidFill>
+                <a:latin typeface="Consolas" panose="020B0609020204030204" pitchFamily="49" charset="0"/>
+                <a:ea typeface="Times New Roman" panose="02020603050405020304" pitchFamily="18" charset="0"/>
+                <a:cs typeface="Times New Roman" panose="02020603050405020304" pitchFamily="18" charset="0"/>
+              </a:rPr>
+              <a:t>	</a:t>
+            </a:r>
+            <a:r>
+              <a:rPr lang="it-IT" sz="1150" dirty="0" err="1">
+                <a:solidFill>
+                  <a:srgbClr val="C586C0"/>
+                </a:solidFill>
+                <a:latin typeface="Consolas" panose="020B0609020204030204" pitchFamily="49" charset="0"/>
+                <a:ea typeface="Times New Roman" panose="02020603050405020304" pitchFamily="18" charset="0"/>
+                <a:cs typeface="Times New Roman" panose="02020603050405020304" pitchFamily="18" charset="0"/>
+              </a:rPr>
+              <a:t>try</a:t>
+            </a:r>
+            <a:r>
+              <a:rPr lang="it-IT" sz="1150" dirty="0">
+                <a:solidFill>
+                  <a:srgbClr val="D4D4D4"/>
+                </a:solidFill>
+                <a:latin typeface="Consolas" panose="020B0609020204030204" pitchFamily="49" charset="0"/>
+                <a:ea typeface="Times New Roman" panose="02020603050405020304" pitchFamily="18" charset="0"/>
+                <a:cs typeface="Times New Roman" panose="02020603050405020304" pitchFamily="18" charset="0"/>
+              </a:rPr>
+              <a:t> {</a:t>
+            </a:r>
+            <a:endParaRPr lang="it-IT" sz="1150" dirty="0">
+              <a:latin typeface="Consolas" panose="020B0609020204030204" pitchFamily="49" charset="0"/>
+              <a:ea typeface="Calibri" panose="020F0502020204030204" pitchFamily="34" charset="0"/>
+              <a:cs typeface="Times New Roman" panose="02020603050405020304" pitchFamily="18" charset="0"/>
+            </a:endParaRPr>
+          </a:p>
+          <a:p>
+            <a:pPr>
+              <a:lnSpc>
+                <a:spcPct val="114000"/>
+              </a:lnSpc>
+              <a:spcAft>
+                <a:spcPts val="0"/>
+              </a:spcAft>
+            </a:pPr>
+            <a:r>
+              <a:rPr lang="it-IT" sz="1150" dirty="0">
+                <a:solidFill>
+                  <a:srgbClr val="4EC9B0"/>
+                </a:solidFill>
+                <a:latin typeface="Consolas" panose="020B0609020204030204" pitchFamily="49" charset="0"/>
+                <a:ea typeface="Times New Roman" panose="02020603050405020304" pitchFamily="18" charset="0"/>
+                <a:cs typeface="Times New Roman" panose="02020603050405020304" pitchFamily="18" charset="0"/>
+              </a:rPr>
+              <a:t>		</a:t>
+            </a:r>
+            <a:r>
+              <a:rPr lang="it-IT" sz="1150" dirty="0" err="1">
+                <a:solidFill>
+                  <a:srgbClr val="4EC9B0"/>
+                </a:solidFill>
+                <a:latin typeface="Consolas" panose="020B0609020204030204" pitchFamily="49" charset="0"/>
+                <a:ea typeface="Times New Roman" panose="02020603050405020304" pitchFamily="18" charset="0"/>
+                <a:cs typeface="Times New Roman" panose="02020603050405020304" pitchFamily="18" charset="0"/>
+              </a:rPr>
+              <a:t>BufferedReader</a:t>
+            </a:r>
+            <a:r>
+              <a:rPr lang="it-IT" sz="1150" dirty="0">
+                <a:solidFill>
+                  <a:srgbClr val="D4D4D4"/>
+                </a:solidFill>
+                <a:latin typeface="Consolas" panose="020B0609020204030204" pitchFamily="49" charset="0"/>
+                <a:ea typeface="Times New Roman" panose="02020603050405020304" pitchFamily="18" charset="0"/>
+                <a:cs typeface="Times New Roman" panose="02020603050405020304" pitchFamily="18" charset="0"/>
+              </a:rPr>
+              <a:t> </a:t>
+            </a:r>
+            <a:r>
+              <a:rPr lang="it-IT" sz="1150" dirty="0" err="1">
+                <a:solidFill>
+                  <a:srgbClr val="9CDCFE"/>
+                </a:solidFill>
+                <a:latin typeface="Consolas" panose="020B0609020204030204" pitchFamily="49" charset="0"/>
+                <a:ea typeface="Times New Roman" panose="02020603050405020304" pitchFamily="18" charset="0"/>
+                <a:cs typeface="Times New Roman" panose="02020603050405020304" pitchFamily="18" charset="0"/>
+              </a:rPr>
+              <a:t>br</a:t>
+            </a:r>
+            <a:r>
+              <a:rPr lang="it-IT" sz="1150" dirty="0">
+                <a:solidFill>
+                  <a:srgbClr val="D4D4D4"/>
+                </a:solidFill>
+                <a:latin typeface="Consolas" panose="020B0609020204030204" pitchFamily="49" charset="0"/>
+                <a:ea typeface="Times New Roman" panose="02020603050405020304" pitchFamily="18" charset="0"/>
+                <a:cs typeface="Times New Roman" panose="02020603050405020304" pitchFamily="18" charset="0"/>
+              </a:rPr>
+              <a:t> = </a:t>
+            </a:r>
+            <a:r>
+              <a:rPr lang="it-IT" sz="1150" dirty="0">
+                <a:solidFill>
+                  <a:srgbClr val="C586C0"/>
+                </a:solidFill>
+                <a:latin typeface="Consolas" panose="020B0609020204030204" pitchFamily="49" charset="0"/>
+                <a:ea typeface="Times New Roman" panose="02020603050405020304" pitchFamily="18" charset="0"/>
+                <a:cs typeface="Times New Roman" panose="02020603050405020304" pitchFamily="18" charset="0"/>
+              </a:rPr>
+              <a:t>new</a:t>
+            </a:r>
+            <a:r>
+              <a:rPr lang="it-IT" sz="1150" dirty="0">
+                <a:solidFill>
+                  <a:srgbClr val="D4D4D4"/>
+                </a:solidFill>
+                <a:latin typeface="Consolas" panose="020B0609020204030204" pitchFamily="49" charset="0"/>
+                <a:ea typeface="Times New Roman" panose="02020603050405020304" pitchFamily="18" charset="0"/>
+                <a:cs typeface="Times New Roman" panose="02020603050405020304" pitchFamily="18" charset="0"/>
+              </a:rPr>
+              <a:t> </a:t>
+            </a:r>
+            <a:r>
+              <a:rPr lang="it-IT" sz="1150" dirty="0" err="1">
+                <a:solidFill>
+                  <a:srgbClr val="DCDCAA"/>
+                </a:solidFill>
+                <a:latin typeface="Consolas" panose="020B0609020204030204" pitchFamily="49" charset="0"/>
+                <a:ea typeface="Times New Roman" panose="02020603050405020304" pitchFamily="18" charset="0"/>
+                <a:cs typeface="Times New Roman" panose="02020603050405020304" pitchFamily="18" charset="0"/>
+              </a:rPr>
+              <a:t>BufferedReader</a:t>
+            </a:r>
+            <a:r>
+              <a:rPr lang="it-IT" sz="1150" dirty="0">
+                <a:solidFill>
+                  <a:srgbClr val="D4D4D4"/>
+                </a:solidFill>
+                <a:latin typeface="Consolas" panose="020B0609020204030204" pitchFamily="49" charset="0"/>
+                <a:ea typeface="Times New Roman" panose="02020603050405020304" pitchFamily="18" charset="0"/>
+                <a:cs typeface="Times New Roman" panose="02020603050405020304" pitchFamily="18" charset="0"/>
+              </a:rPr>
+              <a:t>(</a:t>
+            </a:r>
+            <a:r>
+              <a:rPr lang="it-IT" sz="1150" dirty="0">
+                <a:solidFill>
+                  <a:srgbClr val="C586C0"/>
+                </a:solidFill>
+                <a:latin typeface="Consolas" panose="020B0609020204030204" pitchFamily="49" charset="0"/>
+                <a:ea typeface="Times New Roman" panose="02020603050405020304" pitchFamily="18" charset="0"/>
+                <a:cs typeface="Times New Roman" panose="02020603050405020304" pitchFamily="18" charset="0"/>
+              </a:rPr>
+              <a:t>new</a:t>
+            </a:r>
+            <a:r>
+              <a:rPr lang="it-IT" sz="1150" dirty="0">
+                <a:solidFill>
+                  <a:srgbClr val="D4D4D4"/>
+                </a:solidFill>
+                <a:latin typeface="Consolas" panose="020B0609020204030204" pitchFamily="49" charset="0"/>
+                <a:ea typeface="Times New Roman" panose="02020603050405020304" pitchFamily="18" charset="0"/>
+                <a:cs typeface="Times New Roman" panose="02020603050405020304" pitchFamily="18" charset="0"/>
+              </a:rPr>
+              <a:t> </a:t>
+            </a:r>
+            <a:r>
+              <a:rPr lang="it-IT" sz="1150" dirty="0" err="1">
+                <a:solidFill>
+                  <a:srgbClr val="DCDCAA"/>
+                </a:solidFill>
+                <a:latin typeface="Consolas" panose="020B0609020204030204" pitchFamily="49" charset="0"/>
+                <a:ea typeface="Times New Roman" panose="02020603050405020304" pitchFamily="18" charset="0"/>
+                <a:cs typeface="Times New Roman" panose="02020603050405020304" pitchFamily="18" charset="0"/>
+              </a:rPr>
+              <a:t>FileReader</a:t>
+            </a:r>
+            <a:r>
+              <a:rPr lang="it-IT" sz="1150" dirty="0">
+                <a:solidFill>
+                  <a:srgbClr val="D4D4D4"/>
+                </a:solidFill>
+                <a:latin typeface="Consolas" panose="020B0609020204030204" pitchFamily="49" charset="0"/>
+                <a:ea typeface="Times New Roman" panose="02020603050405020304" pitchFamily="18" charset="0"/>
+                <a:cs typeface="Times New Roman" panose="02020603050405020304" pitchFamily="18" charset="0"/>
+              </a:rPr>
+              <a:t>(file));</a:t>
+            </a:r>
+            <a:endParaRPr lang="it-IT" sz="1150" dirty="0">
+              <a:latin typeface="Consolas" panose="020B0609020204030204" pitchFamily="49" charset="0"/>
+              <a:ea typeface="Calibri" panose="020F0502020204030204" pitchFamily="34" charset="0"/>
+              <a:cs typeface="Times New Roman" panose="02020603050405020304" pitchFamily="18" charset="0"/>
+            </a:endParaRPr>
+          </a:p>
+          <a:p>
+            <a:pPr>
+              <a:lnSpc>
+                <a:spcPct val="114000"/>
+              </a:lnSpc>
+              <a:spcAft>
+                <a:spcPts val="0"/>
+              </a:spcAft>
+            </a:pPr>
+            <a:r>
+              <a:rPr lang="it-IT" sz="1150" dirty="0">
+                <a:solidFill>
+                  <a:srgbClr val="4EC9B0"/>
+                </a:solidFill>
+                <a:latin typeface="Consolas" panose="020B0609020204030204" pitchFamily="49" charset="0"/>
+                <a:ea typeface="Times New Roman" panose="02020603050405020304" pitchFamily="18" charset="0"/>
+                <a:cs typeface="Times New Roman" panose="02020603050405020304" pitchFamily="18" charset="0"/>
+              </a:rPr>
+              <a:t>		</a:t>
+            </a:r>
+            <a:r>
+              <a:rPr lang="it-IT" sz="1150" dirty="0" err="1">
+                <a:solidFill>
+                  <a:srgbClr val="4EC9B0"/>
+                </a:solidFill>
+                <a:latin typeface="Consolas" panose="020B0609020204030204" pitchFamily="49" charset="0"/>
+                <a:ea typeface="Times New Roman" panose="02020603050405020304" pitchFamily="18" charset="0"/>
+                <a:cs typeface="Times New Roman" panose="02020603050405020304" pitchFamily="18" charset="0"/>
+              </a:rPr>
+              <a:t>String</a:t>
+            </a:r>
+            <a:r>
+              <a:rPr lang="it-IT" sz="1150" dirty="0">
+                <a:solidFill>
+                  <a:srgbClr val="D4D4D4"/>
+                </a:solidFill>
+                <a:latin typeface="Consolas" panose="020B0609020204030204" pitchFamily="49" charset="0"/>
+                <a:ea typeface="Times New Roman" panose="02020603050405020304" pitchFamily="18" charset="0"/>
+                <a:cs typeface="Times New Roman" panose="02020603050405020304" pitchFamily="18" charset="0"/>
+              </a:rPr>
+              <a:t> </a:t>
+            </a:r>
+            <a:r>
+              <a:rPr lang="it-IT" sz="1150" dirty="0">
+                <a:solidFill>
+                  <a:srgbClr val="9CDCFE"/>
+                </a:solidFill>
+                <a:latin typeface="Consolas" panose="020B0609020204030204" pitchFamily="49" charset="0"/>
+                <a:ea typeface="Times New Roman" panose="02020603050405020304" pitchFamily="18" charset="0"/>
+                <a:cs typeface="Times New Roman" panose="02020603050405020304" pitchFamily="18" charset="0"/>
+              </a:rPr>
+              <a:t>line</a:t>
+            </a:r>
+            <a:r>
+              <a:rPr lang="it-IT" sz="1150" dirty="0">
+                <a:solidFill>
+                  <a:srgbClr val="D4D4D4"/>
+                </a:solidFill>
+                <a:latin typeface="Consolas" panose="020B0609020204030204" pitchFamily="49" charset="0"/>
+                <a:ea typeface="Times New Roman" panose="02020603050405020304" pitchFamily="18" charset="0"/>
+                <a:cs typeface="Times New Roman" panose="02020603050405020304" pitchFamily="18" charset="0"/>
+              </a:rPr>
+              <a:t>;</a:t>
+            </a:r>
+            <a:endParaRPr lang="it-IT" sz="1150" dirty="0">
+              <a:latin typeface="Consolas" panose="020B0609020204030204" pitchFamily="49" charset="0"/>
+              <a:ea typeface="Calibri" panose="020F0502020204030204" pitchFamily="34" charset="0"/>
+              <a:cs typeface="Times New Roman" panose="02020603050405020304" pitchFamily="18" charset="0"/>
+            </a:endParaRPr>
+          </a:p>
+          <a:p>
+            <a:pPr>
+              <a:lnSpc>
+                <a:spcPct val="114000"/>
+              </a:lnSpc>
+              <a:spcAft>
+                <a:spcPts val="0"/>
+              </a:spcAft>
+            </a:pPr>
+            <a:r>
+              <a:rPr lang="it-IT" sz="1150" dirty="0">
+                <a:solidFill>
+                  <a:srgbClr val="4EC9B0"/>
+                </a:solidFill>
+                <a:latin typeface="Consolas" panose="020B0609020204030204" pitchFamily="49" charset="0"/>
+                <a:ea typeface="Times New Roman" panose="02020603050405020304" pitchFamily="18" charset="0"/>
+                <a:cs typeface="Times New Roman" panose="02020603050405020304" pitchFamily="18" charset="0"/>
+              </a:rPr>
+              <a:t>		</a:t>
+            </a:r>
+            <a:r>
+              <a:rPr lang="it-IT" sz="1150" dirty="0" err="1">
+                <a:solidFill>
+                  <a:srgbClr val="4EC9B0"/>
+                </a:solidFill>
+                <a:latin typeface="Consolas" panose="020B0609020204030204" pitchFamily="49" charset="0"/>
+                <a:ea typeface="Times New Roman" panose="02020603050405020304" pitchFamily="18" charset="0"/>
+                <a:cs typeface="Times New Roman" panose="02020603050405020304" pitchFamily="18" charset="0"/>
+              </a:rPr>
+              <a:t>int</a:t>
+            </a:r>
+            <a:r>
+              <a:rPr lang="it-IT" sz="1150" dirty="0">
+                <a:solidFill>
+                  <a:srgbClr val="D4D4D4"/>
+                </a:solidFill>
+                <a:latin typeface="Consolas" panose="020B0609020204030204" pitchFamily="49" charset="0"/>
+                <a:ea typeface="Times New Roman" panose="02020603050405020304" pitchFamily="18" charset="0"/>
+                <a:cs typeface="Times New Roman" panose="02020603050405020304" pitchFamily="18" charset="0"/>
+              </a:rPr>
+              <a:t> </a:t>
+            </a:r>
+            <a:r>
+              <a:rPr lang="it-IT" sz="1150" dirty="0" err="1">
+                <a:solidFill>
+                  <a:srgbClr val="9CDCFE"/>
+                </a:solidFill>
+                <a:latin typeface="Consolas" panose="020B0609020204030204" pitchFamily="49" charset="0"/>
+                <a:ea typeface="Times New Roman" panose="02020603050405020304" pitchFamily="18" charset="0"/>
+                <a:cs typeface="Times New Roman" panose="02020603050405020304" pitchFamily="18" charset="0"/>
+              </a:rPr>
+              <a:t>numRowNew</a:t>
+            </a:r>
+            <a:r>
+              <a:rPr lang="it-IT" sz="1150" dirty="0">
+                <a:solidFill>
+                  <a:srgbClr val="D4D4D4"/>
+                </a:solidFill>
+                <a:latin typeface="Consolas" panose="020B0609020204030204" pitchFamily="49" charset="0"/>
+                <a:ea typeface="Times New Roman" panose="02020603050405020304" pitchFamily="18" charset="0"/>
+                <a:cs typeface="Times New Roman" panose="02020603050405020304" pitchFamily="18" charset="0"/>
+              </a:rPr>
+              <a:t> = </a:t>
+            </a:r>
+            <a:r>
+              <a:rPr lang="it-IT" sz="1150" dirty="0">
+                <a:solidFill>
+                  <a:srgbClr val="B5CEA8"/>
+                </a:solidFill>
+                <a:latin typeface="Consolas" panose="020B0609020204030204" pitchFamily="49" charset="0"/>
+                <a:ea typeface="Times New Roman" panose="02020603050405020304" pitchFamily="18" charset="0"/>
+                <a:cs typeface="Times New Roman" panose="02020603050405020304" pitchFamily="18" charset="0"/>
+              </a:rPr>
+              <a:t>0</a:t>
+            </a:r>
+            <a:r>
+              <a:rPr lang="it-IT" sz="1150" dirty="0">
+                <a:solidFill>
+                  <a:srgbClr val="D4D4D4"/>
+                </a:solidFill>
+                <a:latin typeface="Consolas" panose="020B0609020204030204" pitchFamily="49" charset="0"/>
+                <a:ea typeface="Times New Roman" panose="02020603050405020304" pitchFamily="18" charset="0"/>
+                <a:cs typeface="Times New Roman" panose="02020603050405020304" pitchFamily="18" charset="0"/>
+              </a:rPr>
+              <a:t>,</a:t>
+            </a:r>
+            <a:r>
+              <a:rPr lang="it-IT" sz="1150" dirty="0">
+                <a:latin typeface="Consolas" panose="020B0609020204030204" pitchFamily="49" charset="0"/>
+                <a:ea typeface="Times New Roman" panose="02020603050405020304" pitchFamily="18" charset="0"/>
+                <a:cs typeface="Times New Roman" panose="02020603050405020304" pitchFamily="18" charset="0"/>
+              </a:rPr>
+              <a:t> </a:t>
+            </a:r>
+            <a:r>
+              <a:rPr lang="it-IT" sz="1150" dirty="0">
+                <a:solidFill>
+                  <a:srgbClr val="9CDCFE"/>
+                </a:solidFill>
+                <a:latin typeface="Consolas" panose="020B0609020204030204" pitchFamily="49" charset="0"/>
+                <a:ea typeface="Times New Roman" panose="02020603050405020304" pitchFamily="18" charset="0"/>
+                <a:cs typeface="Times New Roman" panose="02020603050405020304" pitchFamily="18" charset="0"/>
+              </a:rPr>
+              <a:t>index</a:t>
+            </a:r>
+            <a:r>
+              <a:rPr lang="it-IT" sz="1150" dirty="0">
+                <a:solidFill>
+                  <a:srgbClr val="D4D4D4"/>
+                </a:solidFill>
+                <a:latin typeface="Consolas" panose="020B0609020204030204" pitchFamily="49" charset="0"/>
+                <a:ea typeface="Times New Roman" panose="02020603050405020304" pitchFamily="18" charset="0"/>
+                <a:cs typeface="Times New Roman" panose="02020603050405020304" pitchFamily="18" charset="0"/>
+              </a:rPr>
+              <a:t> = </a:t>
+            </a:r>
+            <a:r>
+              <a:rPr lang="it-IT" sz="1150" dirty="0">
+                <a:solidFill>
+                  <a:srgbClr val="B5CEA8"/>
+                </a:solidFill>
+                <a:latin typeface="Consolas" panose="020B0609020204030204" pitchFamily="49" charset="0"/>
+                <a:ea typeface="Times New Roman" panose="02020603050405020304" pitchFamily="18" charset="0"/>
+                <a:cs typeface="Times New Roman" panose="02020603050405020304" pitchFamily="18" charset="0"/>
+              </a:rPr>
+              <a:t>0</a:t>
+            </a:r>
+            <a:r>
+              <a:rPr lang="it-IT" sz="1150" dirty="0">
+                <a:solidFill>
+                  <a:srgbClr val="D4D4D4"/>
+                </a:solidFill>
+                <a:latin typeface="Consolas" panose="020B0609020204030204" pitchFamily="49" charset="0"/>
+                <a:ea typeface="Times New Roman" panose="02020603050405020304" pitchFamily="18" charset="0"/>
+                <a:cs typeface="Times New Roman" panose="02020603050405020304" pitchFamily="18" charset="0"/>
+              </a:rPr>
+              <a:t>;</a:t>
+            </a:r>
+            <a:endParaRPr lang="it-IT" sz="1150" dirty="0">
+              <a:latin typeface="Consolas" panose="020B0609020204030204" pitchFamily="49" charset="0"/>
+              <a:ea typeface="Calibri" panose="020F0502020204030204" pitchFamily="34" charset="0"/>
+              <a:cs typeface="Times New Roman" panose="02020603050405020304" pitchFamily="18" charset="0"/>
+            </a:endParaRPr>
+          </a:p>
+          <a:p>
+            <a:pPr>
+              <a:lnSpc>
+                <a:spcPct val="114000"/>
+              </a:lnSpc>
+              <a:spcAft>
+                <a:spcPts val="0"/>
+              </a:spcAft>
+            </a:pPr>
+            <a:r>
+              <a:rPr lang="it-IT" sz="1150" dirty="0">
+                <a:solidFill>
+                  <a:srgbClr val="4EC9B0"/>
+                </a:solidFill>
+                <a:latin typeface="Consolas" panose="020B0609020204030204" pitchFamily="49" charset="0"/>
+                <a:ea typeface="Times New Roman" panose="02020603050405020304" pitchFamily="18" charset="0"/>
+                <a:cs typeface="Times New Roman" panose="02020603050405020304" pitchFamily="18" charset="0"/>
+              </a:rPr>
+              <a:t>		</a:t>
+            </a:r>
+            <a:r>
+              <a:rPr lang="it-IT" sz="1150" dirty="0" err="1">
+                <a:solidFill>
+                  <a:srgbClr val="4EC9B0"/>
+                </a:solidFill>
+                <a:latin typeface="Consolas" panose="020B0609020204030204" pitchFamily="49" charset="0"/>
+                <a:ea typeface="Times New Roman" panose="02020603050405020304" pitchFamily="18" charset="0"/>
+                <a:cs typeface="Times New Roman" panose="02020603050405020304" pitchFamily="18" charset="0"/>
+              </a:rPr>
+              <a:t>boolean</a:t>
+            </a:r>
+            <a:r>
+              <a:rPr lang="it-IT" sz="1150" dirty="0">
+                <a:solidFill>
+                  <a:srgbClr val="D4D4D4"/>
+                </a:solidFill>
+                <a:latin typeface="Consolas" panose="020B0609020204030204" pitchFamily="49" charset="0"/>
+                <a:ea typeface="Times New Roman" panose="02020603050405020304" pitchFamily="18" charset="0"/>
+                <a:cs typeface="Times New Roman" panose="02020603050405020304" pitchFamily="18" charset="0"/>
+              </a:rPr>
+              <a:t> </a:t>
+            </a:r>
+            <a:r>
+              <a:rPr lang="it-IT" sz="1150" dirty="0" err="1">
+                <a:solidFill>
+                  <a:srgbClr val="9CDCFE"/>
+                </a:solidFill>
+                <a:latin typeface="Consolas" panose="020B0609020204030204" pitchFamily="49" charset="0"/>
+                <a:ea typeface="Times New Roman" panose="02020603050405020304" pitchFamily="18" charset="0"/>
+                <a:cs typeface="Times New Roman" panose="02020603050405020304" pitchFamily="18" charset="0"/>
+              </a:rPr>
+              <a:t>checkRow</a:t>
+            </a:r>
+            <a:r>
+              <a:rPr lang="it-IT" sz="1150" dirty="0">
+                <a:solidFill>
+                  <a:srgbClr val="D4D4D4"/>
+                </a:solidFill>
+                <a:latin typeface="Consolas" panose="020B0609020204030204" pitchFamily="49" charset="0"/>
+                <a:ea typeface="Times New Roman" panose="02020603050405020304" pitchFamily="18" charset="0"/>
+                <a:cs typeface="Times New Roman" panose="02020603050405020304" pitchFamily="18" charset="0"/>
+              </a:rPr>
+              <a:t> = </a:t>
+            </a:r>
+            <a:r>
+              <a:rPr lang="it-IT" sz="1150" dirty="0">
+                <a:solidFill>
+                  <a:srgbClr val="569CD6"/>
+                </a:solidFill>
+                <a:latin typeface="Consolas" panose="020B0609020204030204" pitchFamily="49" charset="0"/>
+                <a:ea typeface="Times New Roman" panose="02020603050405020304" pitchFamily="18" charset="0"/>
+                <a:cs typeface="Times New Roman" panose="02020603050405020304" pitchFamily="18" charset="0"/>
+              </a:rPr>
+              <a:t>false</a:t>
+            </a:r>
+            <a:r>
+              <a:rPr lang="it-IT" sz="1150" dirty="0">
+                <a:solidFill>
+                  <a:srgbClr val="D4D4D4"/>
+                </a:solidFill>
+                <a:latin typeface="Consolas" panose="020B0609020204030204" pitchFamily="49" charset="0"/>
+                <a:ea typeface="Times New Roman" panose="02020603050405020304" pitchFamily="18" charset="0"/>
+                <a:cs typeface="Times New Roman" panose="02020603050405020304" pitchFamily="18" charset="0"/>
+              </a:rPr>
+              <a:t>;</a:t>
+            </a:r>
+            <a:endParaRPr lang="it-IT" sz="1150" dirty="0">
+              <a:latin typeface="Consolas" panose="020B0609020204030204" pitchFamily="49" charset="0"/>
+              <a:ea typeface="Calibri" panose="020F0502020204030204" pitchFamily="34" charset="0"/>
+              <a:cs typeface="Times New Roman" panose="02020603050405020304" pitchFamily="18" charset="0"/>
+            </a:endParaRPr>
+          </a:p>
+          <a:p>
+            <a:pPr>
+              <a:lnSpc>
+                <a:spcPct val="114000"/>
+              </a:lnSpc>
+              <a:spcAft>
+                <a:spcPts val="0"/>
+              </a:spcAft>
+            </a:pPr>
+            <a:r>
+              <a:rPr lang="it-IT" sz="1150" dirty="0">
+                <a:solidFill>
+                  <a:srgbClr val="4EC9B0"/>
+                </a:solidFill>
+                <a:latin typeface="Consolas" panose="020B0609020204030204" pitchFamily="49" charset="0"/>
+                <a:ea typeface="Times New Roman" panose="02020603050405020304" pitchFamily="18" charset="0"/>
+                <a:cs typeface="Times New Roman" panose="02020603050405020304" pitchFamily="18" charset="0"/>
+              </a:rPr>
+              <a:t>		File</a:t>
+            </a:r>
+            <a:r>
+              <a:rPr lang="it-IT" sz="1150" dirty="0">
+                <a:solidFill>
+                  <a:srgbClr val="D4D4D4"/>
+                </a:solidFill>
+                <a:latin typeface="Consolas" panose="020B0609020204030204" pitchFamily="49" charset="0"/>
+                <a:ea typeface="Times New Roman" panose="02020603050405020304" pitchFamily="18" charset="0"/>
+                <a:cs typeface="Times New Roman" panose="02020603050405020304" pitchFamily="18" charset="0"/>
+              </a:rPr>
+              <a:t> </a:t>
+            </a:r>
+            <a:r>
+              <a:rPr lang="it-IT" sz="1150" dirty="0" err="1">
+                <a:solidFill>
+                  <a:srgbClr val="9CDCFE"/>
+                </a:solidFill>
+                <a:latin typeface="Consolas" panose="020B0609020204030204" pitchFamily="49" charset="0"/>
+                <a:ea typeface="Times New Roman" panose="02020603050405020304" pitchFamily="18" charset="0"/>
+                <a:cs typeface="Times New Roman" panose="02020603050405020304" pitchFamily="18" charset="0"/>
+              </a:rPr>
+              <a:t>fileR</a:t>
+            </a:r>
+            <a:r>
+              <a:rPr lang="it-IT" sz="1150" dirty="0">
+                <a:solidFill>
+                  <a:srgbClr val="D4D4D4"/>
+                </a:solidFill>
+                <a:latin typeface="Consolas" panose="020B0609020204030204" pitchFamily="49" charset="0"/>
+                <a:ea typeface="Times New Roman" panose="02020603050405020304" pitchFamily="18" charset="0"/>
+                <a:cs typeface="Times New Roman" panose="02020603050405020304" pitchFamily="18" charset="0"/>
+              </a:rPr>
+              <a:t> = </a:t>
+            </a:r>
+            <a:r>
+              <a:rPr lang="it-IT" sz="1150" dirty="0">
+                <a:solidFill>
+                  <a:srgbClr val="C586C0"/>
+                </a:solidFill>
+                <a:latin typeface="Consolas" panose="020B0609020204030204" pitchFamily="49" charset="0"/>
+                <a:ea typeface="Times New Roman" panose="02020603050405020304" pitchFamily="18" charset="0"/>
+                <a:cs typeface="Times New Roman" panose="02020603050405020304" pitchFamily="18" charset="0"/>
+              </a:rPr>
+              <a:t>new</a:t>
+            </a:r>
+            <a:r>
+              <a:rPr lang="it-IT" sz="1150" dirty="0">
+                <a:solidFill>
+                  <a:srgbClr val="D4D4D4"/>
+                </a:solidFill>
+                <a:latin typeface="Consolas" panose="020B0609020204030204" pitchFamily="49" charset="0"/>
+                <a:ea typeface="Times New Roman" panose="02020603050405020304" pitchFamily="18" charset="0"/>
+                <a:cs typeface="Times New Roman" panose="02020603050405020304" pitchFamily="18" charset="0"/>
+              </a:rPr>
+              <a:t> </a:t>
+            </a:r>
+            <a:r>
+              <a:rPr lang="it-IT" sz="1150" dirty="0">
+                <a:solidFill>
+                  <a:srgbClr val="DCDCAA"/>
+                </a:solidFill>
+                <a:latin typeface="Consolas" panose="020B0609020204030204" pitchFamily="49" charset="0"/>
+                <a:ea typeface="Times New Roman" panose="02020603050405020304" pitchFamily="18" charset="0"/>
+                <a:cs typeface="Times New Roman" panose="02020603050405020304" pitchFamily="18" charset="0"/>
+              </a:rPr>
+              <a:t>File</a:t>
+            </a:r>
+            <a:r>
+              <a:rPr lang="it-IT" sz="1150" dirty="0">
+                <a:solidFill>
+                  <a:srgbClr val="D4D4D4"/>
+                </a:solidFill>
+                <a:latin typeface="Consolas" panose="020B0609020204030204" pitchFamily="49" charset="0"/>
+                <a:ea typeface="Times New Roman" panose="02020603050405020304" pitchFamily="18" charset="0"/>
+                <a:cs typeface="Times New Roman" panose="02020603050405020304" pitchFamily="18" charset="0"/>
+              </a:rPr>
+              <a:t>(</a:t>
+            </a:r>
+            <a:r>
+              <a:rPr lang="it-IT" sz="1150" dirty="0">
+                <a:solidFill>
+                  <a:srgbClr val="CE9178"/>
+                </a:solidFill>
+                <a:latin typeface="Consolas" panose="020B0609020204030204" pitchFamily="49" charset="0"/>
+                <a:ea typeface="Times New Roman" panose="02020603050405020304" pitchFamily="18" charset="0"/>
+                <a:cs typeface="Times New Roman" panose="02020603050405020304" pitchFamily="18" charset="0"/>
+              </a:rPr>
+              <a:t>"alias"</a:t>
+            </a:r>
+            <a:r>
+              <a:rPr lang="it-IT" sz="1150" dirty="0">
+                <a:solidFill>
+                  <a:srgbClr val="D4D4D4"/>
+                </a:solidFill>
+                <a:latin typeface="Consolas" panose="020B0609020204030204" pitchFamily="49" charset="0"/>
+                <a:ea typeface="Times New Roman" panose="02020603050405020304" pitchFamily="18" charset="0"/>
+                <a:cs typeface="Times New Roman" panose="02020603050405020304" pitchFamily="18" charset="0"/>
+              </a:rPr>
+              <a:t>);</a:t>
+            </a:r>
+            <a:endParaRPr lang="it-IT" sz="1150" dirty="0">
+              <a:latin typeface="Consolas" panose="020B0609020204030204" pitchFamily="49" charset="0"/>
+              <a:ea typeface="Calibri" panose="020F0502020204030204" pitchFamily="34" charset="0"/>
+              <a:cs typeface="Times New Roman" panose="02020603050405020304" pitchFamily="18" charset="0"/>
+            </a:endParaRPr>
+          </a:p>
+          <a:p>
+            <a:pPr>
+              <a:lnSpc>
+                <a:spcPct val="114000"/>
+              </a:lnSpc>
+              <a:spcAft>
+                <a:spcPts val="0"/>
+              </a:spcAft>
+            </a:pPr>
+            <a:r>
+              <a:rPr lang="it-IT" sz="1150" dirty="0">
+                <a:solidFill>
+                  <a:srgbClr val="4EC9B0"/>
+                </a:solidFill>
+                <a:latin typeface="Consolas" panose="020B0609020204030204" pitchFamily="49" charset="0"/>
+                <a:ea typeface="Times New Roman" panose="02020603050405020304" pitchFamily="18" charset="0"/>
+                <a:cs typeface="Times New Roman" panose="02020603050405020304" pitchFamily="18" charset="0"/>
+              </a:rPr>
+              <a:t>		</a:t>
+            </a:r>
+            <a:r>
+              <a:rPr lang="it-IT" sz="1150" dirty="0" err="1">
+                <a:solidFill>
+                  <a:srgbClr val="4EC9B0"/>
+                </a:solidFill>
+                <a:latin typeface="Consolas" panose="020B0609020204030204" pitchFamily="49" charset="0"/>
+                <a:ea typeface="Times New Roman" panose="02020603050405020304" pitchFamily="18" charset="0"/>
+                <a:cs typeface="Times New Roman" panose="02020603050405020304" pitchFamily="18" charset="0"/>
+              </a:rPr>
+              <a:t>PrintWriter</a:t>
+            </a:r>
+            <a:r>
+              <a:rPr lang="it-IT" sz="1150" dirty="0">
+                <a:solidFill>
+                  <a:srgbClr val="D4D4D4"/>
+                </a:solidFill>
+                <a:latin typeface="Consolas" panose="020B0609020204030204" pitchFamily="49" charset="0"/>
+                <a:ea typeface="Times New Roman" panose="02020603050405020304" pitchFamily="18" charset="0"/>
+                <a:cs typeface="Times New Roman" panose="02020603050405020304" pitchFamily="18" charset="0"/>
+              </a:rPr>
+              <a:t> </a:t>
+            </a:r>
+            <a:r>
+              <a:rPr lang="it-IT" sz="1150" dirty="0" err="1">
+                <a:solidFill>
+                  <a:srgbClr val="9CDCFE"/>
+                </a:solidFill>
+                <a:latin typeface="Consolas" panose="020B0609020204030204" pitchFamily="49" charset="0"/>
+                <a:ea typeface="Times New Roman" panose="02020603050405020304" pitchFamily="18" charset="0"/>
+                <a:cs typeface="Times New Roman" panose="02020603050405020304" pitchFamily="18" charset="0"/>
+              </a:rPr>
+              <a:t>pw</a:t>
+            </a:r>
+            <a:r>
+              <a:rPr lang="it-IT" sz="1150" dirty="0">
+                <a:solidFill>
+                  <a:srgbClr val="D4D4D4"/>
+                </a:solidFill>
+                <a:latin typeface="Consolas" panose="020B0609020204030204" pitchFamily="49" charset="0"/>
+                <a:ea typeface="Times New Roman" panose="02020603050405020304" pitchFamily="18" charset="0"/>
+                <a:cs typeface="Times New Roman" panose="02020603050405020304" pitchFamily="18" charset="0"/>
+              </a:rPr>
+              <a:t> = </a:t>
+            </a:r>
+            <a:r>
+              <a:rPr lang="it-IT" sz="1150" dirty="0">
+                <a:solidFill>
+                  <a:srgbClr val="C586C0"/>
+                </a:solidFill>
+                <a:latin typeface="Consolas" panose="020B0609020204030204" pitchFamily="49" charset="0"/>
+                <a:ea typeface="Times New Roman" panose="02020603050405020304" pitchFamily="18" charset="0"/>
+                <a:cs typeface="Times New Roman" panose="02020603050405020304" pitchFamily="18" charset="0"/>
+              </a:rPr>
+              <a:t>new</a:t>
+            </a:r>
+            <a:r>
+              <a:rPr lang="it-IT" sz="1150" dirty="0">
+                <a:solidFill>
+                  <a:srgbClr val="D4D4D4"/>
+                </a:solidFill>
+                <a:latin typeface="Consolas" panose="020B0609020204030204" pitchFamily="49" charset="0"/>
+                <a:ea typeface="Times New Roman" panose="02020603050405020304" pitchFamily="18" charset="0"/>
+                <a:cs typeface="Times New Roman" panose="02020603050405020304" pitchFamily="18" charset="0"/>
+              </a:rPr>
+              <a:t> </a:t>
+            </a:r>
+            <a:r>
+              <a:rPr lang="it-IT" sz="1150" dirty="0" err="1">
+                <a:solidFill>
+                  <a:srgbClr val="DCDCAA"/>
+                </a:solidFill>
+                <a:latin typeface="Consolas" panose="020B0609020204030204" pitchFamily="49" charset="0"/>
+                <a:ea typeface="Times New Roman" panose="02020603050405020304" pitchFamily="18" charset="0"/>
+                <a:cs typeface="Times New Roman" panose="02020603050405020304" pitchFamily="18" charset="0"/>
+              </a:rPr>
+              <a:t>PrintWriter</a:t>
+            </a:r>
+            <a:r>
+              <a:rPr lang="it-IT" sz="1150" dirty="0">
+                <a:solidFill>
+                  <a:srgbClr val="D4D4D4"/>
+                </a:solidFill>
+                <a:latin typeface="Consolas" panose="020B0609020204030204" pitchFamily="49" charset="0"/>
+                <a:ea typeface="Times New Roman" panose="02020603050405020304" pitchFamily="18" charset="0"/>
+                <a:cs typeface="Times New Roman" panose="02020603050405020304" pitchFamily="18" charset="0"/>
+              </a:rPr>
+              <a:t>(</a:t>
+            </a:r>
+            <a:r>
+              <a:rPr lang="it-IT" sz="1150" dirty="0" err="1">
+                <a:solidFill>
+                  <a:srgbClr val="D4D4D4"/>
+                </a:solidFill>
+                <a:latin typeface="Consolas" panose="020B0609020204030204" pitchFamily="49" charset="0"/>
+                <a:ea typeface="Times New Roman" panose="02020603050405020304" pitchFamily="18" charset="0"/>
+                <a:cs typeface="Times New Roman" panose="02020603050405020304" pitchFamily="18" charset="0"/>
+              </a:rPr>
+              <a:t>fileR</a:t>
+            </a:r>
+            <a:r>
+              <a:rPr lang="it-IT" sz="1150" dirty="0">
+                <a:solidFill>
+                  <a:srgbClr val="D4D4D4"/>
+                </a:solidFill>
+                <a:latin typeface="Consolas" panose="020B0609020204030204" pitchFamily="49" charset="0"/>
+                <a:ea typeface="Times New Roman" panose="02020603050405020304" pitchFamily="18" charset="0"/>
+                <a:cs typeface="Times New Roman" panose="02020603050405020304" pitchFamily="18" charset="0"/>
+              </a:rPr>
+              <a:t>);</a:t>
+            </a:r>
+            <a:endParaRPr lang="it-IT" sz="1150" dirty="0">
+              <a:latin typeface="Consolas" panose="020B0609020204030204" pitchFamily="49" charset="0"/>
+              <a:ea typeface="Calibri" panose="020F0502020204030204" pitchFamily="34" charset="0"/>
+              <a:cs typeface="Times New Roman" panose="02020603050405020304" pitchFamily="18" charset="0"/>
+            </a:endParaRPr>
+          </a:p>
+          <a:p>
+            <a:pPr>
+              <a:lnSpc>
+                <a:spcPct val="114000"/>
+              </a:lnSpc>
+              <a:spcAft>
+                <a:spcPts val="0"/>
+              </a:spcAft>
+            </a:pPr>
+            <a:r>
+              <a:rPr lang="it-IT" sz="1150" dirty="0">
+                <a:solidFill>
+                  <a:srgbClr val="C586C0"/>
+                </a:solidFill>
+                <a:latin typeface="Consolas" panose="020B0609020204030204" pitchFamily="49" charset="0"/>
+                <a:ea typeface="Times New Roman" panose="02020603050405020304" pitchFamily="18" charset="0"/>
+                <a:cs typeface="Times New Roman" panose="02020603050405020304" pitchFamily="18" charset="0"/>
+              </a:rPr>
+              <a:t>		</a:t>
+            </a:r>
+            <a:r>
+              <a:rPr lang="it-IT" sz="1150" dirty="0" err="1">
+                <a:solidFill>
+                  <a:srgbClr val="C586C0"/>
+                </a:solidFill>
+                <a:latin typeface="Consolas" panose="020B0609020204030204" pitchFamily="49" charset="0"/>
+                <a:ea typeface="Times New Roman" panose="02020603050405020304" pitchFamily="18" charset="0"/>
+                <a:cs typeface="Times New Roman" panose="02020603050405020304" pitchFamily="18" charset="0"/>
+              </a:rPr>
+              <a:t>while</a:t>
+            </a:r>
+            <a:r>
+              <a:rPr lang="it-IT" sz="1150" dirty="0">
+                <a:solidFill>
+                  <a:srgbClr val="D4D4D4"/>
+                </a:solidFill>
+                <a:latin typeface="Consolas" panose="020B0609020204030204" pitchFamily="49" charset="0"/>
+                <a:ea typeface="Times New Roman" panose="02020603050405020304" pitchFamily="18" charset="0"/>
+                <a:cs typeface="Times New Roman" panose="02020603050405020304" pitchFamily="18" charset="0"/>
+              </a:rPr>
+              <a:t> ((line = </a:t>
+            </a:r>
+            <a:r>
+              <a:rPr lang="it-IT" sz="1150" dirty="0" err="1">
+                <a:solidFill>
+                  <a:srgbClr val="9CDCFE"/>
+                </a:solidFill>
+                <a:latin typeface="Consolas" panose="020B0609020204030204" pitchFamily="49" charset="0"/>
+                <a:ea typeface="Times New Roman" panose="02020603050405020304" pitchFamily="18" charset="0"/>
+                <a:cs typeface="Times New Roman" panose="02020603050405020304" pitchFamily="18" charset="0"/>
+              </a:rPr>
+              <a:t>br</a:t>
+            </a:r>
+            <a:r>
+              <a:rPr lang="it-IT" sz="1150" dirty="0" err="1">
+                <a:solidFill>
+                  <a:srgbClr val="D4D4D4"/>
+                </a:solidFill>
+                <a:latin typeface="Consolas" panose="020B0609020204030204" pitchFamily="49" charset="0"/>
+                <a:ea typeface="Times New Roman" panose="02020603050405020304" pitchFamily="18" charset="0"/>
+                <a:cs typeface="Times New Roman" panose="02020603050405020304" pitchFamily="18" charset="0"/>
+              </a:rPr>
+              <a:t>.</a:t>
+            </a:r>
+            <a:r>
+              <a:rPr lang="it-IT" sz="1150" dirty="0" err="1">
+                <a:solidFill>
+                  <a:srgbClr val="DCDCAA"/>
+                </a:solidFill>
+                <a:latin typeface="Consolas" panose="020B0609020204030204" pitchFamily="49" charset="0"/>
+                <a:ea typeface="Times New Roman" panose="02020603050405020304" pitchFamily="18" charset="0"/>
+                <a:cs typeface="Times New Roman" panose="02020603050405020304" pitchFamily="18" charset="0"/>
+              </a:rPr>
+              <a:t>readLine</a:t>
+            </a:r>
+            <a:r>
+              <a:rPr lang="it-IT" sz="1150" dirty="0">
+                <a:solidFill>
+                  <a:srgbClr val="D4D4D4"/>
+                </a:solidFill>
+                <a:latin typeface="Consolas" panose="020B0609020204030204" pitchFamily="49" charset="0"/>
+                <a:ea typeface="Times New Roman" panose="02020603050405020304" pitchFamily="18" charset="0"/>
+                <a:cs typeface="Times New Roman" panose="02020603050405020304" pitchFamily="18" charset="0"/>
+              </a:rPr>
+              <a:t>()) != </a:t>
+            </a:r>
+            <a:r>
+              <a:rPr lang="it-IT" sz="1150" dirty="0" err="1">
+                <a:solidFill>
+                  <a:srgbClr val="569CD6"/>
+                </a:solidFill>
+                <a:latin typeface="Consolas" panose="020B0609020204030204" pitchFamily="49" charset="0"/>
+                <a:ea typeface="Times New Roman" panose="02020603050405020304" pitchFamily="18" charset="0"/>
+                <a:cs typeface="Times New Roman" panose="02020603050405020304" pitchFamily="18" charset="0"/>
+              </a:rPr>
+              <a:t>null</a:t>
+            </a:r>
+            <a:r>
+              <a:rPr lang="it-IT" sz="1150" dirty="0">
+                <a:solidFill>
+                  <a:srgbClr val="D4D4D4"/>
+                </a:solidFill>
+                <a:latin typeface="Consolas" panose="020B0609020204030204" pitchFamily="49" charset="0"/>
+                <a:ea typeface="Times New Roman" panose="02020603050405020304" pitchFamily="18" charset="0"/>
+                <a:cs typeface="Times New Roman" panose="02020603050405020304" pitchFamily="18" charset="0"/>
+              </a:rPr>
+              <a:t>) {</a:t>
+            </a:r>
+            <a:endParaRPr lang="it-IT" sz="1150" dirty="0">
+              <a:latin typeface="Consolas" panose="020B0609020204030204" pitchFamily="49" charset="0"/>
+              <a:ea typeface="Calibri" panose="020F0502020204030204" pitchFamily="34" charset="0"/>
+              <a:cs typeface="Times New Roman" panose="02020603050405020304" pitchFamily="18" charset="0"/>
+            </a:endParaRPr>
+          </a:p>
+          <a:p>
+            <a:pPr>
+              <a:lnSpc>
+                <a:spcPct val="114000"/>
+              </a:lnSpc>
+              <a:spcAft>
+                <a:spcPts val="0"/>
+              </a:spcAft>
+            </a:pPr>
+            <a:r>
+              <a:rPr lang="it-IT" sz="1150" dirty="0">
+                <a:solidFill>
+                  <a:srgbClr val="C586C0"/>
+                </a:solidFill>
+                <a:latin typeface="Consolas" panose="020B0609020204030204" pitchFamily="49" charset="0"/>
+                <a:ea typeface="Times New Roman" panose="02020603050405020304" pitchFamily="18" charset="0"/>
+                <a:cs typeface="Times New Roman" panose="02020603050405020304" pitchFamily="18" charset="0"/>
+              </a:rPr>
+              <a:t>			</a:t>
+            </a:r>
+            <a:r>
+              <a:rPr lang="it-IT" sz="1150" dirty="0" err="1">
+                <a:solidFill>
+                  <a:srgbClr val="C586C0"/>
+                </a:solidFill>
+                <a:latin typeface="Consolas" panose="020B0609020204030204" pitchFamily="49" charset="0"/>
+                <a:ea typeface="Times New Roman" panose="02020603050405020304" pitchFamily="18" charset="0"/>
+                <a:cs typeface="Times New Roman" panose="02020603050405020304" pitchFamily="18" charset="0"/>
+              </a:rPr>
+              <a:t>if</a:t>
+            </a:r>
+            <a:r>
+              <a:rPr lang="it-IT" sz="1150" dirty="0">
+                <a:solidFill>
+                  <a:srgbClr val="D4D4D4"/>
+                </a:solidFill>
+                <a:latin typeface="Consolas" panose="020B0609020204030204" pitchFamily="49" charset="0"/>
+                <a:ea typeface="Times New Roman" panose="02020603050405020304" pitchFamily="18" charset="0"/>
+                <a:cs typeface="Times New Roman" panose="02020603050405020304" pitchFamily="18" charset="0"/>
+              </a:rPr>
+              <a:t> (index != </a:t>
+            </a:r>
+            <a:r>
+              <a:rPr lang="it-IT" sz="1150" dirty="0" err="1">
+                <a:solidFill>
+                  <a:srgbClr val="D4D4D4"/>
+                </a:solidFill>
+                <a:latin typeface="Consolas" panose="020B0609020204030204" pitchFamily="49" charset="0"/>
+                <a:ea typeface="Times New Roman" panose="02020603050405020304" pitchFamily="18" charset="0"/>
+                <a:cs typeface="Times New Roman" panose="02020603050405020304" pitchFamily="18" charset="0"/>
+              </a:rPr>
+              <a:t>rowNum</a:t>
+            </a:r>
+            <a:r>
+              <a:rPr lang="it-IT" sz="1150" dirty="0">
+                <a:solidFill>
+                  <a:srgbClr val="D4D4D4"/>
+                </a:solidFill>
+                <a:latin typeface="Consolas" panose="020B0609020204030204" pitchFamily="49" charset="0"/>
+                <a:ea typeface="Times New Roman" panose="02020603050405020304" pitchFamily="18" charset="0"/>
+                <a:cs typeface="Times New Roman" panose="02020603050405020304" pitchFamily="18" charset="0"/>
+              </a:rPr>
+              <a:t>) {</a:t>
+            </a:r>
+            <a:endParaRPr lang="it-IT" sz="1150" dirty="0">
+              <a:latin typeface="Consolas" panose="020B0609020204030204" pitchFamily="49" charset="0"/>
+              <a:ea typeface="Calibri" panose="020F0502020204030204" pitchFamily="34" charset="0"/>
+              <a:cs typeface="Times New Roman" panose="02020603050405020304" pitchFamily="18" charset="0"/>
+            </a:endParaRPr>
+          </a:p>
+          <a:p>
+            <a:pPr>
+              <a:lnSpc>
+                <a:spcPct val="114000"/>
+              </a:lnSpc>
+              <a:spcAft>
+                <a:spcPts val="0"/>
+              </a:spcAft>
+            </a:pPr>
+            <a:r>
+              <a:rPr lang="it-IT" sz="1150" dirty="0">
+                <a:solidFill>
+                  <a:srgbClr val="9CDCFE"/>
+                </a:solidFill>
+                <a:latin typeface="Consolas" panose="020B0609020204030204" pitchFamily="49" charset="0"/>
+                <a:ea typeface="Times New Roman" panose="02020603050405020304" pitchFamily="18" charset="0"/>
+                <a:cs typeface="Times New Roman" panose="02020603050405020304" pitchFamily="18" charset="0"/>
+              </a:rPr>
+              <a:t>				</a:t>
+            </a:r>
+            <a:r>
+              <a:rPr lang="it-IT" sz="1150" dirty="0" err="1">
+                <a:solidFill>
+                  <a:srgbClr val="9CDCFE"/>
+                </a:solidFill>
+                <a:latin typeface="Consolas" panose="020B0609020204030204" pitchFamily="49" charset="0"/>
+                <a:ea typeface="Times New Roman" panose="02020603050405020304" pitchFamily="18" charset="0"/>
+                <a:cs typeface="Times New Roman" panose="02020603050405020304" pitchFamily="18" charset="0"/>
+              </a:rPr>
+              <a:t>pw</a:t>
+            </a:r>
+            <a:r>
+              <a:rPr lang="it-IT" sz="1150" dirty="0" err="1">
+                <a:solidFill>
+                  <a:srgbClr val="D4D4D4"/>
+                </a:solidFill>
+                <a:latin typeface="Consolas" panose="020B0609020204030204" pitchFamily="49" charset="0"/>
+                <a:ea typeface="Times New Roman" panose="02020603050405020304" pitchFamily="18" charset="0"/>
+                <a:cs typeface="Times New Roman" panose="02020603050405020304" pitchFamily="18" charset="0"/>
+              </a:rPr>
+              <a:t>.</a:t>
+            </a:r>
+            <a:r>
+              <a:rPr lang="it-IT" sz="1150" dirty="0" err="1">
+                <a:solidFill>
+                  <a:srgbClr val="DCDCAA"/>
+                </a:solidFill>
+                <a:latin typeface="Consolas" panose="020B0609020204030204" pitchFamily="49" charset="0"/>
+                <a:ea typeface="Times New Roman" panose="02020603050405020304" pitchFamily="18" charset="0"/>
+                <a:cs typeface="Times New Roman" panose="02020603050405020304" pitchFamily="18" charset="0"/>
+              </a:rPr>
+              <a:t>println</a:t>
+            </a:r>
+            <a:r>
+              <a:rPr lang="it-IT" sz="1150" dirty="0">
+                <a:solidFill>
+                  <a:srgbClr val="D4D4D4"/>
+                </a:solidFill>
+                <a:latin typeface="Consolas" panose="020B0609020204030204" pitchFamily="49" charset="0"/>
+                <a:ea typeface="Times New Roman" panose="02020603050405020304" pitchFamily="18" charset="0"/>
+                <a:cs typeface="Times New Roman" panose="02020603050405020304" pitchFamily="18" charset="0"/>
+              </a:rPr>
+              <a:t>(line);</a:t>
+            </a:r>
+            <a:endParaRPr lang="it-IT" sz="1150" dirty="0">
+              <a:latin typeface="Consolas" panose="020B0609020204030204" pitchFamily="49" charset="0"/>
+              <a:ea typeface="Calibri" panose="020F0502020204030204" pitchFamily="34" charset="0"/>
+              <a:cs typeface="Times New Roman" panose="02020603050405020304" pitchFamily="18" charset="0"/>
+            </a:endParaRPr>
+          </a:p>
+          <a:p>
+            <a:pPr>
+              <a:lnSpc>
+                <a:spcPct val="114000"/>
+              </a:lnSpc>
+              <a:spcAft>
+                <a:spcPts val="0"/>
+              </a:spcAft>
+            </a:pPr>
+            <a:r>
+              <a:rPr lang="it-IT" sz="1150" dirty="0">
+                <a:solidFill>
+                  <a:srgbClr val="D4D4D4"/>
+                </a:solidFill>
+                <a:latin typeface="Consolas" panose="020B0609020204030204" pitchFamily="49" charset="0"/>
+                <a:ea typeface="Times New Roman" panose="02020603050405020304" pitchFamily="18" charset="0"/>
+                <a:cs typeface="Times New Roman" panose="02020603050405020304" pitchFamily="18" charset="0"/>
+              </a:rPr>
+              <a:t>				</a:t>
+            </a:r>
+            <a:r>
+              <a:rPr lang="it-IT" sz="1150" dirty="0" err="1">
+                <a:solidFill>
+                  <a:srgbClr val="D4D4D4"/>
+                </a:solidFill>
+                <a:latin typeface="Consolas" panose="020B0609020204030204" pitchFamily="49" charset="0"/>
+                <a:ea typeface="Times New Roman" panose="02020603050405020304" pitchFamily="18" charset="0"/>
+                <a:cs typeface="Times New Roman" panose="02020603050405020304" pitchFamily="18" charset="0"/>
+              </a:rPr>
+              <a:t>numRowNew</a:t>
+            </a:r>
+            <a:r>
+              <a:rPr lang="it-IT" sz="1150" dirty="0">
+                <a:solidFill>
+                  <a:srgbClr val="D4D4D4"/>
+                </a:solidFill>
+                <a:latin typeface="Consolas" panose="020B0609020204030204" pitchFamily="49" charset="0"/>
+                <a:ea typeface="Times New Roman" panose="02020603050405020304" pitchFamily="18" charset="0"/>
+                <a:cs typeface="Times New Roman" panose="02020603050405020304" pitchFamily="18" charset="0"/>
+              </a:rPr>
+              <a:t>++;</a:t>
+            </a:r>
+            <a:endParaRPr lang="it-IT" sz="1150" dirty="0">
+              <a:latin typeface="Consolas" panose="020B0609020204030204" pitchFamily="49" charset="0"/>
+              <a:ea typeface="Calibri" panose="020F0502020204030204" pitchFamily="34" charset="0"/>
+              <a:cs typeface="Times New Roman" panose="02020603050405020304" pitchFamily="18" charset="0"/>
+            </a:endParaRPr>
+          </a:p>
+          <a:p>
+            <a:pPr>
+              <a:lnSpc>
+                <a:spcPct val="114000"/>
+              </a:lnSpc>
+              <a:spcAft>
+                <a:spcPts val="0"/>
+              </a:spcAft>
+            </a:pPr>
+            <a:r>
+              <a:rPr lang="it-IT" sz="1150" dirty="0">
+                <a:solidFill>
+                  <a:srgbClr val="D4D4D4"/>
+                </a:solidFill>
+                <a:latin typeface="Consolas" panose="020B0609020204030204" pitchFamily="49" charset="0"/>
+                <a:ea typeface="Times New Roman" panose="02020603050405020304" pitchFamily="18" charset="0"/>
+                <a:cs typeface="Times New Roman" panose="02020603050405020304" pitchFamily="18" charset="0"/>
+              </a:rPr>
+              <a:t>			} </a:t>
+            </a:r>
+            <a:r>
+              <a:rPr lang="it-IT" sz="1150" dirty="0">
+                <a:solidFill>
+                  <a:srgbClr val="C586C0"/>
+                </a:solidFill>
+                <a:latin typeface="Consolas" panose="020B0609020204030204" pitchFamily="49" charset="0"/>
+                <a:ea typeface="Times New Roman" panose="02020603050405020304" pitchFamily="18" charset="0"/>
+                <a:cs typeface="Times New Roman" panose="02020603050405020304" pitchFamily="18" charset="0"/>
+              </a:rPr>
+              <a:t>else</a:t>
+            </a:r>
+            <a:r>
+              <a:rPr lang="it-IT" sz="1150" dirty="0">
+                <a:solidFill>
+                  <a:srgbClr val="D4D4D4"/>
+                </a:solidFill>
+                <a:latin typeface="Consolas" panose="020B0609020204030204" pitchFamily="49" charset="0"/>
+                <a:ea typeface="Times New Roman" panose="02020603050405020304" pitchFamily="18" charset="0"/>
+                <a:cs typeface="Times New Roman" panose="02020603050405020304" pitchFamily="18" charset="0"/>
+              </a:rPr>
+              <a:t> {</a:t>
+            </a:r>
+            <a:endParaRPr lang="it-IT" sz="1150" dirty="0">
+              <a:latin typeface="Consolas" panose="020B0609020204030204" pitchFamily="49" charset="0"/>
+              <a:ea typeface="Calibri" panose="020F0502020204030204" pitchFamily="34" charset="0"/>
+              <a:cs typeface="Times New Roman" panose="02020603050405020304" pitchFamily="18" charset="0"/>
+            </a:endParaRPr>
+          </a:p>
+          <a:p>
+            <a:pPr>
+              <a:lnSpc>
+                <a:spcPct val="114000"/>
+              </a:lnSpc>
+              <a:spcAft>
+                <a:spcPts val="0"/>
+              </a:spcAft>
+            </a:pPr>
+            <a:r>
+              <a:rPr lang="it-IT" sz="1150" dirty="0">
+                <a:solidFill>
+                  <a:srgbClr val="D4D4D4"/>
+                </a:solidFill>
+                <a:latin typeface="Consolas" panose="020B0609020204030204" pitchFamily="49" charset="0"/>
+                <a:ea typeface="Times New Roman" panose="02020603050405020304" pitchFamily="18" charset="0"/>
+                <a:cs typeface="Times New Roman" panose="02020603050405020304" pitchFamily="18" charset="0"/>
+              </a:rPr>
+              <a:t>				</a:t>
+            </a:r>
+            <a:r>
+              <a:rPr lang="it-IT" sz="1150" dirty="0" err="1">
+                <a:solidFill>
+                  <a:srgbClr val="D4D4D4"/>
+                </a:solidFill>
+                <a:latin typeface="Consolas" panose="020B0609020204030204" pitchFamily="49" charset="0"/>
+                <a:ea typeface="Times New Roman" panose="02020603050405020304" pitchFamily="18" charset="0"/>
+                <a:cs typeface="Times New Roman" panose="02020603050405020304" pitchFamily="18" charset="0"/>
+              </a:rPr>
+              <a:t>checkRow</a:t>
+            </a:r>
+            <a:r>
+              <a:rPr lang="it-IT" sz="1150" dirty="0">
+                <a:solidFill>
+                  <a:srgbClr val="D4D4D4"/>
+                </a:solidFill>
+                <a:latin typeface="Consolas" panose="020B0609020204030204" pitchFamily="49" charset="0"/>
+                <a:ea typeface="Times New Roman" panose="02020603050405020304" pitchFamily="18" charset="0"/>
+                <a:cs typeface="Times New Roman" panose="02020603050405020304" pitchFamily="18" charset="0"/>
+              </a:rPr>
+              <a:t> = </a:t>
+            </a:r>
+            <a:r>
+              <a:rPr lang="it-IT" sz="1150" dirty="0" err="1">
+                <a:solidFill>
+                  <a:srgbClr val="569CD6"/>
+                </a:solidFill>
+                <a:latin typeface="Consolas" panose="020B0609020204030204" pitchFamily="49" charset="0"/>
+                <a:ea typeface="Times New Roman" panose="02020603050405020304" pitchFamily="18" charset="0"/>
+                <a:cs typeface="Times New Roman" panose="02020603050405020304" pitchFamily="18" charset="0"/>
+              </a:rPr>
+              <a:t>true</a:t>
+            </a:r>
+            <a:r>
+              <a:rPr lang="it-IT" sz="1150" dirty="0">
+                <a:solidFill>
+                  <a:srgbClr val="D4D4D4"/>
+                </a:solidFill>
+                <a:latin typeface="Consolas" panose="020B0609020204030204" pitchFamily="49" charset="0"/>
+                <a:ea typeface="Times New Roman" panose="02020603050405020304" pitchFamily="18" charset="0"/>
+                <a:cs typeface="Times New Roman" panose="02020603050405020304" pitchFamily="18" charset="0"/>
+              </a:rPr>
+              <a:t>;</a:t>
+            </a:r>
+            <a:endParaRPr lang="it-IT" sz="1150" dirty="0">
+              <a:latin typeface="Consolas" panose="020B0609020204030204" pitchFamily="49" charset="0"/>
+              <a:ea typeface="Calibri" panose="020F0502020204030204" pitchFamily="34" charset="0"/>
+              <a:cs typeface="Times New Roman" panose="02020603050405020304" pitchFamily="18" charset="0"/>
+            </a:endParaRPr>
+          </a:p>
+          <a:p>
+            <a:pPr>
+              <a:lnSpc>
+                <a:spcPct val="114000"/>
+              </a:lnSpc>
+              <a:spcAft>
+                <a:spcPts val="0"/>
+              </a:spcAft>
+            </a:pPr>
+            <a:r>
+              <a:rPr lang="it-IT" sz="1150" dirty="0">
+                <a:solidFill>
+                  <a:srgbClr val="D4D4D4"/>
+                </a:solidFill>
+                <a:latin typeface="Consolas" panose="020B0609020204030204" pitchFamily="49" charset="0"/>
+                <a:ea typeface="Times New Roman" panose="02020603050405020304" pitchFamily="18" charset="0"/>
+                <a:cs typeface="Times New Roman" panose="02020603050405020304" pitchFamily="18" charset="0"/>
+              </a:rPr>
+              <a:t>			}</a:t>
+            </a:r>
+            <a:endParaRPr lang="it-IT" sz="1150" dirty="0">
+              <a:latin typeface="Consolas" panose="020B0609020204030204" pitchFamily="49" charset="0"/>
+              <a:ea typeface="Calibri" panose="020F0502020204030204" pitchFamily="34" charset="0"/>
+              <a:cs typeface="Times New Roman" panose="02020603050405020304" pitchFamily="18" charset="0"/>
+            </a:endParaRPr>
+          </a:p>
+          <a:p>
+            <a:pPr>
+              <a:lnSpc>
+                <a:spcPct val="114000"/>
+              </a:lnSpc>
+              <a:spcAft>
+                <a:spcPts val="0"/>
+              </a:spcAft>
+            </a:pPr>
+            <a:r>
+              <a:rPr lang="it-IT" sz="1150" dirty="0">
+                <a:solidFill>
+                  <a:srgbClr val="D4D4D4"/>
+                </a:solidFill>
+                <a:latin typeface="Consolas" panose="020B0609020204030204" pitchFamily="49" charset="0"/>
+                <a:ea typeface="Times New Roman" panose="02020603050405020304" pitchFamily="18" charset="0"/>
+                <a:cs typeface="Times New Roman" panose="02020603050405020304" pitchFamily="18" charset="0"/>
+              </a:rPr>
+              <a:t>			index++;</a:t>
+            </a:r>
+            <a:endParaRPr lang="it-IT" sz="1150" dirty="0">
+              <a:latin typeface="Consolas" panose="020B0609020204030204" pitchFamily="49" charset="0"/>
+              <a:ea typeface="Calibri" panose="020F0502020204030204" pitchFamily="34" charset="0"/>
+              <a:cs typeface="Times New Roman" panose="02020603050405020304" pitchFamily="18" charset="0"/>
+            </a:endParaRPr>
+          </a:p>
+          <a:p>
+            <a:pPr>
+              <a:lnSpc>
+                <a:spcPct val="114000"/>
+              </a:lnSpc>
+              <a:spcAft>
+                <a:spcPts val="0"/>
+              </a:spcAft>
+            </a:pPr>
+            <a:r>
+              <a:rPr lang="it-IT" sz="1150" dirty="0">
+                <a:solidFill>
+                  <a:srgbClr val="D4D4D4"/>
+                </a:solidFill>
+                <a:latin typeface="Consolas" panose="020B0609020204030204" pitchFamily="49" charset="0"/>
+                <a:ea typeface="Times New Roman" panose="02020603050405020304" pitchFamily="18" charset="0"/>
+                <a:cs typeface="Times New Roman" panose="02020603050405020304" pitchFamily="18" charset="0"/>
+              </a:rPr>
+              <a:t>		}</a:t>
+            </a:r>
+            <a:endParaRPr lang="it-IT" sz="1150" dirty="0">
+              <a:latin typeface="Consolas" panose="020B0609020204030204" pitchFamily="49" charset="0"/>
+              <a:ea typeface="Calibri" panose="020F0502020204030204" pitchFamily="34" charset="0"/>
+              <a:cs typeface="Times New Roman" panose="02020603050405020304" pitchFamily="18" charset="0"/>
+            </a:endParaRPr>
+          </a:p>
+          <a:p>
+            <a:pPr>
+              <a:lnSpc>
+                <a:spcPct val="114000"/>
+              </a:lnSpc>
+              <a:spcAft>
+                <a:spcPts val="0"/>
+              </a:spcAft>
+            </a:pPr>
+            <a:r>
+              <a:rPr lang="it-IT" sz="1150" dirty="0">
+                <a:solidFill>
+                  <a:srgbClr val="9CDCFE"/>
+                </a:solidFill>
+                <a:latin typeface="Consolas" panose="020B0609020204030204" pitchFamily="49" charset="0"/>
+                <a:ea typeface="Times New Roman" panose="02020603050405020304" pitchFamily="18" charset="0"/>
+                <a:cs typeface="Times New Roman" panose="02020603050405020304" pitchFamily="18" charset="0"/>
+              </a:rPr>
+              <a:t>		</a:t>
+            </a:r>
+            <a:r>
+              <a:rPr lang="it-IT" sz="1150" dirty="0" err="1">
+                <a:solidFill>
+                  <a:srgbClr val="9CDCFE"/>
+                </a:solidFill>
+                <a:latin typeface="Consolas" panose="020B0609020204030204" pitchFamily="49" charset="0"/>
+                <a:ea typeface="Times New Roman" panose="02020603050405020304" pitchFamily="18" charset="0"/>
+                <a:cs typeface="Times New Roman" panose="02020603050405020304" pitchFamily="18" charset="0"/>
+              </a:rPr>
+              <a:t>pw</a:t>
+            </a:r>
+            <a:r>
+              <a:rPr lang="it-IT" sz="1150" dirty="0" err="1">
+                <a:solidFill>
+                  <a:srgbClr val="D4D4D4"/>
+                </a:solidFill>
+                <a:latin typeface="Consolas" panose="020B0609020204030204" pitchFamily="49" charset="0"/>
+                <a:ea typeface="Times New Roman" panose="02020603050405020304" pitchFamily="18" charset="0"/>
+                <a:cs typeface="Times New Roman" panose="02020603050405020304" pitchFamily="18" charset="0"/>
+              </a:rPr>
+              <a:t>.</a:t>
+            </a:r>
+            <a:r>
+              <a:rPr lang="it-IT" sz="1150" dirty="0" err="1">
+                <a:solidFill>
+                  <a:srgbClr val="DCDCAA"/>
+                </a:solidFill>
+                <a:latin typeface="Consolas" panose="020B0609020204030204" pitchFamily="49" charset="0"/>
+                <a:ea typeface="Times New Roman" panose="02020603050405020304" pitchFamily="18" charset="0"/>
+                <a:cs typeface="Times New Roman" panose="02020603050405020304" pitchFamily="18" charset="0"/>
+              </a:rPr>
+              <a:t>close</a:t>
+            </a:r>
+            <a:r>
+              <a:rPr lang="it-IT" sz="1150" dirty="0">
+                <a:solidFill>
+                  <a:srgbClr val="D4D4D4"/>
+                </a:solidFill>
+                <a:latin typeface="Consolas" panose="020B0609020204030204" pitchFamily="49" charset="0"/>
+                <a:ea typeface="Times New Roman" panose="02020603050405020304" pitchFamily="18" charset="0"/>
+                <a:cs typeface="Times New Roman" panose="02020603050405020304" pitchFamily="18" charset="0"/>
+              </a:rPr>
+              <a:t>();</a:t>
+            </a:r>
+            <a:endParaRPr lang="it-IT" sz="1150" dirty="0">
+              <a:latin typeface="Consolas" panose="020B0609020204030204" pitchFamily="49" charset="0"/>
+              <a:ea typeface="Calibri" panose="020F0502020204030204" pitchFamily="34" charset="0"/>
+              <a:cs typeface="Times New Roman" panose="02020603050405020304" pitchFamily="18" charset="0"/>
+            </a:endParaRPr>
+          </a:p>
+          <a:p>
+            <a:pPr>
+              <a:lnSpc>
+                <a:spcPct val="114000"/>
+              </a:lnSpc>
+              <a:spcAft>
+                <a:spcPts val="0"/>
+              </a:spcAft>
+            </a:pPr>
+            <a:r>
+              <a:rPr lang="it-IT" sz="1150" dirty="0">
+                <a:solidFill>
+                  <a:srgbClr val="9CDCFE"/>
+                </a:solidFill>
+                <a:latin typeface="Consolas" panose="020B0609020204030204" pitchFamily="49" charset="0"/>
+                <a:ea typeface="Times New Roman" panose="02020603050405020304" pitchFamily="18" charset="0"/>
+                <a:cs typeface="Times New Roman" panose="02020603050405020304" pitchFamily="18" charset="0"/>
+              </a:rPr>
+              <a:t>		</a:t>
+            </a:r>
+            <a:r>
+              <a:rPr lang="it-IT" sz="1150" dirty="0" err="1">
+                <a:solidFill>
+                  <a:srgbClr val="9CDCFE"/>
+                </a:solidFill>
+                <a:latin typeface="Consolas" panose="020B0609020204030204" pitchFamily="49" charset="0"/>
+                <a:ea typeface="Times New Roman" panose="02020603050405020304" pitchFamily="18" charset="0"/>
+                <a:cs typeface="Times New Roman" panose="02020603050405020304" pitchFamily="18" charset="0"/>
+              </a:rPr>
+              <a:t>br</a:t>
+            </a:r>
+            <a:r>
+              <a:rPr lang="it-IT" sz="1150" dirty="0" err="1">
+                <a:solidFill>
+                  <a:srgbClr val="D4D4D4"/>
+                </a:solidFill>
+                <a:latin typeface="Consolas" panose="020B0609020204030204" pitchFamily="49" charset="0"/>
+                <a:ea typeface="Times New Roman" panose="02020603050405020304" pitchFamily="18" charset="0"/>
+                <a:cs typeface="Times New Roman" panose="02020603050405020304" pitchFamily="18" charset="0"/>
+              </a:rPr>
+              <a:t>.</a:t>
+            </a:r>
+            <a:r>
+              <a:rPr lang="it-IT" sz="1150" dirty="0" err="1">
+                <a:solidFill>
+                  <a:srgbClr val="DCDCAA"/>
+                </a:solidFill>
+                <a:latin typeface="Consolas" panose="020B0609020204030204" pitchFamily="49" charset="0"/>
+                <a:ea typeface="Times New Roman" panose="02020603050405020304" pitchFamily="18" charset="0"/>
+                <a:cs typeface="Times New Roman" panose="02020603050405020304" pitchFamily="18" charset="0"/>
+              </a:rPr>
+              <a:t>close</a:t>
+            </a:r>
+            <a:r>
+              <a:rPr lang="it-IT" sz="1150" dirty="0">
+                <a:solidFill>
+                  <a:srgbClr val="D4D4D4"/>
+                </a:solidFill>
+                <a:latin typeface="Consolas" panose="020B0609020204030204" pitchFamily="49" charset="0"/>
+                <a:ea typeface="Times New Roman" panose="02020603050405020304" pitchFamily="18" charset="0"/>
+                <a:cs typeface="Times New Roman" panose="02020603050405020304" pitchFamily="18" charset="0"/>
+              </a:rPr>
+              <a:t>();</a:t>
+            </a:r>
+            <a:endParaRPr lang="it-IT" sz="1150" dirty="0">
+              <a:latin typeface="Consolas" panose="020B0609020204030204" pitchFamily="49" charset="0"/>
+              <a:ea typeface="Calibri" panose="020F0502020204030204" pitchFamily="34" charset="0"/>
+              <a:cs typeface="Times New Roman" panose="02020603050405020304" pitchFamily="18" charset="0"/>
+            </a:endParaRPr>
+          </a:p>
+          <a:p>
+            <a:pPr>
+              <a:lnSpc>
+                <a:spcPct val="114000"/>
+              </a:lnSpc>
+              <a:spcAft>
+                <a:spcPts val="0"/>
+              </a:spcAft>
+            </a:pPr>
+            <a:r>
+              <a:rPr lang="it-IT" sz="1150" dirty="0">
+                <a:solidFill>
+                  <a:srgbClr val="9CDCFE"/>
+                </a:solidFill>
+                <a:latin typeface="Consolas" panose="020B0609020204030204" pitchFamily="49" charset="0"/>
+                <a:ea typeface="Times New Roman" panose="02020603050405020304" pitchFamily="18" charset="0"/>
+                <a:cs typeface="Times New Roman" panose="02020603050405020304" pitchFamily="18" charset="0"/>
+              </a:rPr>
+              <a:t>		</a:t>
+            </a:r>
+            <a:r>
+              <a:rPr lang="it-IT" sz="1150" dirty="0" err="1">
+                <a:solidFill>
+                  <a:srgbClr val="9CDCFE"/>
+                </a:solidFill>
+                <a:latin typeface="Consolas" panose="020B0609020204030204" pitchFamily="49" charset="0"/>
+                <a:ea typeface="Times New Roman" panose="02020603050405020304" pitchFamily="18" charset="0"/>
+                <a:cs typeface="Times New Roman" panose="02020603050405020304" pitchFamily="18" charset="0"/>
+              </a:rPr>
+              <a:t>file</a:t>
+            </a:r>
+            <a:r>
+              <a:rPr lang="it-IT" sz="1150" dirty="0" err="1">
+                <a:solidFill>
+                  <a:srgbClr val="D4D4D4"/>
+                </a:solidFill>
+                <a:latin typeface="Consolas" panose="020B0609020204030204" pitchFamily="49" charset="0"/>
+                <a:ea typeface="Times New Roman" panose="02020603050405020304" pitchFamily="18" charset="0"/>
+                <a:cs typeface="Times New Roman" panose="02020603050405020304" pitchFamily="18" charset="0"/>
+              </a:rPr>
+              <a:t>.</a:t>
+            </a:r>
+            <a:r>
+              <a:rPr lang="it-IT" sz="1150" dirty="0" err="1">
+                <a:solidFill>
+                  <a:srgbClr val="DCDCAA"/>
+                </a:solidFill>
+                <a:latin typeface="Consolas" panose="020B0609020204030204" pitchFamily="49" charset="0"/>
+                <a:ea typeface="Times New Roman" panose="02020603050405020304" pitchFamily="18" charset="0"/>
+                <a:cs typeface="Times New Roman" panose="02020603050405020304" pitchFamily="18" charset="0"/>
+              </a:rPr>
+              <a:t>delete</a:t>
+            </a:r>
+            <a:r>
+              <a:rPr lang="it-IT" sz="1150" dirty="0">
+                <a:solidFill>
+                  <a:srgbClr val="D4D4D4"/>
+                </a:solidFill>
+                <a:latin typeface="Consolas" panose="020B0609020204030204" pitchFamily="49" charset="0"/>
+                <a:ea typeface="Times New Roman" panose="02020603050405020304" pitchFamily="18" charset="0"/>
+                <a:cs typeface="Times New Roman" panose="02020603050405020304" pitchFamily="18" charset="0"/>
+              </a:rPr>
+              <a:t>();</a:t>
+            </a:r>
+            <a:endParaRPr lang="it-IT" sz="1150" dirty="0">
+              <a:latin typeface="Consolas" panose="020B0609020204030204" pitchFamily="49" charset="0"/>
+              <a:ea typeface="Calibri" panose="020F0502020204030204" pitchFamily="34" charset="0"/>
+              <a:cs typeface="Times New Roman" panose="02020603050405020304" pitchFamily="18" charset="0"/>
+            </a:endParaRPr>
+          </a:p>
+          <a:p>
+            <a:pPr>
+              <a:lnSpc>
+                <a:spcPct val="114000"/>
+              </a:lnSpc>
+              <a:spcAft>
+                <a:spcPts val="0"/>
+              </a:spcAft>
+            </a:pPr>
+            <a:r>
+              <a:rPr lang="it-IT" sz="1150" dirty="0">
+                <a:solidFill>
+                  <a:srgbClr val="9CDCFE"/>
+                </a:solidFill>
+                <a:latin typeface="Consolas" panose="020B0609020204030204" pitchFamily="49" charset="0"/>
+                <a:ea typeface="Times New Roman" panose="02020603050405020304" pitchFamily="18" charset="0"/>
+                <a:cs typeface="Times New Roman" panose="02020603050405020304" pitchFamily="18" charset="0"/>
+              </a:rPr>
+              <a:t>		</a:t>
+            </a:r>
+            <a:r>
+              <a:rPr lang="it-IT" sz="1150" dirty="0" err="1">
+                <a:solidFill>
+                  <a:srgbClr val="9CDCFE"/>
+                </a:solidFill>
+                <a:latin typeface="Consolas" panose="020B0609020204030204" pitchFamily="49" charset="0"/>
+                <a:ea typeface="Times New Roman" panose="02020603050405020304" pitchFamily="18" charset="0"/>
+                <a:cs typeface="Times New Roman" panose="02020603050405020304" pitchFamily="18" charset="0"/>
+              </a:rPr>
+              <a:t>fileR</a:t>
+            </a:r>
+            <a:r>
+              <a:rPr lang="it-IT" sz="1150" dirty="0" err="1">
+                <a:solidFill>
+                  <a:srgbClr val="D4D4D4"/>
+                </a:solidFill>
+                <a:latin typeface="Consolas" panose="020B0609020204030204" pitchFamily="49" charset="0"/>
+                <a:ea typeface="Times New Roman" panose="02020603050405020304" pitchFamily="18" charset="0"/>
+                <a:cs typeface="Times New Roman" panose="02020603050405020304" pitchFamily="18" charset="0"/>
+              </a:rPr>
+              <a:t>.</a:t>
+            </a:r>
+            <a:r>
+              <a:rPr lang="it-IT" sz="1150" dirty="0" err="1">
+                <a:solidFill>
+                  <a:srgbClr val="DCDCAA"/>
+                </a:solidFill>
+                <a:latin typeface="Consolas" panose="020B0609020204030204" pitchFamily="49" charset="0"/>
+                <a:ea typeface="Times New Roman" panose="02020603050405020304" pitchFamily="18" charset="0"/>
+                <a:cs typeface="Times New Roman" panose="02020603050405020304" pitchFamily="18" charset="0"/>
+              </a:rPr>
+              <a:t>renameTo</a:t>
+            </a:r>
+            <a:r>
+              <a:rPr lang="it-IT" sz="1150" dirty="0">
+                <a:solidFill>
+                  <a:srgbClr val="D4D4D4"/>
+                </a:solidFill>
+                <a:latin typeface="Consolas" panose="020B0609020204030204" pitchFamily="49" charset="0"/>
+                <a:ea typeface="Times New Roman" panose="02020603050405020304" pitchFamily="18" charset="0"/>
+                <a:cs typeface="Times New Roman" panose="02020603050405020304" pitchFamily="18" charset="0"/>
+              </a:rPr>
+              <a:t>(file);</a:t>
+            </a:r>
+            <a:endParaRPr lang="it-IT" sz="1150" dirty="0">
+              <a:latin typeface="Consolas" panose="020B0609020204030204" pitchFamily="49" charset="0"/>
+              <a:ea typeface="Calibri" panose="020F0502020204030204" pitchFamily="34" charset="0"/>
+              <a:cs typeface="Times New Roman" panose="02020603050405020304" pitchFamily="18" charset="0"/>
+            </a:endParaRPr>
+          </a:p>
+          <a:p>
+            <a:pPr>
+              <a:lnSpc>
+                <a:spcPct val="114000"/>
+              </a:lnSpc>
+              <a:spcAft>
+                <a:spcPts val="0"/>
+              </a:spcAft>
+            </a:pPr>
+            <a:endParaRPr lang="it-IT" sz="1150" dirty="0">
+              <a:latin typeface="Consolas" panose="020B0609020204030204" pitchFamily="49" charset="0"/>
+              <a:ea typeface="Calibri" panose="020F0502020204030204" pitchFamily="34" charset="0"/>
+              <a:cs typeface="Times New Roman" panose="02020603050405020304" pitchFamily="18" charset="0"/>
+            </a:endParaRPr>
+          </a:p>
+          <a:p>
+            <a:pPr>
+              <a:lnSpc>
+                <a:spcPct val="114000"/>
+              </a:lnSpc>
+              <a:spcAft>
+                <a:spcPts val="0"/>
+              </a:spcAft>
+            </a:pPr>
+            <a:r>
+              <a:rPr lang="it-IT" sz="1150" dirty="0">
+                <a:solidFill>
+                  <a:srgbClr val="C586C0"/>
+                </a:solidFill>
+                <a:latin typeface="Consolas" panose="020B0609020204030204" pitchFamily="49" charset="0"/>
+                <a:ea typeface="Times New Roman" panose="02020603050405020304" pitchFamily="18" charset="0"/>
+                <a:cs typeface="Times New Roman" panose="02020603050405020304" pitchFamily="18" charset="0"/>
+              </a:rPr>
+              <a:t>		</a:t>
+            </a:r>
+            <a:r>
+              <a:rPr lang="it-IT" sz="1150" dirty="0" err="1">
+                <a:solidFill>
+                  <a:srgbClr val="C586C0"/>
+                </a:solidFill>
+                <a:latin typeface="Consolas" panose="020B0609020204030204" pitchFamily="49" charset="0"/>
+                <a:ea typeface="Times New Roman" panose="02020603050405020304" pitchFamily="18" charset="0"/>
+                <a:cs typeface="Times New Roman" panose="02020603050405020304" pitchFamily="18" charset="0"/>
+              </a:rPr>
+              <a:t>return</a:t>
+            </a:r>
+            <a:r>
+              <a:rPr lang="it-IT" sz="1150" dirty="0">
+                <a:solidFill>
+                  <a:srgbClr val="D4D4D4"/>
+                </a:solidFill>
+                <a:latin typeface="Consolas" panose="020B0609020204030204" pitchFamily="49" charset="0"/>
+                <a:ea typeface="Times New Roman" panose="02020603050405020304" pitchFamily="18" charset="0"/>
+                <a:cs typeface="Times New Roman" panose="02020603050405020304" pitchFamily="18" charset="0"/>
+              </a:rPr>
+              <a:t> </a:t>
+            </a:r>
+            <a:r>
+              <a:rPr lang="it-IT" sz="1150" dirty="0" err="1">
+                <a:solidFill>
+                  <a:srgbClr val="D4D4D4"/>
+                </a:solidFill>
+                <a:latin typeface="Consolas" panose="020B0609020204030204" pitchFamily="49" charset="0"/>
+                <a:ea typeface="Times New Roman" panose="02020603050405020304" pitchFamily="18" charset="0"/>
+                <a:cs typeface="Times New Roman" panose="02020603050405020304" pitchFamily="18" charset="0"/>
+              </a:rPr>
+              <a:t>numRowNew</a:t>
+            </a:r>
+            <a:r>
+              <a:rPr lang="it-IT" sz="1150" dirty="0">
+                <a:solidFill>
+                  <a:srgbClr val="D4D4D4"/>
+                </a:solidFill>
+                <a:latin typeface="Consolas" panose="020B0609020204030204" pitchFamily="49" charset="0"/>
+                <a:ea typeface="Times New Roman" panose="02020603050405020304" pitchFamily="18" charset="0"/>
+                <a:cs typeface="Times New Roman" panose="02020603050405020304" pitchFamily="18" charset="0"/>
+              </a:rPr>
+              <a:t>;</a:t>
+            </a:r>
+            <a:endParaRPr lang="it-IT" sz="1150" dirty="0">
+              <a:latin typeface="Consolas" panose="020B0609020204030204" pitchFamily="49" charset="0"/>
+              <a:ea typeface="Times New Roman" panose="02020603050405020304" pitchFamily="18" charset="0"/>
+              <a:cs typeface="Times New Roman" panose="02020603050405020304" pitchFamily="18" charset="0"/>
+            </a:endParaRPr>
+          </a:p>
+          <a:p>
+            <a:pPr>
+              <a:lnSpc>
+                <a:spcPct val="114000"/>
+              </a:lnSpc>
+              <a:spcAft>
+                <a:spcPts val="0"/>
+              </a:spcAft>
+            </a:pPr>
+            <a:r>
+              <a:rPr lang="it-IT" sz="1150" dirty="0">
+                <a:solidFill>
+                  <a:srgbClr val="D4D4D4"/>
+                </a:solidFill>
+                <a:latin typeface="Consolas" panose="020B0609020204030204" pitchFamily="49" charset="0"/>
+                <a:ea typeface="Times New Roman" panose="02020603050405020304" pitchFamily="18" charset="0"/>
+                <a:cs typeface="Times New Roman" panose="02020603050405020304" pitchFamily="18" charset="0"/>
+              </a:rPr>
+              <a:t>	}</a:t>
+            </a:r>
+          </a:p>
+          <a:p>
+            <a:pPr>
+              <a:lnSpc>
+                <a:spcPct val="114000"/>
+              </a:lnSpc>
+              <a:spcAft>
+                <a:spcPts val="0"/>
+              </a:spcAft>
+            </a:pPr>
+            <a:r>
+              <a:rPr lang="it-IT" sz="1150" dirty="0">
+                <a:solidFill>
+                  <a:srgbClr val="D4D4D4"/>
+                </a:solidFill>
+                <a:latin typeface="Consolas" panose="020B0609020204030204" pitchFamily="49" charset="0"/>
+                <a:ea typeface="Calibri" panose="020F0502020204030204" pitchFamily="34" charset="0"/>
+                <a:cs typeface="Times New Roman" panose="02020603050405020304" pitchFamily="18" charset="0"/>
+              </a:rPr>
+              <a:t>}</a:t>
+            </a:r>
+            <a:endParaRPr lang="it-IT" sz="1150" dirty="0">
+              <a:latin typeface="Consolas" panose="020B0609020204030204" pitchFamily="49" charset="0"/>
+              <a:ea typeface="Calibri" panose="020F0502020204030204" pitchFamily="34" charset="0"/>
+              <a:cs typeface="Times New Roman" panose="02020603050405020304" pitchFamily="18" charset="0"/>
+            </a:endParaRPr>
+          </a:p>
+        </p:txBody>
+      </p:sp>
+      <p:sp>
+        <p:nvSpPr>
+          <p:cNvPr id="6" name="Callout: linea 5">
+            <a:extLst>
+              <a:ext uri="{FF2B5EF4-FFF2-40B4-BE49-F238E27FC236}">
+                <a16:creationId xmlns:a16="http://schemas.microsoft.com/office/drawing/2014/main" id="{1B59D54F-EAF7-42A3-BF96-2E1D05049F23}"/>
+              </a:ext>
+            </a:extLst>
+          </p:cNvPr>
+          <p:cNvSpPr/>
+          <p:nvPr/>
+        </p:nvSpPr>
+        <p:spPr>
+          <a:xfrm>
+            <a:off x="7464055" y="2679404"/>
+            <a:ext cx="2658142" cy="749596"/>
+          </a:xfrm>
+          <a:prstGeom prst="borderCallout1">
+            <a:avLst>
+              <a:gd name="adj1" fmla="val 21630"/>
+              <a:gd name="adj2" fmla="val -5733"/>
+              <a:gd name="adj3" fmla="val -875"/>
+              <a:gd name="adj4" fmla="val -103654"/>
+            </a:avLst>
+          </a:prstGeom>
+          <a:solidFill>
+            <a:schemeClr val="accent4"/>
+          </a:solidFill>
+          <a:ln>
+            <a:solidFill>
+              <a:schemeClr val="accent4"/>
+            </a:solidFill>
+          </a:ln>
+        </p:spPr>
+        <p:style>
+          <a:lnRef idx="2">
+            <a:schemeClr val="accent1">
+              <a:shade val="50000"/>
+            </a:schemeClr>
+          </a:lnRef>
+          <a:fillRef idx="1">
+            <a:schemeClr val="accent1"/>
+          </a:fillRef>
+          <a:effectRef idx="0">
+            <a:schemeClr val="accent1"/>
+          </a:effectRef>
+          <a:fontRef idx="minor">
+            <a:schemeClr val="lt1"/>
+          </a:fontRef>
+        </p:style>
+        <p:txBody>
+          <a:bodyPr rtlCol="0" anchor="ctr"/>
+          <a:lstStyle/>
+          <a:p>
+            <a:pPr algn="just"/>
+            <a:r>
+              <a:rPr lang="it-IT" sz="1400" dirty="0">
+                <a:solidFill>
+                  <a:schemeClr val="tx1"/>
+                </a:solidFill>
+                <a:latin typeface="Avenir Next LT Pro Light" panose="020B0304020202020204" pitchFamily="34" charset="0"/>
+              </a:rPr>
+              <a:t>Si crea una copia del file su cui lavorare e alla fine si elimina l’originale e rinomina la copia.</a:t>
+            </a:r>
+          </a:p>
+        </p:txBody>
+      </p:sp>
+    </p:spTree>
+    <p:extLst>
+      <p:ext uri="{BB962C8B-B14F-4D97-AF65-F5344CB8AC3E}">
+        <p14:creationId xmlns:p14="http://schemas.microsoft.com/office/powerpoint/2010/main" val="459325634"/>
+      </p:ext>
+    </p:extLst>
+  </p:cSld>
+  <p:clrMapOvr>
+    <a:masterClrMapping/>
+  </p:clrMapOvr>
+</p:sld>
+</file>
+
+<file path=ppt/slides/slide6.xml><?xml version="1.0" encoding="utf-8"?>
 <p:sld xmlns:a="http://schemas.openxmlformats.org/drawingml/2006/main" xmlns:r="http://schemas.openxmlformats.org/officeDocument/2006/relationships" xmlns:p="http://schemas.openxmlformats.org/presentationml/2006/main">
   <p:cSld>
     <p:bg>
@@ -5127,7 +11470,7 @@
           <a:p>
             <a:fld id="{4A6DC286-705F-4A37-A21F-B485E3A29C72}" type="slidenum">
               <a:rPr lang="it-IT" smtClean="0"/>
-              <a:t>5</a:t>
+              <a:t>6</a:t>
             </a:fld>
             <a:endParaRPr lang="it-IT"/>
           </a:p>
@@ -5148,7 +11491,7 @@
         <p:spPr>
           <a:xfrm>
             <a:off x="882212" y="1003301"/>
-            <a:ext cx="10427575" cy="461088"/>
+            <a:ext cx="10427575" cy="3785075"/>
           </a:xfrm>
           <a:prstGeom prst="rect">
             <a:avLst/>
@@ -5178,7 +11521,7 @@
                 <a:ea typeface="Calibri" panose="020F0502020204030204" pitchFamily="34" charset="0"/>
                 <a:cs typeface="Times New Roman" panose="02020603050405020304" pitchFamily="18" charset="0"/>
               </a:rPr>
-              <a:t>To </a:t>
+              <a:t>Per concludere il progetto si era pensato di fare una </a:t>
             </a:r>
             <a:r>
               <a:rPr lang="it-IT" dirty="0">
@@ -5189,7 +11532,7 @@
                 <a:ea typeface="Calibri" panose="020F0502020204030204" pitchFamily="34" charset="0"/>
                 <a:cs typeface="Times New Roman" panose="02020603050405020304" pitchFamily="18" charset="0"/>
               </a:rPr>
-              <a:t>be</a:t>
+              <a:t>prova comparativa di performance</a:t>
             </a:r>
             <a:r>
               <a:rPr lang="it-IT" dirty="0">
@@ -5200,10 +11543,20 @@
                 <a:ea typeface="Calibri" panose="020F0502020204030204" pitchFamily="34" charset="0"/>
                 <a:cs typeface="Times New Roman" panose="02020603050405020304" pitchFamily="18" charset="0"/>
               </a:rPr>
-              <a:t> </a:t>
-            </a:r>
-            <a:r>
-              <a:rPr lang="it-IT" dirty="0" err="1">
+              <a:t> dell’algoritmo di lettura da file nel primo servizio offerto dal Server (conteggio righe).</a:t>
+            </a:r>
+          </a:p>
+          <a:p>
+            <a:pPr algn="just">
+              <a:lnSpc>
+                <a:spcPct val="150000"/>
+              </a:lnSpc>
+              <a:spcAft>
+                <a:spcPts val="0"/>
+              </a:spcAft>
+            </a:pPr>
+            <a:r>
+              <a:rPr lang="it-IT" dirty="0">
                 <a:solidFill>
                   <a:schemeClr val="bg1"/>
                 </a:solidFill>
@@ -5211,18 +11564,72 @@
                 <a:ea typeface="Calibri" panose="020F0502020204030204" pitchFamily="34" charset="0"/>
                 <a:cs typeface="Times New Roman" panose="02020603050405020304" pitchFamily="18" charset="0"/>
               </a:rPr>
-              <a:t>defined</a:t>
+              <a:t>Le due varianti dell’algoritmo, </a:t>
             </a:r>
             <a:r>
               <a:rPr lang="it-IT" dirty="0">
                 <a:solidFill>
-                  <a:schemeClr val="bg1"/>
+                  <a:srgbClr val="00B0F0"/>
                 </a:solidFill>
                 <a:latin typeface="Avenir Next LT Pro Light" panose="020B0304020202020204" pitchFamily="34" charset="0"/>
                 <a:ea typeface="Calibri" panose="020F0502020204030204" pitchFamily="34" charset="0"/>
                 <a:cs typeface="Times New Roman" panose="02020603050405020304" pitchFamily="18" charset="0"/>
               </a:rPr>
-              <a:t>.</a:t>
+              <a:t>carattere per carattere</a:t>
+            </a:r>
+            <a:r>
+              <a:rPr lang="it-IT" dirty="0">
+                <a:solidFill>
+                  <a:schemeClr val="bg1"/>
+                </a:solidFill>
+                <a:latin typeface="Avenir Next LT Pro Light" panose="020B0304020202020204" pitchFamily="34" charset="0"/>
+                <a:ea typeface="Calibri" panose="020F0502020204030204" pitchFamily="34" charset="0"/>
+                <a:cs typeface="Times New Roman" panose="02020603050405020304" pitchFamily="18" charset="0"/>
+              </a:rPr>
+              <a:t> e tramite </a:t>
+            </a:r>
+            <a:r>
+              <a:rPr lang="it-IT" dirty="0" err="1">
+                <a:solidFill>
+                  <a:srgbClr val="00B0F0"/>
+                </a:solidFill>
+                <a:latin typeface="Avenir Next LT Pro Light" panose="020B0304020202020204" pitchFamily="34" charset="0"/>
+                <a:ea typeface="Calibri" panose="020F0502020204030204" pitchFamily="34" charset="0"/>
+                <a:cs typeface="Times New Roman" panose="02020603050405020304" pitchFamily="18" charset="0"/>
+              </a:rPr>
+              <a:t>StringTokenizer</a:t>
+            </a:r>
+            <a:r>
+              <a:rPr lang="it-IT" dirty="0">
+                <a:solidFill>
+                  <a:schemeClr val="bg1"/>
+                </a:solidFill>
+                <a:latin typeface="Avenir Next LT Pro Light" panose="020B0304020202020204" pitchFamily="34" charset="0"/>
+                <a:ea typeface="Calibri" panose="020F0502020204030204" pitchFamily="34" charset="0"/>
+                <a:cs typeface="Times New Roman" panose="02020603050405020304" pitchFamily="18" charset="0"/>
+              </a:rPr>
+              <a:t>, sono state sviluppate ed entrambe funzionanti ma a causa di alcuni problemi nella misurazione dei tempi non sono ritenibili affidabili.</a:t>
+            </a:r>
+          </a:p>
+          <a:p>
+            <a:pPr algn="just">
+              <a:lnSpc>
+                <a:spcPct val="150000"/>
+              </a:lnSpc>
+              <a:spcAft>
+                <a:spcPts val="0"/>
+              </a:spcAft>
+            </a:pPr>
+            <a:r>
+              <a:rPr lang="it-IT" dirty="0">
+                <a:solidFill>
+                  <a:schemeClr val="bg1"/>
+                </a:solidFill>
+                <a:latin typeface="Avenir Next LT Pro Light" panose="020B0304020202020204" pitchFamily="34" charset="0"/>
+                <a:ea typeface="Calibri" panose="020F0502020204030204" pitchFamily="34" charset="0"/>
+                <a:cs typeface="Times New Roman" panose="02020603050405020304" pitchFamily="18" charset="0"/>
+              </a:rPr>
+              <a:t>Ad esempio, su file di grandi dimensioni, aumentando il numero minimo di parole per riga, si otteneva un (circa) dimezzamento dei tempi, cosa alquanto improbabile. Per ovviare a questo problema si è deciso di chiudere e aprire Client e Server a ogni prova, ma questo forniva risultati troppo sparsi e poco attendibili.</a:t>
             </a:r>
           </a:p>
         </p:txBody>

--- a/Presentazione.pptx
+++ b/Presentazione.pptx
@@ -142,6 +142,7 @@
 <file path=ppt/revisionInfo.xml><?xml version="1.0" encoding="utf-8"?>
 <p1510:revInfo xmlns:a="http://schemas.openxmlformats.org/drawingml/2006/main" xmlns:r="http://schemas.openxmlformats.org/officeDocument/2006/relationships" xmlns:p1510="http://schemas.microsoft.com/office/powerpoint/2015/10/main">
   <p1510:revLst>
+    <p1510:client id="{B10B50D3-E6A5-4908-96A8-31D31C2DD59D}" v="5" dt="2019-11-21T13:34:33.665"/>
     <p1510:client id="{E7E3BD26-E077-4F28-8E45-8A90CB9BF807}" v="30" dt="2019-11-20T22:29:47.511"/>
   </p1510:revLst>
 </p1510:revInfo>
@@ -149,6 +150,30 @@
 
 <file path=ppt/changesInfos/changesInfo1.xml><?xml version="1.0" encoding="utf-8"?>
 <pc:chgInfo xmlns:a="http://schemas.openxmlformats.org/drawingml/2006/main" xmlns:r="http://schemas.openxmlformats.org/officeDocument/2006/relationships" xmlns:ac="http://schemas.microsoft.com/office/drawing/2013/main/command" xmlns:pc="http://schemas.microsoft.com/office/powerpoint/2013/main/command">
+  <pc:docChgLst>
+    <pc:chgData name="Andrei Daniel Ivan" userId="d3c4cde5a19fb9a3" providerId="LiveId" clId="{B10B50D3-E6A5-4908-96A8-31D31C2DD59D}"/>
+    <pc:docChg chg="modSld">
+      <pc:chgData name="Andrei Daniel Ivan" userId="d3c4cde5a19fb9a3" providerId="LiveId" clId="{B10B50D3-E6A5-4908-96A8-31D31C2DD59D}" dt="2019-11-21T13:35:13.870" v="36" actId="2710"/>
+      <pc:docMkLst>
+        <pc:docMk/>
+      </pc:docMkLst>
+      <pc:sldChg chg="modSp">
+        <pc:chgData name="Andrei Daniel Ivan" userId="d3c4cde5a19fb9a3" providerId="LiveId" clId="{B10B50D3-E6A5-4908-96A8-31D31C2DD59D}" dt="2019-11-21T13:35:13.870" v="36" actId="2710"/>
+        <pc:sldMkLst>
+          <pc:docMk/>
+          <pc:sldMk cId="575524611" sldId="266"/>
+        </pc:sldMkLst>
+        <pc:spChg chg="mod">
+          <ac:chgData name="Andrei Daniel Ivan" userId="d3c4cde5a19fb9a3" providerId="LiveId" clId="{B10B50D3-E6A5-4908-96A8-31D31C2DD59D}" dt="2019-11-21T13:35:13.870" v="36" actId="2710"/>
+          <ac:spMkLst>
+            <pc:docMk/>
+            <pc:sldMk cId="575524611" sldId="266"/>
+            <ac:spMk id="4" creationId="{53201F81-8510-4C74-BAB4-1DBFEB2D3B79}"/>
+          </ac:spMkLst>
+        </pc:spChg>
+      </pc:sldChg>
+    </pc:docChg>
+  </pc:docChgLst>
   <pc:docChgLst>
     <pc:chgData name="Andrei Daniel Ivan" userId="d3c4cde5a19fb9a3" providerId="LiveId" clId="{6C59A853-BA62-4224-9BE1-2DF441724FBD}"/>
     <pc:docChg chg="undo redo custSel delSld modSld">
@@ -1199,7 +1224,7 @@
           <a:p>
             <a:fld id="{227EB8F9-9849-4F1B-8247-B2B87148EF6E}" type="datetimeFigureOut">
               <a:rPr lang="it-IT" smtClean="0"/>
-              <a:t>20/11/2019</a:t>
+              <a:t>21/11/2019</a:t>
             </a:fld>
             <a:endParaRPr lang="it-IT"/>
           </a:p>
@@ -1597,7 +1622,7 @@
           <a:p>
             <a:fld id="{519C5307-3A56-4F91-8FB2-60E4C7C3FF23}" type="datetime1">
               <a:rPr lang="it-IT" smtClean="0"/>
-              <a:t>20/11/2019</a:t>
+              <a:t>21/11/2019</a:t>
             </a:fld>
             <a:endParaRPr lang="it-IT"/>
           </a:p>
@@ -1768,7 +1793,7 @@
           <a:p>
             <a:fld id="{519C5307-3A56-4F91-8FB2-60E4C7C3FF23}" type="datetime1">
               <a:rPr lang="it-IT" smtClean="0"/>
-              <a:t>20/11/2019</a:t>
+              <a:t>21/11/2019</a:t>
             </a:fld>
             <a:endParaRPr lang="it-IT"/>
           </a:p>
@@ -1949,7 +1974,7 @@
           <a:p>
             <a:fld id="{519C5307-3A56-4F91-8FB2-60E4C7C3FF23}" type="datetime1">
               <a:rPr lang="it-IT" smtClean="0"/>
-              <a:t>20/11/2019</a:t>
+              <a:t>21/11/2019</a:t>
             </a:fld>
             <a:endParaRPr lang="it-IT"/>
           </a:p>
@@ -2120,7 +2145,7 @@
           <a:p>
             <a:fld id="{519C5307-3A56-4F91-8FB2-60E4C7C3FF23}" type="datetime1">
               <a:rPr lang="it-IT" smtClean="0"/>
-              <a:t>20/11/2019</a:t>
+              <a:t>21/11/2019</a:t>
             </a:fld>
             <a:endParaRPr lang="it-IT"/>
           </a:p>
@@ -2367,7 +2392,7 @@
           <a:p>
             <a:fld id="{519C5307-3A56-4F91-8FB2-60E4C7C3FF23}" type="datetime1">
               <a:rPr lang="it-IT" smtClean="0"/>
-              <a:t>20/11/2019</a:t>
+              <a:t>21/11/2019</a:t>
             </a:fld>
             <a:endParaRPr lang="it-IT"/>
           </a:p>
@@ -2600,7 +2625,7 @@
           <a:p>
             <a:fld id="{519C5307-3A56-4F91-8FB2-60E4C7C3FF23}" type="datetime1">
               <a:rPr lang="it-IT" smtClean="0"/>
-              <a:t>20/11/2019</a:t>
+              <a:t>21/11/2019</a:t>
             </a:fld>
             <a:endParaRPr lang="it-IT"/>
           </a:p>
@@ -2968,7 +2993,7 @@
           <a:p>
             <a:fld id="{519C5307-3A56-4F91-8FB2-60E4C7C3FF23}" type="datetime1">
               <a:rPr lang="it-IT" smtClean="0"/>
-              <a:t>20/11/2019</a:t>
+              <a:t>21/11/2019</a:t>
             </a:fld>
             <a:endParaRPr lang="it-IT"/>
           </a:p>
@@ -3087,7 +3112,7 @@
           <a:p>
             <a:fld id="{519C5307-3A56-4F91-8FB2-60E4C7C3FF23}" type="datetime1">
               <a:rPr lang="it-IT" smtClean="0"/>
-              <a:t>20/11/2019</a:t>
+              <a:t>21/11/2019</a:t>
             </a:fld>
             <a:endParaRPr lang="it-IT"/>
           </a:p>
@@ -3183,7 +3208,7 @@
           <a:p>
             <a:fld id="{519C5307-3A56-4F91-8FB2-60E4C7C3FF23}" type="datetime1">
               <a:rPr lang="it-IT" smtClean="0"/>
-              <a:t>20/11/2019</a:t>
+              <a:t>21/11/2019</a:t>
             </a:fld>
             <a:endParaRPr lang="it-IT"/>
           </a:p>
@@ -3461,7 +3486,7 @@
           <a:p>
             <a:fld id="{519C5307-3A56-4F91-8FB2-60E4C7C3FF23}" type="datetime1">
               <a:rPr lang="it-IT" smtClean="0"/>
-              <a:t>20/11/2019</a:t>
+              <a:t>21/11/2019</a:t>
             </a:fld>
             <a:endParaRPr lang="it-IT"/>
           </a:p>
@@ -3719,7 +3744,7 @@
           <a:p>
             <a:fld id="{519C5307-3A56-4F91-8FB2-60E4C7C3FF23}" type="datetime1">
               <a:rPr lang="it-IT" smtClean="0"/>
-              <a:t>20/11/2019</a:t>
+              <a:t>21/11/2019</a:t>
             </a:fld>
             <a:endParaRPr lang="it-IT"/>
           </a:p>
@@ -3933,7 +3958,7 @@
           <a:p>
             <a:fld id="{519C5307-3A56-4F91-8FB2-60E4C7C3FF23}" type="datetime1">
               <a:rPr lang="it-IT" smtClean="0"/>
-              <a:t>20/11/2019</a:t>
+              <a:t>21/11/2019</a:t>
             </a:fld>
             <a:endParaRPr lang="it-IT"/>
           </a:p>
@@ -11491,7 +11516,7 @@
         <p:spPr>
           <a:xfrm>
             <a:off x="882212" y="1003301"/>
-            <a:ext cx="10427575" cy="3785075"/>
+            <a:ext cx="10427575" cy="5186484"/>
           </a:xfrm>
           <a:prstGeom prst="rect">
             <a:avLst/>
@@ -11555,6 +11580,608 @@
                 <a:spcPts val="0"/>
               </a:spcAft>
             </a:pPr>
+            <a:endParaRPr lang="it-IT" dirty="0">
+              <a:solidFill>
+                <a:schemeClr val="bg1"/>
+              </a:solidFill>
+              <a:latin typeface="Avenir Next LT Pro Light" panose="020B0304020202020204" pitchFamily="34" charset="0"/>
+              <a:ea typeface="Calibri" panose="020F0502020204030204" pitchFamily="34" charset="0"/>
+              <a:cs typeface="Times New Roman" panose="02020603050405020304" pitchFamily="18" charset="0"/>
+            </a:endParaRPr>
+          </a:p>
+          <a:p>
+            <a:pPr>
+              <a:lnSpc>
+                <a:spcPct val="150000"/>
+              </a:lnSpc>
+              <a:spcAft>
+                <a:spcPts val="0"/>
+              </a:spcAft>
+            </a:pPr>
+            <a:r>
+              <a:rPr lang="it-IT" sz="1200" dirty="0">
+                <a:solidFill>
+                  <a:srgbClr val="569CD6"/>
+                </a:solidFill>
+                <a:latin typeface="Consolas" panose="020B0609020204030204" pitchFamily="49" charset="0"/>
+                <a:ea typeface="Times New Roman" panose="02020603050405020304" pitchFamily="18" charset="0"/>
+                <a:cs typeface="Times New Roman" panose="02020603050405020304" pitchFamily="18" charset="0"/>
+              </a:rPr>
+              <a:t>public</a:t>
+            </a:r>
+            <a:r>
+              <a:rPr lang="it-IT" sz="1200" dirty="0">
+                <a:solidFill>
+                  <a:srgbClr val="D4D4D4"/>
+                </a:solidFill>
+                <a:latin typeface="Consolas" panose="020B0609020204030204" pitchFamily="49" charset="0"/>
+                <a:ea typeface="Times New Roman" panose="02020603050405020304" pitchFamily="18" charset="0"/>
+                <a:cs typeface="Times New Roman" panose="02020603050405020304" pitchFamily="18" charset="0"/>
+              </a:rPr>
+              <a:t> </a:t>
+            </a:r>
+            <a:r>
+              <a:rPr lang="it-IT" sz="1200" dirty="0" err="1">
+                <a:solidFill>
+                  <a:srgbClr val="4EC9B0"/>
+                </a:solidFill>
+                <a:latin typeface="Consolas" panose="020B0609020204030204" pitchFamily="49" charset="0"/>
+                <a:ea typeface="Times New Roman" panose="02020603050405020304" pitchFamily="18" charset="0"/>
+                <a:cs typeface="Times New Roman" panose="02020603050405020304" pitchFamily="18" charset="0"/>
+              </a:rPr>
+              <a:t>int</a:t>
+            </a:r>
+            <a:r>
+              <a:rPr lang="it-IT" sz="1200" dirty="0">
+                <a:solidFill>
+                  <a:srgbClr val="D4D4D4"/>
+                </a:solidFill>
+                <a:latin typeface="Consolas" panose="020B0609020204030204" pitchFamily="49" charset="0"/>
+                <a:ea typeface="Times New Roman" panose="02020603050405020304" pitchFamily="18" charset="0"/>
+                <a:cs typeface="Times New Roman" panose="02020603050405020304" pitchFamily="18" charset="0"/>
+              </a:rPr>
+              <a:t> </a:t>
+            </a:r>
+            <a:r>
+              <a:rPr lang="it-IT" sz="1200" dirty="0" err="1">
+                <a:solidFill>
+                  <a:srgbClr val="DCDCAA"/>
+                </a:solidFill>
+                <a:latin typeface="Consolas" panose="020B0609020204030204" pitchFamily="49" charset="0"/>
+                <a:ea typeface="Times New Roman" panose="02020603050405020304" pitchFamily="18" charset="0"/>
+                <a:cs typeface="Times New Roman" panose="02020603050405020304" pitchFamily="18" charset="0"/>
+              </a:rPr>
+              <a:t>conta_righe</a:t>
+            </a:r>
+            <a:r>
+              <a:rPr lang="it-IT" sz="1200" dirty="0">
+                <a:solidFill>
+                  <a:srgbClr val="D4D4D4"/>
+                </a:solidFill>
+                <a:latin typeface="Consolas" panose="020B0609020204030204" pitchFamily="49" charset="0"/>
+                <a:ea typeface="Times New Roman" panose="02020603050405020304" pitchFamily="18" charset="0"/>
+                <a:cs typeface="Times New Roman" panose="02020603050405020304" pitchFamily="18" charset="0"/>
+              </a:rPr>
+              <a:t>(</a:t>
+            </a:r>
+            <a:r>
+              <a:rPr lang="it-IT" sz="1200" dirty="0" err="1">
+                <a:solidFill>
+                  <a:srgbClr val="4EC9B0"/>
+                </a:solidFill>
+                <a:latin typeface="Consolas" panose="020B0609020204030204" pitchFamily="49" charset="0"/>
+                <a:ea typeface="Times New Roman" panose="02020603050405020304" pitchFamily="18" charset="0"/>
+                <a:cs typeface="Times New Roman" panose="02020603050405020304" pitchFamily="18" charset="0"/>
+              </a:rPr>
+              <a:t>String</a:t>
+            </a:r>
+            <a:r>
+              <a:rPr lang="it-IT" sz="1200" dirty="0">
+                <a:solidFill>
+                  <a:srgbClr val="D4D4D4"/>
+                </a:solidFill>
+                <a:latin typeface="Consolas" panose="020B0609020204030204" pitchFamily="49" charset="0"/>
+                <a:ea typeface="Times New Roman" panose="02020603050405020304" pitchFamily="18" charset="0"/>
+                <a:cs typeface="Times New Roman" panose="02020603050405020304" pitchFamily="18" charset="0"/>
+              </a:rPr>
+              <a:t> </a:t>
+            </a:r>
+            <a:r>
+              <a:rPr lang="it-IT" sz="1200" dirty="0" err="1">
+                <a:solidFill>
+                  <a:srgbClr val="9CDCFE"/>
+                </a:solidFill>
+                <a:latin typeface="Consolas" panose="020B0609020204030204" pitchFamily="49" charset="0"/>
+                <a:ea typeface="Times New Roman" panose="02020603050405020304" pitchFamily="18" charset="0"/>
+                <a:cs typeface="Times New Roman" panose="02020603050405020304" pitchFamily="18" charset="0"/>
+              </a:rPr>
+              <a:t>fileName</a:t>
+            </a:r>
+            <a:r>
+              <a:rPr lang="it-IT" sz="1200" dirty="0">
+                <a:solidFill>
+                  <a:srgbClr val="D4D4D4"/>
+                </a:solidFill>
+                <a:latin typeface="Consolas" panose="020B0609020204030204" pitchFamily="49" charset="0"/>
+                <a:ea typeface="Times New Roman" panose="02020603050405020304" pitchFamily="18" charset="0"/>
+                <a:cs typeface="Times New Roman" panose="02020603050405020304" pitchFamily="18" charset="0"/>
+              </a:rPr>
+              <a:t>, </a:t>
+            </a:r>
+            <a:r>
+              <a:rPr lang="it-IT" sz="1200" dirty="0" err="1">
+                <a:solidFill>
+                  <a:srgbClr val="4EC9B0"/>
+                </a:solidFill>
+                <a:latin typeface="Consolas" panose="020B0609020204030204" pitchFamily="49" charset="0"/>
+                <a:ea typeface="Times New Roman" panose="02020603050405020304" pitchFamily="18" charset="0"/>
+                <a:cs typeface="Times New Roman" panose="02020603050405020304" pitchFamily="18" charset="0"/>
+              </a:rPr>
+              <a:t>int</a:t>
+            </a:r>
+            <a:r>
+              <a:rPr lang="it-IT" sz="1200" dirty="0">
+                <a:solidFill>
+                  <a:srgbClr val="D4D4D4"/>
+                </a:solidFill>
+                <a:latin typeface="Consolas" panose="020B0609020204030204" pitchFamily="49" charset="0"/>
+                <a:ea typeface="Times New Roman" panose="02020603050405020304" pitchFamily="18" charset="0"/>
+                <a:cs typeface="Times New Roman" panose="02020603050405020304" pitchFamily="18" charset="0"/>
+              </a:rPr>
+              <a:t> </a:t>
+            </a:r>
+            <a:r>
+              <a:rPr lang="it-IT" sz="1200" dirty="0" err="1">
+                <a:solidFill>
+                  <a:srgbClr val="9CDCFE"/>
+                </a:solidFill>
+                <a:latin typeface="Consolas" panose="020B0609020204030204" pitchFamily="49" charset="0"/>
+                <a:ea typeface="Times New Roman" panose="02020603050405020304" pitchFamily="18" charset="0"/>
+                <a:cs typeface="Times New Roman" panose="02020603050405020304" pitchFamily="18" charset="0"/>
+              </a:rPr>
+              <a:t>threshold</a:t>
+            </a:r>
+            <a:r>
+              <a:rPr lang="it-IT" sz="1200" dirty="0">
+                <a:solidFill>
+                  <a:srgbClr val="D4D4D4"/>
+                </a:solidFill>
+                <a:latin typeface="Consolas" panose="020B0609020204030204" pitchFamily="49" charset="0"/>
+                <a:ea typeface="Times New Roman" panose="02020603050405020304" pitchFamily="18" charset="0"/>
+                <a:cs typeface="Times New Roman" panose="02020603050405020304" pitchFamily="18" charset="0"/>
+              </a:rPr>
+              <a:t>, </a:t>
+            </a:r>
+            <a:r>
+              <a:rPr lang="it-IT" sz="1200" dirty="0" err="1">
+                <a:solidFill>
+                  <a:srgbClr val="4EC9B0"/>
+                </a:solidFill>
+                <a:latin typeface="Consolas" panose="020B0609020204030204" pitchFamily="49" charset="0"/>
+                <a:ea typeface="Times New Roman" panose="02020603050405020304" pitchFamily="18" charset="0"/>
+                <a:cs typeface="Times New Roman" panose="02020603050405020304" pitchFamily="18" charset="0"/>
+              </a:rPr>
+              <a:t>String</a:t>
+            </a:r>
+            <a:r>
+              <a:rPr lang="it-IT" sz="1200" dirty="0">
+                <a:solidFill>
+                  <a:srgbClr val="D4D4D4"/>
+                </a:solidFill>
+                <a:latin typeface="Consolas" panose="020B0609020204030204" pitchFamily="49" charset="0"/>
+                <a:ea typeface="Times New Roman" panose="02020603050405020304" pitchFamily="18" charset="0"/>
+                <a:cs typeface="Times New Roman" panose="02020603050405020304" pitchFamily="18" charset="0"/>
+              </a:rPr>
+              <a:t> </a:t>
+            </a:r>
+            <a:r>
+              <a:rPr lang="it-IT" sz="1200" dirty="0" err="1">
+                <a:solidFill>
+                  <a:srgbClr val="9CDCFE"/>
+                </a:solidFill>
+                <a:latin typeface="Consolas" panose="020B0609020204030204" pitchFamily="49" charset="0"/>
+                <a:ea typeface="Times New Roman" panose="02020603050405020304" pitchFamily="18" charset="0"/>
+                <a:cs typeface="Times New Roman" panose="02020603050405020304" pitchFamily="18" charset="0"/>
+              </a:rPr>
+              <a:t>delim</a:t>
+            </a:r>
+            <a:r>
+              <a:rPr lang="it-IT" sz="1200" dirty="0">
+                <a:solidFill>
+                  <a:srgbClr val="D4D4D4"/>
+                </a:solidFill>
+                <a:latin typeface="Consolas" panose="020B0609020204030204" pitchFamily="49" charset="0"/>
+                <a:ea typeface="Times New Roman" panose="02020603050405020304" pitchFamily="18" charset="0"/>
+                <a:cs typeface="Times New Roman" panose="02020603050405020304" pitchFamily="18" charset="0"/>
+              </a:rPr>
+              <a:t>) </a:t>
+            </a:r>
+            <a:r>
+              <a:rPr lang="it-IT" sz="1200" dirty="0" err="1">
+                <a:solidFill>
+                  <a:srgbClr val="569CD6"/>
+                </a:solidFill>
+                <a:latin typeface="Consolas" panose="020B0609020204030204" pitchFamily="49" charset="0"/>
+                <a:ea typeface="Times New Roman" panose="02020603050405020304" pitchFamily="18" charset="0"/>
+                <a:cs typeface="Times New Roman" panose="02020603050405020304" pitchFamily="18" charset="0"/>
+              </a:rPr>
+              <a:t>throws</a:t>
+            </a:r>
+            <a:r>
+              <a:rPr lang="it-IT" sz="1200" dirty="0">
+                <a:solidFill>
+                  <a:srgbClr val="D4D4D4"/>
+                </a:solidFill>
+                <a:latin typeface="Consolas" panose="020B0609020204030204" pitchFamily="49" charset="0"/>
+                <a:ea typeface="Times New Roman" panose="02020603050405020304" pitchFamily="18" charset="0"/>
+                <a:cs typeface="Times New Roman" panose="02020603050405020304" pitchFamily="18" charset="0"/>
+              </a:rPr>
+              <a:t> </a:t>
+            </a:r>
+            <a:r>
+              <a:rPr lang="it-IT" sz="1200" dirty="0" err="1">
+                <a:solidFill>
+                  <a:srgbClr val="4EC9B0"/>
+                </a:solidFill>
+                <a:latin typeface="Consolas" panose="020B0609020204030204" pitchFamily="49" charset="0"/>
+                <a:ea typeface="Times New Roman" panose="02020603050405020304" pitchFamily="18" charset="0"/>
+                <a:cs typeface="Times New Roman" panose="02020603050405020304" pitchFamily="18" charset="0"/>
+              </a:rPr>
+              <a:t>RemoteException</a:t>
+            </a:r>
+            <a:r>
+              <a:rPr lang="it-IT" sz="1200" dirty="0">
+                <a:solidFill>
+                  <a:srgbClr val="D4D4D4"/>
+                </a:solidFill>
+                <a:latin typeface="Consolas" panose="020B0609020204030204" pitchFamily="49" charset="0"/>
+                <a:ea typeface="Times New Roman" panose="02020603050405020304" pitchFamily="18" charset="0"/>
+                <a:cs typeface="Times New Roman" panose="02020603050405020304" pitchFamily="18" charset="0"/>
+              </a:rPr>
+              <a:t>, </a:t>
+            </a:r>
+            <a:r>
+              <a:rPr lang="it-IT" sz="1200" dirty="0" err="1">
+                <a:solidFill>
+                  <a:srgbClr val="4EC9B0"/>
+                </a:solidFill>
+                <a:latin typeface="Consolas" panose="020B0609020204030204" pitchFamily="49" charset="0"/>
+                <a:ea typeface="Times New Roman" panose="02020603050405020304" pitchFamily="18" charset="0"/>
+                <a:cs typeface="Times New Roman" panose="02020603050405020304" pitchFamily="18" charset="0"/>
+              </a:rPr>
+              <a:t>FileNotFoundException</a:t>
+            </a:r>
+            <a:r>
+              <a:rPr lang="it-IT" sz="1200" dirty="0">
+                <a:solidFill>
+                  <a:srgbClr val="D4D4D4"/>
+                </a:solidFill>
+                <a:latin typeface="Consolas" panose="020B0609020204030204" pitchFamily="49" charset="0"/>
+                <a:ea typeface="Times New Roman" panose="02020603050405020304" pitchFamily="18" charset="0"/>
+                <a:cs typeface="Times New Roman" panose="02020603050405020304" pitchFamily="18" charset="0"/>
+              </a:rPr>
+              <a:t>;</a:t>
+            </a:r>
+            <a:endParaRPr lang="it-IT" sz="1200" dirty="0">
+              <a:latin typeface="Consolas" panose="020B0609020204030204" pitchFamily="49" charset="0"/>
+              <a:ea typeface="Calibri" panose="020F0502020204030204" pitchFamily="34" charset="0"/>
+              <a:cs typeface="Times New Roman" panose="02020603050405020304" pitchFamily="18" charset="0"/>
+            </a:endParaRPr>
+          </a:p>
+          <a:p>
+            <a:pPr>
+              <a:lnSpc>
+                <a:spcPct val="150000"/>
+              </a:lnSpc>
+              <a:spcAft>
+                <a:spcPts val="0"/>
+              </a:spcAft>
+            </a:pPr>
+            <a:r>
+              <a:rPr lang="it-IT" sz="1200" dirty="0">
+                <a:solidFill>
+                  <a:srgbClr val="569CD6"/>
+                </a:solidFill>
+                <a:latin typeface="Consolas" panose="020B0609020204030204" pitchFamily="49" charset="0"/>
+                <a:ea typeface="Times New Roman" panose="02020603050405020304" pitchFamily="18" charset="0"/>
+                <a:cs typeface="Times New Roman" panose="02020603050405020304" pitchFamily="18" charset="0"/>
+              </a:rPr>
+              <a:t>public</a:t>
+            </a:r>
+            <a:r>
+              <a:rPr lang="it-IT" sz="1200" dirty="0">
+                <a:solidFill>
+                  <a:srgbClr val="D4D4D4"/>
+                </a:solidFill>
+                <a:latin typeface="Consolas" panose="020B0609020204030204" pitchFamily="49" charset="0"/>
+                <a:ea typeface="Times New Roman" panose="02020603050405020304" pitchFamily="18" charset="0"/>
+                <a:cs typeface="Times New Roman" panose="02020603050405020304" pitchFamily="18" charset="0"/>
+              </a:rPr>
+              <a:t> </a:t>
+            </a:r>
+            <a:r>
+              <a:rPr lang="it-IT" sz="1200" dirty="0" err="1">
+                <a:solidFill>
+                  <a:srgbClr val="4EC9B0"/>
+                </a:solidFill>
+                <a:latin typeface="Consolas" panose="020B0609020204030204" pitchFamily="49" charset="0"/>
+                <a:ea typeface="Times New Roman" panose="02020603050405020304" pitchFamily="18" charset="0"/>
+                <a:cs typeface="Times New Roman" panose="02020603050405020304" pitchFamily="18" charset="0"/>
+              </a:rPr>
+              <a:t>int</a:t>
+            </a:r>
+            <a:r>
+              <a:rPr lang="it-IT" sz="1200" dirty="0">
+                <a:solidFill>
+                  <a:srgbClr val="D4D4D4"/>
+                </a:solidFill>
+                <a:latin typeface="Consolas" panose="020B0609020204030204" pitchFamily="49" charset="0"/>
+                <a:ea typeface="Times New Roman" panose="02020603050405020304" pitchFamily="18" charset="0"/>
+                <a:cs typeface="Times New Roman" panose="02020603050405020304" pitchFamily="18" charset="0"/>
+              </a:rPr>
+              <a:t> </a:t>
+            </a:r>
+            <a:r>
+              <a:rPr lang="it-IT" sz="1200" dirty="0" err="1">
+                <a:solidFill>
+                  <a:srgbClr val="DCDCAA"/>
+                </a:solidFill>
+                <a:latin typeface="Consolas" panose="020B0609020204030204" pitchFamily="49" charset="0"/>
+                <a:ea typeface="Times New Roman" panose="02020603050405020304" pitchFamily="18" charset="0"/>
+                <a:cs typeface="Times New Roman" panose="02020603050405020304" pitchFamily="18" charset="0"/>
+              </a:rPr>
+              <a:t>conta_righe_char</a:t>
+            </a:r>
+            <a:r>
+              <a:rPr lang="it-IT" sz="1200" dirty="0">
+                <a:solidFill>
+                  <a:srgbClr val="D4D4D4"/>
+                </a:solidFill>
+                <a:latin typeface="Consolas" panose="020B0609020204030204" pitchFamily="49" charset="0"/>
+                <a:ea typeface="Times New Roman" panose="02020603050405020304" pitchFamily="18" charset="0"/>
+                <a:cs typeface="Times New Roman" panose="02020603050405020304" pitchFamily="18" charset="0"/>
+              </a:rPr>
+              <a:t>(</a:t>
+            </a:r>
+            <a:r>
+              <a:rPr lang="it-IT" sz="1200" dirty="0" err="1">
+                <a:solidFill>
+                  <a:srgbClr val="4EC9B0"/>
+                </a:solidFill>
+                <a:latin typeface="Consolas" panose="020B0609020204030204" pitchFamily="49" charset="0"/>
+                <a:ea typeface="Times New Roman" panose="02020603050405020304" pitchFamily="18" charset="0"/>
+                <a:cs typeface="Times New Roman" panose="02020603050405020304" pitchFamily="18" charset="0"/>
+              </a:rPr>
+              <a:t>String</a:t>
+            </a:r>
+            <a:r>
+              <a:rPr lang="it-IT" sz="1200" dirty="0">
+                <a:solidFill>
+                  <a:srgbClr val="D4D4D4"/>
+                </a:solidFill>
+                <a:latin typeface="Consolas" panose="020B0609020204030204" pitchFamily="49" charset="0"/>
+                <a:ea typeface="Times New Roman" panose="02020603050405020304" pitchFamily="18" charset="0"/>
+                <a:cs typeface="Times New Roman" panose="02020603050405020304" pitchFamily="18" charset="0"/>
+              </a:rPr>
+              <a:t> </a:t>
+            </a:r>
+            <a:r>
+              <a:rPr lang="it-IT" sz="1200" dirty="0" err="1">
+                <a:solidFill>
+                  <a:srgbClr val="9CDCFE"/>
+                </a:solidFill>
+                <a:latin typeface="Consolas" panose="020B0609020204030204" pitchFamily="49" charset="0"/>
+                <a:ea typeface="Times New Roman" panose="02020603050405020304" pitchFamily="18" charset="0"/>
+                <a:cs typeface="Times New Roman" panose="02020603050405020304" pitchFamily="18" charset="0"/>
+              </a:rPr>
+              <a:t>fileName</a:t>
+            </a:r>
+            <a:r>
+              <a:rPr lang="it-IT" sz="1200" dirty="0">
+                <a:solidFill>
+                  <a:srgbClr val="D4D4D4"/>
+                </a:solidFill>
+                <a:latin typeface="Consolas" panose="020B0609020204030204" pitchFamily="49" charset="0"/>
+                <a:ea typeface="Times New Roman" panose="02020603050405020304" pitchFamily="18" charset="0"/>
+                <a:cs typeface="Times New Roman" panose="02020603050405020304" pitchFamily="18" charset="0"/>
+              </a:rPr>
+              <a:t>, </a:t>
+            </a:r>
+            <a:r>
+              <a:rPr lang="it-IT" sz="1200" dirty="0" err="1">
+                <a:solidFill>
+                  <a:srgbClr val="4EC9B0"/>
+                </a:solidFill>
+                <a:latin typeface="Consolas" panose="020B0609020204030204" pitchFamily="49" charset="0"/>
+                <a:ea typeface="Times New Roman" panose="02020603050405020304" pitchFamily="18" charset="0"/>
+                <a:cs typeface="Times New Roman" panose="02020603050405020304" pitchFamily="18" charset="0"/>
+              </a:rPr>
+              <a:t>int</a:t>
+            </a:r>
+            <a:r>
+              <a:rPr lang="it-IT" sz="1200" dirty="0">
+                <a:solidFill>
+                  <a:srgbClr val="D4D4D4"/>
+                </a:solidFill>
+                <a:latin typeface="Consolas" panose="020B0609020204030204" pitchFamily="49" charset="0"/>
+                <a:ea typeface="Times New Roman" panose="02020603050405020304" pitchFamily="18" charset="0"/>
+                <a:cs typeface="Times New Roman" panose="02020603050405020304" pitchFamily="18" charset="0"/>
+              </a:rPr>
+              <a:t> </a:t>
+            </a:r>
+            <a:r>
+              <a:rPr lang="it-IT" sz="1200" dirty="0" err="1">
+                <a:solidFill>
+                  <a:srgbClr val="9CDCFE"/>
+                </a:solidFill>
+                <a:latin typeface="Consolas" panose="020B0609020204030204" pitchFamily="49" charset="0"/>
+                <a:ea typeface="Times New Roman" panose="02020603050405020304" pitchFamily="18" charset="0"/>
+                <a:cs typeface="Times New Roman" panose="02020603050405020304" pitchFamily="18" charset="0"/>
+              </a:rPr>
+              <a:t>threshold</a:t>
+            </a:r>
+            <a:r>
+              <a:rPr lang="it-IT" sz="1200" dirty="0">
+                <a:solidFill>
+                  <a:srgbClr val="D4D4D4"/>
+                </a:solidFill>
+                <a:latin typeface="Consolas" panose="020B0609020204030204" pitchFamily="49" charset="0"/>
+                <a:ea typeface="Times New Roman" panose="02020603050405020304" pitchFamily="18" charset="0"/>
+                <a:cs typeface="Times New Roman" panose="02020603050405020304" pitchFamily="18" charset="0"/>
+              </a:rPr>
+              <a:t>, </a:t>
+            </a:r>
+            <a:r>
+              <a:rPr lang="it-IT" sz="1200" dirty="0" err="1">
+                <a:solidFill>
+                  <a:srgbClr val="4EC9B0"/>
+                </a:solidFill>
+                <a:latin typeface="Consolas" panose="020B0609020204030204" pitchFamily="49" charset="0"/>
+                <a:ea typeface="Times New Roman" panose="02020603050405020304" pitchFamily="18" charset="0"/>
+                <a:cs typeface="Times New Roman" panose="02020603050405020304" pitchFamily="18" charset="0"/>
+              </a:rPr>
+              <a:t>String</a:t>
+            </a:r>
+            <a:r>
+              <a:rPr lang="it-IT" sz="1200" dirty="0">
+                <a:solidFill>
+                  <a:srgbClr val="D4D4D4"/>
+                </a:solidFill>
+                <a:latin typeface="Consolas" panose="020B0609020204030204" pitchFamily="49" charset="0"/>
+                <a:ea typeface="Times New Roman" panose="02020603050405020304" pitchFamily="18" charset="0"/>
+                <a:cs typeface="Times New Roman" panose="02020603050405020304" pitchFamily="18" charset="0"/>
+              </a:rPr>
+              <a:t> </a:t>
+            </a:r>
+            <a:r>
+              <a:rPr lang="it-IT" sz="1200" dirty="0" err="1">
+                <a:solidFill>
+                  <a:srgbClr val="9CDCFE"/>
+                </a:solidFill>
+                <a:latin typeface="Consolas" panose="020B0609020204030204" pitchFamily="49" charset="0"/>
+                <a:ea typeface="Times New Roman" panose="02020603050405020304" pitchFamily="18" charset="0"/>
+                <a:cs typeface="Times New Roman" panose="02020603050405020304" pitchFamily="18" charset="0"/>
+              </a:rPr>
+              <a:t>delim</a:t>
+            </a:r>
+            <a:r>
+              <a:rPr lang="it-IT" sz="1200" dirty="0">
+                <a:solidFill>
+                  <a:srgbClr val="D4D4D4"/>
+                </a:solidFill>
+                <a:latin typeface="Consolas" panose="020B0609020204030204" pitchFamily="49" charset="0"/>
+                <a:ea typeface="Times New Roman" panose="02020603050405020304" pitchFamily="18" charset="0"/>
+                <a:cs typeface="Times New Roman" panose="02020603050405020304" pitchFamily="18" charset="0"/>
+              </a:rPr>
+              <a:t>) </a:t>
+            </a:r>
+            <a:r>
+              <a:rPr lang="it-IT" sz="1200" dirty="0" err="1">
+                <a:solidFill>
+                  <a:srgbClr val="569CD6"/>
+                </a:solidFill>
+                <a:latin typeface="Consolas" panose="020B0609020204030204" pitchFamily="49" charset="0"/>
+                <a:ea typeface="Times New Roman" panose="02020603050405020304" pitchFamily="18" charset="0"/>
+                <a:cs typeface="Times New Roman" panose="02020603050405020304" pitchFamily="18" charset="0"/>
+              </a:rPr>
+              <a:t>throws</a:t>
+            </a:r>
+            <a:r>
+              <a:rPr lang="it-IT" sz="1200" dirty="0">
+                <a:solidFill>
+                  <a:srgbClr val="D4D4D4"/>
+                </a:solidFill>
+                <a:latin typeface="Consolas" panose="020B0609020204030204" pitchFamily="49" charset="0"/>
+                <a:ea typeface="Times New Roman" panose="02020603050405020304" pitchFamily="18" charset="0"/>
+                <a:cs typeface="Times New Roman" panose="02020603050405020304" pitchFamily="18" charset="0"/>
+              </a:rPr>
+              <a:t> </a:t>
+            </a:r>
+            <a:r>
+              <a:rPr lang="it-IT" sz="1200" dirty="0" err="1">
+                <a:solidFill>
+                  <a:srgbClr val="4EC9B0"/>
+                </a:solidFill>
+                <a:latin typeface="Consolas" panose="020B0609020204030204" pitchFamily="49" charset="0"/>
+                <a:ea typeface="Times New Roman" panose="02020603050405020304" pitchFamily="18" charset="0"/>
+                <a:cs typeface="Times New Roman" panose="02020603050405020304" pitchFamily="18" charset="0"/>
+              </a:rPr>
+              <a:t>RemoteException</a:t>
+            </a:r>
+            <a:r>
+              <a:rPr lang="it-IT" sz="1200" dirty="0">
+                <a:solidFill>
+                  <a:srgbClr val="D4D4D4"/>
+                </a:solidFill>
+                <a:latin typeface="Consolas" panose="020B0609020204030204" pitchFamily="49" charset="0"/>
+                <a:ea typeface="Times New Roman" panose="02020603050405020304" pitchFamily="18" charset="0"/>
+                <a:cs typeface="Times New Roman" panose="02020603050405020304" pitchFamily="18" charset="0"/>
+              </a:rPr>
+              <a:t>, </a:t>
+            </a:r>
+            <a:r>
+              <a:rPr lang="it-IT" sz="1200" dirty="0" err="1">
+                <a:solidFill>
+                  <a:srgbClr val="4EC9B0"/>
+                </a:solidFill>
+                <a:latin typeface="Consolas" panose="020B0609020204030204" pitchFamily="49" charset="0"/>
+                <a:ea typeface="Times New Roman" panose="02020603050405020304" pitchFamily="18" charset="0"/>
+                <a:cs typeface="Times New Roman" panose="02020603050405020304" pitchFamily="18" charset="0"/>
+              </a:rPr>
+              <a:t>FileNotFoundException</a:t>
+            </a:r>
+            <a:r>
+              <a:rPr lang="it-IT" sz="1200" dirty="0">
+                <a:solidFill>
+                  <a:srgbClr val="D4D4D4"/>
+                </a:solidFill>
+                <a:latin typeface="Consolas" panose="020B0609020204030204" pitchFamily="49" charset="0"/>
+                <a:ea typeface="Times New Roman" panose="02020603050405020304" pitchFamily="18" charset="0"/>
+                <a:cs typeface="Times New Roman" panose="02020603050405020304" pitchFamily="18" charset="0"/>
+              </a:rPr>
+              <a:t>;</a:t>
+            </a:r>
+            <a:endParaRPr lang="it-IT" sz="1200" dirty="0">
+              <a:latin typeface="Consolas" panose="020B0609020204030204" pitchFamily="49" charset="0"/>
+              <a:ea typeface="Calibri" panose="020F0502020204030204" pitchFamily="34" charset="0"/>
+              <a:cs typeface="Times New Roman" panose="02020603050405020304" pitchFamily="18" charset="0"/>
+            </a:endParaRPr>
+          </a:p>
+          <a:p>
+            <a:pPr>
+              <a:lnSpc>
+                <a:spcPct val="107000"/>
+              </a:lnSpc>
+              <a:spcAft>
+                <a:spcPts val="800"/>
+              </a:spcAft>
+            </a:pPr>
+            <a:r>
+              <a:rPr lang="it-IT" sz="2000" dirty="0">
+                <a:latin typeface="Calibri" panose="020F0502020204030204" pitchFamily="34" charset="0"/>
+                <a:ea typeface="Calibri" panose="020F0502020204030204" pitchFamily="34" charset="0"/>
+                <a:cs typeface="Times New Roman" panose="02020603050405020304" pitchFamily="18" charset="0"/>
+              </a:rPr>
+              <a:t> </a:t>
+            </a:r>
+            <a:endParaRPr lang="it-IT" dirty="0">
+              <a:solidFill>
+                <a:schemeClr val="bg1"/>
+              </a:solidFill>
+              <a:latin typeface="Avenir Next LT Pro Light" panose="020B0304020202020204" pitchFamily="34" charset="0"/>
+              <a:ea typeface="Calibri" panose="020F0502020204030204" pitchFamily="34" charset="0"/>
+              <a:cs typeface="Times New Roman" panose="02020603050405020304" pitchFamily="18" charset="0"/>
+            </a:endParaRPr>
+          </a:p>
+          <a:p>
+            <a:pPr algn="just">
+              <a:lnSpc>
+                <a:spcPct val="150000"/>
+              </a:lnSpc>
+              <a:spcAft>
+                <a:spcPts val="0"/>
+              </a:spcAft>
+            </a:pPr>
             <a:r>
               <a:rPr lang="it-IT" dirty="0">
                 <a:solidFill>
@@ -11564,10 +12191,10 @@
                 <a:ea typeface="Calibri" panose="020F0502020204030204" pitchFamily="34" charset="0"/>
                 <a:cs typeface="Times New Roman" panose="02020603050405020304" pitchFamily="18" charset="0"/>
               </a:rPr>
-              <a:t>Le due varianti dell’algoritmo, </a:t>
-            </a:r>
-            <a:r>
-              <a:rPr lang="it-IT" dirty="0">
+              <a:t>Le due varianti dell’algoritmo, tramite </a:t>
+            </a:r>
+            <a:r>
+              <a:rPr lang="it-IT" dirty="0" err="1">
                 <a:solidFill>
                   <a:srgbClr val="00B0F0"/>
                 </a:solidFill>
@@ -11575,7 +12202,7 @@
                 <a:ea typeface="Calibri" panose="020F0502020204030204" pitchFamily="34" charset="0"/>
                 <a:cs typeface="Times New Roman" panose="02020603050405020304" pitchFamily="18" charset="0"/>
               </a:rPr>
-              <a:t>carattere per carattere</a:t>
+              <a:t>StringTokenizer</a:t>
             </a:r>
             <a:r>
               <a:rPr lang="it-IT" dirty="0">
@@ -11586,10 +12213,10 @@
                 <a:ea typeface="Calibri" panose="020F0502020204030204" pitchFamily="34" charset="0"/>
                 <a:cs typeface="Times New Roman" panose="02020603050405020304" pitchFamily="18" charset="0"/>
               </a:rPr>
-              <a:t> e tramite </a:t>
-            </a:r>
-            <a:r>
-              <a:rPr lang="it-IT" dirty="0" err="1">
+              <a:t> e </a:t>
+            </a:r>
+            <a:r>
+              <a:rPr lang="it-IT" dirty="0">
                 <a:solidFill>
                   <a:srgbClr val="00B0F0"/>
                 </a:solidFill>
@@ -11597,7 +12224,7 @@
                 <a:ea typeface="Calibri" panose="020F0502020204030204" pitchFamily="34" charset="0"/>
                 <a:cs typeface="Times New Roman" panose="02020603050405020304" pitchFamily="18" charset="0"/>
               </a:rPr>
-              <a:t>StringTokenizer</a:t>
+              <a:t>carattere per carattere</a:t>
             </a:r>
             <a:r>
               <a:rPr lang="it-IT" dirty="0">
